--- a/images/processing_images.pptx
+++ b/images/processing_images.pptx
@@ -4559,7 +4559,7 @@
                 </a:solidFill>
                 <a:latin typeface="-apple-system"/>
               </a:rPr>
-              <a:t>people in the government care more about words in a bible than women and their bodies</a:t>
+              <a:t>Only one can have bodily autonomy</a:t>
             </a:r>
             <a:endParaRPr lang="en-TW" sz="2200" dirty="0">
               <a:solidFill>
@@ -4620,13 +4620,34 @@
           <a:lstStyle/>
           <a:p>
             <a:r>
-              <a:rPr lang="en-TW" sz="2200" dirty="0">
+              <a:rPr lang="en-US" sz="2200" dirty="0">
                 <a:solidFill>
                   <a:schemeClr val="tx1"/>
                 </a:solidFill>
               </a:rPr>
-              <a:t>@glennbeck I would like to see poll: How many abortion doctors have told a woman "No, an abortion is not required in your case.</a:t>
-            </a:r>
+              <a:t>@</a:t>
+            </a:r>
+            <a:r>
+              <a:rPr lang="en-US" sz="2200" dirty="0" err="1">
+                <a:solidFill>
+                  <a:schemeClr val="tx1"/>
+                </a:solidFill>
+              </a:rPr>
+              <a:t>ScottWalker</a:t>
+            </a:r>
+            <a:r>
+              <a:rPr lang="en-US" sz="2200" dirty="0">
+                <a:solidFill>
+                  <a:schemeClr val="tx1"/>
+                </a:solidFill>
+              </a:rPr>
+              <a:t>   goes along with the world is the law of God and not of men</a:t>
+            </a:r>
+            <a:endParaRPr lang="en-TW" sz="2200" dirty="0">
+              <a:solidFill>
+                <a:schemeClr val="tx1"/>
+              </a:solidFill>
+            </a:endParaRPr>
           </a:p>
         </p:txBody>
       </p:sp>

--- a/images/processing_images.pptx
+++ b/images/processing_images.pptx
@@ -4,10 +4,15 @@
   <p:sldMasterIdLst>
     <p:sldMasterId id="2147483648" r:id="rId1"/>
   </p:sldMasterIdLst>
+  <p:notesMasterIdLst>
+    <p:notesMasterId r:id="rId7"/>
+  </p:notesMasterIdLst>
   <p:sldIdLst>
     <p:sldId id="256" r:id="rId2"/>
     <p:sldId id="257" r:id="rId3"/>
     <p:sldId id="258" r:id="rId4"/>
+    <p:sldId id="328" r:id="rId5"/>
+    <p:sldId id="329" r:id="rId6"/>
   </p:sldIdLst>
   <p:sldSz cx="12192000" cy="6858000"/>
   <p:notesSz cx="6858000" cy="9144000"/>
@@ -125,6 +130,574 @@
 </p:presentation>
 </file>
 
+<file path=ppt/notesMasters/notesMaster1.xml><?xml version="1.0" encoding="utf-8"?>
+<p:notesMaster xmlns:a="http://schemas.openxmlformats.org/drawingml/2006/main" xmlns:r="http://schemas.openxmlformats.org/officeDocument/2006/relationships" xmlns:p="http://schemas.openxmlformats.org/presentationml/2006/main">
+  <p:cSld>
+    <p:bg>
+      <p:bgRef idx="1001">
+        <a:schemeClr val="bg1"/>
+      </p:bgRef>
+    </p:bg>
+    <p:spTree>
+      <p:nvGrpSpPr>
+        <p:cNvPr id="1" name=""/>
+        <p:cNvGrpSpPr/>
+        <p:nvPr/>
+      </p:nvGrpSpPr>
+      <p:grpSpPr>
+        <a:xfrm>
+          <a:off x="0" y="0"/>
+          <a:ext cx="0" cy="0"/>
+          <a:chOff x="0" y="0"/>
+          <a:chExt cx="0" cy="0"/>
+        </a:xfrm>
+      </p:grpSpPr>
+      <p:sp>
+        <p:nvSpPr>
+          <p:cNvPr id="2" name="Header Placeholder 1"/>
+          <p:cNvSpPr>
+            <a:spLocks noGrp="1"/>
+          </p:cNvSpPr>
+          <p:nvPr>
+            <p:ph type="hdr" sz="quarter"/>
+          </p:nvPr>
+        </p:nvSpPr>
+        <p:spPr>
+          <a:xfrm>
+            <a:off x="0" y="0"/>
+            <a:ext cx="2971800" cy="458788"/>
+          </a:xfrm>
+          <a:prstGeom prst="rect">
+            <a:avLst/>
+          </a:prstGeom>
+        </p:spPr>
+        <p:txBody>
+          <a:bodyPr vert="horz" lIns="91440" tIns="45720" rIns="91440" bIns="45720" rtlCol="0"/>
+          <a:lstStyle>
+            <a:lvl1pPr algn="l">
+              <a:defRPr sz="1200"/>
+            </a:lvl1pPr>
+          </a:lstStyle>
+          <a:p>
+            <a:endParaRPr lang="en-TW"/>
+          </a:p>
+        </p:txBody>
+      </p:sp>
+      <p:sp>
+        <p:nvSpPr>
+          <p:cNvPr id="3" name="Date Placeholder 2"/>
+          <p:cNvSpPr>
+            <a:spLocks noGrp="1"/>
+          </p:cNvSpPr>
+          <p:nvPr>
+            <p:ph type="dt" idx="1"/>
+          </p:nvPr>
+        </p:nvSpPr>
+        <p:spPr>
+          <a:xfrm>
+            <a:off x="3884613" y="0"/>
+            <a:ext cx="2971800" cy="458788"/>
+          </a:xfrm>
+          <a:prstGeom prst="rect">
+            <a:avLst/>
+          </a:prstGeom>
+        </p:spPr>
+        <p:txBody>
+          <a:bodyPr vert="horz" lIns="91440" tIns="45720" rIns="91440" bIns="45720" rtlCol="0"/>
+          <a:lstStyle>
+            <a:lvl1pPr algn="r">
+              <a:defRPr sz="1200"/>
+            </a:lvl1pPr>
+          </a:lstStyle>
+          <a:p>
+            <a:fld id="{2F1FA7FD-62C4-4D47-A619-12FE351CA969}" type="datetimeFigureOut">
+              <a:rPr lang="en-TW" smtClean="0"/>
+              <a:t>2023/4/20</a:t>
+            </a:fld>
+            <a:endParaRPr lang="en-TW"/>
+          </a:p>
+        </p:txBody>
+      </p:sp>
+      <p:sp>
+        <p:nvSpPr>
+          <p:cNvPr id="4" name="Slide Image Placeholder 3"/>
+          <p:cNvSpPr>
+            <a:spLocks noGrp="1" noRot="1" noChangeAspect="1"/>
+          </p:cNvSpPr>
+          <p:nvPr>
+            <p:ph type="sldImg" idx="2"/>
+          </p:nvPr>
+        </p:nvSpPr>
+        <p:spPr>
+          <a:xfrm>
+            <a:off x="685800" y="1143000"/>
+            <a:ext cx="5486400" cy="3086100"/>
+          </a:xfrm>
+          <a:prstGeom prst="rect">
+            <a:avLst/>
+          </a:prstGeom>
+          <a:noFill/>
+          <a:ln w="12700">
+            <a:solidFill>
+              <a:prstClr val="black"/>
+            </a:solidFill>
+          </a:ln>
+        </p:spPr>
+        <p:txBody>
+          <a:bodyPr vert="horz" lIns="91440" tIns="45720" rIns="91440" bIns="45720" rtlCol="0" anchor="ctr"/>
+          <a:lstStyle/>
+          <a:p>
+            <a:endParaRPr lang="en-TW"/>
+          </a:p>
+        </p:txBody>
+      </p:sp>
+      <p:sp>
+        <p:nvSpPr>
+          <p:cNvPr id="5" name="Notes Placeholder 4"/>
+          <p:cNvSpPr>
+            <a:spLocks noGrp="1"/>
+          </p:cNvSpPr>
+          <p:nvPr>
+            <p:ph type="body" sz="quarter" idx="3"/>
+          </p:nvPr>
+        </p:nvSpPr>
+        <p:spPr>
+          <a:xfrm>
+            <a:off x="685800" y="4400550"/>
+            <a:ext cx="5486400" cy="3600450"/>
+          </a:xfrm>
+          <a:prstGeom prst="rect">
+            <a:avLst/>
+          </a:prstGeom>
+        </p:spPr>
+        <p:txBody>
+          <a:bodyPr vert="horz" lIns="91440" tIns="45720" rIns="91440" bIns="45720" rtlCol="0"/>
+          <a:lstStyle/>
+          <a:p>
+            <a:pPr lvl="0"/>
+            <a:r>
+              <a:rPr lang="en-US"/>
+              <a:t>Click to edit Master text styles</a:t>
+            </a:r>
+          </a:p>
+          <a:p>
+            <a:pPr lvl="1"/>
+            <a:r>
+              <a:rPr lang="en-US"/>
+              <a:t>Second level</a:t>
+            </a:r>
+          </a:p>
+          <a:p>
+            <a:pPr lvl="2"/>
+            <a:r>
+              <a:rPr lang="en-US"/>
+              <a:t>Third level</a:t>
+            </a:r>
+          </a:p>
+          <a:p>
+            <a:pPr lvl="3"/>
+            <a:r>
+              <a:rPr lang="en-US"/>
+              <a:t>Fourth level</a:t>
+            </a:r>
+          </a:p>
+          <a:p>
+            <a:pPr lvl="4"/>
+            <a:r>
+              <a:rPr lang="en-US"/>
+              <a:t>Fifth level</a:t>
+            </a:r>
+            <a:endParaRPr lang="en-TW"/>
+          </a:p>
+        </p:txBody>
+      </p:sp>
+      <p:sp>
+        <p:nvSpPr>
+          <p:cNvPr id="6" name="Footer Placeholder 5"/>
+          <p:cNvSpPr>
+            <a:spLocks noGrp="1"/>
+          </p:cNvSpPr>
+          <p:nvPr>
+            <p:ph type="ftr" sz="quarter" idx="4"/>
+          </p:nvPr>
+        </p:nvSpPr>
+        <p:spPr>
+          <a:xfrm>
+            <a:off x="0" y="8685213"/>
+            <a:ext cx="2971800" cy="458787"/>
+          </a:xfrm>
+          <a:prstGeom prst="rect">
+            <a:avLst/>
+          </a:prstGeom>
+        </p:spPr>
+        <p:txBody>
+          <a:bodyPr vert="horz" lIns="91440" tIns="45720" rIns="91440" bIns="45720" rtlCol="0" anchor="b"/>
+          <a:lstStyle>
+            <a:lvl1pPr algn="l">
+              <a:defRPr sz="1200"/>
+            </a:lvl1pPr>
+          </a:lstStyle>
+          <a:p>
+            <a:endParaRPr lang="en-TW"/>
+          </a:p>
+        </p:txBody>
+      </p:sp>
+      <p:sp>
+        <p:nvSpPr>
+          <p:cNvPr id="7" name="Slide Number Placeholder 6"/>
+          <p:cNvSpPr>
+            <a:spLocks noGrp="1"/>
+          </p:cNvSpPr>
+          <p:nvPr>
+            <p:ph type="sldNum" sz="quarter" idx="5"/>
+          </p:nvPr>
+        </p:nvSpPr>
+        <p:spPr>
+          <a:xfrm>
+            <a:off x="3884613" y="8685213"/>
+            <a:ext cx="2971800" cy="458787"/>
+          </a:xfrm>
+          <a:prstGeom prst="rect">
+            <a:avLst/>
+          </a:prstGeom>
+        </p:spPr>
+        <p:txBody>
+          <a:bodyPr vert="horz" lIns="91440" tIns="45720" rIns="91440" bIns="45720" rtlCol="0" anchor="b"/>
+          <a:lstStyle>
+            <a:lvl1pPr algn="r">
+              <a:defRPr sz="1200"/>
+            </a:lvl1pPr>
+          </a:lstStyle>
+          <a:p>
+            <a:fld id="{546AAE8F-FE77-AF43-A2EE-74022B440C8B}" type="slidenum">
+              <a:rPr lang="en-TW" smtClean="0"/>
+              <a:t>‹#›</a:t>
+            </a:fld>
+            <a:endParaRPr lang="en-TW"/>
+          </a:p>
+        </p:txBody>
+      </p:sp>
+    </p:spTree>
+    <p:extLst>
+      <p:ext uri="{BB962C8B-B14F-4D97-AF65-F5344CB8AC3E}">
+        <p14:creationId xmlns:p14="http://schemas.microsoft.com/office/powerpoint/2010/main" val="2506614428"/>
+      </p:ext>
+    </p:extLst>
+  </p:cSld>
+  <p:clrMap bg1="lt1" tx1="dk1" bg2="lt2" tx2="dk2" accent1="accent1" accent2="accent2" accent3="accent3" accent4="accent4" accent5="accent5" accent6="accent6" hlink="hlink" folHlink="folHlink"/>
+  <p:notesStyle>
+    <a:lvl1pPr marL="0" algn="l" defTabSz="914400" rtl="0" eaLnBrk="1" latinLnBrk="0" hangingPunct="1">
+      <a:defRPr sz="1200" kern="1200">
+        <a:solidFill>
+          <a:schemeClr val="tx1"/>
+        </a:solidFill>
+        <a:latin typeface="+mn-lt"/>
+        <a:ea typeface="+mn-ea"/>
+        <a:cs typeface="+mn-cs"/>
+      </a:defRPr>
+    </a:lvl1pPr>
+    <a:lvl2pPr marL="457200" algn="l" defTabSz="914400" rtl="0" eaLnBrk="1" latinLnBrk="0" hangingPunct="1">
+      <a:defRPr sz="1200" kern="1200">
+        <a:solidFill>
+          <a:schemeClr val="tx1"/>
+        </a:solidFill>
+        <a:latin typeface="+mn-lt"/>
+        <a:ea typeface="+mn-ea"/>
+        <a:cs typeface="+mn-cs"/>
+      </a:defRPr>
+    </a:lvl2pPr>
+    <a:lvl3pPr marL="914400" algn="l" defTabSz="914400" rtl="0" eaLnBrk="1" latinLnBrk="0" hangingPunct="1">
+      <a:defRPr sz="1200" kern="1200">
+        <a:solidFill>
+          <a:schemeClr val="tx1"/>
+        </a:solidFill>
+        <a:latin typeface="+mn-lt"/>
+        <a:ea typeface="+mn-ea"/>
+        <a:cs typeface="+mn-cs"/>
+      </a:defRPr>
+    </a:lvl3pPr>
+    <a:lvl4pPr marL="1371600" algn="l" defTabSz="914400" rtl="0" eaLnBrk="1" latinLnBrk="0" hangingPunct="1">
+      <a:defRPr sz="1200" kern="1200">
+        <a:solidFill>
+          <a:schemeClr val="tx1"/>
+        </a:solidFill>
+        <a:latin typeface="+mn-lt"/>
+        <a:ea typeface="+mn-ea"/>
+        <a:cs typeface="+mn-cs"/>
+      </a:defRPr>
+    </a:lvl4pPr>
+    <a:lvl5pPr marL="1828800" algn="l" defTabSz="914400" rtl="0" eaLnBrk="1" latinLnBrk="0" hangingPunct="1">
+      <a:defRPr sz="1200" kern="1200">
+        <a:solidFill>
+          <a:schemeClr val="tx1"/>
+        </a:solidFill>
+        <a:latin typeface="+mn-lt"/>
+        <a:ea typeface="+mn-ea"/>
+        <a:cs typeface="+mn-cs"/>
+      </a:defRPr>
+    </a:lvl5pPr>
+    <a:lvl6pPr marL="2286000" algn="l" defTabSz="914400" rtl="0" eaLnBrk="1" latinLnBrk="0" hangingPunct="1">
+      <a:defRPr sz="1200" kern="1200">
+        <a:solidFill>
+          <a:schemeClr val="tx1"/>
+        </a:solidFill>
+        <a:latin typeface="+mn-lt"/>
+        <a:ea typeface="+mn-ea"/>
+        <a:cs typeface="+mn-cs"/>
+      </a:defRPr>
+    </a:lvl6pPr>
+    <a:lvl7pPr marL="2743200" algn="l" defTabSz="914400" rtl="0" eaLnBrk="1" latinLnBrk="0" hangingPunct="1">
+      <a:defRPr sz="1200" kern="1200">
+        <a:solidFill>
+          <a:schemeClr val="tx1"/>
+        </a:solidFill>
+        <a:latin typeface="+mn-lt"/>
+        <a:ea typeface="+mn-ea"/>
+        <a:cs typeface="+mn-cs"/>
+      </a:defRPr>
+    </a:lvl7pPr>
+    <a:lvl8pPr marL="3200400" algn="l" defTabSz="914400" rtl="0" eaLnBrk="1" latinLnBrk="0" hangingPunct="1">
+      <a:defRPr sz="1200" kern="1200">
+        <a:solidFill>
+          <a:schemeClr val="tx1"/>
+        </a:solidFill>
+        <a:latin typeface="+mn-lt"/>
+        <a:ea typeface="+mn-ea"/>
+        <a:cs typeface="+mn-cs"/>
+      </a:defRPr>
+    </a:lvl8pPr>
+    <a:lvl9pPr marL="3657600" algn="l" defTabSz="914400" rtl="0" eaLnBrk="1" latinLnBrk="0" hangingPunct="1">
+      <a:defRPr sz="1200" kern="1200">
+        <a:solidFill>
+          <a:schemeClr val="tx1"/>
+        </a:solidFill>
+        <a:latin typeface="+mn-lt"/>
+        <a:ea typeface="+mn-ea"/>
+        <a:cs typeface="+mn-cs"/>
+      </a:defRPr>
+    </a:lvl9pPr>
+  </p:notesStyle>
+</p:notesMaster>
+</file>
+
+<file path=ppt/notesSlides/notesSlide1.xml><?xml version="1.0" encoding="utf-8"?>
+<p:notes xmlns:a="http://schemas.openxmlformats.org/drawingml/2006/main" xmlns:r="http://schemas.openxmlformats.org/officeDocument/2006/relationships" xmlns:p="http://schemas.openxmlformats.org/presentationml/2006/main" showMasterSp="0" showMasterPhAnim="0">
+  <p:cSld>
+    <p:spTree>
+      <p:nvGrpSpPr>
+        <p:cNvPr id="1" name="Shape 57"/>
+        <p:cNvGrpSpPr/>
+        <p:nvPr/>
+      </p:nvGrpSpPr>
+      <p:grpSpPr>
+        <a:xfrm>
+          <a:off x="0" y="0"/>
+          <a:ext cx="0" cy="0"/>
+          <a:chOff x="0" y="0"/>
+          <a:chExt cx="0" cy="0"/>
+        </a:xfrm>
+      </p:grpSpPr>
+      <p:sp>
+        <p:nvSpPr>
+          <p:cNvPr id="58" name="Google Shape;58;gf035d46749_0_0:notes"/>
+          <p:cNvSpPr>
+            <a:spLocks noGrp="1" noRot="1" noChangeAspect="1"/>
+          </p:cNvSpPr>
+          <p:nvPr>
+            <p:ph type="sldImg" idx="2"/>
+          </p:nvPr>
+        </p:nvSpPr>
+        <p:spPr>
+          <a:xfrm>
+            <a:off x="381000" y="685800"/>
+            <a:ext cx="6096000" cy="3429000"/>
+          </a:xfrm>
+          <a:custGeom>
+            <a:avLst/>
+            <a:gdLst/>
+            <a:ahLst/>
+            <a:cxnLst/>
+            <a:rect l="l" t="t" r="r" b="b"/>
+            <a:pathLst>
+              <a:path w="120000" h="120000" extrusionOk="0">
+                <a:moveTo>
+                  <a:pt x="0" y="0"/>
+                </a:moveTo>
+                <a:lnTo>
+                  <a:pt x="120000" y="0"/>
+                </a:lnTo>
+                <a:lnTo>
+                  <a:pt x="120000" y="120000"/>
+                </a:lnTo>
+                <a:lnTo>
+                  <a:pt x="0" y="120000"/>
+                </a:lnTo>
+                <a:close/>
+              </a:path>
+            </a:pathLst>
+          </a:custGeom>
+        </p:spPr>
+      </p:sp>
+      <p:sp>
+        <p:nvSpPr>
+          <p:cNvPr id="59" name="Google Shape;59;gf035d46749_0_0:notes"/>
+          <p:cNvSpPr txBox="1">
+            <a:spLocks noGrp="1"/>
+          </p:cNvSpPr>
+          <p:nvPr>
+            <p:ph type="body" idx="1"/>
+          </p:nvPr>
+        </p:nvSpPr>
+        <p:spPr>
+          <a:xfrm>
+            <a:off x="685800" y="4343400"/>
+            <a:ext cx="5486400" cy="4114800"/>
+          </a:xfrm>
+          <a:prstGeom prst="rect">
+            <a:avLst/>
+          </a:prstGeom>
+        </p:spPr>
+        <p:txBody>
+          <a:bodyPr spcFirstLastPara="1" wrap="square" lIns="91425" tIns="91425" rIns="91425" bIns="91425" anchor="t" anchorCtr="0">
+            <a:noAutofit/>
+          </a:bodyPr>
+          <a:lstStyle/>
+          <a:p>
+            <a:pPr marL="0" lvl="0" indent="0" algn="l" rtl="0">
+              <a:spcBef>
+                <a:spcPts val="0"/>
+              </a:spcBef>
+              <a:spcAft>
+                <a:spcPts val="0"/>
+              </a:spcAft>
+              <a:buNone/>
+            </a:pPr>
+            <a:endParaRPr/>
+          </a:p>
+        </p:txBody>
+      </p:sp>
+    </p:spTree>
+    <p:extLst>
+      <p:ext uri="{BB962C8B-B14F-4D97-AF65-F5344CB8AC3E}">
+        <p14:creationId xmlns:p14="http://schemas.microsoft.com/office/powerpoint/2010/main" val="3426989635"/>
+      </p:ext>
+    </p:extLst>
+  </p:cSld>
+  <p:clrMapOvr>
+    <a:masterClrMapping/>
+  </p:clrMapOvr>
+</p:notes>
+</file>
+
+<file path=ppt/notesSlides/notesSlide2.xml><?xml version="1.0" encoding="utf-8"?>
+<p:notes xmlns:a="http://schemas.openxmlformats.org/drawingml/2006/main" xmlns:r="http://schemas.openxmlformats.org/officeDocument/2006/relationships" xmlns:p="http://schemas.openxmlformats.org/presentationml/2006/main" showMasterSp="0" showMasterPhAnim="0">
+  <p:cSld>
+    <p:spTree>
+      <p:nvGrpSpPr>
+        <p:cNvPr id="1" name="Shape 57"/>
+        <p:cNvGrpSpPr/>
+        <p:nvPr/>
+      </p:nvGrpSpPr>
+      <p:grpSpPr>
+        <a:xfrm>
+          <a:off x="0" y="0"/>
+          <a:ext cx="0" cy="0"/>
+          <a:chOff x="0" y="0"/>
+          <a:chExt cx="0" cy="0"/>
+        </a:xfrm>
+      </p:grpSpPr>
+      <p:sp>
+        <p:nvSpPr>
+          <p:cNvPr id="58" name="Google Shape;58;gf035d46749_0_0:notes"/>
+          <p:cNvSpPr>
+            <a:spLocks noGrp="1" noRot="1" noChangeAspect="1"/>
+          </p:cNvSpPr>
+          <p:nvPr>
+            <p:ph type="sldImg" idx="2"/>
+          </p:nvPr>
+        </p:nvSpPr>
+        <p:spPr>
+          <a:xfrm>
+            <a:off x="381000" y="685800"/>
+            <a:ext cx="6096000" cy="3429000"/>
+          </a:xfrm>
+          <a:custGeom>
+            <a:avLst/>
+            <a:gdLst/>
+            <a:ahLst/>
+            <a:cxnLst/>
+            <a:rect l="l" t="t" r="r" b="b"/>
+            <a:pathLst>
+              <a:path w="120000" h="120000" extrusionOk="0">
+                <a:moveTo>
+                  <a:pt x="0" y="0"/>
+                </a:moveTo>
+                <a:lnTo>
+                  <a:pt x="120000" y="0"/>
+                </a:lnTo>
+                <a:lnTo>
+                  <a:pt x="120000" y="120000"/>
+                </a:lnTo>
+                <a:lnTo>
+                  <a:pt x="0" y="120000"/>
+                </a:lnTo>
+                <a:close/>
+              </a:path>
+            </a:pathLst>
+          </a:custGeom>
+        </p:spPr>
+      </p:sp>
+      <p:sp>
+        <p:nvSpPr>
+          <p:cNvPr id="59" name="Google Shape;59;gf035d46749_0_0:notes"/>
+          <p:cNvSpPr txBox="1">
+            <a:spLocks noGrp="1"/>
+          </p:cNvSpPr>
+          <p:nvPr>
+            <p:ph type="body" idx="1"/>
+          </p:nvPr>
+        </p:nvSpPr>
+        <p:spPr>
+          <a:xfrm>
+            <a:off x="685800" y="4343400"/>
+            <a:ext cx="5486400" cy="4114800"/>
+          </a:xfrm>
+          <a:prstGeom prst="rect">
+            <a:avLst/>
+          </a:prstGeom>
+        </p:spPr>
+        <p:txBody>
+          <a:bodyPr spcFirstLastPara="1" wrap="square" lIns="91425" tIns="91425" rIns="91425" bIns="91425" anchor="t" anchorCtr="0">
+            <a:noAutofit/>
+          </a:bodyPr>
+          <a:lstStyle/>
+          <a:p>
+            <a:pPr marL="0" lvl="0" indent="0" algn="l" rtl="0">
+              <a:spcBef>
+                <a:spcPts val="0"/>
+              </a:spcBef>
+              <a:spcAft>
+                <a:spcPts val="0"/>
+              </a:spcAft>
+              <a:buNone/>
+            </a:pPr>
+            <a:endParaRPr/>
+          </a:p>
+        </p:txBody>
+      </p:sp>
+    </p:spTree>
+    <p:extLst>
+      <p:ext uri="{BB962C8B-B14F-4D97-AF65-F5344CB8AC3E}">
+        <p14:creationId xmlns:p14="http://schemas.microsoft.com/office/powerpoint/2010/main" val="1936813875"/>
+      </p:ext>
+    </p:extLst>
+  </p:cSld>
+  <p:clrMapOvr>
+    <a:masterClrMapping/>
+  </p:clrMapOvr>
+</p:notes>
+</file>
+
 <file path=ppt/slideLayouts/slideLayout1.xml><?xml version="1.0" encoding="utf-8"?>
 <p:sldLayout xmlns:a="http://schemas.openxmlformats.org/drawingml/2006/main" xmlns:r="http://schemas.openxmlformats.org/officeDocument/2006/relationships" xmlns:p="http://schemas.openxmlformats.org/presentationml/2006/main" type="title" preserve="1">
   <p:cSld name="Title Slide">
@@ -748,6 +1321,365 @@
     <p:extLst>
       <p:ext uri="{BB962C8B-B14F-4D97-AF65-F5344CB8AC3E}">
         <p14:creationId xmlns:p14="http://schemas.microsoft.com/office/powerpoint/2010/main" val="1524290058"/>
+      </p:ext>
+    </p:extLst>
+  </p:cSld>
+  <p:clrMapOvr>
+    <a:masterClrMapping/>
+  </p:clrMapOvr>
+</p:sldLayout>
+</file>
+
+<file path=ppt/slideLayouts/slideLayout12.xml><?xml version="1.0" encoding="utf-8"?>
+<p:sldLayout xmlns:a="http://schemas.openxmlformats.org/drawingml/2006/main" xmlns:r="http://schemas.openxmlformats.org/officeDocument/2006/relationships" xmlns:p="http://schemas.openxmlformats.org/presentationml/2006/main" matchingName="Title and body" type="tx">
+  <p:cSld name="Title and body">
+    <p:spTree>
+      <p:nvGrpSpPr>
+        <p:cNvPr id="1" name="Shape 16"/>
+        <p:cNvGrpSpPr/>
+        <p:nvPr/>
+      </p:nvGrpSpPr>
+      <p:grpSpPr>
+        <a:xfrm>
+          <a:off x="0" y="0"/>
+          <a:ext cx="0" cy="0"/>
+          <a:chOff x="0" y="0"/>
+          <a:chExt cx="0" cy="0"/>
+        </a:xfrm>
+      </p:grpSpPr>
+      <p:sp>
+        <p:nvSpPr>
+          <p:cNvPr id="17" name="Google Shape;17;p4"/>
+          <p:cNvSpPr txBox="1">
+            <a:spLocks noGrp="1"/>
+          </p:cNvSpPr>
+          <p:nvPr>
+            <p:ph type="title"/>
+          </p:nvPr>
+        </p:nvSpPr>
+        <p:spPr>
+          <a:xfrm>
+            <a:off x="415600" y="593367"/>
+            <a:ext cx="11360800" cy="763600"/>
+          </a:xfrm>
+          <a:prstGeom prst="rect">
+            <a:avLst/>
+          </a:prstGeom>
+        </p:spPr>
+        <p:txBody>
+          <a:bodyPr spcFirstLastPara="1" wrap="square" lIns="91425" tIns="91425" rIns="91425" bIns="91425" anchor="t" anchorCtr="0">
+            <a:normAutofit/>
+          </a:bodyPr>
+          <a:lstStyle>
+            <a:lvl1pPr lvl="0">
+              <a:spcBef>
+                <a:spcPts val="0"/>
+              </a:spcBef>
+              <a:spcAft>
+                <a:spcPts val="0"/>
+              </a:spcAft>
+              <a:buSzPts val="2800"/>
+              <a:buNone/>
+              <a:defRPr/>
+            </a:lvl1pPr>
+            <a:lvl2pPr lvl="1">
+              <a:spcBef>
+                <a:spcPts val="0"/>
+              </a:spcBef>
+              <a:spcAft>
+                <a:spcPts val="0"/>
+              </a:spcAft>
+              <a:buSzPts val="2800"/>
+              <a:buNone/>
+              <a:defRPr/>
+            </a:lvl2pPr>
+            <a:lvl3pPr lvl="2">
+              <a:spcBef>
+                <a:spcPts val="0"/>
+              </a:spcBef>
+              <a:spcAft>
+                <a:spcPts val="0"/>
+              </a:spcAft>
+              <a:buSzPts val="2800"/>
+              <a:buNone/>
+              <a:defRPr/>
+            </a:lvl3pPr>
+            <a:lvl4pPr lvl="3">
+              <a:spcBef>
+                <a:spcPts val="0"/>
+              </a:spcBef>
+              <a:spcAft>
+                <a:spcPts val="0"/>
+              </a:spcAft>
+              <a:buSzPts val="2800"/>
+              <a:buNone/>
+              <a:defRPr/>
+            </a:lvl4pPr>
+            <a:lvl5pPr lvl="4">
+              <a:spcBef>
+                <a:spcPts val="0"/>
+              </a:spcBef>
+              <a:spcAft>
+                <a:spcPts val="0"/>
+              </a:spcAft>
+              <a:buSzPts val="2800"/>
+              <a:buNone/>
+              <a:defRPr/>
+            </a:lvl5pPr>
+            <a:lvl6pPr lvl="5">
+              <a:spcBef>
+                <a:spcPts val="0"/>
+              </a:spcBef>
+              <a:spcAft>
+                <a:spcPts val="0"/>
+              </a:spcAft>
+              <a:buSzPts val="2800"/>
+              <a:buNone/>
+              <a:defRPr/>
+            </a:lvl6pPr>
+            <a:lvl7pPr lvl="6">
+              <a:spcBef>
+                <a:spcPts val="0"/>
+              </a:spcBef>
+              <a:spcAft>
+                <a:spcPts val="0"/>
+              </a:spcAft>
+              <a:buSzPts val="2800"/>
+              <a:buNone/>
+              <a:defRPr/>
+            </a:lvl7pPr>
+            <a:lvl8pPr lvl="7">
+              <a:spcBef>
+                <a:spcPts val="0"/>
+              </a:spcBef>
+              <a:spcAft>
+                <a:spcPts val="0"/>
+              </a:spcAft>
+              <a:buSzPts val="2800"/>
+              <a:buNone/>
+              <a:defRPr/>
+            </a:lvl8pPr>
+            <a:lvl9pPr lvl="8">
+              <a:spcBef>
+                <a:spcPts val="0"/>
+              </a:spcBef>
+              <a:spcAft>
+                <a:spcPts val="0"/>
+              </a:spcAft>
+              <a:buSzPts val="2800"/>
+              <a:buNone/>
+              <a:defRPr/>
+            </a:lvl9pPr>
+          </a:lstStyle>
+          <a:p>
+            <a:endParaRPr/>
+          </a:p>
+        </p:txBody>
+      </p:sp>
+      <p:sp>
+        <p:nvSpPr>
+          <p:cNvPr id="18" name="Google Shape;18;p4"/>
+          <p:cNvSpPr txBox="1">
+            <a:spLocks noGrp="1"/>
+          </p:cNvSpPr>
+          <p:nvPr>
+            <p:ph type="body" idx="1"/>
+          </p:nvPr>
+        </p:nvSpPr>
+        <p:spPr>
+          <a:xfrm>
+            <a:off x="415600" y="1536633"/>
+            <a:ext cx="11360800" cy="4555200"/>
+          </a:xfrm>
+          <a:prstGeom prst="rect">
+            <a:avLst/>
+          </a:prstGeom>
+        </p:spPr>
+        <p:txBody>
+          <a:bodyPr spcFirstLastPara="1" wrap="square" lIns="91425" tIns="91425" rIns="91425" bIns="91425" anchor="t" anchorCtr="0">
+            <a:normAutofit/>
+          </a:bodyPr>
+          <a:lstStyle>
+            <a:lvl1pPr marL="609585" lvl="0" indent="-457189">
+              <a:spcBef>
+                <a:spcPts val="0"/>
+              </a:spcBef>
+              <a:spcAft>
+                <a:spcPts val="0"/>
+              </a:spcAft>
+              <a:buSzPts val="1800"/>
+              <a:buChar char="●"/>
+              <a:defRPr/>
+            </a:lvl1pPr>
+            <a:lvl2pPr marL="1219170" lvl="1" indent="-423323">
+              <a:spcBef>
+                <a:spcPts val="0"/>
+              </a:spcBef>
+              <a:spcAft>
+                <a:spcPts val="0"/>
+              </a:spcAft>
+              <a:buSzPts val="1400"/>
+              <a:buChar char="○"/>
+              <a:defRPr/>
+            </a:lvl2pPr>
+            <a:lvl3pPr marL="1828754" lvl="2" indent="-423323">
+              <a:spcBef>
+                <a:spcPts val="0"/>
+              </a:spcBef>
+              <a:spcAft>
+                <a:spcPts val="0"/>
+              </a:spcAft>
+              <a:buSzPts val="1400"/>
+              <a:buChar char="■"/>
+              <a:defRPr/>
+            </a:lvl3pPr>
+            <a:lvl4pPr marL="2438339" lvl="3" indent="-423323">
+              <a:spcBef>
+                <a:spcPts val="0"/>
+              </a:spcBef>
+              <a:spcAft>
+                <a:spcPts val="0"/>
+              </a:spcAft>
+              <a:buSzPts val="1400"/>
+              <a:buChar char="●"/>
+              <a:defRPr/>
+            </a:lvl4pPr>
+            <a:lvl5pPr marL="3047924" lvl="4" indent="-423323">
+              <a:spcBef>
+                <a:spcPts val="0"/>
+              </a:spcBef>
+              <a:spcAft>
+                <a:spcPts val="0"/>
+              </a:spcAft>
+              <a:buSzPts val="1400"/>
+              <a:buChar char="○"/>
+              <a:defRPr/>
+            </a:lvl5pPr>
+            <a:lvl6pPr marL="3657509" lvl="5" indent="-423323">
+              <a:spcBef>
+                <a:spcPts val="0"/>
+              </a:spcBef>
+              <a:spcAft>
+                <a:spcPts val="0"/>
+              </a:spcAft>
+              <a:buSzPts val="1400"/>
+              <a:buChar char="■"/>
+              <a:defRPr/>
+            </a:lvl6pPr>
+            <a:lvl7pPr marL="4267093" lvl="6" indent="-423323">
+              <a:spcBef>
+                <a:spcPts val="0"/>
+              </a:spcBef>
+              <a:spcAft>
+                <a:spcPts val="0"/>
+              </a:spcAft>
+              <a:buSzPts val="1400"/>
+              <a:buChar char="●"/>
+              <a:defRPr/>
+            </a:lvl7pPr>
+            <a:lvl8pPr marL="4876678" lvl="7" indent="-423323">
+              <a:spcBef>
+                <a:spcPts val="0"/>
+              </a:spcBef>
+              <a:spcAft>
+                <a:spcPts val="0"/>
+              </a:spcAft>
+              <a:buSzPts val="1400"/>
+              <a:buChar char="○"/>
+              <a:defRPr/>
+            </a:lvl8pPr>
+            <a:lvl9pPr marL="5486263" lvl="8" indent="-423323">
+              <a:spcBef>
+                <a:spcPts val="0"/>
+              </a:spcBef>
+              <a:spcAft>
+                <a:spcPts val="0"/>
+              </a:spcAft>
+              <a:buSzPts val="1400"/>
+              <a:buChar char="■"/>
+              <a:defRPr/>
+            </a:lvl9pPr>
+          </a:lstStyle>
+          <a:p>
+            <a:endParaRPr/>
+          </a:p>
+        </p:txBody>
+      </p:sp>
+      <p:sp>
+        <p:nvSpPr>
+          <p:cNvPr id="19" name="Google Shape;19;p4"/>
+          <p:cNvSpPr txBox="1">
+            <a:spLocks noGrp="1"/>
+          </p:cNvSpPr>
+          <p:nvPr>
+            <p:ph type="sldNum" idx="12"/>
+          </p:nvPr>
+        </p:nvSpPr>
+        <p:spPr>
+          <a:xfrm>
+            <a:off x="11296611" y="6217623"/>
+            <a:ext cx="731600" cy="524800"/>
+          </a:xfrm>
+          <a:prstGeom prst="rect">
+            <a:avLst/>
+          </a:prstGeom>
+        </p:spPr>
+        <p:txBody>
+          <a:bodyPr spcFirstLastPara="1" wrap="square" lIns="91425" tIns="91425" rIns="91425" bIns="91425" anchor="ctr" anchorCtr="0">
+            <a:normAutofit/>
+          </a:bodyPr>
+          <a:lstStyle>
+            <a:lvl1pPr lvl="0">
+              <a:buNone/>
+              <a:defRPr/>
+            </a:lvl1pPr>
+            <a:lvl2pPr lvl="1">
+              <a:buNone/>
+              <a:defRPr/>
+            </a:lvl2pPr>
+            <a:lvl3pPr lvl="2">
+              <a:buNone/>
+              <a:defRPr/>
+            </a:lvl3pPr>
+            <a:lvl4pPr lvl="3">
+              <a:buNone/>
+              <a:defRPr/>
+            </a:lvl4pPr>
+            <a:lvl5pPr lvl="4">
+              <a:buNone/>
+              <a:defRPr/>
+            </a:lvl5pPr>
+            <a:lvl6pPr lvl="5">
+              <a:buNone/>
+              <a:defRPr/>
+            </a:lvl6pPr>
+            <a:lvl7pPr lvl="6">
+              <a:buNone/>
+              <a:defRPr/>
+            </a:lvl7pPr>
+            <a:lvl8pPr lvl="7">
+              <a:buNone/>
+              <a:defRPr/>
+            </a:lvl8pPr>
+            <a:lvl9pPr lvl="8">
+              <a:buNone/>
+              <a:defRPr/>
+            </a:lvl9pPr>
+          </a:lstStyle>
+          <a:p>
+            <a:fld id="{00000000-1234-1234-1234-123412341234}" type="slidenum">
+              <a:rPr lang="en" smtClean="0"/>
+              <a:pPr/>
+              <a:t>‹#›</a:t>
+            </a:fld>
+            <a:endParaRPr lang="en"/>
+          </a:p>
+        </p:txBody>
+      </p:sp>
+    </p:spTree>
+    <p:extLst>
+      <p:ext uri="{BB962C8B-B14F-4D97-AF65-F5344CB8AC3E}">
+        <p14:creationId xmlns:p14="http://schemas.microsoft.com/office/powerpoint/2010/main" val="711956732"/>
       </p:ext>
     </p:extLst>
   </p:cSld>
@@ -3059,6 +3991,7 @@
     <p:sldLayoutId id="2147483657" r:id="rId9"/>
     <p:sldLayoutId id="2147483658" r:id="rId10"/>
     <p:sldLayoutId id="2147483659" r:id="rId11"/>
+    <p:sldLayoutId id="2147483660" r:id="rId12"/>
   </p:sldLayoutIdLst>
   <p:txStyles>
     <p:titleStyle>
@@ -4840,6 +5773,488 @@
     <p:extLst>
       <p:ext uri="{BB962C8B-B14F-4D97-AF65-F5344CB8AC3E}">
         <p14:creationId xmlns:p14="http://schemas.microsoft.com/office/powerpoint/2010/main" val="3558920049"/>
+      </p:ext>
+    </p:extLst>
+  </p:cSld>
+  <p:clrMapOvr>
+    <a:masterClrMapping/>
+  </p:clrMapOvr>
+</p:sld>
+</file>
+
+<file path=ppt/slides/slide4.xml><?xml version="1.0" encoding="utf-8"?>
+<p:sld xmlns:a="http://schemas.openxmlformats.org/drawingml/2006/main" xmlns:r="http://schemas.openxmlformats.org/officeDocument/2006/relationships" xmlns:p="http://schemas.openxmlformats.org/presentationml/2006/main">
+  <p:cSld>
+    <p:spTree>
+      <p:nvGrpSpPr>
+        <p:cNvPr id="1" name="Shape 60"/>
+        <p:cNvGrpSpPr/>
+        <p:nvPr/>
+      </p:nvGrpSpPr>
+      <p:grpSpPr>
+        <a:xfrm>
+          <a:off x="0" y="0"/>
+          <a:ext cx="0" cy="0"/>
+          <a:chOff x="0" y="0"/>
+          <a:chExt cx="0" cy="0"/>
+        </a:xfrm>
+      </p:grpSpPr>
+      <p:pic>
+        <p:nvPicPr>
+          <p:cNvPr id="2" name="Picture 3">
+            <a:extLst>
+              <a:ext uri="{FF2B5EF4-FFF2-40B4-BE49-F238E27FC236}">
+                <a16:creationId xmlns:a16="http://schemas.microsoft.com/office/drawing/2014/main" id="{2A02BE09-7030-4411-828C-82468C3001C5}"/>
+              </a:ext>
+            </a:extLst>
+          </p:cNvPr>
+          <p:cNvPicPr>
+            <a:picLocks noChangeAspect="1"/>
+          </p:cNvPicPr>
+          <p:nvPr/>
+        </p:nvPicPr>
+        <p:blipFill>
+          <a:blip r:embed="rId3"/>
+          <a:srcRect/>
+          <a:stretch/>
+        </p:blipFill>
+        <p:spPr>
+          <a:xfrm>
+            <a:off x="3285226" y="1475646"/>
+            <a:ext cx="5635575" cy="5082311"/>
+          </a:xfrm>
+          <a:prstGeom prst="rect">
+            <a:avLst/>
+          </a:prstGeom>
+        </p:spPr>
+      </p:pic>
+      <p:sp>
+        <p:nvSpPr>
+          <p:cNvPr id="5" name="Google Shape;61;p14">
+            <a:extLst>
+              <a:ext uri="{FF2B5EF4-FFF2-40B4-BE49-F238E27FC236}">
+                <a16:creationId xmlns:a16="http://schemas.microsoft.com/office/drawing/2014/main" id="{E3309ACB-223A-4F96-AF9B-149E49A93BF5}"/>
+              </a:ext>
+            </a:extLst>
+          </p:cNvPr>
+          <p:cNvSpPr txBox="1">
+            <a:spLocks noGrp="1"/>
+          </p:cNvSpPr>
+          <p:nvPr>
+            <p:ph type="title"/>
+          </p:nvPr>
+        </p:nvSpPr>
+        <p:spPr>
+          <a:xfrm>
+            <a:off x="415600" y="593367"/>
+            <a:ext cx="11360800" cy="763600"/>
+          </a:xfrm>
+          <a:prstGeom prst="rect">
+            <a:avLst/>
+          </a:prstGeom>
+        </p:spPr>
+        <p:txBody>
+          <a:bodyPr spcFirstLastPara="1" vert="horz" wrap="square" lIns="121900" tIns="121900" rIns="121900" bIns="121900" rtlCol="0" anchor="t" anchorCtr="0">
+            <a:normAutofit fontScale="90000"/>
+          </a:bodyPr>
+          <a:lstStyle/>
+          <a:p>
+            <a:r>
+              <a:rPr lang="en"/>
+              <a:t>Multi-head Attention in Action</a:t>
+            </a:r>
+          </a:p>
+        </p:txBody>
+      </p:sp>
+      <p:sp>
+        <p:nvSpPr>
+          <p:cNvPr id="6" name="Rectangle 5">
+            <a:extLst>
+              <a:ext uri="{FF2B5EF4-FFF2-40B4-BE49-F238E27FC236}">
+                <a16:creationId xmlns:a16="http://schemas.microsoft.com/office/drawing/2014/main" id="{CB4B1A03-F765-4C4C-B96C-71A154A74FAD}"/>
+              </a:ext>
+            </a:extLst>
+          </p:cNvPr>
+          <p:cNvSpPr/>
+          <p:nvPr/>
+        </p:nvSpPr>
+        <p:spPr>
+          <a:xfrm>
+            <a:off x="4320000" y="2194759"/>
+            <a:ext cx="731520" cy="4363197"/>
+          </a:xfrm>
+          <a:prstGeom prst="rect">
+            <a:avLst/>
+          </a:prstGeom>
+          <a:noFill/>
+          <a:ln w="38100">
+            <a:solidFill>
+              <a:srgbClr val="00B050"/>
+            </a:solidFill>
+          </a:ln>
+        </p:spPr>
+        <p:style>
+          <a:lnRef idx="2">
+            <a:schemeClr val="accent1">
+              <a:shade val="50000"/>
+            </a:schemeClr>
+          </a:lnRef>
+          <a:fillRef idx="1">
+            <a:schemeClr val="accent1"/>
+          </a:fillRef>
+          <a:effectRef idx="0">
+            <a:schemeClr val="accent1"/>
+          </a:effectRef>
+          <a:fontRef idx="minor">
+            <a:schemeClr val="lt1"/>
+          </a:fontRef>
+        </p:style>
+        <p:txBody>
+          <a:bodyPr rtlCol="0" anchor="ctr"/>
+          <a:lstStyle/>
+          <a:p>
+            <a:pPr algn="ctr"/>
+            <a:endParaRPr lang="en-US" sz="2400"/>
+          </a:p>
+        </p:txBody>
+      </p:sp>
+      <p:sp>
+        <p:nvSpPr>
+          <p:cNvPr id="7" name="TextBox 6">
+            <a:extLst>
+              <a:ext uri="{FF2B5EF4-FFF2-40B4-BE49-F238E27FC236}">
+                <a16:creationId xmlns:a16="http://schemas.microsoft.com/office/drawing/2014/main" id="{482D96A7-1F02-4E5A-829D-FD512B4BCB1D}"/>
+              </a:ext>
+            </a:extLst>
+          </p:cNvPr>
+          <p:cNvSpPr txBox="1"/>
+          <p:nvPr/>
+        </p:nvSpPr>
+        <p:spPr>
+          <a:xfrm>
+            <a:off x="5051520" y="6171405"/>
+            <a:ext cx="1388890" cy="461665"/>
+          </a:xfrm>
+          <a:prstGeom prst="rect">
+            <a:avLst/>
+          </a:prstGeom>
+          <a:noFill/>
+        </p:spPr>
+        <p:txBody>
+          <a:bodyPr wrap="square" rtlCol="0">
+            <a:spAutoFit/>
+          </a:bodyPr>
+          <a:lstStyle/>
+          <a:p>
+            <a:r>
+              <a:rPr lang="en-US" altLang="zh-TW" sz="2400" b="1" dirty="0">
+                <a:solidFill>
+                  <a:srgbClr val="00B050"/>
+                </a:solidFill>
+              </a:rPr>
+              <a:t>Head 1</a:t>
+            </a:r>
+            <a:endParaRPr lang="en-US" sz="2400" b="1" dirty="0">
+              <a:solidFill>
+                <a:srgbClr val="00B050"/>
+              </a:solidFill>
+            </a:endParaRPr>
+          </a:p>
+        </p:txBody>
+      </p:sp>
+    </p:spTree>
+    <p:extLst>
+      <p:ext uri="{BB962C8B-B14F-4D97-AF65-F5344CB8AC3E}">
+        <p14:creationId xmlns:p14="http://schemas.microsoft.com/office/powerpoint/2010/main" val="396216834"/>
+      </p:ext>
+    </p:extLst>
+  </p:cSld>
+  <p:clrMapOvr>
+    <a:masterClrMapping/>
+  </p:clrMapOvr>
+</p:sld>
+</file>
+
+<file path=ppt/slides/slide5.xml><?xml version="1.0" encoding="utf-8"?>
+<p:sld xmlns:a="http://schemas.openxmlformats.org/drawingml/2006/main" xmlns:r="http://schemas.openxmlformats.org/officeDocument/2006/relationships" xmlns:p="http://schemas.openxmlformats.org/presentationml/2006/main">
+  <p:cSld>
+    <p:spTree>
+      <p:nvGrpSpPr>
+        <p:cNvPr id="1" name="Shape 60"/>
+        <p:cNvGrpSpPr/>
+        <p:nvPr/>
+      </p:nvGrpSpPr>
+      <p:grpSpPr>
+        <a:xfrm>
+          <a:off x="0" y="0"/>
+          <a:ext cx="0" cy="0"/>
+          <a:chOff x="0" y="0"/>
+          <a:chExt cx="0" cy="0"/>
+        </a:xfrm>
+      </p:grpSpPr>
+      <p:pic>
+        <p:nvPicPr>
+          <p:cNvPr id="2" name="Picture 3">
+            <a:extLst>
+              <a:ext uri="{FF2B5EF4-FFF2-40B4-BE49-F238E27FC236}">
+                <a16:creationId xmlns:a16="http://schemas.microsoft.com/office/drawing/2014/main" id="{2A02BE09-7030-4411-828C-82468C3001C5}"/>
+              </a:ext>
+            </a:extLst>
+          </p:cNvPr>
+          <p:cNvPicPr>
+            <a:picLocks noChangeAspect="1"/>
+          </p:cNvPicPr>
+          <p:nvPr/>
+        </p:nvPicPr>
+        <p:blipFill>
+          <a:blip r:embed="rId3"/>
+          <a:srcRect/>
+          <a:stretch/>
+        </p:blipFill>
+        <p:spPr>
+          <a:xfrm>
+            <a:off x="3285226" y="1475646"/>
+            <a:ext cx="5635575" cy="5082311"/>
+          </a:xfrm>
+          <a:prstGeom prst="rect">
+            <a:avLst/>
+          </a:prstGeom>
+        </p:spPr>
+      </p:pic>
+      <p:sp>
+        <p:nvSpPr>
+          <p:cNvPr id="5" name="Google Shape;61;p14">
+            <a:extLst>
+              <a:ext uri="{FF2B5EF4-FFF2-40B4-BE49-F238E27FC236}">
+                <a16:creationId xmlns:a16="http://schemas.microsoft.com/office/drawing/2014/main" id="{E3309ACB-223A-4F96-AF9B-149E49A93BF5}"/>
+              </a:ext>
+            </a:extLst>
+          </p:cNvPr>
+          <p:cNvSpPr txBox="1">
+            <a:spLocks noGrp="1"/>
+          </p:cNvSpPr>
+          <p:nvPr>
+            <p:ph type="title"/>
+          </p:nvPr>
+        </p:nvSpPr>
+        <p:spPr>
+          <a:xfrm>
+            <a:off x="415600" y="593367"/>
+            <a:ext cx="11360800" cy="763600"/>
+          </a:xfrm>
+          <a:prstGeom prst="rect">
+            <a:avLst/>
+          </a:prstGeom>
+        </p:spPr>
+        <p:txBody>
+          <a:bodyPr spcFirstLastPara="1" vert="horz" wrap="square" lIns="121900" tIns="121900" rIns="121900" bIns="121900" rtlCol="0" anchor="t" anchorCtr="0">
+            <a:normAutofit fontScale="90000"/>
+          </a:bodyPr>
+          <a:lstStyle/>
+          <a:p>
+            <a:r>
+              <a:rPr lang="en"/>
+              <a:t>Multi-head Attention in Action</a:t>
+            </a:r>
+          </a:p>
+        </p:txBody>
+      </p:sp>
+      <p:sp>
+        <p:nvSpPr>
+          <p:cNvPr id="4" name="Rectangle 3">
+            <a:extLst>
+              <a:ext uri="{FF2B5EF4-FFF2-40B4-BE49-F238E27FC236}">
+                <a16:creationId xmlns:a16="http://schemas.microsoft.com/office/drawing/2014/main" id="{EBB10209-EE12-41F1-857A-D9FE956F3711}"/>
+              </a:ext>
+            </a:extLst>
+          </p:cNvPr>
+          <p:cNvSpPr/>
+          <p:nvPr/>
+        </p:nvSpPr>
+        <p:spPr>
+          <a:xfrm>
+            <a:off x="3527145" y="2194759"/>
+            <a:ext cx="731520" cy="4363197"/>
+          </a:xfrm>
+          <a:prstGeom prst="rect">
+            <a:avLst/>
+          </a:prstGeom>
+          <a:noFill/>
+          <a:ln w="38100">
+            <a:solidFill>
+              <a:srgbClr val="FF0000"/>
+            </a:solidFill>
+          </a:ln>
+        </p:spPr>
+        <p:style>
+          <a:lnRef idx="2">
+            <a:schemeClr val="accent1">
+              <a:shade val="50000"/>
+            </a:schemeClr>
+          </a:lnRef>
+          <a:fillRef idx="1">
+            <a:schemeClr val="accent1"/>
+          </a:fillRef>
+          <a:effectRef idx="0">
+            <a:schemeClr val="accent1"/>
+          </a:effectRef>
+          <a:fontRef idx="minor">
+            <a:schemeClr val="lt1"/>
+          </a:fontRef>
+        </p:style>
+        <p:txBody>
+          <a:bodyPr rtlCol="0" anchor="ctr"/>
+          <a:lstStyle/>
+          <a:p>
+            <a:pPr algn="ctr"/>
+            <a:endParaRPr lang="en-US" sz="2400"/>
+          </a:p>
+        </p:txBody>
+      </p:sp>
+      <p:sp>
+        <p:nvSpPr>
+          <p:cNvPr id="3" name="TextBox 2">
+            <a:extLst>
+              <a:ext uri="{FF2B5EF4-FFF2-40B4-BE49-F238E27FC236}">
+                <a16:creationId xmlns:a16="http://schemas.microsoft.com/office/drawing/2014/main" id="{14C5CCFF-1CA7-4872-9CB8-91F3DDD46DAA}"/>
+              </a:ext>
+            </a:extLst>
+          </p:cNvPr>
+          <p:cNvSpPr txBox="1"/>
+          <p:nvPr/>
+        </p:nvSpPr>
+        <p:spPr>
+          <a:xfrm>
+            <a:off x="2461545" y="6147587"/>
+            <a:ext cx="1036800" cy="830997"/>
+          </a:xfrm>
+          <a:prstGeom prst="rect">
+            <a:avLst/>
+          </a:prstGeom>
+          <a:noFill/>
+        </p:spPr>
+        <p:txBody>
+          <a:bodyPr wrap="square" rtlCol="0">
+            <a:spAutoFit/>
+          </a:bodyPr>
+          <a:lstStyle/>
+          <a:p>
+            <a:r>
+              <a:rPr lang="en-US" altLang="zh-TW" sz="2400" b="1">
+                <a:solidFill>
+                  <a:srgbClr val="FF0000"/>
+                </a:solidFill>
+              </a:rPr>
+              <a:t>Head 1</a:t>
+            </a:r>
+            <a:endParaRPr lang="en-US" sz="2400" b="1">
+              <a:solidFill>
+                <a:srgbClr val="FF0000"/>
+              </a:solidFill>
+            </a:endParaRPr>
+          </a:p>
+        </p:txBody>
+      </p:sp>
+      <p:sp>
+        <p:nvSpPr>
+          <p:cNvPr id="6" name="Rectangle 5">
+            <a:extLst>
+              <a:ext uri="{FF2B5EF4-FFF2-40B4-BE49-F238E27FC236}">
+                <a16:creationId xmlns:a16="http://schemas.microsoft.com/office/drawing/2014/main" id="{CB4B1A03-F765-4C4C-B96C-71A154A74FAD}"/>
+              </a:ext>
+            </a:extLst>
+          </p:cNvPr>
+          <p:cNvSpPr/>
+          <p:nvPr/>
+        </p:nvSpPr>
+        <p:spPr>
+          <a:xfrm>
+            <a:off x="4320000" y="2194759"/>
+            <a:ext cx="731520" cy="4363197"/>
+          </a:xfrm>
+          <a:prstGeom prst="rect">
+            <a:avLst/>
+          </a:prstGeom>
+          <a:noFill/>
+          <a:ln w="38100">
+            <a:solidFill>
+              <a:srgbClr val="00B050"/>
+            </a:solidFill>
+          </a:ln>
+        </p:spPr>
+        <p:style>
+          <a:lnRef idx="2">
+            <a:schemeClr val="accent1">
+              <a:shade val="50000"/>
+            </a:schemeClr>
+          </a:lnRef>
+          <a:fillRef idx="1">
+            <a:schemeClr val="accent1"/>
+          </a:fillRef>
+          <a:effectRef idx="0">
+            <a:schemeClr val="accent1"/>
+          </a:effectRef>
+          <a:fontRef idx="minor">
+            <a:schemeClr val="lt1"/>
+          </a:fontRef>
+        </p:style>
+        <p:txBody>
+          <a:bodyPr rtlCol="0" anchor="ctr"/>
+          <a:lstStyle/>
+          <a:p>
+            <a:pPr algn="ctr"/>
+            <a:endParaRPr lang="en-US" sz="2400"/>
+          </a:p>
+        </p:txBody>
+      </p:sp>
+      <p:sp>
+        <p:nvSpPr>
+          <p:cNvPr id="7" name="TextBox 6">
+            <a:extLst>
+              <a:ext uri="{FF2B5EF4-FFF2-40B4-BE49-F238E27FC236}">
+                <a16:creationId xmlns:a16="http://schemas.microsoft.com/office/drawing/2014/main" id="{482D96A7-1F02-4E5A-829D-FD512B4BCB1D}"/>
+              </a:ext>
+            </a:extLst>
+          </p:cNvPr>
+          <p:cNvSpPr txBox="1"/>
+          <p:nvPr/>
+        </p:nvSpPr>
+        <p:spPr>
+          <a:xfrm>
+            <a:off x="5101120" y="6140743"/>
+            <a:ext cx="1036800" cy="830997"/>
+          </a:xfrm>
+          <a:prstGeom prst="rect">
+            <a:avLst/>
+          </a:prstGeom>
+          <a:noFill/>
+        </p:spPr>
+        <p:txBody>
+          <a:bodyPr wrap="square" rtlCol="0">
+            <a:spAutoFit/>
+          </a:bodyPr>
+          <a:lstStyle/>
+          <a:p>
+            <a:r>
+              <a:rPr lang="en-US" altLang="zh-TW" sz="2400" b="1">
+                <a:solidFill>
+                  <a:srgbClr val="00B050"/>
+                </a:solidFill>
+              </a:rPr>
+              <a:t>Head 2</a:t>
+            </a:r>
+            <a:endParaRPr lang="en-US" sz="2400" b="1">
+              <a:solidFill>
+                <a:srgbClr val="00B050"/>
+              </a:solidFill>
+            </a:endParaRPr>
+          </a:p>
+        </p:txBody>
+      </p:sp>
+    </p:spTree>
+    <p:extLst>
+      <p:ext uri="{BB962C8B-B14F-4D97-AF65-F5344CB8AC3E}">
+        <p14:creationId xmlns:p14="http://schemas.microsoft.com/office/powerpoint/2010/main" val="2983454470"/>
       </p:ext>
     </p:extLst>
   </p:cSld>
@@ -5142,4 +6557,299 @@
     </a:ext>
   </a:extLst>
 </a:theme>
+</file>
+
+<file path=ppt/theme/theme2.xml><?xml version="1.0" encoding="utf-8"?>
+<a:theme xmlns:a="http://schemas.openxmlformats.org/drawingml/2006/main" name="Office Theme">
+  <a:themeElements>
+    <a:clrScheme name="Office">
+      <a:dk1>
+        <a:sysClr val="windowText" lastClr="000000"/>
+      </a:dk1>
+      <a:lt1>
+        <a:sysClr val="window" lastClr="FFFFFF"/>
+      </a:lt1>
+      <a:dk2>
+        <a:srgbClr val="44546A"/>
+      </a:dk2>
+      <a:lt2>
+        <a:srgbClr val="E7E6E6"/>
+      </a:lt2>
+      <a:accent1>
+        <a:srgbClr val="4472C4"/>
+      </a:accent1>
+      <a:accent2>
+        <a:srgbClr val="ED7D31"/>
+      </a:accent2>
+      <a:accent3>
+        <a:srgbClr val="A5A5A5"/>
+      </a:accent3>
+      <a:accent4>
+        <a:srgbClr val="FFC000"/>
+      </a:accent4>
+      <a:accent5>
+        <a:srgbClr val="5B9BD5"/>
+      </a:accent5>
+      <a:accent6>
+        <a:srgbClr val="70AD47"/>
+      </a:accent6>
+      <a:hlink>
+        <a:srgbClr val="0563C1"/>
+      </a:hlink>
+      <a:folHlink>
+        <a:srgbClr val="954F72"/>
+      </a:folHlink>
+    </a:clrScheme>
+    <a:fontScheme name="Office">
+      <a:majorFont>
+        <a:latin typeface="Calibri Light" panose="020F0302020204030204"/>
+        <a:ea typeface=""/>
+        <a:cs typeface=""/>
+        <a:font script="Jpan" typeface="游ゴシック Light"/>
+        <a:font script="Hang" typeface="맑은 고딕"/>
+        <a:font script="Hans" typeface="等线 Light"/>
+        <a:font script="Hant" typeface="新細明體"/>
+        <a:font script="Arab" typeface="Times New Roman"/>
+        <a:font script="Hebr" typeface="Times New Roman"/>
+        <a:font script="Thai" typeface="Angsana New"/>
+        <a:font script="Ethi" typeface="Nyala"/>
+        <a:font script="Beng" typeface="Vrinda"/>
+        <a:font script="Gujr" typeface="Shruti"/>
+        <a:font script="Khmr" typeface="MoolBoran"/>
+        <a:font script="Knda" typeface="Tunga"/>
+        <a:font script="Guru" typeface="Raavi"/>
+        <a:font script="Cans" typeface="Euphemia"/>
+        <a:font script="Cher" typeface="Plantagenet Cherokee"/>
+        <a:font script="Yiii" typeface="Microsoft Yi Baiti"/>
+        <a:font script="Tibt" typeface="Microsoft Himalaya"/>
+        <a:font script="Thaa" typeface="MV Boli"/>
+        <a:font script="Deva" typeface="Mangal"/>
+        <a:font script="Telu" typeface="Gautami"/>
+        <a:font script="Taml" typeface="Latha"/>
+        <a:font script="Syrc" typeface="Estrangelo Edessa"/>
+        <a:font script="Orya" typeface="Kalinga"/>
+        <a:font script="Mlym" typeface="Kartika"/>
+        <a:font script="Laoo" typeface="DokChampa"/>
+        <a:font script="Sinh" typeface="Iskoola Pota"/>
+        <a:font script="Mong" typeface="Mongolian Baiti"/>
+        <a:font script="Viet" typeface="Times New Roman"/>
+        <a:font script="Uigh" typeface="Microsoft Uighur"/>
+        <a:font script="Geor" typeface="Sylfaen"/>
+        <a:font script="Armn" typeface="Arial"/>
+        <a:font script="Bugi" typeface="Leelawadee UI"/>
+        <a:font script="Bopo" typeface="Microsoft JhengHei"/>
+        <a:font script="Java" typeface="Javanese Text"/>
+        <a:font script="Lisu" typeface="Segoe UI"/>
+        <a:font script="Mymr" typeface="Myanmar Text"/>
+        <a:font script="Nkoo" typeface="Ebrima"/>
+        <a:font script="Olck" typeface="Nirmala UI"/>
+        <a:font script="Osma" typeface="Ebrima"/>
+        <a:font script="Phag" typeface="Phagspa"/>
+        <a:font script="Syrn" typeface="Estrangelo Edessa"/>
+        <a:font script="Syrj" typeface="Estrangelo Edessa"/>
+        <a:font script="Syre" typeface="Estrangelo Edessa"/>
+        <a:font script="Sora" typeface="Nirmala UI"/>
+        <a:font script="Tale" typeface="Microsoft Tai Le"/>
+        <a:font script="Talu" typeface="Microsoft New Tai Lue"/>
+        <a:font script="Tfng" typeface="Ebrima"/>
+      </a:majorFont>
+      <a:minorFont>
+        <a:latin typeface="Calibri" panose="020F0502020204030204"/>
+        <a:ea typeface=""/>
+        <a:cs typeface=""/>
+        <a:font script="Jpan" typeface="游ゴシック"/>
+        <a:font script="Hang" typeface="맑은 고딕"/>
+        <a:font script="Hans" typeface="等线"/>
+        <a:font script="Hant" typeface="新細明體"/>
+        <a:font script="Arab" typeface="Arial"/>
+        <a:font script="Hebr" typeface="Arial"/>
+        <a:font script="Thai" typeface="Cordia New"/>
+        <a:font script="Ethi" typeface="Nyala"/>
+        <a:font script="Beng" typeface="Vrinda"/>
+        <a:font script="Gujr" typeface="Shruti"/>
+        <a:font script="Khmr" typeface="DaunPenh"/>
+        <a:font script="Knda" typeface="Tunga"/>
+        <a:font script="Guru" typeface="Raavi"/>
+        <a:font script="Cans" typeface="Euphemia"/>
+        <a:font script="Cher" typeface="Plantagenet Cherokee"/>
+        <a:font script="Yiii" typeface="Microsoft Yi Baiti"/>
+        <a:font script="Tibt" typeface="Microsoft Himalaya"/>
+        <a:font script="Thaa" typeface="MV Boli"/>
+        <a:font script="Deva" typeface="Mangal"/>
+        <a:font script="Telu" typeface="Gautami"/>
+        <a:font script="Taml" typeface="Latha"/>
+        <a:font script="Syrc" typeface="Estrangelo Edessa"/>
+        <a:font script="Orya" typeface="Kalinga"/>
+        <a:font script="Mlym" typeface="Kartika"/>
+        <a:font script="Laoo" typeface="DokChampa"/>
+        <a:font script="Sinh" typeface="Iskoola Pota"/>
+        <a:font script="Mong" typeface="Mongolian Baiti"/>
+        <a:font script="Viet" typeface="Arial"/>
+        <a:font script="Uigh" typeface="Microsoft Uighur"/>
+        <a:font script="Geor" typeface="Sylfaen"/>
+        <a:font script="Armn" typeface="Arial"/>
+        <a:font script="Bugi" typeface="Leelawadee UI"/>
+        <a:font script="Bopo" typeface="Microsoft JhengHei"/>
+        <a:font script="Java" typeface="Javanese Text"/>
+        <a:font script="Lisu" typeface="Segoe UI"/>
+        <a:font script="Mymr" typeface="Myanmar Text"/>
+        <a:font script="Nkoo" typeface="Ebrima"/>
+        <a:font script="Olck" typeface="Nirmala UI"/>
+        <a:font script="Osma" typeface="Ebrima"/>
+        <a:font script="Phag" typeface="Phagspa"/>
+        <a:font script="Syrn" typeface="Estrangelo Edessa"/>
+        <a:font script="Syrj" typeface="Estrangelo Edessa"/>
+        <a:font script="Syre" typeface="Estrangelo Edessa"/>
+        <a:font script="Sora" typeface="Nirmala UI"/>
+        <a:font script="Tale" typeface="Microsoft Tai Le"/>
+        <a:font script="Talu" typeface="Microsoft New Tai Lue"/>
+        <a:font script="Tfng" typeface="Ebrima"/>
+      </a:minorFont>
+    </a:fontScheme>
+    <a:fmtScheme name="Office">
+      <a:fillStyleLst>
+        <a:solidFill>
+          <a:schemeClr val="phClr"/>
+        </a:solidFill>
+        <a:gradFill rotWithShape="1">
+          <a:gsLst>
+            <a:gs pos="0">
+              <a:schemeClr val="phClr">
+                <a:lumMod val="110000"/>
+                <a:satMod val="105000"/>
+                <a:tint val="67000"/>
+              </a:schemeClr>
+            </a:gs>
+            <a:gs pos="50000">
+              <a:schemeClr val="phClr">
+                <a:lumMod val="105000"/>
+                <a:satMod val="103000"/>
+                <a:tint val="73000"/>
+              </a:schemeClr>
+            </a:gs>
+            <a:gs pos="100000">
+              <a:schemeClr val="phClr">
+                <a:lumMod val="105000"/>
+                <a:satMod val="109000"/>
+                <a:tint val="81000"/>
+              </a:schemeClr>
+            </a:gs>
+          </a:gsLst>
+          <a:lin ang="5400000" scaled="0"/>
+        </a:gradFill>
+        <a:gradFill rotWithShape="1">
+          <a:gsLst>
+            <a:gs pos="0">
+              <a:schemeClr val="phClr">
+                <a:satMod val="103000"/>
+                <a:lumMod val="102000"/>
+                <a:tint val="94000"/>
+              </a:schemeClr>
+            </a:gs>
+            <a:gs pos="50000">
+              <a:schemeClr val="phClr">
+                <a:satMod val="110000"/>
+                <a:lumMod val="100000"/>
+                <a:shade val="100000"/>
+              </a:schemeClr>
+            </a:gs>
+            <a:gs pos="100000">
+              <a:schemeClr val="phClr">
+                <a:lumMod val="99000"/>
+                <a:satMod val="120000"/>
+                <a:shade val="78000"/>
+              </a:schemeClr>
+            </a:gs>
+          </a:gsLst>
+          <a:lin ang="5400000" scaled="0"/>
+        </a:gradFill>
+      </a:fillStyleLst>
+      <a:lnStyleLst>
+        <a:ln w="6350" cap="flat" cmpd="sng" algn="ctr">
+          <a:solidFill>
+            <a:schemeClr val="phClr"/>
+          </a:solidFill>
+          <a:prstDash val="solid"/>
+          <a:miter lim="800000"/>
+        </a:ln>
+        <a:ln w="12700" cap="flat" cmpd="sng" algn="ctr">
+          <a:solidFill>
+            <a:schemeClr val="phClr"/>
+          </a:solidFill>
+          <a:prstDash val="solid"/>
+          <a:miter lim="800000"/>
+        </a:ln>
+        <a:ln w="19050" cap="flat" cmpd="sng" algn="ctr">
+          <a:solidFill>
+            <a:schemeClr val="phClr"/>
+          </a:solidFill>
+          <a:prstDash val="solid"/>
+          <a:miter lim="800000"/>
+        </a:ln>
+      </a:lnStyleLst>
+      <a:effectStyleLst>
+        <a:effectStyle>
+          <a:effectLst/>
+        </a:effectStyle>
+        <a:effectStyle>
+          <a:effectLst/>
+        </a:effectStyle>
+        <a:effectStyle>
+          <a:effectLst>
+            <a:outerShdw blurRad="57150" dist="19050" dir="5400000" algn="ctr" rotWithShape="0">
+              <a:srgbClr val="000000">
+                <a:alpha val="63000"/>
+              </a:srgbClr>
+            </a:outerShdw>
+          </a:effectLst>
+        </a:effectStyle>
+      </a:effectStyleLst>
+      <a:bgFillStyleLst>
+        <a:solidFill>
+          <a:schemeClr val="phClr"/>
+        </a:solidFill>
+        <a:solidFill>
+          <a:schemeClr val="phClr">
+            <a:tint val="95000"/>
+            <a:satMod val="170000"/>
+          </a:schemeClr>
+        </a:solidFill>
+        <a:gradFill rotWithShape="1">
+          <a:gsLst>
+            <a:gs pos="0">
+              <a:schemeClr val="phClr">
+                <a:tint val="93000"/>
+                <a:satMod val="150000"/>
+                <a:shade val="98000"/>
+                <a:lumMod val="102000"/>
+              </a:schemeClr>
+            </a:gs>
+            <a:gs pos="50000">
+              <a:schemeClr val="phClr">
+                <a:tint val="98000"/>
+                <a:satMod val="130000"/>
+                <a:shade val="90000"/>
+                <a:lumMod val="103000"/>
+              </a:schemeClr>
+            </a:gs>
+            <a:gs pos="100000">
+              <a:schemeClr val="phClr">
+                <a:shade val="63000"/>
+                <a:satMod val="120000"/>
+              </a:schemeClr>
+            </a:gs>
+          </a:gsLst>
+          <a:lin ang="5400000" scaled="0"/>
+        </a:gradFill>
+      </a:bgFillStyleLst>
+    </a:fmtScheme>
+  </a:themeElements>
+  <a:objectDefaults/>
+  <a:extraClrSchemeLst/>
+  <a:extLst>
+    <a:ext uri="{05A4C25C-085E-4340-85A3-A5531E510DB2}">
+      <thm15:themeFamily xmlns:thm15="http://schemas.microsoft.com/office/thememl/2012/main" name="Office Theme" id="{62F939B6-93AF-4DB8-9C6B-D6C7DFDC589F}" vid="{4A3C46E8-61CC-4603-A589-7422A47A8E4A}"/>
+    </a:ext>
+  </a:extLst>
+</a:theme>
 </file>
--- a/images/processing_images.pptx
+++ b/images/processing_images.pptx
@@ -5799,169 +5799,152 @@
           <a:chExt cx="0" cy="0"/>
         </a:xfrm>
       </p:grpSpPr>
-      <p:pic>
-        <p:nvPicPr>
-          <p:cNvPr id="2" name="Picture 3">
-            <a:extLst>
-              <a:ext uri="{FF2B5EF4-FFF2-40B4-BE49-F238E27FC236}">
-                <a16:creationId xmlns:a16="http://schemas.microsoft.com/office/drawing/2014/main" id="{2A02BE09-7030-4411-828C-82468C3001C5}"/>
-              </a:ext>
-            </a:extLst>
-          </p:cNvPr>
-          <p:cNvPicPr>
-            <a:picLocks noChangeAspect="1"/>
-          </p:cNvPicPr>
+      <p:grpSp>
+        <p:nvGrpSpPr>
+          <p:cNvPr id="11" name="Group 10">
+            <a:extLst>
+              <a:ext uri="{FF2B5EF4-FFF2-40B4-BE49-F238E27FC236}">
+                <a16:creationId xmlns:a16="http://schemas.microsoft.com/office/drawing/2014/main" id="{00D1800C-3F72-27FF-17E9-03AA618B46F4}"/>
+              </a:ext>
+            </a:extLst>
+          </p:cNvPr>
+          <p:cNvGrpSpPr/>
           <p:nvPr/>
-        </p:nvPicPr>
-        <p:blipFill>
-          <a:blip r:embed="rId3"/>
-          <a:srcRect/>
-          <a:stretch/>
-        </p:blipFill>
-        <p:spPr>
+        </p:nvGrpSpPr>
+        <p:grpSpPr>
           <a:xfrm>
-            <a:off x="3285226" y="1475646"/>
-            <a:ext cx="5635575" cy="5082311"/>
+            <a:off x="3363285" y="1148576"/>
+            <a:ext cx="5635575" cy="4728750"/>
+            <a:chOff x="3363285" y="1148576"/>
+            <a:chExt cx="5635575" cy="4728750"/>
           </a:xfrm>
-          <a:prstGeom prst="rect">
-            <a:avLst/>
-          </a:prstGeom>
-        </p:spPr>
-      </p:pic>
-      <p:sp>
-        <p:nvSpPr>
-          <p:cNvPr id="5" name="Google Shape;61;p14">
-            <a:extLst>
-              <a:ext uri="{FF2B5EF4-FFF2-40B4-BE49-F238E27FC236}">
-                <a16:creationId xmlns:a16="http://schemas.microsoft.com/office/drawing/2014/main" id="{E3309ACB-223A-4F96-AF9B-149E49A93BF5}"/>
-              </a:ext>
-            </a:extLst>
-          </p:cNvPr>
-          <p:cNvSpPr txBox="1">
-            <a:spLocks noGrp="1"/>
-          </p:cNvSpPr>
-          <p:nvPr>
-            <p:ph type="title"/>
-          </p:nvPr>
-        </p:nvSpPr>
-        <p:spPr>
-          <a:xfrm>
-            <a:off x="415600" y="593367"/>
-            <a:ext cx="11360800" cy="763600"/>
-          </a:xfrm>
-          <a:prstGeom prst="rect">
-            <a:avLst/>
-          </a:prstGeom>
-        </p:spPr>
-        <p:txBody>
-          <a:bodyPr spcFirstLastPara="1" vert="horz" wrap="square" lIns="121900" tIns="121900" rIns="121900" bIns="121900" rtlCol="0" anchor="t" anchorCtr="0">
-            <a:normAutofit fontScale="90000"/>
-          </a:bodyPr>
-          <a:lstStyle/>
-          <a:p>
-            <a:r>
-              <a:rPr lang="en"/>
-              <a:t>Multi-head Attention in Action</a:t>
-            </a:r>
-          </a:p>
-        </p:txBody>
-      </p:sp>
-      <p:sp>
-        <p:nvSpPr>
-          <p:cNvPr id="6" name="Rectangle 5">
-            <a:extLst>
-              <a:ext uri="{FF2B5EF4-FFF2-40B4-BE49-F238E27FC236}">
-                <a16:creationId xmlns:a16="http://schemas.microsoft.com/office/drawing/2014/main" id="{CB4B1A03-F765-4C4C-B96C-71A154A74FAD}"/>
-              </a:ext>
-            </a:extLst>
-          </p:cNvPr>
-          <p:cNvSpPr/>
-          <p:nvPr/>
-        </p:nvSpPr>
-        <p:spPr>
-          <a:xfrm>
-            <a:off x="4320000" y="2194759"/>
-            <a:ext cx="731520" cy="4363197"/>
-          </a:xfrm>
-          <a:prstGeom prst="rect">
-            <a:avLst/>
-          </a:prstGeom>
-          <a:noFill/>
-          <a:ln w="38100">
-            <a:solidFill>
-              <a:srgbClr val="00B050"/>
-            </a:solidFill>
-          </a:ln>
-        </p:spPr>
-        <p:style>
-          <a:lnRef idx="2">
-            <a:schemeClr val="accent1">
-              <a:shade val="50000"/>
-            </a:schemeClr>
-          </a:lnRef>
-          <a:fillRef idx="1">
-            <a:schemeClr val="accent1"/>
-          </a:fillRef>
-          <a:effectRef idx="0">
-            <a:schemeClr val="accent1"/>
-          </a:effectRef>
-          <a:fontRef idx="minor">
-            <a:schemeClr val="lt1"/>
-          </a:fontRef>
-        </p:style>
-        <p:txBody>
-          <a:bodyPr rtlCol="0" anchor="ctr"/>
-          <a:lstStyle/>
-          <a:p>
-            <a:pPr algn="ctr"/>
-            <a:endParaRPr lang="en-US" sz="2400"/>
-          </a:p>
-        </p:txBody>
-      </p:sp>
-      <p:sp>
-        <p:nvSpPr>
-          <p:cNvPr id="7" name="TextBox 6">
-            <a:extLst>
-              <a:ext uri="{FF2B5EF4-FFF2-40B4-BE49-F238E27FC236}">
-                <a16:creationId xmlns:a16="http://schemas.microsoft.com/office/drawing/2014/main" id="{482D96A7-1F02-4E5A-829D-FD512B4BCB1D}"/>
-              </a:ext>
-            </a:extLst>
-          </p:cNvPr>
-          <p:cNvSpPr txBox="1"/>
-          <p:nvPr/>
-        </p:nvSpPr>
-        <p:spPr>
-          <a:xfrm>
-            <a:off x="5051520" y="6171405"/>
-            <a:ext cx="1388890" cy="461665"/>
-          </a:xfrm>
-          <a:prstGeom prst="rect">
-            <a:avLst/>
-          </a:prstGeom>
-          <a:noFill/>
-        </p:spPr>
-        <p:txBody>
-          <a:bodyPr wrap="square" rtlCol="0">
-            <a:spAutoFit/>
-          </a:bodyPr>
-          <a:lstStyle/>
-          <a:p>
-            <a:r>
-              <a:rPr lang="en-US" altLang="zh-TW" sz="2400" b="1" dirty="0">
+        </p:grpSpPr>
+        <p:pic>
+          <p:nvPicPr>
+            <p:cNvPr id="2" name="Picture 3">
+              <a:extLst>
+                <a:ext uri="{FF2B5EF4-FFF2-40B4-BE49-F238E27FC236}">
+                  <a16:creationId xmlns:a16="http://schemas.microsoft.com/office/drawing/2014/main" id="{2A02BE09-7030-4411-828C-82468C3001C5}"/>
+                </a:ext>
+              </a:extLst>
+            </p:cNvPr>
+            <p:cNvPicPr>
+              <a:picLocks noChangeAspect="1"/>
+            </p:cNvPicPr>
+            <p:nvPr/>
+          </p:nvPicPr>
+          <p:blipFill rotWithShape="1">
+            <a:blip r:embed="rId3"/>
+            <a:srcRect t="8435"/>
+            <a:stretch/>
+          </p:blipFill>
+          <p:spPr>
+            <a:xfrm>
+              <a:off x="3363285" y="1148576"/>
+              <a:ext cx="5635575" cy="4653637"/>
+            </a:xfrm>
+            <a:prstGeom prst="rect">
+              <a:avLst/>
+            </a:prstGeom>
+          </p:spPr>
+        </p:pic>
+        <p:sp>
+          <p:nvSpPr>
+            <p:cNvPr id="6" name="Rectangle 5">
+              <a:extLst>
+                <a:ext uri="{FF2B5EF4-FFF2-40B4-BE49-F238E27FC236}">
+                  <a16:creationId xmlns:a16="http://schemas.microsoft.com/office/drawing/2014/main" id="{CB4B1A03-F765-4C4C-B96C-71A154A74FAD}"/>
+                </a:ext>
+              </a:extLst>
+            </p:cNvPr>
+            <p:cNvSpPr/>
+            <p:nvPr/>
+          </p:nvSpPr>
+          <p:spPr>
+            <a:xfrm>
+              <a:off x="4398059" y="1439015"/>
+              <a:ext cx="731520" cy="4363197"/>
+            </a:xfrm>
+            <a:prstGeom prst="rect">
+              <a:avLst/>
+            </a:prstGeom>
+            <a:noFill/>
+            <a:ln w="38100">
+              <a:solidFill>
+                <a:srgbClr val="00B050"/>
+              </a:solidFill>
+            </a:ln>
+          </p:spPr>
+          <p:style>
+            <a:lnRef idx="2">
+              <a:schemeClr val="accent1">
+                <a:shade val="50000"/>
+              </a:schemeClr>
+            </a:lnRef>
+            <a:fillRef idx="1">
+              <a:schemeClr val="accent1"/>
+            </a:fillRef>
+            <a:effectRef idx="0">
+              <a:schemeClr val="accent1"/>
+            </a:effectRef>
+            <a:fontRef idx="minor">
+              <a:schemeClr val="lt1"/>
+            </a:fontRef>
+          </p:style>
+          <p:txBody>
+            <a:bodyPr rtlCol="0" anchor="ctr"/>
+            <a:lstStyle/>
+            <a:p>
+              <a:pPr algn="ctr"/>
+              <a:endParaRPr lang="en-US" sz="2400"/>
+            </a:p>
+          </p:txBody>
+        </p:sp>
+        <p:sp>
+          <p:nvSpPr>
+            <p:cNvPr id="7" name="TextBox 6">
+              <a:extLst>
+                <a:ext uri="{FF2B5EF4-FFF2-40B4-BE49-F238E27FC236}">
+                  <a16:creationId xmlns:a16="http://schemas.microsoft.com/office/drawing/2014/main" id="{482D96A7-1F02-4E5A-829D-FD512B4BCB1D}"/>
+                </a:ext>
+              </a:extLst>
+            </p:cNvPr>
+            <p:cNvSpPr txBox="1"/>
+            <p:nvPr/>
+          </p:nvSpPr>
+          <p:spPr>
+            <a:xfrm>
+              <a:off x="5129579" y="5415661"/>
+              <a:ext cx="1388890" cy="461665"/>
+            </a:xfrm>
+            <a:prstGeom prst="rect">
+              <a:avLst/>
+            </a:prstGeom>
+            <a:noFill/>
+          </p:spPr>
+          <p:txBody>
+            <a:bodyPr wrap="square" rtlCol="0">
+              <a:spAutoFit/>
+            </a:bodyPr>
+            <a:lstStyle/>
+            <a:p>
+              <a:r>
+                <a:rPr lang="en-US" altLang="zh-TW" sz="2400" b="1" dirty="0">
+                  <a:solidFill>
+                    <a:srgbClr val="00B050"/>
+                  </a:solidFill>
+                </a:rPr>
+                <a:t>Head 1</a:t>
+              </a:r>
+              <a:endParaRPr lang="en-US" sz="2400" b="1" dirty="0">
                 <a:solidFill>
                   <a:srgbClr val="00B050"/>
                 </a:solidFill>
-              </a:rPr>
-              <a:t>Head 1</a:t>
-            </a:r>
-            <a:endParaRPr lang="en-US" sz="2400" b="1" dirty="0">
-              <a:solidFill>
-                <a:srgbClr val="00B050"/>
-              </a:solidFill>
-            </a:endParaRPr>
-          </a:p>
-        </p:txBody>
-      </p:sp>
+              </a:endParaRPr>
+            </a:p>
+          </p:txBody>
+        </p:sp>
+      </p:grpSp>
     </p:spTree>
     <p:extLst>
       <p:ext uri="{BB962C8B-B14F-4D97-AF65-F5344CB8AC3E}">
@@ -5992,265 +5975,300 @@
           <a:chExt cx="0" cy="0"/>
         </a:xfrm>
       </p:grpSpPr>
-      <p:pic>
-        <p:nvPicPr>
-          <p:cNvPr id="2" name="Picture 3">
-            <a:extLst>
-              <a:ext uri="{FF2B5EF4-FFF2-40B4-BE49-F238E27FC236}">
-                <a16:creationId xmlns:a16="http://schemas.microsoft.com/office/drawing/2014/main" id="{2A02BE09-7030-4411-828C-82468C3001C5}"/>
-              </a:ext>
-            </a:extLst>
-          </p:cNvPr>
-          <p:cNvPicPr>
-            <a:picLocks noChangeAspect="1"/>
-          </p:cNvPicPr>
+      <p:grpSp>
+        <p:nvGrpSpPr>
+          <p:cNvPr id="11" name="Group 10">
+            <a:extLst>
+              <a:ext uri="{FF2B5EF4-FFF2-40B4-BE49-F238E27FC236}">
+                <a16:creationId xmlns:a16="http://schemas.microsoft.com/office/drawing/2014/main" id="{560AC0A5-3842-27D4-C988-14CAF898553A}"/>
+              </a:ext>
+            </a:extLst>
+          </p:cNvPr>
+          <p:cNvGrpSpPr/>
           <p:nvPr/>
-        </p:nvPicPr>
-        <p:blipFill>
-          <a:blip r:embed="rId3"/>
-          <a:srcRect/>
-          <a:stretch/>
-        </p:blipFill>
-        <p:spPr>
+        </p:nvGrpSpPr>
+        <p:grpSpPr>
           <a:xfrm>
-            <a:off x="3285226" y="1475646"/>
-            <a:ext cx="5635575" cy="5082311"/>
+            <a:off x="2386361" y="970156"/>
+            <a:ext cx="6880302" cy="5241073"/>
+            <a:chOff x="2386361" y="970156"/>
+            <a:chExt cx="6880302" cy="5241073"/>
           </a:xfrm>
-          <a:prstGeom prst="rect">
-            <a:avLst/>
-          </a:prstGeom>
-        </p:spPr>
-      </p:pic>
-      <p:sp>
-        <p:nvSpPr>
-          <p:cNvPr id="5" name="Google Shape;61;p14">
-            <a:extLst>
-              <a:ext uri="{FF2B5EF4-FFF2-40B4-BE49-F238E27FC236}">
-                <a16:creationId xmlns:a16="http://schemas.microsoft.com/office/drawing/2014/main" id="{E3309ACB-223A-4F96-AF9B-149E49A93BF5}"/>
-              </a:ext>
-            </a:extLst>
-          </p:cNvPr>
-          <p:cNvSpPr txBox="1">
-            <a:spLocks noGrp="1"/>
-          </p:cNvSpPr>
-          <p:nvPr>
-            <p:ph type="title"/>
-          </p:nvPr>
-        </p:nvSpPr>
-        <p:spPr>
-          <a:xfrm>
-            <a:off x="415600" y="593367"/>
-            <a:ext cx="11360800" cy="763600"/>
-          </a:xfrm>
-          <a:prstGeom prst="rect">
-            <a:avLst/>
-          </a:prstGeom>
-        </p:spPr>
-        <p:txBody>
-          <a:bodyPr spcFirstLastPara="1" vert="horz" wrap="square" lIns="121900" tIns="121900" rIns="121900" bIns="121900" rtlCol="0" anchor="t" anchorCtr="0">
-            <a:normAutofit fontScale="90000"/>
-          </a:bodyPr>
-          <a:lstStyle/>
-          <a:p>
-            <a:r>
-              <a:rPr lang="en"/>
-              <a:t>Multi-head Attention in Action</a:t>
-            </a:r>
-          </a:p>
-        </p:txBody>
-      </p:sp>
-      <p:sp>
-        <p:nvSpPr>
-          <p:cNvPr id="4" name="Rectangle 3">
-            <a:extLst>
-              <a:ext uri="{FF2B5EF4-FFF2-40B4-BE49-F238E27FC236}">
-                <a16:creationId xmlns:a16="http://schemas.microsoft.com/office/drawing/2014/main" id="{EBB10209-EE12-41F1-857A-D9FE956F3711}"/>
-              </a:ext>
-            </a:extLst>
-          </p:cNvPr>
-          <p:cNvSpPr/>
-          <p:nvPr/>
-        </p:nvSpPr>
-        <p:spPr>
-          <a:xfrm>
-            <a:off x="3527145" y="2194759"/>
-            <a:ext cx="731520" cy="4363197"/>
-          </a:xfrm>
-          <a:prstGeom prst="rect">
-            <a:avLst/>
-          </a:prstGeom>
-          <a:noFill/>
-          <a:ln w="38100">
+        </p:grpSpPr>
+        <p:sp>
+          <p:nvSpPr>
+            <p:cNvPr id="10" name="Rectangle 9">
+              <a:extLst>
+                <a:ext uri="{FF2B5EF4-FFF2-40B4-BE49-F238E27FC236}">
+                  <a16:creationId xmlns:a16="http://schemas.microsoft.com/office/drawing/2014/main" id="{59BE1ADF-6BCF-E0D4-5CE2-79176BE48AD9}"/>
+                </a:ext>
+              </a:extLst>
+            </p:cNvPr>
+            <p:cNvSpPr/>
+            <p:nvPr/>
+          </p:nvSpPr>
+          <p:spPr>
+            <a:xfrm>
+              <a:off x="2386361" y="970156"/>
+              <a:ext cx="6880302" cy="5241073"/>
+            </a:xfrm>
+            <a:prstGeom prst="rect">
+              <a:avLst/>
+            </a:prstGeom>
             <a:solidFill>
-              <a:srgbClr val="FF0000"/>
+              <a:schemeClr val="bg1"/>
             </a:solidFill>
-          </a:ln>
-        </p:spPr>
-        <p:style>
-          <a:lnRef idx="2">
-            <a:schemeClr val="accent1">
-              <a:shade val="50000"/>
-            </a:schemeClr>
-          </a:lnRef>
-          <a:fillRef idx="1">
-            <a:schemeClr val="accent1"/>
-          </a:fillRef>
-          <a:effectRef idx="0">
-            <a:schemeClr val="accent1"/>
-          </a:effectRef>
-          <a:fontRef idx="minor">
-            <a:schemeClr val="lt1"/>
-          </a:fontRef>
-        </p:style>
-        <p:txBody>
-          <a:bodyPr rtlCol="0" anchor="ctr"/>
-          <a:lstStyle/>
-          <a:p>
-            <a:pPr algn="ctr"/>
-            <a:endParaRPr lang="en-US" sz="2400"/>
-          </a:p>
-        </p:txBody>
-      </p:sp>
-      <p:sp>
-        <p:nvSpPr>
-          <p:cNvPr id="3" name="TextBox 2">
-            <a:extLst>
-              <a:ext uri="{FF2B5EF4-FFF2-40B4-BE49-F238E27FC236}">
-                <a16:creationId xmlns:a16="http://schemas.microsoft.com/office/drawing/2014/main" id="{14C5CCFF-1CA7-4872-9CB8-91F3DDD46DAA}"/>
-              </a:ext>
-            </a:extLst>
-          </p:cNvPr>
-          <p:cNvSpPr txBox="1"/>
-          <p:nvPr/>
-        </p:nvSpPr>
-        <p:spPr>
-          <a:xfrm>
-            <a:off x="2461545" y="6147587"/>
-            <a:ext cx="1036800" cy="830997"/>
-          </a:xfrm>
-          <a:prstGeom prst="rect">
-            <a:avLst/>
-          </a:prstGeom>
-          <a:noFill/>
-        </p:spPr>
-        <p:txBody>
-          <a:bodyPr wrap="square" rtlCol="0">
-            <a:spAutoFit/>
-          </a:bodyPr>
-          <a:lstStyle/>
-          <a:p>
-            <a:r>
-              <a:rPr lang="en-US" altLang="zh-TW" sz="2400" b="1">
+            <a:ln>
+              <a:noFill/>
+            </a:ln>
+          </p:spPr>
+          <p:style>
+            <a:lnRef idx="2">
+              <a:schemeClr val="accent1">
+                <a:shade val="50000"/>
+              </a:schemeClr>
+            </a:lnRef>
+            <a:fillRef idx="1">
+              <a:schemeClr val="accent1"/>
+            </a:fillRef>
+            <a:effectRef idx="0">
+              <a:schemeClr val="accent1"/>
+            </a:effectRef>
+            <a:fontRef idx="minor">
+              <a:schemeClr val="lt1"/>
+            </a:fontRef>
+          </p:style>
+          <p:txBody>
+            <a:bodyPr rtlCol="0" anchor="ctr"/>
+            <a:lstStyle/>
+            <a:p>
+              <a:pPr algn="ctr"/>
+              <a:endParaRPr lang="en-TW"/>
+            </a:p>
+          </p:txBody>
+        </p:sp>
+        <p:pic>
+          <p:nvPicPr>
+            <p:cNvPr id="2" name="Picture 3">
+              <a:extLst>
+                <a:ext uri="{FF2B5EF4-FFF2-40B4-BE49-F238E27FC236}">
+                  <a16:creationId xmlns:a16="http://schemas.microsoft.com/office/drawing/2014/main" id="{2A02BE09-7030-4411-828C-82468C3001C5}"/>
+                </a:ext>
+              </a:extLst>
+            </p:cNvPr>
+            <p:cNvPicPr>
+              <a:picLocks noChangeAspect="1"/>
+            </p:cNvPicPr>
+            <p:nvPr/>
+          </p:nvPicPr>
+          <p:blipFill rotWithShape="1">
+            <a:blip r:embed="rId3"/>
+            <a:srcRect t="8704"/>
+            <a:stretch/>
+          </p:blipFill>
+          <p:spPr>
+            <a:xfrm>
+              <a:off x="3278212" y="1338146"/>
+              <a:ext cx="5635575" cy="4639947"/>
+            </a:xfrm>
+            <a:prstGeom prst="rect">
+              <a:avLst/>
+            </a:prstGeom>
+          </p:spPr>
+        </p:pic>
+        <p:sp>
+          <p:nvSpPr>
+            <p:cNvPr id="4" name="Rectangle 3">
+              <a:extLst>
+                <a:ext uri="{FF2B5EF4-FFF2-40B4-BE49-F238E27FC236}">
+                  <a16:creationId xmlns:a16="http://schemas.microsoft.com/office/drawing/2014/main" id="{EBB10209-EE12-41F1-857A-D9FE956F3711}"/>
+                </a:ext>
+              </a:extLst>
+            </p:cNvPr>
+            <p:cNvSpPr/>
+            <p:nvPr/>
+          </p:nvSpPr>
+          <p:spPr>
+            <a:xfrm>
+              <a:off x="3553584" y="1614895"/>
+              <a:ext cx="731520" cy="4363197"/>
+            </a:xfrm>
+            <a:prstGeom prst="rect">
+              <a:avLst/>
+            </a:prstGeom>
+            <a:noFill/>
+            <a:ln w="38100">
+              <a:solidFill>
+                <a:srgbClr val="FF0000"/>
+              </a:solidFill>
+            </a:ln>
+          </p:spPr>
+          <p:style>
+            <a:lnRef idx="2">
+              <a:schemeClr val="accent1">
+                <a:shade val="50000"/>
+              </a:schemeClr>
+            </a:lnRef>
+            <a:fillRef idx="1">
+              <a:schemeClr val="accent1"/>
+            </a:fillRef>
+            <a:effectRef idx="0">
+              <a:schemeClr val="accent1"/>
+            </a:effectRef>
+            <a:fontRef idx="minor">
+              <a:schemeClr val="lt1"/>
+            </a:fontRef>
+          </p:style>
+          <p:txBody>
+            <a:bodyPr rtlCol="0" anchor="ctr"/>
+            <a:lstStyle/>
+            <a:p>
+              <a:pPr algn="ctr"/>
+              <a:endParaRPr lang="en-US" sz="2400"/>
+            </a:p>
+          </p:txBody>
+        </p:sp>
+        <p:sp>
+          <p:nvSpPr>
+            <p:cNvPr id="3" name="TextBox 2">
+              <a:extLst>
+                <a:ext uri="{FF2B5EF4-FFF2-40B4-BE49-F238E27FC236}">
+                  <a16:creationId xmlns:a16="http://schemas.microsoft.com/office/drawing/2014/main" id="{14C5CCFF-1CA7-4872-9CB8-91F3DDD46DAA}"/>
+                </a:ext>
+              </a:extLst>
+            </p:cNvPr>
+            <p:cNvSpPr txBox="1"/>
+            <p:nvPr/>
+          </p:nvSpPr>
+          <p:spPr>
+            <a:xfrm>
+              <a:off x="2481582" y="5567723"/>
+              <a:ext cx="1266226" cy="461665"/>
+            </a:xfrm>
+            <a:prstGeom prst="rect">
+              <a:avLst/>
+            </a:prstGeom>
+            <a:noFill/>
+          </p:spPr>
+          <p:txBody>
+            <a:bodyPr wrap="square" rtlCol="0">
+              <a:spAutoFit/>
+            </a:bodyPr>
+            <a:lstStyle/>
+            <a:p>
+              <a:r>
+                <a:rPr lang="en-US" altLang="zh-TW" sz="2400" b="1" dirty="0">
+                  <a:solidFill>
+                    <a:srgbClr val="FF0000"/>
+                  </a:solidFill>
+                </a:rPr>
+                <a:t>Head 1</a:t>
+              </a:r>
+              <a:endParaRPr lang="en-US" sz="2400" b="1" dirty="0">
                 <a:solidFill>
                   <a:srgbClr val="FF0000"/>
                 </a:solidFill>
-              </a:rPr>
-              <a:t>Head 1</a:t>
-            </a:r>
-            <a:endParaRPr lang="en-US" sz="2400" b="1">
+              </a:endParaRPr>
+            </a:p>
+          </p:txBody>
+        </p:sp>
+        <p:sp>
+          <p:nvSpPr>
+            <p:cNvPr id="6" name="Rectangle 5">
+              <a:extLst>
+                <a:ext uri="{FF2B5EF4-FFF2-40B4-BE49-F238E27FC236}">
+                  <a16:creationId xmlns:a16="http://schemas.microsoft.com/office/drawing/2014/main" id="{CB4B1A03-F765-4C4C-B96C-71A154A74FAD}"/>
+                </a:ext>
+              </a:extLst>
+            </p:cNvPr>
+            <p:cNvSpPr/>
+            <p:nvPr/>
+          </p:nvSpPr>
+          <p:spPr>
+            <a:xfrm>
+              <a:off x="4312986" y="1614895"/>
+              <a:ext cx="731520" cy="4363197"/>
+            </a:xfrm>
+            <a:prstGeom prst="rect">
+              <a:avLst/>
+            </a:prstGeom>
+            <a:noFill/>
+            <a:ln w="38100">
               <a:solidFill>
-                <a:srgbClr val="FF0000"/>
+                <a:srgbClr val="00B050"/>
               </a:solidFill>
-            </a:endParaRPr>
-          </a:p>
-        </p:txBody>
-      </p:sp>
-      <p:sp>
-        <p:nvSpPr>
-          <p:cNvPr id="6" name="Rectangle 5">
-            <a:extLst>
-              <a:ext uri="{FF2B5EF4-FFF2-40B4-BE49-F238E27FC236}">
-                <a16:creationId xmlns:a16="http://schemas.microsoft.com/office/drawing/2014/main" id="{CB4B1A03-F765-4C4C-B96C-71A154A74FAD}"/>
-              </a:ext>
-            </a:extLst>
-          </p:cNvPr>
-          <p:cNvSpPr/>
-          <p:nvPr/>
-        </p:nvSpPr>
-        <p:spPr>
-          <a:xfrm>
-            <a:off x="4320000" y="2194759"/>
-            <a:ext cx="731520" cy="4363197"/>
-          </a:xfrm>
-          <a:prstGeom prst="rect">
-            <a:avLst/>
-          </a:prstGeom>
-          <a:noFill/>
-          <a:ln w="38100">
-            <a:solidFill>
-              <a:srgbClr val="00B050"/>
-            </a:solidFill>
-          </a:ln>
-        </p:spPr>
-        <p:style>
-          <a:lnRef idx="2">
-            <a:schemeClr val="accent1">
-              <a:shade val="50000"/>
-            </a:schemeClr>
-          </a:lnRef>
-          <a:fillRef idx="1">
-            <a:schemeClr val="accent1"/>
-          </a:fillRef>
-          <a:effectRef idx="0">
-            <a:schemeClr val="accent1"/>
-          </a:effectRef>
-          <a:fontRef idx="minor">
-            <a:schemeClr val="lt1"/>
-          </a:fontRef>
-        </p:style>
-        <p:txBody>
-          <a:bodyPr rtlCol="0" anchor="ctr"/>
-          <a:lstStyle/>
-          <a:p>
-            <a:pPr algn="ctr"/>
-            <a:endParaRPr lang="en-US" sz="2400"/>
-          </a:p>
-        </p:txBody>
-      </p:sp>
-      <p:sp>
-        <p:nvSpPr>
-          <p:cNvPr id="7" name="TextBox 6">
-            <a:extLst>
-              <a:ext uri="{FF2B5EF4-FFF2-40B4-BE49-F238E27FC236}">
-                <a16:creationId xmlns:a16="http://schemas.microsoft.com/office/drawing/2014/main" id="{482D96A7-1F02-4E5A-829D-FD512B4BCB1D}"/>
-              </a:ext>
-            </a:extLst>
-          </p:cNvPr>
-          <p:cNvSpPr txBox="1"/>
-          <p:nvPr/>
-        </p:nvSpPr>
-        <p:spPr>
-          <a:xfrm>
-            <a:off x="5101120" y="6140743"/>
-            <a:ext cx="1036800" cy="830997"/>
-          </a:xfrm>
-          <a:prstGeom prst="rect">
-            <a:avLst/>
-          </a:prstGeom>
-          <a:noFill/>
-        </p:spPr>
-        <p:txBody>
-          <a:bodyPr wrap="square" rtlCol="0">
-            <a:spAutoFit/>
-          </a:bodyPr>
-          <a:lstStyle/>
-          <a:p>
-            <a:r>
-              <a:rPr lang="en-US" altLang="zh-TW" sz="2400" b="1">
+            </a:ln>
+          </p:spPr>
+          <p:style>
+            <a:lnRef idx="2">
+              <a:schemeClr val="accent1">
+                <a:shade val="50000"/>
+              </a:schemeClr>
+            </a:lnRef>
+            <a:fillRef idx="1">
+              <a:schemeClr val="accent1"/>
+            </a:fillRef>
+            <a:effectRef idx="0">
+              <a:schemeClr val="accent1"/>
+            </a:effectRef>
+            <a:fontRef idx="minor">
+              <a:schemeClr val="lt1"/>
+            </a:fontRef>
+          </p:style>
+          <p:txBody>
+            <a:bodyPr rtlCol="0" anchor="ctr"/>
+            <a:lstStyle/>
+            <a:p>
+              <a:pPr algn="ctr"/>
+              <a:endParaRPr lang="en-US" sz="2400"/>
+            </a:p>
+          </p:txBody>
+        </p:sp>
+        <p:sp>
+          <p:nvSpPr>
+            <p:cNvPr id="7" name="TextBox 6">
+              <a:extLst>
+                <a:ext uri="{FF2B5EF4-FFF2-40B4-BE49-F238E27FC236}">
+                  <a16:creationId xmlns:a16="http://schemas.microsoft.com/office/drawing/2014/main" id="{482D96A7-1F02-4E5A-829D-FD512B4BCB1D}"/>
+                </a:ext>
+              </a:extLst>
+            </p:cNvPr>
+            <p:cNvSpPr txBox="1"/>
+            <p:nvPr/>
+          </p:nvSpPr>
+          <p:spPr>
+            <a:xfrm>
+              <a:off x="5094106" y="5567723"/>
+              <a:ext cx="1266226" cy="461665"/>
+            </a:xfrm>
+            <a:prstGeom prst="rect">
+              <a:avLst/>
+            </a:prstGeom>
+            <a:noFill/>
+          </p:spPr>
+          <p:txBody>
+            <a:bodyPr wrap="square" rtlCol="0">
+              <a:spAutoFit/>
+            </a:bodyPr>
+            <a:lstStyle/>
+            <a:p>
+              <a:r>
+                <a:rPr lang="en-US" altLang="zh-TW" sz="2400" b="1" dirty="0">
+                  <a:solidFill>
+                    <a:srgbClr val="00B050"/>
+                  </a:solidFill>
+                </a:rPr>
+                <a:t>Head 2</a:t>
+              </a:r>
+              <a:endParaRPr lang="en-US" sz="2400" b="1" dirty="0">
                 <a:solidFill>
                   <a:srgbClr val="00B050"/>
                 </a:solidFill>
-              </a:rPr>
-              <a:t>Head 2</a:t>
-            </a:r>
-            <a:endParaRPr lang="en-US" sz="2400" b="1">
-              <a:solidFill>
-                <a:srgbClr val="00B050"/>
-              </a:solidFill>
-            </a:endParaRPr>
-          </a:p>
-        </p:txBody>
-      </p:sp>
+              </a:endParaRPr>
+            </a:p>
+          </p:txBody>
+        </p:sp>
+      </p:grpSp>
     </p:spTree>
     <p:extLst>
       <p:ext uri="{BB962C8B-B14F-4D97-AF65-F5344CB8AC3E}">

--- a/images/processing_images.pptx
+++ b/images/processing_images.pptx
@@ -5,7 +5,7 @@
     <p:sldMasterId id="2147483648" r:id="rId1"/>
   </p:sldMasterIdLst>
   <p:notesMasterIdLst>
-    <p:notesMasterId r:id="rId7"/>
+    <p:notesMasterId r:id="rId15"/>
   </p:notesMasterIdLst>
   <p:sldIdLst>
     <p:sldId id="256" r:id="rId2"/>
@@ -13,6 +13,14 @@
     <p:sldId id="258" r:id="rId4"/>
     <p:sldId id="328" r:id="rId5"/>
     <p:sldId id="329" r:id="rId6"/>
+    <p:sldId id="330" r:id="rId7"/>
+    <p:sldId id="331" r:id="rId8"/>
+    <p:sldId id="332" r:id="rId9"/>
+    <p:sldId id="5639" r:id="rId10"/>
+    <p:sldId id="5638" r:id="rId11"/>
+    <p:sldId id="5637" r:id="rId12"/>
+    <p:sldId id="5640" r:id="rId13"/>
+    <p:sldId id="5641" r:id="rId14"/>
   </p:sldIdLst>
   <p:sldSz cx="12192000" cy="6858000"/>
   <p:notesSz cx="6858000" cy="9144000"/>
@@ -698,6 +706,551 @@
 </p:notes>
 </file>
 
+<file path=ppt/notesSlides/notesSlide3.xml><?xml version="1.0" encoding="utf-8"?>
+<p:notes xmlns:a="http://schemas.openxmlformats.org/drawingml/2006/main" xmlns:r="http://schemas.openxmlformats.org/officeDocument/2006/relationships" xmlns:p="http://schemas.openxmlformats.org/presentationml/2006/main" showMasterSp="0" showMasterPhAnim="0">
+  <p:cSld>
+    <p:spTree>
+      <p:nvGrpSpPr>
+        <p:cNvPr id="1" name="Shape 57"/>
+        <p:cNvGrpSpPr/>
+        <p:nvPr/>
+      </p:nvGrpSpPr>
+      <p:grpSpPr>
+        <a:xfrm>
+          <a:off x="0" y="0"/>
+          <a:ext cx="0" cy="0"/>
+          <a:chOff x="0" y="0"/>
+          <a:chExt cx="0" cy="0"/>
+        </a:xfrm>
+      </p:grpSpPr>
+      <p:sp>
+        <p:nvSpPr>
+          <p:cNvPr id="58" name="Google Shape;58;gf035d46749_0_0:notes"/>
+          <p:cNvSpPr>
+            <a:spLocks noGrp="1" noRot="1" noChangeAspect="1"/>
+          </p:cNvSpPr>
+          <p:nvPr>
+            <p:ph type="sldImg" idx="2"/>
+          </p:nvPr>
+        </p:nvSpPr>
+        <p:spPr>
+          <a:xfrm>
+            <a:off x="381000" y="685800"/>
+            <a:ext cx="6096000" cy="3429000"/>
+          </a:xfrm>
+          <a:custGeom>
+            <a:avLst/>
+            <a:gdLst/>
+            <a:ahLst/>
+            <a:cxnLst/>
+            <a:rect l="l" t="t" r="r" b="b"/>
+            <a:pathLst>
+              <a:path w="120000" h="120000" extrusionOk="0">
+                <a:moveTo>
+                  <a:pt x="0" y="0"/>
+                </a:moveTo>
+                <a:lnTo>
+                  <a:pt x="120000" y="0"/>
+                </a:lnTo>
+                <a:lnTo>
+                  <a:pt x="120000" y="120000"/>
+                </a:lnTo>
+                <a:lnTo>
+                  <a:pt x="0" y="120000"/>
+                </a:lnTo>
+                <a:close/>
+              </a:path>
+            </a:pathLst>
+          </a:custGeom>
+        </p:spPr>
+      </p:sp>
+      <p:sp>
+        <p:nvSpPr>
+          <p:cNvPr id="59" name="Google Shape;59;gf035d46749_0_0:notes"/>
+          <p:cNvSpPr txBox="1">
+            <a:spLocks noGrp="1"/>
+          </p:cNvSpPr>
+          <p:nvPr>
+            <p:ph type="body" idx="1"/>
+          </p:nvPr>
+        </p:nvSpPr>
+        <p:spPr>
+          <a:xfrm>
+            <a:off x="685800" y="4343400"/>
+            <a:ext cx="5486400" cy="4114800"/>
+          </a:xfrm>
+          <a:prstGeom prst="rect">
+            <a:avLst/>
+          </a:prstGeom>
+        </p:spPr>
+        <p:txBody>
+          <a:bodyPr spcFirstLastPara="1" wrap="square" lIns="91425" tIns="91425" rIns="91425" bIns="91425" anchor="t" anchorCtr="0">
+            <a:noAutofit/>
+          </a:bodyPr>
+          <a:lstStyle/>
+          <a:p>
+            <a:pPr marL="0" lvl="0" indent="0" algn="l" rtl="0">
+              <a:spcBef>
+                <a:spcPts val="0"/>
+              </a:spcBef>
+              <a:spcAft>
+                <a:spcPts val="0"/>
+              </a:spcAft>
+              <a:buNone/>
+            </a:pPr>
+            <a:endParaRPr/>
+          </a:p>
+        </p:txBody>
+      </p:sp>
+    </p:spTree>
+    <p:extLst>
+      <p:ext uri="{BB962C8B-B14F-4D97-AF65-F5344CB8AC3E}">
+        <p14:creationId xmlns:p14="http://schemas.microsoft.com/office/powerpoint/2010/main" val="2855338899"/>
+      </p:ext>
+    </p:extLst>
+  </p:cSld>
+  <p:clrMapOvr>
+    <a:masterClrMapping/>
+  </p:clrMapOvr>
+</p:notes>
+</file>
+
+<file path=ppt/notesSlides/notesSlide4.xml><?xml version="1.0" encoding="utf-8"?>
+<p:notes xmlns:a="http://schemas.openxmlformats.org/drawingml/2006/main" xmlns:r="http://schemas.openxmlformats.org/officeDocument/2006/relationships" xmlns:p="http://schemas.openxmlformats.org/presentationml/2006/main" showMasterSp="0" showMasterPhAnim="0">
+  <p:cSld>
+    <p:spTree>
+      <p:nvGrpSpPr>
+        <p:cNvPr id="1" name="Shape 57"/>
+        <p:cNvGrpSpPr/>
+        <p:nvPr/>
+      </p:nvGrpSpPr>
+      <p:grpSpPr>
+        <a:xfrm>
+          <a:off x="0" y="0"/>
+          <a:ext cx="0" cy="0"/>
+          <a:chOff x="0" y="0"/>
+          <a:chExt cx="0" cy="0"/>
+        </a:xfrm>
+      </p:grpSpPr>
+      <p:sp>
+        <p:nvSpPr>
+          <p:cNvPr id="58" name="Google Shape;58;gf035d46749_0_0:notes"/>
+          <p:cNvSpPr>
+            <a:spLocks noGrp="1" noRot="1" noChangeAspect="1"/>
+          </p:cNvSpPr>
+          <p:nvPr>
+            <p:ph type="sldImg" idx="2"/>
+          </p:nvPr>
+        </p:nvSpPr>
+        <p:spPr>
+          <a:xfrm>
+            <a:off x="381000" y="685800"/>
+            <a:ext cx="6096000" cy="3429000"/>
+          </a:xfrm>
+          <a:custGeom>
+            <a:avLst/>
+            <a:gdLst/>
+            <a:ahLst/>
+            <a:cxnLst/>
+            <a:rect l="l" t="t" r="r" b="b"/>
+            <a:pathLst>
+              <a:path w="120000" h="120000" extrusionOk="0">
+                <a:moveTo>
+                  <a:pt x="0" y="0"/>
+                </a:moveTo>
+                <a:lnTo>
+                  <a:pt x="120000" y="0"/>
+                </a:lnTo>
+                <a:lnTo>
+                  <a:pt x="120000" y="120000"/>
+                </a:lnTo>
+                <a:lnTo>
+                  <a:pt x="0" y="120000"/>
+                </a:lnTo>
+                <a:close/>
+              </a:path>
+            </a:pathLst>
+          </a:custGeom>
+        </p:spPr>
+      </p:sp>
+      <p:sp>
+        <p:nvSpPr>
+          <p:cNvPr id="59" name="Google Shape;59;gf035d46749_0_0:notes"/>
+          <p:cNvSpPr txBox="1">
+            <a:spLocks noGrp="1"/>
+          </p:cNvSpPr>
+          <p:nvPr>
+            <p:ph type="body" idx="1"/>
+          </p:nvPr>
+        </p:nvSpPr>
+        <p:spPr>
+          <a:xfrm>
+            <a:off x="685800" y="4343400"/>
+            <a:ext cx="5486400" cy="4114800"/>
+          </a:xfrm>
+          <a:prstGeom prst="rect">
+            <a:avLst/>
+          </a:prstGeom>
+        </p:spPr>
+        <p:txBody>
+          <a:bodyPr spcFirstLastPara="1" wrap="square" lIns="91425" tIns="91425" rIns="91425" bIns="91425" anchor="t" anchorCtr="0">
+            <a:noAutofit/>
+          </a:bodyPr>
+          <a:lstStyle/>
+          <a:p>
+            <a:pPr marL="0" lvl="0" indent="0" algn="l" rtl="0">
+              <a:spcBef>
+                <a:spcPts val="0"/>
+              </a:spcBef>
+              <a:spcAft>
+                <a:spcPts val="0"/>
+              </a:spcAft>
+              <a:buNone/>
+            </a:pPr>
+            <a:endParaRPr/>
+          </a:p>
+        </p:txBody>
+      </p:sp>
+    </p:spTree>
+    <p:extLst>
+      <p:ext uri="{BB962C8B-B14F-4D97-AF65-F5344CB8AC3E}">
+        <p14:creationId xmlns:p14="http://schemas.microsoft.com/office/powerpoint/2010/main" val="2936953240"/>
+      </p:ext>
+    </p:extLst>
+  </p:cSld>
+  <p:clrMapOvr>
+    <a:masterClrMapping/>
+  </p:clrMapOvr>
+</p:notes>
+</file>
+
+<file path=ppt/notesSlides/notesSlide5.xml><?xml version="1.0" encoding="utf-8"?>
+<p:notes xmlns:a="http://schemas.openxmlformats.org/drawingml/2006/main" xmlns:r="http://schemas.openxmlformats.org/officeDocument/2006/relationships" xmlns:p="http://schemas.openxmlformats.org/presentationml/2006/main" showMasterSp="0" showMasterPhAnim="0">
+  <p:cSld>
+    <p:spTree>
+      <p:nvGrpSpPr>
+        <p:cNvPr id="1" name="Shape 57"/>
+        <p:cNvGrpSpPr/>
+        <p:nvPr/>
+      </p:nvGrpSpPr>
+      <p:grpSpPr>
+        <a:xfrm>
+          <a:off x="0" y="0"/>
+          <a:ext cx="0" cy="0"/>
+          <a:chOff x="0" y="0"/>
+          <a:chExt cx="0" cy="0"/>
+        </a:xfrm>
+      </p:grpSpPr>
+      <p:sp>
+        <p:nvSpPr>
+          <p:cNvPr id="58" name="Google Shape;58;gf035d46749_0_0:notes"/>
+          <p:cNvSpPr>
+            <a:spLocks noGrp="1" noRot="1" noChangeAspect="1"/>
+          </p:cNvSpPr>
+          <p:nvPr>
+            <p:ph type="sldImg" idx="2"/>
+          </p:nvPr>
+        </p:nvSpPr>
+        <p:spPr>
+          <a:xfrm>
+            <a:off x="381000" y="685800"/>
+            <a:ext cx="6096000" cy="3429000"/>
+          </a:xfrm>
+          <a:custGeom>
+            <a:avLst/>
+            <a:gdLst/>
+            <a:ahLst/>
+            <a:cxnLst/>
+            <a:rect l="l" t="t" r="r" b="b"/>
+            <a:pathLst>
+              <a:path w="120000" h="120000" extrusionOk="0">
+                <a:moveTo>
+                  <a:pt x="0" y="0"/>
+                </a:moveTo>
+                <a:lnTo>
+                  <a:pt x="120000" y="0"/>
+                </a:lnTo>
+                <a:lnTo>
+                  <a:pt x="120000" y="120000"/>
+                </a:lnTo>
+                <a:lnTo>
+                  <a:pt x="0" y="120000"/>
+                </a:lnTo>
+                <a:close/>
+              </a:path>
+            </a:pathLst>
+          </a:custGeom>
+        </p:spPr>
+      </p:sp>
+      <p:sp>
+        <p:nvSpPr>
+          <p:cNvPr id="59" name="Google Shape;59;gf035d46749_0_0:notes"/>
+          <p:cNvSpPr txBox="1">
+            <a:spLocks noGrp="1"/>
+          </p:cNvSpPr>
+          <p:nvPr>
+            <p:ph type="body" idx="1"/>
+          </p:nvPr>
+        </p:nvSpPr>
+        <p:spPr>
+          <a:xfrm>
+            <a:off x="685800" y="4343400"/>
+            <a:ext cx="5486400" cy="4114800"/>
+          </a:xfrm>
+          <a:prstGeom prst="rect">
+            <a:avLst/>
+          </a:prstGeom>
+        </p:spPr>
+        <p:txBody>
+          <a:bodyPr spcFirstLastPara="1" wrap="square" lIns="91425" tIns="91425" rIns="91425" bIns="91425" anchor="t" anchorCtr="0">
+            <a:noAutofit/>
+          </a:bodyPr>
+          <a:lstStyle/>
+          <a:p>
+            <a:pPr marL="0" lvl="0" indent="0" algn="l" rtl="0">
+              <a:spcBef>
+                <a:spcPts val="0"/>
+              </a:spcBef>
+              <a:spcAft>
+                <a:spcPts val="0"/>
+              </a:spcAft>
+              <a:buNone/>
+            </a:pPr>
+            <a:endParaRPr/>
+          </a:p>
+        </p:txBody>
+      </p:sp>
+    </p:spTree>
+    <p:extLst>
+      <p:ext uri="{BB962C8B-B14F-4D97-AF65-F5344CB8AC3E}">
+        <p14:creationId xmlns:p14="http://schemas.microsoft.com/office/powerpoint/2010/main" val="1646217499"/>
+      </p:ext>
+    </p:extLst>
+  </p:cSld>
+  <p:clrMapOvr>
+    <a:masterClrMapping/>
+  </p:clrMapOvr>
+</p:notes>
+</file>
+
+<file path=ppt/notesSlides/notesSlide6.xml><?xml version="1.0" encoding="utf-8"?>
+<p:notes xmlns:a="http://schemas.openxmlformats.org/drawingml/2006/main" xmlns:r="http://schemas.openxmlformats.org/officeDocument/2006/relationships" xmlns:p="http://schemas.openxmlformats.org/presentationml/2006/main" showMasterSp="0" showMasterPhAnim="0">
+  <p:cSld>
+    <p:spTree>
+      <p:nvGrpSpPr>
+        <p:cNvPr id="1" name="Shape 57"/>
+        <p:cNvGrpSpPr/>
+        <p:nvPr/>
+      </p:nvGrpSpPr>
+      <p:grpSpPr>
+        <a:xfrm>
+          <a:off x="0" y="0"/>
+          <a:ext cx="0" cy="0"/>
+          <a:chOff x="0" y="0"/>
+          <a:chExt cx="0" cy="0"/>
+        </a:xfrm>
+      </p:grpSpPr>
+      <p:sp>
+        <p:nvSpPr>
+          <p:cNvPr id="58" name="Google Shape;58;gf035d46749_0_0:notes"/>
+          <p:cNvSpPr>
+            <a:spLocks noGrp="1" noRot="1" noChangeAspect="1"/>
+          </p:cNvSpPr>
+          <p:nvPr>
+            <p:ph type="sldImg" idx="2"/>
+          </p:nvPr>
+        </p:nvSpPr>
+        <p:spPr>
+          <a:xfrm>
+            <a:off x="381000" y="685800"/>
+            <a:ext cx="6096000" cy="3429000"/>
+          </a:xfrm>
+          <a:custGeom>
+            <a:avLst/>
+            <a:gdLst/>
+            <a:ahLst/>
+            <a:cxnLst/>
+            <a:rect l="l" t="t" r="r" b="b"/>
+            <a:pathLst>
+              <a:path w="120000" h="120000" extrusionOk="0">
+                <a:moveTo>
+                  <a:pt x="0" y="0"/>
+                </a:moveTo>
+                <a:lnTo>
+                  <a:pt x="120000" y="0"/>
+                </a:lnTo>
+                <a:lnTo>
+                  <a:pt x="120000" y="120000"/>
+                </a:lnTo>
+                <a:lnTo>
+                  <a:pt x="0" y="120000"/>
+                </a:lnTo>
+                <a:close/>
+              </a:path>
+            </a:pathLst>
+          </a:custGeom>
+        </p:spPr>
+      </p:sp>
+      <p:sp>
+        <p:nvSpPr>
+          <p:cNvPr id="59" name="Google Shape;59;gf035d46749_0_0:notes"/>
+          <p:cNvSpPr txBox="1">
+            <a:spLocks noGrp="1"/>
+          </p:cNvSpPr>
+          <p:nvPr>
+            <p:ph type="body" idx="1"/>
+          </p:nvPr>
+        </p:nvSpPr>
+        <p:spPr>
+          <a:xfrm>
+            <a:off x="685800" y="4343400"/>
+            <a:ext cx="5486400" cy="4114800"/>
+          </a:xfrm>
+          <a:prstGeom prst="rect">
+            <a:avLst/>
+          </a:prstGeom>
+        </p:spPr>
+        <p:txBody>
+          <a:bodyPr spcFirstLastPara="1" wrap="square" lIns="91425" tIns="91425" rIns="91425" bIns="91425" anchor="t" anchorCtr="0">
+            <a:noAutofit/>
+          </a:bodyPr>
+          <a:lstStyle/>
+          <a:p>
+            <a:pPr marL="0" lvl="0" indent="0" algn="l" rtl="0">
+              <a:spcBef>
+                <a:spcPts val="0"/>
+              </a:spcBef>
+              <a:spcAft>
+                <a:spcPts val="0"/>
+              </a:spcAft>
+              <a:buNone/>
+            </a:pPr>
+            <a:endParaRPr/>
+          </a:p>
+        </p:txBody>
+      </p:sp>
+    </p:spTree>
+    <p:extLst>
+      <p:ext uri="{BB962C8B-B14F-4D97-AF65-F5344CB8AC3E}">
+        <p14:creationId xmlns:p14="http://schemas.microsoft.com/office/powerpoint/2010/main" val="540172468"/>
+      </p:ext>
+    </p:extLst>
+  </p:cSld>
+  <p:clrMapOvr>
+    <a:masterClrMapping/>
+  </p:clrMapOvr>
+</p:notes>
+</file>
+
+<file path=ppt/notesSlides/notesSlide7.xml><?xml version="1.0" encoding="utf-8"?>
+<p:notes xmlns:a="http://schemas.openxmlformats.org/drawingml/2006/main" xmlns:r="http://schemas.openxmlformats.org/officeDocument/2006/relationships" xmlns:p="http://schemas.openxmlformats.org/presentationml/2006/main" showMasterSp="0" showMasterPhAnim="0">
+  <p:cSld>
+    <p:spTree>
+      <p:nvGrpSpPr>
+        <p:cNvPr id="1" name="Shape 57"/>
+        <p:cNvGrpSpPr/>
+        <p:nvPr/>
+      </p:nvGrpSpPr>
+      <p:grpSpPr>
+        <a:xfrm>
+          <a:off x="0" y="0"/>
+          <a:ext cx="0" cy="0"/>
+          <a:chOff x="0" y="0"/>
+          <a:chExt cx="0" cy="0"/>
+        </a:xfrm>
+      </p:grpSpPr>
+      <p:sp>
+        <p:nvSpPr>
+          <p:cNvPr id="58" name="Google Shape;58;gf035d46749_0_0:notes"/>
+          <p:cNvSpPr>
+            <a:spLocks noGrp="1" noRot="1" noChangeAspect="1"/>
+          </p:cNvSpPr>
+          <p:nvPr>
+            <p:ph type="sldImg" idx="2"/>
+          </p:nvPr>
+        </p:nvSpPr>
+        <p:spPr>
+          <a:xfrm>
+            <a:off x="381000" y="685800"/>
+            <a:ext cx="6096000" cy="3429000"/>
+          </a:xfrm>
+          <a:custGeom>
+            <a:avLst/>
+            <a:gdLst/>
+            <a:ahLst/>
+            <a:cxnLst/>
+            <a:rect l="l" t="t" r="r" b="b"/>
+            <a:pathLst>
+              <a:path w="120000" h="120000" extrusionOk="0">
+                <a:moveTo>
+                  <a:pt x="0" y="0"/>
+                </a:moveTo>
+                <a:lnTo>
+                  <a:pt x="120000" y="0"/>
+                </a:lnTo>
+                <a:lnTo>
+                  <a:pt x="120000" y="120000"/>
+                </a:lnTo>
+                <a:lnTo>
+                  <a:pt x="0" y="120000"/>
+                </a:lnTo>
+                <a:close/>
+              </a:path>
+            </a:pathLst>
+          </a:custGeom>
+        </p:spPr>
+      </p:sp>
+      <p:sp>
+        <p:nvSpPr>
+          <p:cNvPr id="59" name="Google Shape;59;gf035d46749_0_0:notes"/>
+          <p:cNvSpPr txBox="1">
+            <a:spLocks noGrp="1"/>
+          </p:cNvSpPr>
+          <p:nvPr>
+            <p:ph type="body" idx="1"/>
+          </p:nvPr>
+        </p:nvSpPr>
+        <p:spPr>
+          <a:xfrm>
+            <a:off x="685800" y="4343400"/>
+            <a:ext cx="5486400" cy="4114800"/>
+          </a:xfrm>
+          <a:prstGeom prst="rect">
+            <a:avLst/>
+          </a:prstGeom>
+        </p:spPr>
+        <p:txBody>
+          <a:bodyPr spcFirstLastPara="1" wrap="square" lIns="91425" tIns="91425" rIns="91425" bIns="91425" anchor="t" anchorCtr="0">
+            <a:noAutofit/>
+          </a:bodyPr>
+          <a:lstStyle/>
+          <a:p>
+            <a:pPr marL="0" lvl="0" indent="0" algn="l" rtl="0">
+              <a:spcBef>
+                <a:spcPts val="0"/>
+              </a:spcBef>
+              <a:spcAft>
+                <a:spcPts val="0"/>
+              </a:spcAft>
+              <a:buNone/>
+            </a:pPr>
+            <a:endParaRPr/>
+          </a:p>
+        </p:txBody>
+      </p:sp>
+    </p:spTree>
+    <p:extLst>
+      <p:ext uri="{BB962C8B-B14F-4D97-AF65-F5344CB8AC3E}">
+        <p14:creationId xmlns:p14="http://schemas.microsoft.com/office/powerpoint/2010/main" val="271590997"/>
+      </p:ext>
+    </p:extLst>
+  </p:cSld>
+  <p:clrMapOvr>
+    <a:masterClrMapping/>
+  </p:clrMapOvr>
+</p:notes>
+</file>
+
 <file path=ppt/slideLayouts/slideLayout1.xml><?xml version="1.0" encoding="utf-8"?>
 <p:sldLayout xmlns:a="http://schemas.openxmlformats.org/drawingml/2006/main" xmlns:r="http://schemas.openxmlformats.org/officeDocument/2006/relationships" xmlns:p="http://schemas.openxmlformats.org/presentationml/2006/main" type="title" preserve="1">
   <p:cSld name="Title Slide">
@@ -1689,6 +2242,204 @@
 </p:sldLayout>
 </file>
 
+<file path=ppt/slideLayouts/slideLayout13.xml><?xml version="1.0" encoding="utf-8"?>
+<p:sldLayout xmlns:a="http://schemas.openxmlformats.org/drawingml/2006/main" xmlns:r="http://schemas.openxmlformats.org/officeDocument/2006/relationships" xmlns:p="http://schemas.openxmlformats.org/presentationml/2006/main" userDrawn="1">
+  <p:cSld name="標題及內容">
+    <p:spTree>
+      <p:nvGrpSpPr>
+        <p:cNvPr id="1" name=""/>
+        <p:cNvGrpSpPr/>
+        <p:nvPr/>
+      </p:nvGrpSpPr>
+      <p:grpSpPr>
+        <a:xfrm>
+          <a:off x="0" y="0"/>
+          <a:ext cx="0" cy="0"/>
+          <a:chOff x="0" y="0"/>
+          <a:chExt cx="0" cy="0"/>
+        </a:xfrm>
+      </p:grpSpPr>
+      <p:sp>
+        <p:nvSpPr>
+          <p:cNvPr id="8" name="Text Placeholder 10">
+            <a:extLst>
+              <a:ext uri="{FF2B5EF4-FFF2-40B4-BE49-F238E27FC236}">
+                <a16:creationId xmlns:a16="http://schemas.microsoft.com/office/drawing/2014/main" id="{CF770468-7825-1D46-9342-3E954F71C50A}"/>
+              </a:ext>
+            </a:extLst>
+          </p:cNvPr>
+          <p:cNvSpPr>
+            <a:spLocks noGrp="1"/>
+          </p:cNvSpPr>
+          <p:nvPr>
+            <p:ph type="body" sz="quarter" idx="13"/>
+          </p:nvPr>
+        </p:nvSpPr>
+        <p:spPr>
+          <a:xfrm>
+            <a:off x="501962" y="586653"/>
+            <a:ext cx="11188700" cy="825587"/>
+          </a:xfrm>
+        </p:spPr>
+        <p:txBody>
+          <a:bodyPr>
+            <a:noAutofit/>
+          </a:bodyPr>
+          <a:lstStyle>
+            <a:lvl1pPr marL="0" indent="0" algn="ctr">
+              <a:buNone/>
+              <a:defRPr sz="4000">
+                <a:solidFill>
+                  <a:schemeClr val="tx1"/>
+                </a:solidFill>
+                <a:latin typeface="+mn-lt"/>
+              </a:defRPr>
+            </a:lvl1pPr>
+          </a:lstStyle>
+          <a:p>
+            <a:pPr lvl="0"/>
+            <a:r>
+              <a:rPr lang="en-US" dirty="0"/>
+              <a:t>Click to edit Master text styles</a:t>
+            </a:r>
+          </a:p>
+        </p:txBody>
+      </p:sp>
+      <p:sp>
+        <p:nvSpPr>
+          <p:cNvPr id="9" name="Content Placeholder 2">
+            <a:extLst>
+              <a:ext uri="{FF2B5EF4-FFF2-40B4-BE49-F238E27FC236}">
+                <a16:creationId xmlns:a16="http://schemas.microsoft.com/office/drawing/2014/main" id="{40F33BFA-6000-AE4B-9D1F-B606C3C5BB42}"/>
+              </a:ext>
+            </a:extLst>
+          </p:cNvPr>
+          <p:cNvSpPr>
+            <a:spLocks noGrp="1"/>
+          </p:cNvSpPr>
+          <p:nvPr>
+            <p:ph idx="1"/>
+          </p:nvPr>
+        </p:nvSpPr>
+        <p:spPr>
+          <a:xfrm>
+            <a:off x="501962" y="1604963"/>
+            <a:ext cx="11187115" cy="4153041"/>
+          </a:xfrm>
+        </p:spPr>
+        <p:txBody>
+          <a:bodyPr/>
+          <a:lstStyle>
+            <a:lvl1pPr marL="0" indent="0">
+              <a:spcBef>
+                <a:spcPts val="0"/>
+              </a:spcBef>
+              <a:spcAft>
+                <a:spcPts val="600"/>
+              </a:spcAft>
+              <a:buFont typeface="+mj-lt"/>
+              <a:buNone/>
+              <a:defRPr sz="1600">
+                <a:solidFill>
+                  <a:schemeClr val="accent1"/>
+                </a:solidFill>
+              </a:defRPr>
+            </a:lvl1pPr>
+            <a:lvl2pPr marL="515938" indent="-457200">
+              <a:spcBef>
+                <a:spcPts val="300"/>
+              </a:spcBef>
+              <a:spcAft>
+                <a:spcPts val="600"/>
+              </a:spcAft>
+              <a:buFont typeface="Arial" panose="020B0604020202020204" pitchFamily="34" charset="0"/>
+              <a:buChar char="•"/>
+              <a:defRPr sz="3200">
+                <a:solidFill>
+                  <a:schemeClr val="tx1"/>
+                </a:solidFill>
+              </a:defRPr>
+            </a:lvl2pPr>
+            <a:lvl3pPr marL="514350" indent="-228600">
+              <a:spcBef>
+                <a:spcPts val="300"/>
+              </a:spcBef>
+              <a:spcAft>
+                <a:spcPts val="600"/>
+              </a:spcAft>
+              <a:buClr>
+                <a:schemeClr val="accent1"/>
+              </a:buClr>
+              <a:buFont typeface="Arial" panose="020B0604020202020204" pitchFamily="34" charset="0"/>
+              <a:buChar char="•"/>
+              <a:defRPr>
+                <a:solidFill>
+                  <a:schemeClr val="bg2">
+                    <a:lumMod val="75000"/>
+                  </a:schemeClr>
+                </a:solidFill>
+              </a:defRPr>
+            </a:lvl3pPr>
+            <a:lvl4pPr marL="739775" indent="-228600">
+              <a:spcBef>
+                <a:spcPts val="300"/>
+              </a:spcBef>
+              <a:spcAft>
+                <a:spcPts val="600"/>
+              </a:spcAft>
+              <a:buClr>
+                <a:schemeClr val="accent1"/>
+              </a:buClr>
+              <a:buFont typeface="Arial" panose="020B0604020202020204" pitchFamily="34" charset="0"/>
+              <a:buChar char="•"/>
+              <a:defRPr>
+                <a:solidFill>
+                  <a:schemeClr val="bg2">
+                    <a:lumMod val="75000"/>
+                  </a:schemeClr>
+                </a:solidFill>
+              </a:defRPr>
+            </a:lvl4pPr>
+            <a:lvl5pPr marL="974725" indent="-228600">
+              <a:spcBef>
+                <a:spcPts val="300"/>
+              </a:spcBef>
+              <a:spcAft>
+                <a:spcPts val="600"/>
+              </a:spcAft>
+              <a:buClr>
+                <a:schemeClr val="accent1"/>
+              </a:buClr>
+              <a:buFont typeface="Arial" panose="020B0604020202020204" pitchFamily="34" charset="0"/>
+              <a:buChar char="•"/>
+              <a:defRPr>
+                <a:solidFill>
+                  <a:schemeClr val="bg2">
+                    <a:lumMod val="75000"/>
+                  </a:schemeClr>
+                </a:solidFill>
+              </a:defRPr>
+            </a:lvl5pPr>
+          </a:lstStyle>
+          <a:p>
+            <a:pPr lvl="1"/>
+            <a:endParaRPr lang="en-US" dirty="0"/>
+          </a:p>
+        </p:txBody>
+      </p:sp>
+    </p:spTree>
+    <p:extLst>
+      <p:ext uri="{BB962C8B-B14F-4D97-AF65-F5344CB8AC3E}">
+        <p14:creationId xmlns:p14="http://schemas.microsoft.com/office/powerpoint/2010/main" val="2373848473"/>
+      </p:ext>
+    </p:extLst>
+  </p:cSld>
+  <p:clrMapOvr>
+    <a:masterClrMapping/>
+  </p:clrMapOvr>
+</p:sldLayout>
+</file>
+
 <file path=ppt/slideLayouts/slideLayout2.xml><?xml version="1.0" encoding="utf-8"?>
 <p:sldLayout xmlns:a="http://schemas.openxmlformats.org/drawingml/2006/main" xmlns:r="http://schemas.openxmlformats.org/officeDocument/2006/relationships" xmlns:p="http://schemas.openxmlformats.org/presentationml/2006/main" type="obj" preserve="1">
   <p:cSld name="Title and Content">
@@ -3992,6 +4743,7 @@
     <p:sldLayoutId id="2147483658" r:id="rId10"/>
     <p:sldLayoutId id="2147483659" r:id="rId11"/>
     <p:sldLayoutId id="2147483660" r:id="rId12"/>
+    <p:sldLayoutId id="2147483661" r:id="rId13"/>
   </p:sldLayoutIdLst>
   <p:txStyles>
     <p:titleStyle>
@@ -4934,6 +5686,1957 @@
     <p:extLst>
       <p:ext uri="{BB962C8B-B14F-4D97-AF65-F5344CB8AC3E}">
         <p14:creationId xmlns:p14="http://schemas.microsoft.com/office/powerpoint/2010/main" val="1276252689"/>
+      </p:ext>
+    </p:extLst>
+  </p:cSld>
+  <p:clrMapOvr>
+    <a:masterClrMapping/>
+  </p:clrMapOvr>
+</p:sld>
+</file>
+
+<file path=ppt/slides/slide10.xml><?xml version="1.0" encoding="utf-8"?>
+<p:sld xmlns:a="http://schemas.openxmlformats.org/drawingml/2006/main" xmlns:r="http://schemas.openxmlformats.org/officeDocument/2006/relationships" xmlns:p="http://schemas.openxmlformats.org/presentationml/2006/main" show="0">
+  <p:cSld>
+    <p:spTree>
+      <p:nvGrpSpPr>
+        <p:cNvPr id="1" name="Shape 60"/>
+        <p:cNvGrpSpPr/>
+        <p:nvPr/>
+      </p:nvGrpSpPr>
+      <p:grpSpPr>
+        <a:xfrm>
+          <a:off x="0" y="0"/>
+          <a:ext cx="0" cy="0"/>
+          <a:chOff x="0" y="0"/>
+          <a:chExt cx="0" cy="0"/>
+        </a:xfrm>
+      </p:grpSpPr>
+      <p:sp>
+        <p:nvSpPr>
+          <p:cNvPr id="2" name="Rectangle 1">
+            <a:extLst>
+              <a:ext uri="{FF2B5EF4-FFF2-40B4-BE49-F238E27FC236}">
+                <a16:creationId xmlns:a16="http://schemas.microsoft.com/office/drawing/2014/main" id="{074BF893-61FD-03FF-AEE1-1F7BE0843268}"/>
+              </a:ext>
+            </a:extLst>
+          </p:cNvPr>
+          <p:cNvSpPr/>
+          <p:nvPr/>
+        </p:nvSpPr>
+        <p:spPr>
+          <a:xfrm>
+            <a:off x="1768918" y="1692173"/>
+            <a:ext cx="5500755" cy="3771099"/>
+          </a:xfrm>
+          <a:prstGeom prst="rect">
+            <a:avLst/>
+          </a:prstGeom>
+          <a:solidFill>
+            <a:schemeClr val="bg2"/>
+          </a:solidFill>
+          <a:ln>
+            <a:noFill/>
+          </a:ln>
+        </p:spPr>
+        <p:style>
+          <a:lnRef idx="2">
+            <a:schemeClr val="accent1">
+              <a:shade val="50000"/>
+            </a:schemeClr>
+          </a:lnRef>
+          <a:fillRef idx="1">
+            <a:schemeClr val="accent1"/>
+          </a:fillRef>
+          <a:effectRef idx="0">
+            <a:schemeClr val="accent1"/>
+          </a:effectRef>
+          <a:fontRef idx="minor">
+            <a:schemeClr val="lt1"/>
+          </a:fontRef>
+        </p:style>
+        <p:txBody>
+          <a:bodyPr rtlCol="0" anchor="ctr"/>
+          <a:lstStyle/>
+          <a:p>
+            <a:pPr algn="just">
+              <a:defRPr/>
+            </a:pPr>
+            <a:r>
+              <a:rPr lang="en-US" sz="1200" dirty="0">
+                <a:solidFill>
+                  <a:prstClr val="black"/>
+                </a:solidFill>
+                <a:latin typeface="Calibri" panose="020F0502020204030204"/>
+              </a:rPr>
+              <a:t>What is the stance of the tweet below with respect to COVID-19 vaccine?</a:t>
+            </a:r>
+            <a:r>
+              <a:rPr lang="en-US" sz="1400" dirty="0">
+                <a:solidFill>
+                  <a:prstClr val="black"/>
+                </a:solidFill>
+                <a:latin typeface="Calibri" panose="020F0502020204030204"/>
+              </a:rPr>
+              <a:t> </a:t>
+            </a:r>
+            <a:r>
+              <a:rPr lang="en-US" sz="2000" dirty="0">
+                <a:solidFill>
+                  <a:prstClr val="black"/>
+                </a:solidFill>
+                <a:highlight>
+                  <a:srgbClr val="C0C0C0"/>
+                </a:highlight>
+                <a:latin typeface="Calibri" panose="020F0502020204030204"/>
+              </a:rPr>
+              <a:t>If the tweet is in-favor of COVID-19 vaccine, please label it as "in-favor". If the tweet is against COVID-19 vaccine, please label is as "against". </a:t>
+            </a:r>
+            <a:r>
+              <a:rPr lang="en-US" sz="2000" dirty="0">
+                <a:solidFill>
+                  <a:schemeClr val="tx1"/>
+                </a:solidFill>
+                <a:highlight>
+                  <a:srgbClr val="C0C0C0"/>
+                </a:highlight>
+                <a:latin typeface="Calibri" panose="020F0502020204030204"/>
+              </a:rPr>
+              <a:t>If the tweet is </a:t>
+            </a:r>
+            <a:r>
+              <a:rPr lang="en-US" sz="2000" dirty="0">
+                <a:solidFill>
+                  <a:srgbClr val="C00000"/>
+                </a:solidFill>
+                <a:highlight>
+                  <a:srgbClr val="C0C0C0"/>
+                </a:highlight>
+                <a:latin typeface="Calibri" panose="020F0502020204030204"/>
+              </a:rPr>
+              <a:t>neutral</a:t>
+            </a:r>
+            <a:r>
+              <a:rPr lang="en-US" sz="2000" dirty="0">
+                <a:solidFill>
+                  <a:schemeClr val="tx1"/>
+                </a:solidFill>
+                <a:highlight>
+                  <a:srgbClr val="C0C0C0"/>
+                </a:highlight>
+                <a:latin typeface="Calibri" panose="020F0502020204030204"/>
+              </a:rPr>
+              <a:t> to COVID-19 vaccine, please label it as "neutral-or-unclear". If the stance of the tweet is </a:t>
+            </a:r>
+            <a:r>
+              <a:rPr lang="en-US" sz="2000" dirty="0">
+                <a:solidFill>
+                  <a:srgbClr val="C00000"/>
+                </a:solidFill>
+                <a:highlight>
+                  <a:srgbClr val="C0C0C0"/>
+                </a:highlight>
+                <a:latin typeface="Calibri" panose="020F0502020204030204"/>
+              </a:rPr>
+              <a:t>not clear</a:t>
+            </a:r>
+            <a:r>
+              <a:rPr lang="en-US" sz="2000" dirty="0">
+                <a:solidFill>
+                  <a:schemeClr val="tx1"/>
+                </a:solidFill>
+                <a:highlight>
+                  <a:srgbClr val="C0C0C0"/>
+                </a:highlight>
+                <a:latin typeface="Calibri" panose="020F0502020204030204"/>
+              </a:rPr>
+              <a:t>, please also label it as "neutral-or-unclear". If the tweet is </a:t>
+            </a:r>
+            <a:r>
+              <a:rPr lang="en-US" sz="2000" dirty="0">
+                <a:solidFill>
+                  <a:srgbClr val="C00000"/>
+                </a:solidFill>
+                <a:highlight>
+                  <a:srgbClr val="C0C0C0"/>
+                </a:highlight>
+                <a:latin typeface="Calibri" panose="020F0502020204030204"/>
+              </a:rPr>
+              <a:t>sarcastic</a:t>
+            </a:r>
+            <a:r>
+              <a:rPr lang="en-US" sz="2000" dirty="0">
+                <a:solidFill>
+                  <a:schemeClr val="tx1"/>
+                </a:solidFill>
+                <a:highlight>
+                  <a:srgbClr val="C0C0C0"/>
+                </a:highlight>
+                <a:latin typeface="Calibri" panose="020F0502020204030204"/>
+              </a:rPr>
+              <a:t> and is difficult to infer the true stance, please also label is as "neutral-or-unclear".</a:t>
+            </a:r>
+            <a:r>
+              <a:rPr lang="en-US" sz="2000" dirty="0">
+                <a:solidFill>
+                  <a:schemeClr val="tx1"/>
+                </a:solidFill>
+                <a:latin typeface="Calibri" panose="020F0502020204030204"/>
+              </a:rPr>
+              <a:t> </a:t>
+            </a:r>
+            <a:r>
+              <a:rPr lang="en-US" sz="1200" dirty="0">
+                <a:solidFill>
+                  <a:prstClr val="black"/>
+                </a:solidFill>
+                <a:latin typeface="Calibri" panose="020F0502020204030204"/>
+              </a:rPr>
+              <a:t>Please use exactly one word from the following 3 categories to label it: "in-favor", "against", </a:t>
+            </a:r>
+            <a:r>
+              <a:rPr lang="en-US" sz="2000" dirty="0">
+                <a:solidFill>
+                  <a:srgbClr val="C00000"/>
+                </a:solidFill>
+                <a:highlight>
+                  <a:srgbClr val="C0C0C0"/>
+                </a:highlight>
+                <a:latin typeface="Calibri" panose="020F0502020204030204"/>
+              </a:rPr>
+              <a:t>"neutral-or-unclear"</a:t>
+            </a:r>
+            <a:r>
+              <a:rPr lang="en-US" sz="1200" dirty="0">
+                <a:solidFill>
+                  <a:prstClr val="black"/>
+                </a:solidFill>
+                <a:latin typeface="Calibri" panose="020F0502020204030204"/>
+              </a:rPr>
+              <a:t>. Here is the tweet. </a:t>
+            </a:r>
+            <a:r>
+              <a:rPr lang="en-US" sz="1200" i="1" dirty="0">
+                <a:solidFill>
+                  <a:schemeClr val="accent5">
+                    <a:lumMod val="75000"/>
+                  </a:schemeClr>
+                </a:solidFill>
+                <a:latin typeface="Calibri" panose="020F0502020204030204"/>
+              </a:rPr>
+              <a:t>"covid clusters among the vaccinated are killing our back-to-normal dreams" </a:t>
+            </a:r>
+            <a:r>
+              <a:rPr lang="en-US" sz="1200" dirty="0">
+                <a:solidFill>
+                  <a:prstClr val="black"/>
+                </a:solidFill>
+                <a:latin typeface="Calibri" panose="020F0502020204030204"/>
+              </a:rPr>
+              <a:t>The stance of the tweet is: </a:t>
+            </a:r>
+          </a:p>
+        </p:txBody>
+      </p:sp>
+    </p:spTree>
+    <p:extLst>
+      <p:ext uri="{BB962C8B-B14F-4D97-AF65-F5344CB8AC3E}">
+        <p14:creationId xmlns:p14="http://schemas.microsoft.com/office/powerpoint/2010/main" val="1514335215"/>
+      </p:ext>
+    </p:extLst>
+  </p:cSld>
+  <p:clrMapOvr>
+    <a:masterClrMapping/>
+  </p:clrMapOvr>
+  <p:timing>
+    <p:tnLst>
+      <p:par>
+        <p:cTn id="1" dur="indefinite" restart="never" nodeType="tmRoot">
+          <p:childTnLst>
+            <p:seq concurrent="1" nextAc="seek">
+              <p:cTn id="2" dur="indefinite" nodeType="mainSeq">
+                <p:childTnLst>
+                  <p:par>
+                    <p:cTn id="3" fill="hold">
+                      <p:stCondLst>
+                        <p:cond delay="indefinite"/>
+                      </p:stCondLst>
+                      <p:childTnLst>
+                        <p:par>
+                          <p:cTn id="4" fill="hold">
+                            <p:stCondLst>
+                              <p:cond delay="0"/>
+                            </p:stCondLst>
+                            <p:childTnLst>
+                              <p:par>
+                                <p:cTn id="5" presetID="1" presetClass="entr" presetSubtype="0" fill="hold" grpId="0" nodeType="clickEffect">
+                                  <p:stCondLst>
+                                    <p:cond delay="0"/>
+                                  </p:stCondLst>
+                                  <p:childTnLst>
+                                    <p:set>
+                                      <p:cBhvr>
+                                        <p:cTn id="6" dur="1" fill="hold">
+                                          <p:stCondLst>
+                                            <p:cond delay="0"/>
+                                          </p:stCondLst>
+                                        </p:cTn>
+                                        <p:tgtEl>
+                                          <p:spTgt spid="2"/>
+                                        </p:tgtEl>
+                                        <p:attrNameLst>
+                                          <p:attrName>style.visibility</p:attrName>
+                                        </p:attrNameLst>
+                                      </p:cBhvr>
+                                      <p:to>
+                                        <p:strVal val="visible"/>
+                                      </p:to>
+                                    </p:set>
+                                  </p:childTnLst>
+                                </p:cTn>
+                              </p:par>
+                            </p:childTnLst>
+                          </p:cTn>
+                        </p:par>
+                      </p:childTnLst>
+                    </p:cTn>
+                  </p:par>
+                </p:childTnLst>
+              </p:cTn>
+              <p:prevCondLst>
+                <p:cond evt="onPrev" delay="0">
+                  <p:tgtEl>
+                    <p:sldTgt/>
+                  </p:tgtEl>
+                </p:cond>
+              </p:prevCondLst>
+              <p:nextCondLst>
+                <p:cond evt="onNext" delay="0">
+                  <p:tgtEl>
+                    <p:sldTgt/>
+                  </p:tgtEl>
+                </p:cond>
+              </p:nextCondLst>
+            </p:seq>
+          </p:childTnLst>
+        </p:cTn>
+      </p:par>
+    </p:tnLst>
+    <p:bldLst>
+      <p:bldP spid="2" grpId="0" animBg="1"/>
+    </p:bldLst>
+  </p:timing>
+</p:sld>
+</file>
+
+<file path=ppt/slides/slide11.xml><?xml version="1.0" encoding="utf-8"?>
+<p:sld xmlns:a="http://schemas.openxmlformats.org/drawingml/2006/main" xmlns:r="http://schemas.openxmlformats.org/officeDocument/2006/relationships" xmlns:p="http://schemas.openxmlformats.org/presentationml/2006/main">
+  <p:cSld>
+    <p:spTree>
+      <p:nvGrpSpPr>
+        <p:cNvPr id="1" name=""/>
+        <p:cNvGrpSpPr/>
+        <p:nvPr/>
+      </p:nvGrpSpPr>
+      <p:grpSpPr>
+        <a:xfrm>
+          <a:off x="0" y="0"/>
+          <a:ext cx="0" cy="0"/>
+          <a:chOff x="0" y="0"/>
+          <a:chExt cx="0" cy="0"/>
+        </a:xfrm>
+      </p:grpSpPr>
+      <p:grpSp>
+        <p:nvGrpSpPr>
+          <p:cNvPr id="19" name="Group 18">
+            <a:extLst>
+              <a:ext uri="{FF2B5EF4-FFF2-40B4-BE49-F238E27FC236}">
+                <a16:creationId xmlns:a16="http://schemas.microsoft.com/office/drawing/2014/main" id="{1E86C06F-31A5-91B8-3D33-F4963709F81F}"/>
+              </a:ext>
+            </a:extLst>
+          </p:cNvPr>
+          <p:cNvGrpSpPr/>
+          <p:nvPr/>
+        </p:nvGrpSpPr>
+        <p:grpSpPr>
+          <a:xfrm>
+            <a:off x="217363" y="297117"/>
+            <a:ext cx="11667265" cy="6444900"/>
+            <a:chOff x="217363" y="297117"/>
+            <a:chExt cx="11667265" cy="6444900"/>
+          </a:xfrm>
+        </p:grpSpPr>
+        <p:sp>
+          <p:nvSpPr>
+            <p:cNvPr id="18" name="Rectangle 17">
+              <a:extLst>
+                <a:ext uri="{FF2B5EF4-FFF2-40B4-BE49-F238E27FC236}">
+                  <a16:creationId xmlns:a16="http://schemas.microsoft.com/office/drawing/2014/main" id="{4A08397E-4234-57DC-1AA1-8BEBE88D69AA}"/>
+                </a:ext>
+              </a:extLst>
+            </p:cNvPr>
+            <p:cNvSpPr/>
+            <p:nvPr/>
+          </p:nvSpPr>
+          <p:spPr>
+            <a:xfrm>
+              <a:off x="217363" y="297117"/>
+              <a:ext cx="11667265" cy="6444900"/>
+            </a:xfrm>
+            <a:prstGeom prst="rect">
+              <a:avLst/>
+            </a:prstGeom>
+            <a:solidFill>
+              <a:schemeClr val="bg1"/>
+            </a:solidFill>
+            <a:ln>
+              <a:noFill/>
+            </a:ln>
+          </p:spPr>
+          <p:style>
+            <a:lnRef idx="2">
+              <a:schemeClr val="accent1">
+                <a:shade val="50000"/>
+              </a:schemeClr>
+            </a:lnRef>
+            <a:fillRef idx="1">
+              <a:schemeClr val="accent1"/>
+            </a:fillRef>
+            <a:effectRef idx="0">
+              <a:schemeClr val="accent1"/>
+            </a:effectRef>
+            <a:fontRef idx="minor">
+              <a:schemeClr val="lt1"/>
+            </a:fontRef>
+          </p:style>
+          <p:txBody>
+            <a:bodyPr rtlCol="0" anchor="ctr"/>
+            <a:lstStyle/>
+            <a:p>
+              <a:pPr algn="ctr"/>
+              <a:endParaRPr lang="en-TW"/>
+            </a:p>
+          </p:txBody>
+        </p:sp>
+        <p:sp>
+          <p:nvSpPr>
+            <p:cNvPr id="8" name="Rectangle 7">
+              <a:extLst>
+                <a:ext uri="{FF2B5EF4-FFF2-40B4-BE49-F238E27FC236}">
+                  <a16:creationId xmlns:a16="http://schemas.microsoft.com/office/drawing/2014/main" id="{F275C616-7F5F-B338-86FF-201E1C155701}"/>
+                </a:ext>
+              </a:extLst>
+            </p:cNvPr>
+            <p:cNvSpPr/>
+            <p:nvPr/>
+          </p:nvSpPr>
+          <p:spPr>
+            <a:xfrm>
+              <a:off x="307371" y="1179576"/>
+              <a:ext cx="5641848" cy="4951413"/>
+            </a:xfrm>
+            <a:prstGeom prst="rect">
+              <a:avLst/>
+            </a:prstGeom>
+            <a:noFill/>
+            <a:ln w="19050">
+              <a:solidFill>
+                <a:schemeClr val="tx1"/>
+              </a:solidFill>
+            </a:ln>
+          </p:spPr>
+          <p:style>
+            <a:lnRef idx="2">
+              <a:schemeClr val="accent1">
+                <a:shade val="50000"/>
+              </a:schemeClr>
+            </a:lnRef>
+            <a:fillRef idx="1">
+              <a:schemeClr val="accent1"/>
+            </a:fillRef>
+            <a:effectRef idx="0">
+              <a:schemeClr val="accent1"/>
+            </a:effectRef>
+            <a:fontRef idx="minor">
+              <a:schemeClr val="lt1"/>
+            </a:fontRef>
+          </p:style>
+          <p:txBody>
+            <a:bodyPr rtlCol="0" anchor="ctr"/>
+            <a:lstStyle/>
+            <a:p>
+              <a:pPr algn="just"/>
+              <a:r>
+                <a:rPr lang="en-US" u="sng" dirty="0">
+                  <a:solidFill>
+                    <a:schemeClr val="accent6">
+                      <a:lumMod val="75000"/>
+                    </a:schemeClr>
+                  </a:solidFill>
+                  <a:latin typeface="Calibri" panose="020F0502020204030204"/>
+                </a:rPr>
+                <a:t>What is the stance of the tweet below with respect to 'Legalization of Abortion'? </a:t>
+              </a:r>
+              <a:r>
+                <a:rPr lang="en-US" dirty="0">
+                  <a:solidFill>
+                    <a:srgbClr val="7030A0"/>
+                  </a:solidFill>
+                </a:rPr>
+                <a:t>If we can infer from the tweet that the tweeter supports 'Legalization of Abortion', please label it as 'in-favor'. If we can infer from the tweet that the tweeter is against 'Legalization of Abortion', please label is as 'against'. If we can infer from the tweet that the tweeter has a neutral stance towards 'Legalization of Abortion', please label it as 'neutral-or-unclear'. If there is no clue in the tweet to reveal the stance of the tweeter towards 'Legalization of Abortion', please also label is as 'neutral-or-unclear'. </a:t>
+              </a:r>
+              <a:r>
+                <a:rPr lang="en-US" dirty="0">
+                  <a:solidFill>
+                    <a:schemeClr val="tx1"/>
+                  </a:solidFill>
+                  <a:latin typeface="Calibri" panose="020F0502020204030204"/>
+                </a:rPr>
+                <a:t>Please use exactly one word from the following 3 categories to label it: </a:t>
+              </a:r>
+              <a:r>
+                <a:rPr lang="en-US" u="sng" dirty="0">
+                  <a:solidFill>
+                    <a:srgbClr val="C00000"/>
+                  </a:solidFill>
+                  <a:latin typeface="Calibri" panose="020F0502020204030204"/>
+                </a:rPr>
+                <a:t>'in-favor', 'against', 'neutral-or-unclear'</a:t>
+              </a:r>
+              <a:r>
+                <a:rPr lang="en-US" dirty="0">
+                  <a:solidFill>
+                    <a:schemeClr val="tx1"/>
+                  </a:solidFill>
+                  <a:latin typeface="Calibri" panose="020F0502020204030204"/>
+                </a:rPr>
+                <a:t>. Here are some examples of tweets. Make sure to classify the last tweet correctly.</a:t>
+              </a:r>
+            </a:p>
+          </p:txBody>
+        </p:sp>
+        <p:sp>
+          <p:nvSpPr>
+            <p:cNvPr id="9" name="Rectangle 8">
+              <a:extLst>
+                <a:ext uri="{FF2B5EF4-FFF2-40B4-BE49-F238E27FC236}">
+                  <a16:creationId xmlns:a16="http://schemas.microsoft.com/office/drawing/2014/main" id="{49E2511B-E15A-5E7D-F1ED-AFDDBBAFA77B}"/>
+                </a:ext>
+              </a:extLst>
+            </p:cNvPr>
+            <p:cNvSpPr/>
+            <p:nvPr/>
+          </p:nvSpPr>
+          <p:spPr>
+            <a:xfrm>
+              <a:off x="6096000" y="1197864"/>
+              <a:ext cx="5641848" cy="4951413"/>
+            </a:xfrm>
+            <a:prstGeom prst="rect">
+              <a:avLst/>
+            </a:prstGeom>
+            <a:noFill/>
+            <a:ln w="19050">
+              <a:solidFill>
+                <a:schemeClr val="tx1"/>
+              </a:solidFill>
+            </a:ln>
+          </p:spPr>
+          <p:style>
+            <a:lnRef idx="2">
+              <a:schemeClr val="accent1">
+                <a:shade val="50000"/>
+              </a:schemeClr>
+            </a:lnRef>
+            <a:fillRef idx="1">
+              <a:schemeClr val="accent1"/>
+            </a:fillRef>
+            <a:effectRef idx="0">
+              <a:schemeClr val="accent1"/>
+            </a:effectRef>
+            <a:fontRef idx="minor">
+              <a:schemeClr val="lt1"/>
+            </a:fontRef>
+          </p:style>
+          <p:txBody>
+            <a:bodyPr rtlCol="0" anchor="ctr"/>
+            <a:lstStyle/>
+            <a:p>
+              <a:pPr algn="just"/>
+              <a:r>
+                <a:rPr lang="en-US" dirty="0">
+                  <a:solidFill>
+                    <a:schemeClr val="tx1"/>
+                  </a:solidFill>
+                  <a:highlight>
+                    <a:srgbClr val="C0C0C0"/>
+                  </a:highlight>
+                  <a:latin typeface="Calibri" panose="020F0502020204030204"/>
+                </a:rPr>
+                <a:t>Q: Tweet: it's a free country. freedom includes freedom of choice. </a:t>
+              </a:r>
+            </a:p>
+            <a:p>
+              <a:pPr algn="just"/>
+              <a:r>
+                <a:rPr lang="en-US" dirty="0">
+                  <a:solidFill>
+                    <a:schemeClr val="tx1"/>
+                  </a:solidFill>
+                  <a:highlight>
+                    <a:srgbClr val="C0C0C0"/>
+                  </a:highlight>
+                  <a:latin typeface="Calibri" panose="020F0502020204030204"/>
+                </a:rPr>
+                <a:t>Is this tweet in-favor, against, or neutral-or-unclear? </a:t>
+              </a:r>
+            </a:p>
+            <a:p>
+              <a:pPr algn="just"/>
+              <a:r>
+                <a:rPr lang="en-US" dirty="0">
+                  <a:solidFill>
+                    <a:schemeClr val="tx1"/>
+                  </a:solidFill>
+                  <a:highlight>
+                    <a:srgbClr val="C0C0C0"/>
+                  </a:highlight>
+                  <a:latin typeface="Calibri" panose="020F0502020204030204"/>
+                </a:rPr>
+                <a:t>A: </a:t>
+              </a:r>
+              <a:r>
+                <a:rPr lang="en-US" u="sng" dirty="0">
+                  <a:solidFill>
+                    <a:srgbClr val="C00000"/>
+                  </a:solidFill>
+                  <a:highlight>
+                    <a:srgbClr val="C0C0C0"/>
+                  </a:highlight>
+                  <a:latin typeface="Calibri" panose="020F0502020204030204"/>
+                </a:rPr>
+                <a:t>in-favor</a:t>
+              </a:r>
+              <a:r>
+                <a:rPr lang="en-US" dirty="0">
+                  <a:solidFill>
+                    <a:schemeClr val="tx1"/>
+                  </a:solidFill>
+                  <a:highlight>
+                    <a:srgbClr val="C0C0C0"/>
+                  </a:highlight>
+                  <a:latin typeface="Calibri" panose="020F0502020204030204"/>
+                </a:rPr>
+                <a:t> </a:t>
+              </a:r>
+            </a:p>
+            <a:p>
+              <a:pPr algn="just"/>
+              <a:r>
+                <a:rPr lang="en-US" dirty="0">
+                  <a:solidFill>
+                    <a:schemeClr val="tx1"/>
+                  </a:solidFill>
+                  <a:highlight>
+                    <a:srgbClr val="C0C0C0"/>
+                  </a:highlight>
+                  <a:latin typeface="Calibri" panose="020F0502020204030204"/>
+                </a:rPr>
+                <a:t>Q: Tweet: </a:t>
+              </a:r>
+              <a:r>
+                <a:rPr lang="en-US" dirty="0" err="1">
+                  <a:solidFill>
+                    <a:schemeClr val="tx1"/>
+                  </a:solidFill>
+                  <a:highlight>
+                    <a:srgbClr val="C0C0C0"/>
+                  </a:highlight>
+                  <a:latin typeface="Calibri" panose="020F0502020204030204"/>
+                </a:rPr>
+                <a:t>i</a:t>
+              </a:r>
+              <a:r>
+                <a:rPr lang="en-US" dirty="0">
+                  <a:solidFill>
+                    <a:schemeClr val="tx1"/>
+                  </a:solidFill>
+                  <a:highlight>
+                    <a:srgbClr val="C0C0C0"/>
+                  </a:highlight>
+                  <a:latin typeface="Calibri" panose="020F0502020204030204"/>
+                </a:rPr>
+                <a:t> really don't understand how some people are pro-choice. a life is a life no matter if it's 2 weeks old or 20 years old. </a:t>
+              </a:r>
+            </a:p>
+            <a:p>
+              <a:pPr algn="just"/>
+              <a:r>
+                <a:rPr lang="en-US" dirty="0">
+                  <a:solidFill>
+                    <a:schemeClr val="tx1"/>
+                  </a:solidFill>
+                  <a:highlight>
+                    <a:srgbClr val="C0C0C0"/>
+                  </a:highlight>
+                  <a:latin typeface="Calibri" panose="020F0502020204030204"/>
+                </a:rPr>
+                <a:t>Is this tweet in-favor, against, or neutral-or-unclear? </a:t>
+              </a:r>
+            </a:p>
+            <a:p>
+              <a:pPr algn="just"/>
+              <a:r>
+                <a:rPr lang="en-US" dirty="0">
+                  <a:solidFill>
+                    <a:schemeClr val="tx1"/>
+                  </a:solidFill>
+                  <a:highlight>
+                    <a:srgbClr val="C0C0C0"/>
+                  </a:highlight>
+                  <a:latin typeface="Calibri" panose="020F0502020204030204"/>
+                </a:rPr>
+                <a:t>A: </a:t>
+              </a:r>
+              <a:r>
+                <a:rPr lang="en-US" u="sng" dirty="0">
+                  <a:solidFill>
+                    <a:srgbClr val="C00000"/>
+                  </a:solidFill>
+                  <a:highlight>
+                    <a:srgbClr val="C0C0C0"/>
+                  </a:highlight>
+                  <a:latin typeface="Calibri" panose="020F0502020204030204"/>
+                </a:rPr>
+                <a:t>against</a:t>
+              </a:r>
+              <a:r>
+                <a:rPr lang="en-US" dirty="0">
+                  <a:solidFill>
+                    <a:schemeClr val="tx1"/>
+                  </a:solidFill>
+                  <a:highlight>
+                    <a:srgbClr val="C0C0C0"/>
+                  </a:highlight>
+                  <a:latin typeface="Calibri" panose="020F0502020204030204"/>
+                </a:rPr>
+                <a:t> </a:t>
+              </a:r>
+            </a:p>
+            <a:p>
+              <a:pPr algn="just"/>
+              <a:r>
+                <a:rPr lang="en-US" dirty="0">
+                  <a:solidFill>
+                    <a:schemeClr val="tx1"/>
+                  </a:solidFill>
+                  <a:highlight>
+                    <a:srgbClr val="C0C0C0"/>
+                  </a:highlight>
+                  <a:latin typeface="Calibri" panose="020F0502020204030204"/>
+                </a:rPr>
+                <a:t>Q: Tweet: so ready for my abortion debate Is this tweet in-favor, against, or neutral-or-unclear? </a:t>
+              </a:r>
+            </a:p>
+            <a:p>
+              <a:pPr algn="just"/>
+              <a:r>
+                <a:rPr lang="en-US" dirty="0">
+                  <a:solidFill>
+                    <a:schemeClr val="tx1"/>
+                  </a:solidFill>
+                  <a:highlight>
+                    <a:srgbClr val="C0C0C0"/>
+                  </a:highlight>
+                  <a:latin typeface="Calibri" panose="020F0502020204030204"/>
+                </a:rPr>
+                <a:t>A: </a:t>
+              </a:r>
+              <a:r>
+                <a:rPr lang="en-US" u="sng" dirty="0">
+                  <a:solidFill>
+                    <a:srgbClr val="C00000"/>
+                  </a:solidFill>
+                  <a:highlight>
+                    <a:srgbClr val="C0C0C0"/>
+                  </a:highlight>
+                  <a:latin typeface="Calibri" panose="020F0502020204030204"/>
+                </a:rPr>
+                <a:t>neutral-or-unclear</a:t>
+              </a:r>
+              <a:r>
+                <a:rPr lang="en-US" dirty="0">
+                  <a:solidFill>
+                    <a:schemeClr val="tx1"/>
+                  </a:solidFill>
+                  <a:highlight>
+                    <a:srgbClr val="C0C0C0"/>
+                  </a:highlight>
+                  <a:latin typeface="Calibri" panose="020F0502020204030204"/>
+                </a:rPr>
+                <a:t> </a:t>
+              </a:r>
+            </a:p>
+            <a:p>
+              <a:pPr algn="just"/>
+              <a:r>
+                <a:rPr lang="en-US" dirty="0">
+                  <a:solidFill>
+                    <a:schemeClr val="tx1"/>
+                  </a:solidFill>
+                  <a:latin typeface="Calibri" panose="020F0502020204030204"/>
+                </a:rPr>
+                <a:t>Q: Tweet: </a:t>
+              </a:r>
+              <a:r>
+                <a:rPr lang="en-US" sz="2000" i="1" dirty="0">
+                  <a:solidFill>
+                    <a:schemeClr val="accent5">
+                      <a:lumMod val="75000"/>
+                    </a:schemeClr>
+                  </a:solidFill>
+                  <a:latin typeface="Calibri" panose="020F0502020204030204"/>
+                </a:rPr>
+                <a:t>“</a:t>
+              </a:r>
+              <a:r>
+                <a:rPr lang="en-US" sz="2000" i="1" dirty="0" err="1">
+                  <a:solidFill>
+                    <a:schemeClr val="accent5">
+                      <a:lumMod val="75000"/>
+                    </a:schemeClr>
+                  </a:solidFill>
+                  <a:latin typeface="Calibri" panose="020F0502020204030204"/>
+                </a:rPr>
+                <a:t>i</a:t>
+              </a:r>
+              <a:r>
+                <a:rPr lang="en-US" sz="2000" i="1" dirty="0">
+                  <a:solidFill>
+                    <a:schemeClr val="accent5">
+                      <a:lumMod val="75000"/>
+                    </a:schemeClr>
+                  </a:solidFill>
+                  <a:latin typeface="Calibri" panose="020F0502020204030204"/>
+                </a:rPr>
+                <a:t> really don't understand how some people are pro-choice. a life is a life no matter if it's 2 weeks old or 20 years old.”</a:t>
+              </a:r>
+              <a:endParaRPr lang="en-US" dirty="0">
+                <a:solidFill>
+                  <a:schemeClr val="tx1"/>
+                </a:solidFill>
+                <a:latin typeface="Calibri" panose="020F0502020204030204"/>
+              </a:endParaRPr>
+            </a:p>
+            <a:p>
+              <a:pPr algn="just"/>
+              <a:r>
+                <a:rPr lang="en-US" dirty="0">
+                  <a:solidFill>
+                    <a:schemeClr val="tx1"/>
+                  </a:solidFill>
+                  <a:latin typeface="Calibri" panose="020F0502020204030204"/>
+                </a:rPr>
+                <a:t>Is this tweet in-favor, against, or neutral-or-unclear? </a:t>
+              </a:r>
+            </a:p>
+            <a:p>
+              <a:pPr algn="just"/>
+              <a:r>
+                <a:rPr lang="en-US" dirty="0">
+                  <a:solidFill>
+                    <a:schemeClr val="tx1"/>
+                  </a:solidFill>
+                  <a:latin typeface="Calibri" panose="020F0502020204030204"/>
+                </a:rPr>
+                <a:t>A:</a:t>
+              </a:r>
+            </a:p>
+          </p:txBody>
+        </p:sp>
+        <p:sp>
+          <p:nvSpPr>
+            <p:cNvPr id="10" name="TextBox 9">
+              <a:extLst>
+                <a:ext uri="{FF2B5EF4-FFF2-40B4-BE49-F238E27FC236}">
+                  <a16:creationId xmlns:a16="http://schemas.microsoft.com/office/drawing/2014/main" id="{D40B326B-5C7D-F138-211E-CB1F8674DA22}"/>
+                </a:ext>
+              </a:extLst>
+            </p:cNvPr>
+            <p:cNvSpPr txBox="1"/>
+            <p:nvPr/>
+          </p:nvSpPr>
+          <p:spPr>
+            <a:xfrm>
+              <a:off x="7801864" y="6341907"/>
+              <a:ext cx="2254981" cy="400110"/>
+            </a:xfrm>
+            <a:prstGeom prst="rect">
+              <a:avLst/>
+            </a:prstGeom>
+            <a:noFill/>
+          </p:spPr>
+          <p:txBody>
+            <a:bodyPr wrap="square" rtlCol="0">
+              <a:spAutoFit/>
+            </a:bodyPr>
+            <a:lstStyle/>
+            <a:p>
+              <a:pPr algn="ctr"/>
+              <a:r>
+                <a:rPr lang="en-TW" sz="2000" dirty="0">
+                  <a:solidFill>
+                    <a:schemeClr val="accent5">
+                      <a:lumMod val="75000"/>
+                    </a:schemeClr>
+                  </a:solidFill>
+                  <a:latin typeface="Calibri" panose="020F0502020204030204"/>
+                </a:rPr>
+                <a:t>Tweet of Interest</a:t>
+              </a:r>
+            </a:p>
+          </p:txBody>
+        </p:sp>
+        <p:cxnSp>
+          <p:nvCxnSpPr>
+            <p:cNvPr id="11" name="Straight Arrow Connector 10">
+              <a:extLst>
+                <a:ext uri="{FF2B5EF4-FFF2-40B4-BE49-F238E27FC236}">
+                  <a16:creationId xmlns:a16="http://schemas.microsoft.com/office/drawing/2014/main" id="{378C0FCE-D2D5-FA09-3F4A-B162E7CF9336}"/>
+                </a:ext>
+              </a:extLst>
+            </p:cNvPr>
+            <p:cNvCxnSpPr>
+              <a:cxnSpLocks/>
+              <a:stCxn id="10" idx="0"/>
+            </p:cNvCxnSpPr>
+            <p:nvPr/>
+          </p:nvCxnSpPr>
+          <p:spPr>
+            <a:xfrm flipV="1">
+              <a:off x="8929355" y="5294376"/>
+              <a:ext cx="0" cy="1047531"/>
+            </a:xfrm>
+            <a:prstGeom prst="straightConnector1">
+              <a:avLst/>
+            </a:prstGeom>
+            <a:ln w="28575">
+              <a:solidFill>
+                <a:schemeClr val="accent5">
+                  <a:lumMod val="75000"/>
+                </a:schemeClr>
+              </a:solidFill>
+              <a:tailEnd type="triangle"/>
+            </a:ln>
+          </p:spPr>
+          <p:style>
+            <a:lnRef idx="1">
+              <a:schemeClr val="accent1"/>
+            </a:lnRef>
+            <a:fillRef idx="0">
+              <a:schemeClr val="accent1"/>
+            </a:fillRef>
+            <a:effectRef idx="0">
+              <a:schemeClr val="accent1"/>
+            </a:effectRef>
+            <a:fontRef idx="minor">
+              <a:schemeClr val="tx1"/>
+            </a:fontRef>
+          </p:style>
+        </p:cxnSp>
+        <p:cxnSp>
+          <p:nvCxnSpPr>
+            <p:cNvPr id="14" name="Straight Arrow Connector 13">
+              <a:extLst>
+                <a:ext uri="{FF2B5EF4-FFF2-40B4-BE49-F238E27FC236}">
+                  <a16:creationId xmlns:a16="http://schemas.microsoft.com/office/drawing/2014/main" id="{95DD30C0-75C9-427A-7434-6FF41FC36729}"/>
+                </a:ext>
+              </a:extLst>
+            </p:cNvPr>
+            <p:cNvCxnSpPr>
+              <a:cxnSpLocks/>
+            </p:cNvCxnSpPr>
+            <p:nvPr/>
+          </p:nvCxnSpPr>
+          <p:spPr>
+            <a:xfrm>
+              <a:off x="8880348" y="996090"/>
+              <a:ext cx="14194" cy="372462"/>
+            </a:xfrm>
+            <a:prstGeom prst="straightConnector1">
+              <a:avLst/>
+            </a:prstGeom>
+            <a:ln w="28575">
+              <a:solidFill>
+                <a:schemeClr val="tx1"/>
+              </a:solidFill>
+              <a:tailEnd type="triangle"/>
+            </a:ln>
+          </p:spPr>
+          <p:style>
+            <a:lnRef idx="1">
+              <a:schemeClr val="accent1"/>
+            </a:lnRef>
+            <a:fillRef idx="0">
+              <a:schemeClr val="accent1"/>
+            </a:fillRef>
+            <a:effectRef idx="0">
+              <a:schemeClr val="accent1"/>
+            </a:effectRef>
+            <a:fontRef idx="minor">
+              <a:schemeClr val="tx1"/>
+            </a:fontRef>
+          </p:style>
+        </p:cxnSp>
+        <p:sp>
+          <p:nvSpPr>
+            <p:cNvPr id="16" name="TextBox 15">
+              <a:extLst>
+                <a:ext uri="{FF2B5EF4-FFF2-40B4-BE49-F238E27FC236}">
+                  <a16:creationId xmlns:a16="http://schemas.microsoft.com/office/drawing/2014/main" id="{23E567EA-A69F-55D1-BEA0-70A7026FB3F1}"/>
+                </a:ext>
+              </a:extLst>
+            </p:cNvPr>
+            <p:cNvSpPr txBox="1"/>
+            <p:nvPr/>
+          </p:nvSpPr>
+          <p:spPr>
+            <a:xfrm>
+              <a:off x="7479798" y="592218"/>
+              <a:ext cx="2656296" cy="400110"/>
+            </a:xfrm>
+            <a:prstGeom prst="rect">
+              <a:avLst/>
+            </a:prstGeom>
+            <a:noFill/>
+          </p:spPr>
+          <p:txBody>
+            <a:bodyPr wrap="square" rtlCol="0">
+              <a:spAutoFit/>
+            </a:bodyPr>
+            <a:lstStyle/>
+            <a:p>
+              <a:pPr algn="ctr"/>
+              <a:r>
+                <a:rPr lang="en-TW" sz="2000" dirty="0">
+                  <a:ln>
+                    <a:solidFill>
+                      <a:sysClr val="windowText" lastClr="000000"/>
+                    </a:solidFill>
+                  </a:ln>
+                  <a:solidFill>
+                    <a:schemeClr val="accent5">
+                      <a:lumMod val="75000"/>
+                    </a:schemeClr>
+                  </a:solidFill>
+                  <a:latin typeface="Calibri" panose="020F0502020204030204"/>
+                </a:rPr>
+                <a:t>Examples (1 per class)</a:t>
+              </a:r>
+            </a:p>
+          </p:txBody>
+        </p:sp>
+      </p:grpSp>
+    </p:spTree>
+    <p:extLst>
+      <p:ext uri="{BB962C8B-B14F-4D97-AF65-F5344CB8AC3E}">
+        <p14:creationId xmlns:p14="http://schemas.microsoft.com/office/powerpoint/2010/main" val="1133861655"/>
+      </p:ext>
+    </p:extLst>
+  </p:cSld>
+  <p:clrMapOvr>
+    <a:masterClrMapping/>
+  </p:clrMapOvr>
+</p:sld>
+</file>
+
+<file path=ppt/slides/slide12.xml><?xml version="1.0" encoding="utf-8"?>
+<p:sld xmlns:a="http://schemas.openxmlformats.org/drawingml/2006/main" xmlns:r="http://schemas.openxmlformats.org/officeDocument/2006/relationships" xmlns:p="http://schemas.openxmlformats.org/presentationml/2006/main">
+  <p:cSld>
+    <p:spTree>
+      <p:nvGrpSpPr>
+        <p:cNvPr id="1" name=""/>
+        <p:cNvGrpSpPr/>
+        <p:nvPr/>
+      </p:nvGrpSpPr>
+      <p:grpSpPr>
+        <a:xfrm>
+          <a:off x="0" y="0"/>
+          <a:ext cx="0" cy="0"/>
+          <a:chOff x="0" y="0"/>
+          <a:chExt cx="0" cy="0"/>
+        </a:xfrm>
+      </p:grpSpPr>
+      <p:grpSp>
+        <p:nvGrpSpPr>
+          <p:cNvPr id="34" name="Group 33">
+            <a:extLst>
+              <a:ext uri="{FF2B5EF4-FFF2-40B4-BE49-F238E27FC236}">
+                <a16:creationId xmlns:a16="http://schemas.microsoft.com/office/drawing/2014/main" id="{78A4A6A6-47ED-2C2F-93EB-545A79F767A6}"/>
+              </a:ext>
+            </a:extLst>
+          </p:cNvPr>
+          <p:cNvGrpSpPr/>
+          <p:nvPr/>
+        </p:nvGrpSpPr>
+        <p:grpSpPr>
+          <a:xfrm>
+            <a:off x="217363" y="297117"/>
+            <a:ext cx="11667265" cy="6444900"/>
+            <a:chOff x="217363" y="297117"/>
+            <a:chExt cx="11667265" cy="6444900"/>
+          </a:xfrm>
+        </p:grpSpPr>
+        <p:sp>
+          <p:nvSpPr>
+            <p:cNvPr id="18" name="Rectangle 17">
+              <a:extLst>
+                <a:ext uri="{FF2B5EF4-FFF2-40B4-BE49-F238E27FC236}">
+                  <a16:creationId xmlns:a16="http://schemas.microsoft.com/office/drawing/2014/main" id="{4A08397E-4234-57DC-1AA1-8BEBE88D69AA}"/>
+                </a:ext>
+              </a:extLst>
+            </p:cNvPr>
+            <p:cNvSpPr/>
+            <p:nvPr/>
+          </p:nvSpPr>
+          <p:spPr>
+            <a:xfrm>
+              <a:off x="217363" y="297117"/>
+              <a:ext cx="11667265" cy="6444900"/>
+            </a:xfrm>
+            <a:prstGeom prst="rect">
+              <a:avLst/>
+            </a:prstGeom>
+            <a:solidFill>
+              <a:schemeClr val="bg1"/>
+            </a:solidFill>
+            <a:ln>
+              <a:noFill/>
+            </a:ln>
+          </p:spPr>
+          <p:style>
+            <a:lnRef idx="2">
+              <a:schemeClr val="accent1">
+                <a:shade val="50000"/>
+              </a:schemeClr>
+            </a:lnRef>
+            <a:fillRef idx="1">
+              <a:schemeClr val="accent1"/>
+            </a:fillRef>
+            <a:effectRef idx="0">
+              <a:schemeClr val="accent1"/>
+            </a:effectRef>
+            <a:fontRef idx="minor">
+              <a:schemeClr val="lt1"/>
+            </a:fontRef>
+          </p:style>
+          <p:txBody>
+            <a:bodyPr rtlCol="0" anchor="ctr"/>
+            <a:lstStyle/>
+            <a:p>
+              <a:pPr algn="ctr"/>
+              <a:endParaRPr lang="en-TW"/>
+            </a:p>
+          </p:txBody>
+        </p:sp>
+        <p:sp>
+          <p:nvSpPr>
+            <p:cNvPr id="3" name="Rectangle 2">
+              <a:extLst>
+                <a:ext uri="{FF2B5EF4-FFF2-40B4-BE49-F238E27FC236}">
+                  <a16:creationId xmlns:a16="http://schemas.microsoft.com/office/drawing/2014/main" id="{6702A7A9-7AE2-D931-A32B-8F4A3A674AB9}"/>
+                </a:ext>
+              </a:extLst>
+            </p:cNvPr>
+            <p:cNvSpPr/>
+            <p:nvPr/>
+          </p:nvSpPr>
+          <p:spPr>
+            <a:xfrm>
+              <a:off x="980918" y="297117"/>
+              <a:ext cx="9918730" cy="5852160"/>
+            </a:xfrm>
+            <a:prstGeom prst="rect">
+              <a:avLst/>
+            </a:prstGeom>
+            <a:solidFill>
+              <a:schemeClr val="bg1"/>
+            </a:solidFill>
+            <a:ln>
+              <a:noFill/>
+            </a:ln>
+          </p:spPr>
+          <p:style>
+            <a:lnRef idx="2">
+              <a:schemeClr val="accent1">
+                <a:shade val="50000"/>
+              </a:schemeClr>
+            </a:lnRef>
+            <a:fillRef idx="1">
+              <a:schemeClr val="accent1"/>
+            </a:fillRef>
+            <a:effectRef idx="0">
+              <a:schemeClr val="accent1"/>
+            </a:effectRef>
+            <a:fontRef idx="minor">
+              <a:schemeClr val="lt1"/>
+            </a:fontRef>
+          </p:style>
+          <p:txBody>
+            <a:bodyPr rtlCol="0" anchor="ctr"/>
+            <a:lstStyle/>
+            <a:p>
+              <a:pPr algn="ctr"/>
+              <a:endParaRPr lang="en-TW"/>
+            </a:p>
+          </p:txBody>
+        </p:sp>
+        <p:sp>
+          <p:nvSpPr>
+            <p:cNvPr id="4" name="Rectangle 3">
+              <a:extLst>
+                <a:ext uri="{FF2B5EF4-FFF2-40B4-BE49-F238E27FC236}">
+                  <a16:creationId xmlns:a16="http://schemas.microsoft.com/office/drawing/2014/main" id="{B2E4E1CA-A4C7-3C93-7088-4A7135EA36C0}"/>
+                </a:ext>
+              </a:extLst>
+            </p:cNvPr>
+            <p:cNvSpPr/>
+            <p:nvPr/>
+          </p:nvSpPr>
+          <p:spPr>
+            <a:xfrm>
+              <a:off x="2785872" y="833850"/>
+              <a:ext cx="7759130" cy="4506724"/>
+            </a:xfrm>
+            <a:prstGeom prst="rect">
+              <a:avLst/>
+            </a:prstGeom>
+            <a:noFill/>
+            <a:ln w="19050">
+              <a:solidFill>
+                <a:schemeClr val="tx1"/>
+              </a:solidFill>
+            </a:ln>
+          </p:spPr>
+          <p:style>
+            <a:lnRef idx="2">
+              <a:schemeClr val="accent1">
+                <a:shade val="50000"/>
+              </a:schemeClr>
+            </a:lnRef>
+            <a:fillRef idx="1">
+              <a:schemeClr val="accent1"/>
+            </a:fillRef>
+            <a:effectRef idx="0">
+              <a:schemeClr val="accent1"/>
+            </a:effectRef>
+            <a:fontRef idx="minor">
+              <a:schemeClr val="lt1"/>
+            </a:fontRef>
+          </p:style>
+          <p:txBody>
+            <a:bodyPr rtlCol="0" anchor="ctr"/>
+            <a:lstStyle/>
+            <a:p>
+              <a:pPr algn="just"/>
+              <a:r>
+                <a:rPr lang="en-US" sz="2000" u="sng" dirty="0">
+                  <a:solidFill>
+                    <a:schemeClr val="accent6">
+                      <a:lumMod val="75000"/>
+                    </a:schemeClr>
+                  </a:solidFill>
+                  <a:latin typeface="Calibri" panose="020F0502020204030204"/>
+                </a:rPr>
+                <a:t>What is the stance of the tweet below with respect to 'Legalization of Abortion'?</a:t>
+              </a:r>
+              <a:r>
+                <a:rPr lang="en-US" sz="2000" dirty="0">
+                  <a:solidFill>
+                    <a:schemeClr val="tx1"/>
+                  </a:solidFill>
+                  <a:latin typeface="Calibri" panose="020F0502020204030204"/>
+                </a:rPr>
+                <a:t> </a:t>
+              </a:r>
+              <a:r>
+                <a:rPr lang="en-US" sz="2000" dirty="0">
+                  <a:solidFill>
+                    <a:srgbClr val="7030A0"/>
+                  </a:solidFill>
+                </a:rPr>
+                <a:t>If we can infer from the tweet that the tweeter supports 'Legalization of Abortion', please label it as </a:t>
+              </a:r>
+              <a:r>
+                <a:rPr lang="en-US" sz="2000" u="sng" dirty="0">
+                  <a:solidFill>
+                    <a:srgbClr val="7030A0"/>
+                  </a:solidFill>
+                </a:rPr>
+                <a:t>'in-favor'</a:t>
+              </a:r>
+              <a:r>
+                <a:rPr lang="en-US" sz="2000" dirty="0">
+                  <a:solidFill>
+                    <a:srgbClr val="7030A0"/>
+                  </a:solidFill>
+                </a:rPr>
+                <a:t>. If we can infer from the tweet that the tweeter is against 'Legalization of Abortion', please label is as </a:t>
+              </a:r>
+              <a:r>
+                <a:rPr lang="en-US" sz="2000" u="sng" dirty="0">
+                  <a:solidFill>
+                    <a:srgbClr val="7030A0"/>
+                  </a:solidFill>
+                </a:rPr>
+                <a:t>'against'</a:t>
+              </a:r>
+              <a:r>
+                <a:rPr lang="en-US" sz="2000" dirty="0">
+                  <a:solidFill>
+                    <a:srgbClr val="7030A0"/>
+                  </a:solidFill>
+                </a:rPr>
+                <a:t>. If we can infer from the tweet that the tweeter has a neutral stance towards 'Legalization of Abortion', please label it as </a:t>
+              </a:r>
+              <a:r>
+                <a:rPr lang="en-US" sz="2000" u="sng" dirty="0">
+                  <a:solidFill>
+                    <a:srgbClr val="7030A0"/>
+                  </a:solidFill>
+                </a:rPr>
+                <a:t>'neutral-or-unclear'</a:t>
+              </a:r>
+              <a:r>
+                <a:rPr lang="en-US" sz="2000" dirty="0">
+                  <a:solidFill>
+                    <a:srgbClr val="7030A0"/>
+                  </a:solidFill>
+                </a:rPr>
+                <a:t>. If there is no clue in the tweet to reveal the stance of the tweeter towards 'Legalization of Abortion', please also label is as </a:t>
+              </a:r>
+              <a:r>
+                <a:rPr lang="en-US" sz="2000" u="sng" dirty="0">
+                  <a:solidFill>
+                    <a:srgbClr val="7030A0"/>
+                  </a:solidFill>
+                </a:rPr>
+                <a:t>'neutral-or-unclear'</a:t>
+              </a:r>
+              <a:r>
+                <a:rPr lang="en-US" sz="2000" dirty="0">
+                  <a:solidFill>
+                    <a:srgbClr val="7030A0"/>
+                  </a:solidFill>
+                </a:rPr>
+                <a:t>. </a:t>
+              </a:r>
+              <a:r>
+                <a:rPr lang="en-US" sz="2000" dirty="0">
+                  <a:solidFill>
+                    <a:prstClr val="black"/>
+                  </a:solidFill>
+                  <a:latin typeface="Calibri" panose="020F0502020204030204"/>
+                </a:rPr>
+                <a:t>Here is the tweet: </a:t>
+              </a:r>
+              <a:r>
+                <a:rPr lang="en-US" sz="2000" dirty="0">
+                  <a:solidFill>
+                    <a:schemeClr val="accent5">
+                      <a:lumMod val="75000"/>
+                    </a:schemeClr>
+                  </a:solidFill>
+                  <a:latin typeface="Calibri" panose="020F0502020204030204"/>
+                </a:rPr>
+                <a:t>“</a:t>
+              </a:r>
+              <a:r>
+                <a:rPr lang="en-US" sz="2000" i="1" dirty="0">
+                  <a:solidFill>
+                    <a:schemeClr val="accent5">
+                      <a:lumMod val="75000"/>
+                    </a:schemeClr>
+                  </a:solidFill>
+                  <a:latin typeface="Calibri" panose="020F0502020204030204"/>
+                </a:rPr>
+                <a:t>It's so brilliant that #</a:t>
+              </a:r>
+              <a:r>
+                <a:rPr lang="en-US" sz="2000" i="1" dirty="0" err="1">
+                  <a:solidFill>
+                    <a:schemeClr val="accent5">
+                      <a:lumMod val="75000"/>
+                    </a:schemeClr>
+                  </a:solidFill>
+                  <a:latin typeface="Calibri" panose="020F0502020204030204"/>
+                </a:rPr>
+                <a:t>lovewins</a:t>
+              </a:r>
+              <a:r>
+                <a:rPr lang="en-US" sz="2000" i="1" dirty="0">
+                  <a:solidFill>
+                    <a:schemeClr val="accent5">
+                      <a:lumMod val="75000"/>
+                    </a:schemeClr>
+                  </a:solidFill>
+                  <a:latin typeface="Calibri" panose="020F0502020204030204"/>
+                </a:rPr>
+                <a:t> - now extend the equality to women's rights #</a:t>
+              </a:r>
+              <a:r>
+                <a:rPr lang="en-US" sz="2000" i="1" dirty="0" err="1">
+                  <a:solidFill>
+                    <a:schemeClr val="accent5">
+                      <a:lumMod val="75000"/>
+                    </a:schemeClr>
+                  </a:solidFill>
+                  <a:latin typeface="Calibri" panose="020F0502020204030204"/>
+                </a:rPr>
+                <a:t>abortionrights</a:t>
+              </a:r>
+              <a:r>
+                <a:rPr lang="en-US" sz="2000" i="1" dirty="0">
+                  <a:solidFill>
+                    <a:schemeClr val="accent5">
+                      <a:lumMod val="75000"/>
+                    </a:schemeClr>
+                  </a:solidFill>
+                  <a:latin typeface="Calibri" panose="020F0502020204030204"/>
+                </a:rPr>
+                <a:t>.</a:t>
+              </a:r>
+              <a:r>
+                <a:rPr lang="en-US" sz="2000" dirty="0">
+                  <a:solidFill>
+                    <a:schemeClr val="accent5">
+                      <a:lumMod val="75000"/>
+                    </a:schemeClr>
+                  </a:solidFill>
+                  <a:latin typeface="Calibri" panose="020F0502020204030204"/>
+                </a:rPr>
+                <a:t>” </a:t>
+              </a:r>
+              <a:r>
+                <a:rPr lang="en-US" sz="2000" dirty="0">
+                  <a:solidFill>
+                    <a:prstClr val="black"/>
+                  </a:solidFill>
+                  <a:latin typeface="Calibri" panose="020F0502020204030204"/>
+                </a:rPr>
+                <a:t>Please make sure that at the end of your response, use exactly one word from the following 3 categories to label the stance with respect to 'Legalization of Abortion': </a:t>
+              </a:r>
+              <a:r>
+                <a:rPr lang="en-US" sz="2000" u="sng" dirty="0">
+                  <a:solidFill>
+                    <a:srgbClr val="C00000"/>
+                  </a:solidFill>
+                  <a:latin typeface="Calibri" panose="020F0502020204030204"/>
+                </a:rPr>
+                <a:t>'in-favor', 'against', 'neutral-or-unclear'</a:t>
+              </a:r>
+              <a:r>
+                <a:rPr lang="en-US" sz="2000" dirty="0">
+                  <a:solidFill>
+                    <a:prstClr val="black"/>
+                  </a:solidFill>
+                  <a:latin typeface="Calibri" panose="020F0502020204030204"/>
+                </a:rPr>
+                <a:t>. </a:t>
+              </a:r>
+              <a:r>
+                <a:rPr lang="en-US" sz="2000" dirty="0">
+                  <a:solidFill>
+                    <a:prstClr val="black"/>
+                  </a:solidFill>
+                  <a:highlight>
+                    <a:srgbClr val="C0C0C0"/>
+                  </a:highlight>
+                  <a:latin typeface="Calibri" panose="020F0502020204030204"/>
+                </a:rPr>
+                <a:t>Let's think step by step.</a:t>
+              </a:r>
+            </a:p>
+          </p:txBody>
+        </p:sp>
+        <p:sp>
+          <p:nvSpPr>
+            <p:cNvPr id="7" name="TextBox 6">
+              <a:extLst>
+                <a:ext uri="{FF2B5EF4-FFF2-40B4-BE49-F238E27FC236}">
+                  <a16:creationId xmlns:a16="http://schemas.microsoft.com/office/drawing/2014/main" id="{EAEFACA3-34C9-EFD2-6471-4875AE8A7706}"/>
+                </a:ext>
+              </a:extLst>
+            </p:cNvPr>
+            <p:cNvSpPr txBox="1"/>
+            <p:nvPr/>
+          </p:nvSpPr>
+          <p:spPr>
+            <a:xfrm>
+              <a:off x="3742675" y="5523456"/>
+              <a:ext cx="1813560" cy="400110"/>
+            </a:xfrm>
+            <a:prstGeom prst="rect">
+              <a:avLst/>
+            </a:prstGeom>
+            <a:noFill/>
+          </p:spPr>
+          <p:txBody>
+            <a:bodyPr wrap="square" rtlCol="0">
+              <a:spAutoFit/>
+            </a:bodyPr>
+            <a:lstStyle/>
+            <a:p>
+              <a:pPr algn="ctr"/>
+              <a:r>
+                <a:rPr lang="en-TW" sz="2000" dirty="0">
+                  <a:solidFill>
+                    <a:srgbClr val="C00000"/>
+                  </a:solidFill>
+                  <a:latin typeface="Calibri" panose="020F0502020204030204"/>
+                </a:rPr>
+                <a:t>Possible Labels</a:t>
+              </a:r>
+            </a:p>
+          </p:txBody>
+        </p:sp>
+        <p:cxnSp>
+          <p:nvCxnSpPr>
+            <p:cNvPr id="12" name="Straight Arrow Connector 11">
+              <a:extLst>
+                <a:ext uri="{FF2B5EF4-FFF2-40B4-BE49-F238E27FC236}">
+                  <a16:creationId xmlns:a16="http://schemas.microsoft.com/office/drawing/2014/main" id="{5FA11A3B-A7B4-74B8-D97D-EEB8EBCCE252}"/>
+                </a:ext>
+              </a:extLst>
+            </p:cNvPr>
+            <p:cNvCxnSpPr>
+              <a:cxnSpLocks/>
+            </p:cNvCxnSpPr>
+            <p:nvPr/>
+          </p:nvCxnSpPr>
+          <p:spPr>
+            <a:xfrm flipV="1">
+              <a:off x="4649455" y="4934808"/>
+              <a:ext cx="0" cy="542448"/>
+            </a:xfrm>
+            <a:prstGeom prst="straightConnector1">
+              <a:avLst/>
+            </a:prstGeom>
+            <a:ln w="28575">
+              <a:solidFill>
+                <a:srgbClr val="C00000"/>
+              </a:solidFill>
+              <a:tailEnd type="triangle"/>
+            </a:ln>
+          </p:spPr>
+          <p:style>
+            <a:lnRef idx="1">
+              <a:schemeClr val="accent1"/>
+            </a:lnRef>
+            <a:fillRef idx="0">
+              <a:schemeClr val="accent1"/>
+            </a:fillRef>
+            <a:effectRef idx="0">
+              <a:schemeClr val="accent1"/>
+            </a:effectRef>
+            <a:fontRef idx="minor">
+              <a:schemeClr val="tx1"/>
+            </a:fontRef>
+          </p:style>
+        </p:cxnSp>
+        <p:sp>
+          <p:nvSpPr>
+            <p:cNvPr id="13" name="TextBox 12">
+              <a:extLst>
+                <a:ext uri="{FF2B5EF4-FFF2-40B4-BE49-F238E27FC236}">
+                  <a16:creationId xmlns:a16="http://schemas.microsoft.com/office/drawing/2014/main" id="{2D1734B4-36E4-9E85-057A-DB869157A9DC}"/>
+                </a:ext>
+              </a:extLst>
+            </p:cNvPr>
+            <p:cNvSpPr txBox="1"/>
+            <p:nvPr/>
+          </p:nvSpPr>
+          <p:spPr>
+            <a:xfrm>
+              <a:off x="235175" y="3646661"/>
+              <a:ext cx="2254981" cy="400110"/>
+            </a:xfrm>
+            <a:prstGeom prst="rect">
+              <a:avLst/>
+            </a:prstGeom>
+            <a:noFill/>
+          </p:spPr>
+          <p:txBody>
+            <a:bodyPr wrap="square" rtlCol="0">
+              <a:spAutoFit/>
+            </a:bodyPr>
+            <a:lstStyle/>
+            <a:p>
+              <a:pPr algn="ctr"/>
+              <a:r>
+                <a:rPr lang="en-TW" sz="2000" dirty="0">
+                  <a:solidFill>
+                    <a:schemeClr val="accent5">
+                      <a:lumMod val="75000"/>
+                    </a:schemeClr>
+                  </a:solidFill>
+                  <a:latin typeface="Calibri" panose="020F0502020204030204"/>
+                </a:rPr>
+                <a:t>Tweet of Interest</a:t>
+              </a:r>
+            </a:p>
+          </p:txBody>
+        </p:sp>
+        <p:cxnSp>
+          <p:nvCxnSpPr>
+            <p:cNvPr id="15" name="Straight Arrow Connector 14">
+              <a:extLst>
+                <a:ext uri="{FF2B5EF4-FFF2-40B4-BE49-F238E27FC236}">
+                  <a16:creationId xmlns:a16="http://schemas.microsoft.com/office/drawing/2014/main" id="{B07EEF9E-E86A-2EA7-9EAB-75730DB9B3A8}"/>
+                </a:ext>
+              </a:extLst>
+            </p:cNvPr>
+            <p:cNvCxnSpPr>
+              <a:cxnSpLocks/>
+            </p:cNvCxnSpPr>
+            <p:nvPr/>
+          </p:nvCxnSpPr>
+          <p:spPr>
+            <a:xfrm>
+              <a:off x="2323710" y="3846716"/>
+              <a:ext cx="381779" cy="0"/>
+            </a:xfrm>
+            <a:prstGeom prst="straightConnector1">
+              <a:avLst/>
+            </a:prstGeom>
+            <a:ln w="28575">
+              <a:solidFill>
+                <a:schemeClr val="accent5">
+                  <a:lumMod val="75000"/>
+                </a:schemeClr>
+              </a:solidFill>
+              <a:tailEnd type="triangle"/>
+            </a:ln>
+          </p:spPr>
+          <p:style>
+            <a:lnRef idx="1">
+              <a:schemeClr val="accent1"/>
+            </a:lnRef>
+            <a:fillRef idx="0">
+              <a:schemeClr val="accent1"/>
+            </a:fillRef>
+            <a:effectRef idx="0">
+              <a:schemeClr val="accent1"/>
+            </a:effectRef>
+            <a:fontRef idx="minor">
+              <a:schemeClr val="tx1"/>
+            </a:fontRef>
+          </p:style>
+        </p:cxnSp>
+        <p:sp>
+          <p:nvSpPr>
+            <p:cNvPr id="28" name="TextBox 27">
+              <a:extLst>
+                <a:ext uri="{FF2B5EF4-FFF2-40B4-BE49-F238E27FC236}">
+                  <a16:creationId xmlns:a16="http://schemas.microsoft.com/office/drawing/2014/main" id="{9508596F-38C3-337E-28B6-D03C85B6763A}"/>
+                </a:ext>
+              </a:extLst>
+            </p:cNvPr>
+            <p:cNvSpPr txBox="1"/>
+            <p:nvPr/>
+          </p:nvSpPr>
+          <p:spPr>
+            <a:xfrm>
+              <a:off x="8317992" y="5523456"/>
+              <a:ext cx="2227010" cy="707886"/>
+            </a:xfrm>
+            <a:prstGeom prst="rect">
+              <a:avLst/>
+            </a:prstGeom>
+            <a:noFill/>
+          </p:spPr>
+          <p:txBody>
+            <a:bodyPr wrap="square" rtlCol="0">
+              <a:spAutoFit/>
+            </a:bodyPr>
+            <a:lstStyle/>
+            <a:p>
+              <a:pPr algn="ctr"/>
+              <a:r>
+                <a:rPr lang="en-TW" sz="2000" dirty="0">
+                  <a:latin typeface="Calibri" panose="020F0502020204030204"/>
+                </a:rPr>
+                <a:t>Request for </a:t>
+              </a:r>
+            </a:p>
+            <a:p>
+              <a:pPr algn="ctr"/>
+              <a:r>
+                <a:rPr lang="en-TW" sz="2000" dirty="0">
+                  <a:latin typeface="Calibri" panose="020F0502020204030204"/>
+                </a:rPr>
+                <a:t>Chain-of-Thought</a:t>
+              </a:r>
+            </a:p>
+          </p:txBody>
+        </p:sp>
+        <p:cxnSp>
+          <p:nvCxnSpPr>
+            <p:cNvPr id="29" name="Straight Arrow Connector 28">
+              <a:extLst>
+                <a:ext uri="{FF2B5EF4-FFF2-40B4-BE49-F238E27FC236}">
+                  <a16:creationId xmlns:a16="http://schemas.microsoft.com/office/drawing/2014/main" id="{156A9EDD-FF2A-ECB6-C7A3-1EF9AAE44554}"/>
+                </a:ext>
+              </a:extLst>
+            </p:cNvPr>
+            <p:cNvCxnSpPr>
+              <a:cxnSpLocks/>
+            </p:cNvCxnSpPr>
+            <p:nvPr/>
+          </p:nvCxnSpPr>
+          <p:spPr>
+            <a:xfrm flipV="1">
+              <a:off x="9431496" y="4934808"/>
+              <a:ext cx="0" cy="606456"/>
+            </a:xfrm>
+            <a:prstGeom prst="straightConnector1">
+              <a:avLst/>
+            </a:prstGeom>
+            <a:ln w="28575">
+              <a:solidFill>
+                <a:schemeClr val="tx1"/>
+              </a:solidFill>
+              <a:tailEnd type="triangle"/>
+            </a:ln>
+          </p:spPr>
+          <p:style>
+            <a:lnRef idx="1">
+              <a:schemeClr val="accent1"/>
+            </a:lnRef>
+            <a:fillRef idx="0">
+              <a:schemeClr val="accent1"/>
+            </a:fillRef>
+            <a:effectRef idx="0">
+              <a:schemeClr val="accent1"/>
+            </a:effectRef>
+            <a:fontRef idx="minor">
+              <a:schemeClr val="tx1"/>
+            </a:fontRef>
+          </p:style>
+        </p:cxnSp>
+      </p:grpSp>
+    </p:spTree>
+    <p:extLst>
+      <p:ext uri="{BB962C8B-B14F-4D97-AF65-F5344CB8AC3E}">
+        <p14:creationId xmlns:p14="http://schemas.microsoft.com/office/powerpoint/2010/main" val="190153235"/>
+      </p:ext>
+    </p:extLst>
+  </p:cSld>
+  <p:clrMapOvr>
+    <a:masterClrMapping/>
+  </p:clrMapOvr>
+</p:sld>
+</file>
+
+<file path=ppt/slides/slide13.xml><?xml version="1.0" encoding="utf-8"?>
+<p:sld xmlns:a="http://schemas.openxmlformats.org/drawingml/2006/main" xmlns:r="http://schemas.openxmlformats.org/officeDocument/2006/relationships" xmlns:p="http://schemas.openxmlformats.org/presentationml/2006/main">
+  <p:cSld>
+    <p:spTree>
+      <p:nvGrpSpPr>
+        <p:cNvPr id="1" name=""/>
+        <p:cNvGrpSpPr/>
+        <p:nvPr/>
+      </p:nvGrpSpPr>
+      <p:grpSpPr>
+        <a:xfrm>
+          <a:off x="0" y="0"/>
+          <a:ext cx="0" cy="0"/>
+          <a:chOff x="0" y="0"/>
+          <a:chExt cx="0" cy="0"/>
+        </a:xfrm>
+      </p:grpSpPr>
+      <p:grpSp>
+        <p:nvGrpSpPr>
+          <p:cNvPr id="17" name="Group 16">
+            <a:extLst>
+              <a:ext uri="{FF2B5EF4-FFF2-40B4-BE49-F238E27FC236}">
+                <a16:creationId xmlns:a16="http://schemas.microsoft.com/office/drawing/2014/main" id="{DEC2BE0E-09E1-BA21-DA9C-9367561C0E54}"/>
+              </a:ext>
+            </a:extLst>
+          </p:cNvPr>
+          <p:cNvGrpSpPr/>
+          <p:nvPr/>
+        </p:nvGrpSpPr>
+        <p:grpSpPr>
+          <a:xfrm>
+            <a:off x="81061" y="1655063"/>
+            <a:ext cx="12034739" cy="3227833"/>
+            <a:chOff x="81061" y="1655063"/>
+            <a:chExt cx="12034739" cy="3227833"/>
+          </a:xfrm>
+        </p:grpSpPr>
+        <p:sp>
+          <p:nvSpPr>
+            <p:cNvPr id="11" name="Rectangle 10">
+              <a:extLst>
+                <a:ext uri="{FF2B5EF4-FFF2-40B4-BE49-F238E27FC236}">
+                  <a16:creationId xmlns:a16="http://schemas.microsoft.com/office/drawing/2014/main" id="{60AB4F84-CCF5-315D-B5B8-17B7D82CB891}"/>
+                </a:ext>
+              </a:extLst>
+            </p:cNvPr>
+            <p:cNvSpPr/>
+            <p:nvPr/>
+          </p:nvSpPr>
+          <p:spPr>
+            <a:xfrm>
+              <a:off x="81061" y="1655063"/>
+              <a:ext cx="12034739" cy="3227833"/>
+            </a:xfrm>
+            <a:prstGeom prst="rect">
+              <a:avLst/>
+            </a:prstGeom>
+            <a:solidFill>
+              <a:schemeClr val="bg1"/>
+            </a:solidFill>
+            <a:ln>
+              <a:noFill/>
+            </a:ln>
+          </p:spPr>
+          <p:style>
+            <a:lnRef idx="2">
+              <a:schemeClr val="accent1">
+                <a:shade val="50000"/>
+              </a:schemeClr>
+            </a:lnRef>
+            <a:fillRef idx="1">
+              <a:schemeClr val="accent1"/>
+            </a:fillRef>
+            <a:effectRef idx="0">
+              <a:schemeClr val="accent1"/>
+            </a:effectRef>
+            <a:fontRef idx="minor">
+              <a:schemeClr val="lt1"/>
+            </a:fontRef>
+          </p:style>
+          <p:txBody>
+            <a:bodyPr rtlCol="0" anchor="ctr"/>
+            <a:lstStyle/>
+            <a:p>
+              <a:pPr algn="ctr"/>
+              <a:endParaRPr lang="en-TW"/>
+            </a:p>
+          </p:txBody>
+        </p:sp>
+        <p:sp>
+          <p:nvSpPr>
+            <p:cNvPr id="9" name="TextBox 8">
+              <a:extLst>
+                <a:ext uri="{FF2B5EF4-FFF2-40B4-BE49-F238E27FC236}">
+                  <a16:creationId xmlns:a16="http://schemas.microsoft.com/office/drawing/2014/main" id="{9910E3E2-4912-7AF2-06D1-661059233874}"/>
+                </a:ext>
+              </a:extLst>
+            </p:cNvPr>
+            <p:cNvSpPr txBox="1"/>
+            <p:nvPr/>
+          </p:nvSpPr>
+          <p:spPr>
+            <a:xfrm>
+              <a:off x="1842454" y="1948152"/>
+              <a:ext cx="2227010" cy="492443"/>
+            </a:xfrm>
+            <a:prstGeom prst="rect">
+              <a:avLst/>
+            </a:prstGeom>
+            <a:noFill/>
+          </p:spPr>
+          <p:txBody>
+            <a:bodyPr wrap="square" rtlCol="0">
+              <a:spAutoFit/>
+            </a:bodyPr>
+            <a:lstStyle/>
+            <a:p>
+              <a:pPr algn="ctr"/>
+              <a:r>
+                <a:rPr lang="en-TW" sz="2600" b="1" dirty="0">
+                  <a:latin typeface="Calibri" panose="020F0502020204030204"/>
+                </a:rPr>
+                <a:t>Zero-shot</a:t>
+              </a:r>
+            </a:p>
+          </p:txBody>
+        </p:sp>
+        <p:sp>
+          <p:nvSpPr>
+            <p:cNvPr id="10" name="TextBox 9">
+              <a:extLst>
+                <a:ext uri="{FF2B5EF4-FFF2-40B4-BE49-F238E27FC236}">
+                  <a16:creationId xmlns:a16="http://schemas.microsoft.com/office/drawing/2014/main" id="{12932A7D-2B16-D199-2184-3E18939F265C}"/>
+                </a:ext>
+              </a:extLst>
+            </p:cNvPr>
+            <p:cNvSpPr txBox="1"/>
+            <p:nvPr/>
+          </p:nvSpPr>
+          <p:spPr>
+            <a:xfrm>
+              <a:off x="7975030" y="1948152"/>
+              <a:ext cx="2227010" cy="492443"/>
+            </a:xfrm>
+            <a:prstGeom prst="rect">
+              <a:avLst/>
+            </a:prstGeom>
+            <a:noFill/>
+          </p:spPr>
+          <p:txBody>
+            <a:bodyPr wrap="square" rtlCol="0">
+              <a:spAutoFit/>
+            </a:bodyPr>
+            <a:lstStyle/>
+            <a:p>
+              <a:pPr algn="ctr"/>
+              <a:r>
+                <a:rPr lang="en-TW" sz="2600" b="1" dirty="0">
+                  <a:latin typeface="Calibri" panose="020F0502020204030204"/>
+                </a:rPr>
+                <a:t>Zero-shot CoT</a:t>
+              </a:r>
+            </a:p>
+          </p:txBody>
+        </p:sp>
+        <p:pic>
+          <p:nvPicPr>
+            <p:cNvPr id="8" name="Picture 7" descr="Graphical user interface, text, application, chat or text message&#10;&#10;Description automatically generated">
+              <a:extLst>
+                <a:ext uri="{FF2B5EF4-FFF2-40B4-BE49-F238E27FC236}">
+                  <a16:creationId xmlns:a16="http://schemas.microsoft.com/office/drawing/2014/main" id="{2B826F89-AD79-FB76-2E1F-9CD68C632DDC}"/>
+                </a:ext>
+              </a:extLst>
+            </p:cNvPr>
+            <p:cNvPicPr>
+              <a:picLocks noChangeAspect="1"/>
+            </p:cNvPicPr>
+            <p:nvPr/>
+          </p:nvPicPr>
+          <p:blipFill rotWithShape="1">
+            <a:blip r:embed="rId2"/>
+            <a:srcRect t="2348"/>
+            <a:stretch/>
+          </p:blipFill>
+          <p:spPr>
+            <a:xfrm>
+              <a:off x="181293" y="2487168"/>
+              <a:ext cx="11829413" cy="2020824"/>
+            </a:xfrm>
+            <a:prstGeom prst="rect">
+              <a:avLst/>
+            </a:prstGeom>
+          </p:spPr>
+        </p:pic>
+      </p:grpSp>
+    </p:spTree>
+    <p:extLst>
+      <p:ext uri="{BB962C8B-B14F-4D97-AF65-F5344CB8AC3E}">
+        <p14:creationId xmlns:p14="http://schemas.microsoft.com/office/powerpoint/2010/main" val="397111021"/>
       </p:ext>
     </p:extLst>
   </p:cSld>
@@ -6273,6 +8976,1831 @@
     <p:extLst>
       <p:ext uri="{BB962C8B-B14F-4D97-AF65-F5344CB8AC3E}">
         <p14:creationId xmlns:p14="http://schemas.microsoft.com/office/powerpoint/2010/main" val="2983454470"/>
+      </p:ext>
+    </p:extLst>
+  </p:cSld>
+  <p:clrMapOvr>
+    <a:masterClrMapping/>
+  </p:clrMapOvr>
+</p:sld>
+</file>
+
+<file path=ppt/slides/slide6.xml><?xml version="1.0" encoding="utf-8"?>
+<p:sld xmlns:a="http://schemas.openxmlformats.org/drawingml/2006/main" xmlns:r="http://schemas.openxmlformats.org/officeDocument/2006/relationships" xmlns:p="http://schemas.openxmlformats.org/presentationml/2006/main">
+  <p:cSld>
+    <p:spTree>
+      <p:nvGrpSpPr>
+        <p:cNvPr id="1" name="Shape 60"/>
+        <p:cNvGrpSpPr/>
+        <p:nvPr/>
+      </p:nvGrpSpPr>
+      <p:grpSpPr>
+        <a:xfrm>
+          <a:off x="0" y="0"/>
+          <a:ext cx="0" cy="0"/>
+          <a:chOff x="0" y="0"/>
+          <a:chExt cx="0" cy="0"/>
+        </a:xfrm>
+      </p:grpSpPr>
+      <p:grpSp>
+        <p:nvGrpSpPr>
+          <p:cNvPr id="21" name="Group 20">
+            <a:extLst>
+              <a:ext uri="{FF2B5EF4-FFF2-40B4-BE49-F238E27FC236}">
+                <a16:creationId xmlns:a16="http://schemas.microsoft.com/office/drawing/2014/main" id="{13304A19-330E-B3A8-F422-75E67F59B5F2}"/>
+              </a:ext>
+            </a:extLst>
+          </p:cNvPr>
+          <p:cNvGrpSpPr/>
+          <p:nvPr/>
+        </p:nvGrpSpPr>
+        <p:grpSpPr>
+          <a:xfrm>
+            <a:off x="1154293" y="858644"/>
+            <a:ext cx="10048173" cy="4304371"/>
+            <a:chOff x="1154293" y="858644"/>
+            <a:chExt cx="10048173" cy="4304371"/>
+          </a:xfrm>
+        </p:grpSpPr>
+        <p:grpSp>
+          <p:nvGrpSpPr>
+            <p:cNvPr id="16" name="Group 15">
+              <a:extLst>
+                <a:ext uri="{FF2B5EF4-FFF2-40B4-BE49-F238E27FC236}">
+                  <a16:creationId xmlns:a16="http://schemas.microsoft.com/office/drawing/2014/main" id="{A6F8E390-86C2-E272-8F79-1FF736A5F1D2}"/>
+                </a:ext>
+              </a:extLst>
+            </p:cNvPr>
+            <p:cNvGrpSpPr/>
+            <p:nvPr/>
+          </p:nvGrpSpPr>
+          <p:grpSpPr>
+            <a:xfrm>
+              <a:off x="1154293" y="858644"/>
+              <a:ext cx="10048173" cy="4304371"/>
+              <a:chOff x="1154293" y="858644"/>
+              <a:chExt cx="10048173" cy="4304371"/>
+            </a:xfrm>
+          </p:grpSpPr>
+          <p:sp>
+            <p:nvSpPr>
+              <p:cNvPr id="15" name="Rectangle 14">
+                <a:extLst>
+                  <a:ext uri="{FF2B5EF4-FFF2-40B4-BE49-F238E27FC236}">
+                    <a16:creationId xmlns:a16="http://schemas.microsoft.com/office/drawing/2014/main" id="{79D7C581-5371-EAFA-BE53-2BD5C8B65402}"/>
+                  </a:ext>
+                </a:extLst>
+              </p:cNvPr>
+              <p:cNvSpPr/>
+              <p:nvPr/>
+            </p:nvSpPr>
+            <p:spPr>
+              <a:xfrm>
+                <a:off x="1154293" y="858644"/>
+                <a:ext cx="10048173" cy="4304371"/>
+              </a:xfrm>
+              <a:prstGeom prst="rect">
+                <a:avLst/>
+              </a:prstGeom>
+              <a:solidFill>
+                <a:schemeClr val="bg1"/>
+              </a:solidFill>
+              <a:ln>
+                <a:noFill/>
+              </a:ln>
+            </p:spPr>
+            <p:style>
+              <a:lnRef idx="2">
+                <a:schemeClr val="accent1">
+                  <a:shade val="50000"/>
+                </a:schemeClr>
+              </a:lnRef>
+              <a:fillRef idx="1">
+                <a:schemeClr val="accent1"/>
+              </a:fillRef>
+              <a:effectRef idx="0">
+                <a:schemeClr val="accent1"/>
+              </a:effectRef>
+              <a:fontRef idx="minor">
+                <a:schemeClr val="lt1"/>
+              </a:fontRef>
+            </p:style>
+            <p:txBody>
+              <a:bodyPr rtlCol="0" anchor="ctr"/>
+              <a:lstStyle/>
+              <a:p>
+                <a:pPr algn="ctr"/>
+                <a:endParaRPr lang="en-TW"/>
+              </a:p>
+            </p:txBody>
+          </p:sp>
+          <p:grpSp>
+            <p:nvGrpSpPr>
+              <p:cNvPr id="14" name="Group 13">
+                <a:extLst>
+                  <a:ext uri="{FF2B5EF4-FFF2-40B4-BE49-F238E27FC236}">
+                    <a16:creationId xmlns:a16="http://schemas.microsoft.com/office/drawing/2014/main" id="{8C5DC928-19FE-9833-1E8D-12B0AE78B5B4}"/>
+                  </a:ext>
+                </a:extLst>
+              </p:cNvPr>
+              <p:cNvGrpSpPr/>
+              <p:nvPr/>
+            </p:nvGrpSpPr>
+            <p:grpSpPr>
+              <a:xfrm>
+                <a:off x="1154293" y="1025912"/>
+                <a:ext cx="10048173" cy="4059043"/>
+                <a:chOff x="1154293" y="1025912"/>
+                <a:chExt cx="10048173" cy="4059043"/>
+              </a:xfrm>
+            </p:grpSpPr>
+            <p:pic>
+              <p:nvPicPr>
+                <p:cNvPr id="8" name="Picture 7" descr="Shape, rectangle&#10;&#10;Description automatically generated with medium confidence">
+                  <a:extLst>
+                    <a:ext uri="{FF2B5EF4-FFF2-40B4-BE49-F238E27FC236}">
+                      <a16:creationId xmlns:a16="http://schemas.microsoft.com/office/drawing/2014/main" id="{0B3E31AF-8863-D639-6273-8209838B5438}"/>
+                    </a:ext>
+                  </a:extLst>
+                </p:cNvPr>
+                <p:cNvPicPr>
+                  <a:picLocks noChangeAspect="1"/>
+                </p:cNvPicPr>
+                <p:nvPr/>
+              </p:nvPicPr>
+              <p:blipFill>
+                <a:blip r:embed="rId3"/>
+                <a:stretch>
+                  <a:fillRect/>
+                </a:stretch>
+              </p:blipFill>
+              <p:spPr>
+                <a:xfrm>
+                  <a:off x="1154293" y="1784194"/>
+                  <a:ext cx="10048173" cy="3300761"/>
+                </a:xfrm>
+                <a:prstGeom prst="rect">
+                  <a:avLst/>
+                </a:prstGeom>
+              </p:spPr>
+            </p:pic>
+            <p:sp>
+              <p:nvSpPr>
+                <p:cNvPr id="9" name="Rectangle 8">
+                  <a:extLst>
+                    <a:ext uri="{FF2B5EF4-FFF2-40B4-BE49-F238E27FC236}">
+                      <a16:creationId xmlns:a16="http://schemas.microsoft.com/office/drawing/2014/main" id="{6058B1BB-6771-A414-052E-0D4E6C6E51B6}"/>
+                    </a:ext>
+                  </a:extLst>
+                </p:cNvPr>
+                <p:cNvSpPr/>
+                <p:nvPr/>
+              </p:nvSpPr>
+              <p:spPr>
+                <a:xfrm>
+                  <a:off x="1235110" y="1025912"/>
+                  <a:ext cx="4362803" cy="588498"/>
+                </a:xfrm>
+                <a:prstGeom prst="rect">
+                  <a:avLst/>
+                </a:prstGeom>
+                <a:solidFill>
+                  <a:schemeClr val="bg1">
+                    <a:lumMod val="85000"/>
+                  </a:schemeClr>
+                </a:solidFill>
+                <a:ln w="38100">
+                  <a:noFill/>
+                </a:ln>
+              </p:spPr>
+              <p:style>
+                <a:lnRef idx="2">
+                  <a:schemeClr val="accent1">
+                    <a:shade val="50000"/>
+                  </a:schemeClr>
+                </a:lnRef>
+                <a:fillRef idx="1">
+                  <a:schemeClr val="accent1"/>
+                </a:fillRef>
+                <a:effectRef idx="0">
+                  <a:schemeClr val="accent1"/>
+                </a:effectRef>
+                <a:fontRef idx="minor">
+                  <a:schemeClr val="lt1"/>
+                </a:fontRef>
+              </p:style>
+              <p:txBody>
+                <a:bodyPr rtlCol="0" anchor="ctr"/>
+                <a:lstStyle/>
+                <a:p>
+                  <a:pPr algn="ctr"/>
+                  <a:r>
+                    <a:rPr lang="en-US" sz="2400" b="1" dirty="0">
+                      <a:solidFill>
+                        <a:schemeClr val="tx1"/>
+                      </a:solidFill>
+                      <a:latin typeface="-apple-system"/>
+                    </a:rPr>
+                    <a:t>Encoder</a:t>
+                  </a:r>
+                  <a:endParaRPr lang="en-TW" sz="2400" b="1" dirty="0">
+                    <a:solidFill>
+                      <a:schemeClr val="tx1"/>
+                    </a:solidFill>
+                    <a:latin typeface="-apple-system"/>
+                  </a:endParaRPr>
+                </a:p>
+              </p:txBody>
+            </p:sp>
+            <p:sp>
+              <p:nvSpPr>
+                <p:cNvPr id="12" name="Rectangle 11">
+                  <a:extLst>
+                    <a:ext uri="{FF2B5EF4-FFF2-40B4-BE49-F238E27FC236}">
+                      <a16:creationId xmlns:a16="http://schemas.microsoft.com/office/drawing/2014/main" id="{6050A37B-1853-53D0-9F87-EF8D0BAB9910}"/>
+                    </a:ext>
+                  </a:extLst>
+                </p:cNvPr>
+                <p:cNvSpPr/>
+                <p:nvPr/>
+              </p:nvSpPr>
+              <p:spPr>
+                <a:xfrm>
+                  <a:off x="6706641" y="1025912"/>
+                  <a:ext cx="4362803" cy="588498"/>
+                </a:xfrm>
+                <a:prstGeom prst="rect">
+                  <a:avLst/>
+                </a:prstGeom>
+                <a:solidFill>
+                  <a:schemeClr val="bg1">
+                    <a:lumMod val="85000"/>
+                  </a:schemeClr>
+                </a:solidFill>
+                <a:ln w="38100">
+                  <a:noFill/>
+                </a:ln>
+              </p:spPr>
+              <p:style>
+                <a:lnRef idx="2">
+                  <a:schemeClr val="accent1">
+                    <a:shade val="50000"/>
+                  </a:schemeClr>
+                </a:lnRef>
+                <a:fillRef idx="1">
+                  <a:schemeClr val="accent1"/>
+                </a:fillRef>
+                <a:effectRef idx="0">
+                  <a:schemeClr val="accent1"/>
+                </a:effectRef>
+                <a:fontRef idx="minor">
+                  <a:schemeClr val="lt1"/>
+                </a:fontRef>
+              </p:style>
+              <p:txBody>
+                <a:bodyPr rtlCol="0" anchor="ctr"/>
+                <a:lstStyle/>
+                <a:p>
+                  <a:pPr algn="ctr"/>
+                  <a:r>
+                    <a:rPr lang="en-US" sz="2400" b="1" dirty="0">
+                      <a:solidFill>
+                        <a:schemeClr val="tx1"/>
+                      </a:solidFill>
+                      <a:latin typeface="-apple-system"/>
+                    </a:rPr>
+                    <a:t>Decoder</a:t>
+                  </a:r>
+                  <a:endParaRPr lang="en-TW" sz="2400" b="1" dirty="0">
+                    <a:solidFill>
+                      <a:schemeClr val="tx1"/>
+                    </a:solidFill>
+                    <a:latin typeface="-apple-system"/>
+                  </a:endParaRPr>
+                </a:p>
+              </p:txBody>
+            </p:sp>
+          </p:grpSp>
+        </p:grpSp>
+        <p:sp>
+          <p:nvSpPr>
+            <p:cNvPr id="17" name="Rectangle 16">
+              <a:extLst>
+                <a:ext uri="{FF2B5EF4-FFF2-40B4-BE49-F238E27FC236}">
+                  <a16:creationId xmlns:a16="http://schemas.microsoft.com/office/drawing/2014/main" id="{22015579-4CDB-7563-6F99-F4DA6B5FD2BF}"/>
+                </a:ext>
+              </a:extLst>
+            </p:cNvPr>
+            <p:cNvSpPr/>
+            <p:nvPr/>
+          </p:nvSpPr>
+          <p:spPr>
+            <a:xfrm>
+              <a:off x="1371600" y="4337824"/>
+              <a:ext cx="4159405" cy="613317"/>
+            </a:xfrm>
+            <a:prstGeom prst="rect">
+              <a:avLst/>
+            </a:prstGeom>
+            <a:noFill/>
+            <a:ln>
+              <a:noFill/>
+            </a:ln>
+          </p:spPr>
+          <p:style>
+            <a:lnRef idx="2">
+              <a:schemeClr val="accent1">
+                <a:shade val="50000"/>
+              </a:schemeClr>
+            </a:lnRef>
+            <a:fillRef idx="1">
+              <a:schemeClr val="accent1"/>
+            </a:fillRef>
+            <a:effectRef idx="0">
+              <a:schemeClr val="accent1"/>
+            </a:effectRef>
+            <a:fontRef idx="minor">
+              <a:schemeClr val="lt1"/>
+            </a:fontRef>
+          </p:style>
+          <p:txBody>
+            <a:bodyPr rtlCol="0" anchor="ctr"/>
+            <a:lstStyle/>
+            <a:p>
+              <a:pPr algn="ctr"/>
+              <a:r>
+                <a:rPr lang="en-TW" sz="2800" dirty="0">
+                  <a:solidFill>
+                    <a:schemeClr val="tx1"/>
+                  </a:solidFill>
+                </a:rPr>
+                <a:t>Tweet</a:t>
+              </a:r>
+            </a:p>
+          </p:txBody>
+        </p:sp>
+        <p:sp>
+          <p:nvSpPr>
+            <p:cNvPr id="18" name="Rectangle 17">
+              <a:extLst>
+                <a:ext uri="{FF2B5EF4-FFF2-40B4-BE49-F238E27FC236}">
+                  <a16:creationId xmlns:a16="http://schemas.microsoft.com/office/drawing/2014/main" id="{37F4AA12-517D-F62A-CDF7-257EB4222018}"/>
+                </a:ext>
+              </a:extLst>
+            </p:cNvPr>
+            <p:cNvSpPr/>
+            <p:nvPr/>
+          </p:nvSpPr>
+          <p:spPr>
+            <a:xfrm>
+              <a:off x="6913756" y="4337824"/>
+              <a:ext cx="2631688" cy="613317"/>
+            </a:xfrm>
+            <a:prstGeom prst="rect">
+              <a:avLst/>
+            </a:prstGeom>
+            <a:noFill/>
+            <a:ln>
+              <a:noFill/>
+            </a:ln>
+          </p:spPr>
+          <p:style>
+            <a:lnRef idx="2">
+              <a:schemeClr val="accent1">
+                <a:shade val="50000"/>
+              </a:schemeClr>
+            </a:lnRef>
+            <a:fillRef idx="1">
+              <a:schemeClr val="accent1"/>
+            </a:fillRef>
+            <a:effectRef idx="0">
+              <a:schemeClr val="accent1"/>
+            </a:effectRef>
+            <a:fontRef idx="minor">
+              <a:schemeClr val="lt1"/>
+            </a:fontRef>
+          </p:style>
+          <p:txBody>
+            <a:bodyPr rtlCol="0" anchor="ctr"/>
+            <a:lstStyle/>
+            <a:p>
+              <a:pPr algn="ctr"/>
+              <a:r>
+                <a:rPr lang="en-TW" sz="2400" dirty="0">
+                  <a:solidFill>
+                    <a:schemeClr val="tx1"/>
+                  </a:solidFill>
+                </a:rPr>
+                <a:t>Tweet Embedded in the Prompt</a:t>
+              </a:r>
+            </a:p>
+          </p:txBody>
+        </p:sp>
+        <p:sp>
+          <p:nvSpPr>
+            <p:cNvPr id="20" name="Rectangle 19">
+              <a:extLst>
+                <a:ext uri="{FF2B5EF4-FFF2-40B4-BE49-F238E27FC236}">
+                  <a16:creationId xmlns:a16="http://schemas.microsoft.com/office/drawing/2014/main" id="{696D1A38-9CC9-CA98-C763-21B7B6885352}"/>
+                </a:ext>
+              </a:extLst>
+            </p:cNvPr>
+            <p:cNvSpPr/>
+            <p:nvPr/>
+          </p:nvSpPr>
+          <p:spPr>
+            <a:xfrm>
+              <a:off x="9545444" y="4337824"/>
+              <a:ext cx="1524000" cy="613317"/>
+            </a:xfrm>
+            <a:prstGeom prst="rect">
+              <a:avLst/>
+            </a:prstGeom>
+            <a:noFill/>
+            <a:ln>
+              <a:noFill/>
+            </a:ln>
+          </p:spPr>
+          <p:style>
+            <a:lnRef idx="2">
+              <a:schemeClr val="accent1">
+                <a:shade val="50000"/>
+              </a:schemeClr>
+            </a:lnRef>
+            <a:fillRef idx="1">
+              <a:schemeClr val="accent1"/>
+            </a:fillRef>
+            <a:effectRef idx="0">
+              <a:schemeClr val="accent1"/>
+            </a:effectRef>
+            <a:fontRef idx="minor">
+              <a:schemeClr val="lt1"/>
+            </a:fontRef>
+          </p:style>
+          <p:txBody>
+            <a:bodyPr rtlCol="0" anchor="ctr"/>
+            <a:lstStyle/>
+            <a:p>
+              <a:pPr algn="ctr"/>
+              <a:r>
+                <a:rPr lang="en-TW" sz="2400" dirty="0">
+                  <a:solidFill>
+                    <a:schemeClr val="tx1"/>
+                  </a:solidFill>
+                </a:rPr>
+                <a:t>Generated Words</a:t>
+              </a:r>
+            </a:p>
+          </p:txBody>
+        </p:sp>
+      </p:grpSp>
+    </p:spTree>
+    <p:extLst>
+      <p:ext uri="{BB962C8B-B14F-4D97-AF65-F5344CB8AC3E}">
+        <p14:creationId xmlns:p14="http://schemas.microsoft.com/office/powerpoint/2010/main" val="2137920595"/>
+      </p:ext>
+    </p:extLst>
+  </p:cSld>
+  <p:clrMapOvr>
+    <a:masterClrMapping/>
+  </p:clrMapOvr>
+</p:sld>
+</file>
+
+<file path=ppt/slides/slide7.xml><?xml version="1.0" encoding="utf-8"?>
+<p:sld xmlns:a="http://schemas.openxmlformats.org/drawingml/2006/main" xmlns:r="http://schemas.openxmlformats.org/officeDocument/2006/relationships" xmlns:p="http://schemas.openxmlformats.org/presentationml/2006/main">
+  <p:cSld>
+    <p:spTree>
+      <p:nvGrpSpPr>
+        <p:cNvPr id="1" name="Shape 60"/>
+        <p:cNvGrpSpPr/>
+        <p:nvPr/>
+      </p:nvGrpSpPr>
+      <p:grpSpPr>
+        <a:xfrm>
+          <a:off x="0" y="0"/>
+          <a:ext cx="0" cy="0"/>
+          <a:chOff x="0" y="0"/>
+          <a:chExt cx="0" cy="0"/>
+        </a:xfrm>
+      </p:grpSpPr>
+      <p:pic>
+        <p:nvPicPr>
+          <p:cNvPr id="3" name="Picture 2" descr="Table&#10;&#10;Description automatically generated">
+            <a:extLst>
+              <a:ext uri="{FF2B5EF4-FFF2-40B4-BE49-F238E27FC236}">
+                <a16:creationId xmlns:a16="http://schemas.microsoft.com/office/drawing/2014/main" id="{D2707BE3-781B-8014-A403-A9112EC16C36}"/>
+              </a:ext>
+            </a:extLst>
+          </p:cNvPr>
+          <p:cNvPicPr>
+            <a:picLocks noChangeAspect="1"/>
+          </p:cNvPicPr>
+          <p:nvPr/>
+        </p:nvPicPr>
+        <p:blipFill>
+          <a:blip r:embed="rId3"/>
+          <a:stretch>
+            <a:fillRect/>
+          </a:stretch>
+        </p:blipFill>
+        <p:spPr>
+          <a:xfrm>
+            <a:off x="2209800" y="2241550"/>
+            <a:ext cx="7772400" cy="2242231"/>
+          </a:xfrm>
+          <a:prstGeom prst="rect">
+            <a:avLst/>
+          </a:prstGeom>
+        </p:spPr>
+      </p:pic>
+    </p:spTree>
+    <p:extLst>
+      <p:ext uri="{BB962C8B-B14F-4D97-AF65-F5344CB8AC3E}">
+        <p14:creationId xmlns:p14="http://schemas.microsoft.com/office/powerpoint/2010/main" val="3791466431"/>
+      </p:ext>
+    </p:extLst>
+  </p:cSld>
+  <p:clrMapOvr>
+    <a:masterClrMapping/>
+  </p:clrMapOvr>
+</p:sld>
+</file>
+
+<file path=ppt/slides/slide8.xml><?xml version="1.0" encoding="utf-8"?>
+<p:sld xmlns:a="http://schemas.openxmlformats.org/drawingml/2006/main" xmlns:r="http://schemas.openxmlformats.org/officeDocument/2006/relationships" xmlns:p="http://schemas.openxmlformats.org/presentationml/2006/main">
+  <p:cSld>
+    <p:spTree>
+      <p:nvGrpSpPr>
+        <p:cNvPr id="1" name="Shape 60"/>
+        <p:cNvGrpSpPr/>
+        <p:nvPr/>
+      </p:nvGrpSpPr>
+      <p:grpSpPr>
+        <a:xfrm>
+          <a:off x="0" y="0"/>
+          <a:ext cx="0" cy="0"/>
+          <a:chOff x="0" y="0"/>
+          <a:chExt cx="0" cy="0"/>
+        </a:xfrm>
+      </p:grpSpPr>
+      <p:grpSp>
+        <p:nvGrpSpPr>
+          <p:cNvPr id="25" name="Group 24">
+            <a:extLst>
+              <a:ext uri="{FF2B5EF4-FFF2-40B4-BE49-F238E27FC236}">
+                <a16:creationId xmlns:a16="http://schemas.microsoft.com/office/drawing/2014/main" id="{15C9C504-4468-D707-6374-241A78A91243}"/>
+              </a:ext>
+            </a:extLst>
+          </p:cNvPr>
+          <p:cNvGrpSpPr/>
+          <p:nvPr/>
+        </p:nvGrpSpPr>
+        <p:grpSpPr>
+          <a:xfrm>
+            <a:off x="482662" y="1536192"/>
+            <a:ext cx="10014650" cy="3529584"/>
+            <a:chOff x="482662" y="1536192"/>
+            <a:chExt cx="10014650" cy="3529584"/>
+          </a:xfrm>
+        </p:grpSpPr>
+        <p:sp>
+          <p:nvSpPr>
+            <p:cNvPr id="24" name="Rectangle 23">
+              <a:extLst>
+                <a:ext uri="{FF2B5EF4-FFF2-40B4-BE49-F238E27FC236}">
+                  <a16:creationId xmlns:a16="http://schemas.microsoft.com/office/drawing/2014/main" id="{43DC5BDF-FDF8-5094-5B78-E19C246E75CA}"/>
+                </a:ext>
+              </a:extLst>
+            </p:cNvPr>
+            <p:cNvSpPr/>
+            <p:nvPr/>
+          </p:nvSpPr>
+          <p:spPr>
+            <a:xfrm>
+              <a:off x="713232" y="1536192"/>
+              <a:ext cx="9784080" cy="3529584"/>
+            </a:xfrm>
+            <a:prstGeom prst="rect">
+              <a:avLst/>
+            </a:prstGeom>
+            <a:solidFill>
+              <a:schemeClr val="bg1"/>
+            </a:solidFill>
+            <a:ln>
+              <a:noFill/>
+            </a:ln>
+          </p:spPr>
+          <p:style>
+            <a:lnRef idx="2">
+              <a:schemeClr val="accent1">
+                <a:shade val="50000"/>
+              </a:schemeClr>
+            </a:lnRef>
+            <a:fillRef idx="1">
+              <a:schemeClr val="accent1"/>
+            </a:fillRef>
+            <a:effectRef idx="0">
+              <a:schemeClr val="accent1"/>
+            </a:effectRef>
+            <a:fontRef idx="minor">
+              <a:schemeClr val="lt1"/>
+            </a:fontRef>
+          </p:style>
+          <p:txBody>
+            <a:bodyPr rtlCol="0" anchor="ctr"/>
+            <a:lstStyle/>
+            <a:p>
+              <a:pPr algn="ctr"/>
+              <a:endParaRPr lang="en-TW"/>
+            </a:p>
+          </p:txBody>
+        </p:sp>
+        <p:sp>
+          <p:nvSpPr>
+            <p:cNvPr id="2" name="Rectangle 1">
+              <a:extLst>
+                <a:ext uri="{FF2B5EF4-FFF2-40B4-BE49-F238E27FC236}">
+                  <a16:creationId xmlns:a16="http://schemas.microsoft.com/office/drawing/2014/main" id="{074BF893-61FD-03FF-AEE1-1F7BE0843268}"/>
+                </a:ext>
+              </a:extLst>
+            </p:cNvPr>
+            <p:cNvSpPr/>
+            <p:nvPr/>
+          </p:nvSpPr>
+          <p:spPr>
+            <a:xfrm>
+              <a:off x="2500438" y="2286001"/>
+              <a:ext cx="7759130" cy="1892808"/>
+            </a:xfrm>
+            <a:prstGeom prst="rect">
+              <a:avLst/>
+            </a:prstGeom>
+            <a:noFill/>
+            <a:ln w="19050">
+              <a:solidFill>
+                <a:schemeClr val="tx1"/>
+              </a:solidFill>
+            </a:ln>
+          </p:spPr>
+          <p:style>
+            <a:lnRef idx="2">
+              <a:schemeClr val="accent1">
+                <a:shade val="50000"/>
+              </a:schemeClr>
+            </a:lnRef>
+            <a:fillRef idx="1">
+              <a:schemeClr val="accent1"/>
+            </a:fillRef>
+            <a:effectRef idx="0">
+              <a:schemeClr val="accent1"/>
+            </a:effectRef>
+            <a:fontRef idx="minor">
+              <a:schemeClr val="lt1"/>
+            </a:fontRef>
+          </p:style>
+          <p:txBody>
+            <a:bodyPr rtlCol="0" anchor="ctr"/>
+            <a:lstStyle/>
+            <a:p>
+              <a:pPr algn="just"/>
+              <a:r>
+                <a:rPr lang="en-US" sz="2000" u="sng" dirty="0">
+                  <a:solidFill>
+                    <a:schemeClr val="accent6">
+                      <a:lumMod val="75000"/>
+                    </a:schemeClr>
+                  </a:solidFill>
+                  <a:latin typeface="Calibri" panose="020F0502020204030204"/>
+                </a:rPr>
+                <a:t>What is the stance of the tweet below with respect to 'Legalization of Abortion'?</a:t>
+              </a:r>
+              <a:r>
+                <a:rPr lang="en-US" sz="2000" dirty="0">
+                  <a:solidFill>
+                    <a:prstClr val="black"/>
+                  </a:solidFill>
+                  <a:latin typeface="Calibri" panose="020F0502020204030204"/>
+                </a:rPr>
+                <a:t> </a:t>
+              </a:r>
+              <a:r>
+                <a:rPr lang="en-US" sz="1600" dirty="0">
+                  <a:solidFill>
+                    <a:prstClr val="black"/>
+                  </a:solidFill>
+                  <a:latin typeface="Calibri" panose="020F0502020204030204"/>
+                </a:rPr>
+                <a:t>Please use exactly one word from the following 3 categories to label it: </a:t>
+              </a:r>
+              <a:r>
+                <a:rPr lang="en-US" sz="2000" u="sng" dirty="0">
+                  <a:solidFill>
+                    <a:srgbClr val="C00000"/>
+                  </a:solidFill>
+                  <a:latin typeface="Calibri" panose="020F0502020204030204"/>
+                </a:rPr>
+                <a:t>'in-favor', 'against', 'neutral-or-unclear'.</a:t>
+              </a:r>
+              <a:r>
+                <a:rPr lang="en-US" sz="2000" dirty="0">
+                  <a:solidFill>
+                    <a:prstClr val="black"/>
+                  </a:solidFill>
+                  <a:latin typeface="Calibri" panose="020F0502020204030204"/>
+                </a:rPr>
+                <a:t> </a:t>
+              </a:r>
+              <a:r>
+                <a:rPr lang="en-US" sz="1600" dirty="0">
+                  <a:solidFill>
+                    <a:prstClr val="black"/>
+                  </a:solidFill>
+                  <a:latin typeface="Calibri" panose="020F0502020204030204"/>
+                </a:rPr>
+                <a:t>Here is the tweet: </a:t>
+              </a:r>
+              <a:r>
+                <a:rPr lang="en-US" sz="2000" dirty="0">
+                  <a:solidFill>
+                    <a:schemeClr val="accent5">
+                      <a:lumMod val="75000"/>
+                    </a:schemeClr>
+                  </a:solidFill>
+                  <a:latin typeface="Calibri" panose="020F0502020204030204"/>
+                </a:rPr>
+                <a:t>“It's so brilliant that #</a:t>
+              </a:r>
+              <a:r>
+                <a:rPr lang="en-US" sz="2000" dirty="0" err="1">
+                  <a:solidFill>
+                    <a:schemeClr val="accent5">
+                      <a:lumMod val="75000"/>
+                    </a:schemeClr>
+                  </a:solidFill>
+                  <a:latin typeface="Calibri" panose="020F0502020204030204"/>
+                </a:rPr>
+                <a:t>lovewins</a:t>
+              </a:r>
+              <a:r>
+                <a:rPr lang="en-US" sz="2000" dirty="0">
+                  <a:solidFill>
+                    <a:schemeClr val="accent5">
+                      <a:lumMod val="75000"/>
+                    </a:schemeClr>
+                  </a:solidFill>
+                  <a:latin typeface="Calibri" panose="020F0502020204030204"/>
+                </a:rPr>
+                <a:t> - now extend the equality to women's rights #</a:t>
+              </a:r>
+              <a:r>
+                <a:rPr lang="en-US" sz="2000" dirty="0" err="1">
+                  <a:solidFill>
+                    <a:schemeClr val="accent5">
+                      <a:lumMod val="75000"/>
+                    </a:schemeClr>
+                  </a:solidFill>
+                  <a:latin typeface="Calibri" panose="020F0502020204030204"/>
+                </a:rPr>
+                <a:t>abortionrights</a:t>
+              </a:r>
+              <a:r>
+                <a:rPr lang="en-US" sz="2000" dirty="0">
+                  <a:solidFill>
+                    <a:schemeClr val="accent5">
+                      <a:lumMod val="75000"/>
+                    </a:schemeClr>
+                  </a:solidFill>
+                  <a:latin typeface="Calibri" panose="020F0502020204030204"/>
+                </a:rPr>
+                <a:t>.”</a:t>
+              </a:r>
+              <a:r>
+                <a:rPr lang="en-US" sz="2000" dirty="0">
+                  <a:solidFill>
+                    <a:prstClr val="black"/>
+                  </a:solidFill>
+                  <a:latin typeface="Calibri" panose="020F0502020204030204"/>
+                </a:rPr>
+                <a:t> </a:t>
+              </a:r>
+              <a:r>
+                <a:rPr lang="en-US" sz="1600" dirty="0">
+                  <a:solidFill>
+                    <a:prstClr val="black"/>
+                  </a:solidFill>
+                  <a:latin typeface="Calibri" panose="020F0502020204030204"/>
+                </a:rPr>
+                <a:t>The stance of the tweet is: </a:t>
+              </a:r>
+            </a:p>
+          </p:txBody>
+        </p:sp>
+        <p:sp>
+          <p:nvSpPr>
+            <p:cNvPr id="8" name="TextBox 7">
+              <a:extLst>
+                <a:ext uri="{FF2B5EF4-FFF2-40B4-BE49-F238E27FC236}">
+                  <a16:creationId xmlns:a16="http://schemas.microsoft.com/office/drawing/2014/main" id="{8CFAF8A9-36DF-56D8-7A8C-95D2A67A0DAD}"/>
+                </a:ext>
+              </a:extLst>
+            </p:cNvPr>
+            <p:cNvSpPr txBox="1"/>
+            <p:nvPr/>
+          </p:nvSpPr>
+          <p:spPr>
+            <a:xfrm>
+              <a:off x="2509043" y="1653860"/>
+              <a:ext cx="2254981" cy="400110"/>
+            </a:xfrm>
+            <a:prstGeom prst="rect">
+              <a:avLst/>
+            </a:prstGeom>
+            <a:noFill/>
+          </p:spPr>
+          <p:txBody>
+            <a:bodyPr wrap="square" rtlCol="0">
+              <a:spAutoFit/>
+            </a:bodyPr>
+            <a:lstStyle/>
+            <a:p>
+              <a:pPr algn="ctr"/>
+              <a:r>
+                <a:rPr lang="en-TW" sz="2000" dirty="0">
+                  <a:solidFill>
+                    <a:schemeClr val="accent6">
+                      <a:lumMod val="75000"/>
+                    </a:schemeClr>
+                  </a:solidFill>
+                  <a:latin typeface="Calibri" panose="020F0502020204030204"/>
+                </a:rPr>
+                <a:t>Task Description</a:t>
+              </a:r>
+            </a:p>
+          </p:txBody>
+        </p:sp>
+        <p:cxnSp>
+          <p:nvCxnSpPr>
+            <p:cNvPr id="10" name="Straight Arrow Connector 9">
+              <a:extLst>
+                <a:ext uri="{FF2B5EF4-FFF2-40B4-BE49-F238E27FC236}">
+                  <a16:creationId xmlns:a16="http://schemas.microsoft.com/office/drawing/2014/main" id="{EE134B28-38C3-FEBC-76D0-E2D82096689D}"/>
+                </a:ext>
+              </a:extLst>
+            </p:cNvPr>
+            <p:cNvCxnSpPr>
+              <a:cxnSpLocks/>
+              <a:stCxn id="8" idx="2"/>
+            </p:cNvCxnSpPr>
+            <p:nvPr/>
+          </p:nvCxnSpPr>
+          <p:spPr>
+            <a:xfrm>
+              <a:off x="3636534" y="2053970"/>
+              <a:ext cx="11922" cy="460630"/>
+            </a:xfrm>
+            <a:prstGeom prst="straightConnector1">
+              <a:avLst/>
+            </a:prstGeom>
+            <a:ln w="28575">
+              <a:solidFill>
+                <a:schemeClr val="accent6">
+                  <a:lumMod val="75000"/>
+                </a:schemeClr>
+              </a:solidFill>
+              <a:tailEnd type="triangle"/>
+            </a:ln>
+          </p:spPr>
+          <p:style>
+            <a:lnRef idx="1">
+              <a:schemeClr val="accent1"/>
+            </a:lnRef>
+            <a:fillRef idx="0">
+              <a:schemeClr val="accent1"/>
+            </a:fillRef>
+            <a:effectRef idx="0">
+              <a:schemeClr val="accent1"/>
+            </a:effectRef>
+            <a:fontRef idx="minor">
+              <a:schemeClr val="tx1"/>
+            </a:fontRef>
+          </p:style>
+        </p:cxnSp>
+        <p:sp>
+          <p:nvSpPr>
+            <p:cNvPr id="12" name="TextBox 11">
+              <a:extLst>
+                <a:ext uri="{FF2B5EF4-FFF2-40B4-BE49-F238E27FC236}">
+                  <a16:creationId xmlns:a16="http://schemas.microsoft.com/office/drawing/2014/main" id="{E087CB6D-9D82-F95C-9972-DA4C06707291}"/>
+                </a:ext>
+              </a:extLst>
+            </p:cNvPr>
+            <p:cNvSpPr txBox="1"/>
+            <p:nvPr/>
+          </p:nvSpPr>
+          <p:spPr>
+            <a:xfrm>
+              <a:off x="482662" y="2709709"/>
+              <a:ext cx="2254981" cy="400110"/>
+            </a:xfrm>
+            <a:prstGeom prst="rect">
+              <a:avLst/>
+            </a:prstGeom>
+            <a:noFill/>
+          </p:spPr>
+          <p:txBody>
+            <a:bodyPr wrap="square" rtlCol="0">
+              <a:spAutoFit/>
+            </a:bodyPr>
+            <a:lstStyle/>
+            <a:p>
+              <a:pPr algn="ctr"/>
+              <a:r>
+                <a:rPr lang="en-TW" sz="2000" dirty="0">
+                  <a:solidFill>
+                    <a:srgbClr val="C00000"/>
+                  </a:solidFill>
+                  <a:latin typeface="Calibri" panose="020F0502020204030204"/>
+                </a:rPr>
+                <a:t>Possible Labels</a:t>
+              </a:r>
+            </a:p>
+          </p:txBody>
+        </p:sp>
+        <p:cxnSp>
+          <p:nvCxnSpPr>
+            <p:cNvPr id="13" name="Straight Arrow Connector 12">
+              <a:extLst>
+                <a:ext uri="{FF2B5EF4-FFF2-40B4-BE49-F238E27FC236}">
+                  <a16:creationId xmlns:a16="http://schemas.microsoft.com/office/drawing/2014/main" id="{9E9A7B65-F9B2-B727-F48E-F0D0FED1DD35}"/>
+                </a:ext>
+              </a:extLst>
+            </p:cNvPr>
+            <p:cNvCxnSpPr>
+              <a:cxnSpLocks/>
+              <a:stCxn id="12" idx="2"/>
+              <a:endCxn id="2" idx="1"/>
+            </p:cNvCxnSpPr>
+            <p:nvPr/>
+          </p:nvCxnSpPr>
+          <p:spPr>
+            <a:xfrm>
+              <a:off x="1610153" y="3109819"/>
+              <a:ext cx="890285" cy="122586"/>
+            </a:xfrm>
+            <a:prstGeom prst="straightConnector1">
+              <a:avLst/>
+            </a:prstGeom>
+            <a:ln w="28575">
+              <a:solidFill>
+                <a:srgbClr val="C00000"/>
+              </a:solidFill>
+              <a:tailEnd type="triangle"/>
+            </a:ln>
+          </p:spPr>
+          <p:style>
+            <a:lnRef idx="1">
+              <a:schemeClr val="accent1"/>
+            </a:lnRef>
+            <a:fillRef idx="0">
+              <a:schemeClr val="accent1"/>
+            </a:fillRef>
+            <a:effectRef idx="0">
+              <a:schemeClr val="accent1"/>
+            </a:effectRef>
+            <a:fontRef idx="minor">
+              <a:schemeClr val="tx1"/>
+            </a:fontRef>
+          </p:style>
+        </p:cxnSp>
+        <p:sp>
+          <p:nvSpPr>
+            <p:cNvPr id="17" name="TextBox 16">
+              <a:extLst>
+                <a:ext uri="{FF2B5EF4-FFF2-40B4-BE49-F238E27FC236}">
+                  <a16:creationId xmlns:a16="http://schemas.microsoft.com/office/drawing/2014/main" id="{7203F0DB-5576-9F4E-AFF9-CB1428296E75}"/>
+                </a:ext>
+              </a:extLst>
+            </p:cNvPr>
+            <p:cNvSpPr txBox="1"/>
+            <p:nvPr/>
+          </p:nvSpPr>
+          <p:spPr>
+            <a:xfrm>
+              <a:off x="6008147" y="4410840"/>
+              <a:ext cx="2254981" cy="400110"/>
+            </a:xfrm>
+            <a:prstGeom prst="rect">
+              <a:avLst/>
+            </a:prstGeom>
+            <a:noFill/>
+          </p:spPr>
+          <p:txBody>
+            <a:bodyPr wrap="square" rtlCol="0">
+              <a:spAutoFit/>
+            </a:bodyPr>
+            <a:lstStyle/>
+            <a:p>
+              <a:pPr algn="ctr"/>
+              <a:r>
+                <a:rPr lang="en-TW" sz="2000" dirty="0">
+                  <a:solidFill>
+                    <a:schemeClr val="accent5">
+                      <a:lumMod val="75000"/>
+                    </a:schemeClr>
+                  </a:solidFill>
+                  <a:latin typeface="Calibri" panose="020F0502020204030204"/>
+                </a:rPr>
+                <a:t>Tweet of Interest</a:t>
+              </a:r>
+            </a:p>
+          </p:txBody>
+        </p:sp>
+        <p:cxnSp>
+          <p:nvCxnSpPr>
+            <p:cNvPr id="18" name="Straight Arrow Connector 17">
+              <a:extLst>
+                <a:ext uri="{FF2B5EF4-FFF2-40B4-BE49-F238E27FC236}">
+                  <a16:creationId xmlns:a16="http://schemas.microsoft.com/office/drawing/2014/main" id="{7C3ECF62-DF12-4B49-6EA5-F8A7FDB0AEFE}"/>
+                </a:ext>
+              </a:extLst>
+            </p:cNvPr>
+            <p:cNvCxnSpPr>
+              <a:cxnSpLocks/>
+              <a:stCxn id="17" idx="0"/>
+            </p:cNvCxnSpPr>
+            <p:nvPr/>
+          </p:nvCxnSpPr>
+          <p:spPr>
+            <a:xfrm flipH="1" flipV="1">
+              <a:off x="7135637" y="3721608"/>
+              <a:ext cx="1" cy="689232"/>
+            </a:xfrm>
+            <a:prstGeom prst="straightConnector1">
+              <a:avLst/>
+            </a:prstGeom>
+            <a:ln w="28575">
+              <a:solidFill>
+                <a:schemeClr val="accent5">
+                  <a:lumMod val="75000"/>
+                </a:schemeClr>
+              </a:solidFill>
+              <a:tailEnd type="triangle"/>
+            </a:ln>
+          </p:spPr>
+          <p:style>
+            <a:lnRef idx="1">
+              <a:schemeClr val="accent1"/>
+            </a:lnRef>
+            <a:fillRef idx="0">
+              <a:schemeClr val="accent1"/>
+            </a:fillRef>
+            <a:effectRef idx="0">
+              <a:schemeClr val="accent1"/>
+            </a:effectRef>
+            <a:fontRef idx="minor">
+              <a:schemeClr val="tx1"/>
+            </a:fontRef>
+          </p:style>
+        </p:cxnSp>
+      </p:grpSp>
+    </p:spTree>
+    <p:extLst>
+      <p:ext uri="{BB962C8B-B14F-4D97-AF65-F5344CB8AC3E}">
+        <p14:creationId xmlns:p14="http://schemas.microsoft.com/office/powerpoint/2010/main" val="1029871097"/>
+      </p:ext>
+    </p:extLst>
+  </p:cSld>
+  <p:clrMapOvr>
+    <a:masterClrMapping/>
+  </p:clrMapOvr>
+</p:sld>
+</file>
+
+<file path=ppt/slides/slide9.xml><?xml version="1.0" encoding="utf-8"?>
+<p:sld xmlns:a="http://schemas.openxmlformats.org/drawingml/2006/main" xmlns:r="http://schemas.openxmlformats.org/officeDocument/2006/relationships" xmlns:p="http://schemas.openxmlformats.org/presentationml/2006/main">
+  <p:cSld>
+    <p:spTree>
+      <p:nvGrpSpPr>
+        <p:cNvPr id="1" name="Shape 60"/>
+        <p:cNvGrpSpPr/>
+        <p:nvPr/>
+      </p:nvGrpSpPr>
+      <p:grpSpPr>
+        <a:xfrm>
+          <a:off x="0" y="0"/>
+          <a:ext cx="0" cy="0"/>
+          <a:chOff x="0" y="0"/>
+          <a:chExt cx="0" cy="0"/>
+        </a:xfrm>
+      </p:grpSpPr>
+      <p:grpSp>
+        <p:nvGrpSpPr>
+          <p:cNvPr id="35" name="Group 34">
+            <a:extLst>
+              <a:ext uri="{FF2B5EF4-FFF2-40B4-BE49-F238E27FC236}">
+                <a16:creationId xmlns:a16="http://schemas.microsoft.com/office/drawing/2014/main" id="{F2B6D5BA-C7A9-B67A-0B23-1ECD3406FE02}"/>
+              </a:ext>
+            </a:extLst>
+          </p:cNvPr>
+          <p:cNvGrpSpPr/>
+          <p:nvPr/>
+        </p:nvGrpSpPr>
+        <p:grpSpPr>
+          <a:xfrm>
+            <a:off x="1319245" y="283464"/>
+            <a:ext cx="9918731" cy="5852160"/>
+            <a:chOff x="1319245" y="283464"/>
+            <a:chExt cx="9918731" cy="5852160"/>
+          </a:xfrm>
+        </p:grpSpPr>
+        <p:sp>
+          <p:nvSpPr>
+            <p:cNvPr id="34" name="Rectangle 33">
+              <a:extLst>
+                <a:ext uri="{FF2B5EF4-FFF2-40B4-BE49-F238E27FC236}">
+                  <a16:creationId xmlns:a16="http://schemas.microsoft.com/office/drawing/2014/main" id="{BB9110CE-F8A9-AFD5-A836-6431D6AD5927}"/>
+                </a:ext>
+              </a:extLst>
+            </p:cNvPr>
+            <p:cNvSpPr/>
+            <p:nvPr/>
+          </p:nvSpPr>
+          <p:spPr>
+            <a:xfrm>
+              <a:off x="1319246" y="283464"/>
+              <a:ext cx="9918730" cy="5852160"/>
+            </a:xfrm>
+            <a:prstGeom prst="rect">
+              <a:avLst/>
+            </a:prstGeom>
+            <a:solidFill>
+              <a:schemeClr val="bg1"/>
+            </a:solidFill>
+            <a:ln>
+              <a:noFill/>
+            </a:ln>
+          </p:spPr>
+          <p:style>
+            <a:lnRef idx="2">
+              <a:schemeClr val="accent1">
+                <a:shade val="50000"/>
+              </a:schemeClr>
+            </a:lnRef>
+            <a:fillRef idx="1">
+              <a:schemeClr val="accent1"/>
+            </a:fillRef>
+            <a:effectRef idx="0">
+              <a:schemeClr val="accent1"/>
+            </a:effectRef>
+            <a:fontRef idx="minor">
+              <a:schemeClr val="lt1"/>
+            </a:fontRef>
+          </p:style>
+          <p:txBody>
+            <a:bodyPr rtlCol="0" anchor="ctr"/>
+            <a:lstStyle/>
+            <a:p>
+              <a:pPr algn="ctr"/>
+              <a:endParaRPr lang="en-TW"/>
+            </a:p>
+          </p:txBody>
+        </p:sp>
+        <p:sp>
+          <p:nvSpPr>
+            <p:cNvPr id="2" name="Rectangle 1">
+              <a:extLst>
+                <a:ext uri="{FF2B5EF4-FFF2-40B4-BE49-F238E27FC236}">
+                  <a16:creationId xmlns:a16="http://schemas.microsoft.com/office/drawing/2014/main" id="{074BF893-61FD-03FF-AEE1-1F7BE0843268}"/>
+                </a:ext>
+              </a:extLst>
+            </p:cNvPr>
+            <p:cNvSpPr/>
+            <p:nvPr/>
+          </p:nvSpPr>
+          <p:spPr>
+            <a:xfrm>
+              <a:off x="3124200" y="1078992"/>
+              <a:ext cx="7759130" cy="3995928"/>
+            </a:xfrm>
+            <a:prstGeom prst="rect">
+              <a:avLst/>
+            </a:prstGeom>
+            <a:noFill/>
+            <a:ln w="19050">
+              <a:solidFill>
+                <a:schemeClr val="tx1"/>
+              </a:solidFill>
+            </a:ln>
+          </p:spPr>
+          <p:style>
+            <a:lnRef idx="2">
+              <a:schemeClr val="accent1">
+                <a:shade val="50000"/>
+              </a:schemeClr>
+            </a:lnRef>
+            <a:fillRef idx="1">
+              <a:schemeClr val="accent1"/>
+            </a:fillRef>
+            <a:effectRef idx="0">
+              <a:schemeClr val="accent1"/>
+            </a:effectRef>
+            <a:fontRef idx="minor">
+              <a:schemeClr val="lt1"/>
+            </a:fontRef>
+          </p:style>
+          <p:txBody>
+            <a:bodyPr rtlCol="0" anchor="ctr"/>
+            <a:lstStyle/>
+            <a:p>
+              <a:pPr algn="just"/>
+              <a:r>
+                <a:rPr lang="en-US" sz="2000" u="sng" dirty="0">
+                  <a:solidFill>
+                    <a:schemeClr val="accent6">
+                      <a:lumMod val="75000"/>
+                    </a:schemeClr>
+                  </a:solidFill>
+                  <a:latin typeface="Calibri" panose="020F0502020204030204"/>
+                </a:rPr>
+                <a:t>What is the stance of the tweet below with respect to 'Legalization of Abortion'?</a:t>
+              </a:r>
+              <a:r>
+                <a:rPr lang="en-US" sz="2000" dirty="0">
+                  <a:solidFill>
+                    <a:schemeClr val="tx1"/>
+                  </a:solidFill>
+                  <a:latin typeface="Calibri" panose="020F0502020204030204"/>
+                </a:rPr>
+                <a:t> </a:t>
+              </a:r>
+              <a:r>
+                <a:rPr lang="en-US" sz="2000" dirty="0">
+                  <a:solidFill>
+                    <a:srgbClr val="7030A0"/>
+                  </a:solidFill>
+                </a:rPr>
+                <a:t>If we can infer from the tweet that the tweeter supports 'Legalization of Abortion', please label it as </a:t>
+              </a:r>
+              <a:r>
+                <a:rPr lang="en-US" sz="2000" u="sng" dirty="0">
+                  <a:solidFill>
+                    <a:srgbClr val="7030A0"/>
+                  </a:solidFill>
+                </a:rPr>
+                <a:t>'in-favor'</a:t>
+              </a:r>
+              <a:r>
+                <a:rPr lang="en-US" sz="2000" dirty="0">
+                  <a:solidFill>
+                    <a:srgbClr val="7030A0"/>
+                  </a:solidFill>
+                </a:rPr>
+                <a:t>. If we can infer from the tweet that the tweeter is against 'Legalization of Abortion', please label is as </a:t>
+              </a:r>
+              <a:r>
+                <a:rPr lang="en-US" sz="2000" u="sng" dirty="0">
+                  <a:solidFill>
+                    <a:srgbClr val="7030A0"/>
+                  </a:solidFill>
+                </a:rPr>
+                <a:t>'against'</a:t>
+              </a:r>
+              <a:r>
+                <a:rPr lang="en-US" sz="2000" dirty="0">
+                  <a:solidFill>
+                    <a:srgbClr val="7030A0"/>
+                  </a:solidFill>
+                </a:rPr>
+                <a:t>. If we can infer from the tweet that the tweeter has a neutral stance towards 'Legalization of Abortion', please label it as </a:t>
+              </a:r>
+              <a:r>
+                <a:rPr lang="en-US" sz="2000" u="sng" dirty="0">
+                  <a:solidFill>
+                    <a:srgbClr val="7030A0"/>
+                  </a:solidFill>
+                </a:rPr>
+                <a:t>'neutral-or-unclear'</a:t>
+              </a:r>
+              <a:r>
+                <a:rPr lang="en-US" sz="2000" dirty="0">
+                  <a:solidFill>
+                    <a:srgbClr val="7030A0"/>
+                  </a:solidFill>
+                </a:rPr>
+                <a:t>. If there is no clue in the tweet to reveal the stance of the tweeter towards 'Legalization of Abortion', please also label is as </a:t>
+              </a:r>
+              <a:r>
+                <a:rPr lang="en-US" sz="2000" u="sng" dirty="0">
+                  <a:solidFill>
+                    <a:srgbClr val="7030A0"/>
+                  </a:solidFill>
+                </a:rPr>
+                <a:t>'neutral-or-unclear'</a:t>
+              </a:r>
+              <a:r>
+                <a:rPr lang="en-US" sz="2000" dirty="0">
+                  <a:solidFill>
+                    <a:srgbClr val="7030A0"/>
+                  </a:solidFill>
+                </a:rPr>
+                <a:t>.</a:t>
+              </a:r>
+              <a:r>
+                <a:rPr lang="en-US" sz="1600" dirty="0">
+                  <a:solidFill>
+                    <a:srgbClr val="7030A0"/>
+                  </a:solidFill>
+                </a:rPr>
+                <a:t> </a:t>
+              </a:r>
+              <a:r>
+                <a:rPr lang="en-US" sz="1600" dirty="0">
+                  <a:solidFill>
+                    <a:prstClr val="black"/>
+                  </a:solidFill>
+                  <a:latin typeface="Calibri" panose="020F0502020204030204"/>
+                </a:rPr>
+                <a:t>Please use exactly one word from the following 3 categories to label it: </a:t>
+              </a:r>
+              <a:r>
+                <a:rPr lang="en-US" sz="2000" u="sng" dirty="0">
+                  <a:solidFill>
+                    <a:srgbClr val="C00000"/>
+                  </a:solidFill>
+                  <a:latin typeface="Calibri" panose="020F0502020204030204"/>
+                </a:rPr>
+                <a:t>'in-favor', 'against', 'neutral-or-unclear'.</a:t>
+              </a:r>
+              <a:r>
+                <a:rPr lang="en-US" sz="2000" dirty="0">
+                  <a:solidFill>
+                    <a:prstClr val="black"/>
+                  </a:solidFill>
+                  <a:latin typeface="Calibri" panose="020F0502020204030204"/>
+                </a:rPr>
+                <a:t> </a:t>
+              </a:r>
+              <a:r>
+                <a:rPr lang="en-US" sz="1600" dirty="0">
+                  <a:solidFill>
+                    <a:prstClr val="black"/>
+                  </a:solidFill>
+                  <a:latin typeface="Calibri" panose="020F0502020204030204"/>
+                </a:rPr>
+                <a:t>Here is the tweet: </a:t>
+              </a:r>
+              <a:r>
+                <a:rPr lang="en-US" sz="2000" dirty="0">
+                  <a:solidFill>
+                    <a:schemeClr val="accent5">
+                      <a:lumMod val="75000"/>
+                    </a:schemeClr>
+                  </a:solidFill>
+                  <a:latin typeface="Calibri" panose="020F0502020204030204"/>
+                </a:rPr>
+                <a:t>“</a:t>
+              </a:r>
+              <a:r>
+                <a:rPr lang="en-US" sz="2000" i="1" dirty="0">
+                  <a:solidFill>
+                    <a:schemeClr val="accent5">
+                      <a:lumMod val="75000"/>
+                    </a:schemeClr>
+                  </a:solidFill>
+                  <a:latin typeface="Calibri" panose="020F0502020204030204"/>
+                </a:rPr>
+                <a:t>It's so brilliant that #</a:t>
+              </a:r>
+              <a:r>
+                <a:rPr lang="en-US" sz="2000" i="1" dirty="0" err="1">
+                  <a:solidFill>
+                    <a:schemeClr val="accent5">
+                      <a:lumMod val="75000"/>
+                    </a:schemeClr>
+                  </a:solidFill>
+                  <a:latin typeface="Calibri" panose="020F0502020204030204"/>
+                </a:rPr>
+                <a:t>lovewins</a:t>
+              </a:r>
+              <a:r>
+                <a:rPr lang="en-US" sz="2000" i="1" dirty="0">
+                  <a:solidFill>
+                    <a:schemeClr val="accent5">
+                      <a:lumMod val="75000"/>
+                    </a:schemeClr>
+                  </a:solidFill>
+                  <a:latin typeface="Calibri" panose="020F0502020204030204"/>
+                </a:rPr>
+                <a:t> - now extend the equality to women's rights #</a:t>
+              </a:r>
+              <a:r>
+                <a:rPr lang="en-US" sz="2000" i="1" dirty="0" err="1">
+                  <a:solidFill>
+                    <a:schemeClr val="accent5">
+                      <a:lumMod val="75000"/>
+                    </a:schemeClr>
+                  </a:solidFill>
+                  <a:latin typeface="Calibri" panose="020F0502020204030204"/>
+                </a:rPr>
+                <a:t>abortionrights</a:t>
+              </a:r>
+              <a:r>
+                <a:rPr lang="en-US" sz="2000" i="1" dirty="0">
+                  <a:solidFill>
+                    <a:schemeClr val="accent5">
+                      <a:lumMod val="75000"/>
+                    </a:schemeClr>
+                  </a:solidFill>
+                  <a:latin typeface="Calibri" panose="020F0502020204030204"/>
+                </a:rPr>
+                <a:t>.</a:t>
+              </a:r>
+              <a:r>
+                <a:rPr lang="en-US" sz="2000" dirty="0">
+                  <a:solidFill>
+                    <a:schemeClr val="accent5">
+                      <a:lumMod val="75000"/>
+                    </a:schemeClr>
+                  </a:solidFill>
+                  <a:latin typeface="Calibri" panose="020F0502020204030204"/>
+                </a:rPr>
+                <a:t>”</a:t>
+              </a:r>
+              <a:r>
+                <a:rPr lang="en-US" sz="2000" dirty="0">
+                  <a:solidFill>
+                    <a:prstClr val="black"/>
+                  </a:solidFill>
+                  <a:latin typeface="Calibri" panose="020F0502020204030204"/>
+                </a:rPr>
+                <a:t> </a:t>
+              </a:r>
+              <a:r>
+                <a:rPr lang="en-US" sz="1600" dirty="0">
+                  <a:solidFill>
+                    <a:prstClr val="black"/>
+                  </a:solidFill>
+                  <a:latin typeface="Calibri" panose="020F0502020204030204"/>
+                </a:rPr>
+                <a:t>The stance of the tweet is: </a:t>
+              </a:r>
+            </a:p>
+          </p:txBody>
+        </p:sp>
+        <p:sp>
+          <p:nvSpPr>
+            <p:cNvPr id="8" name="TextBox 7">
+              <a:extLst>
+                <a:ext uri="{FF2B5EF4-FFF2-40B4-BE49-F238E27FC236}">
+                  <a16:creationId xmlns:a16="http://schemas.microsoft.com/office/drawing/2014/main" id="{8CFAF8A9-36DF-56D8-7A8C-95D2A67A0DAD}"/>
+                </a:ext>
+              </a:extLst>
+            </p:cNvPr>
+            <p:cNvSpPr txBox="1"/>
+            <p:nvPr/>
+          </p:nvSpPr>
+          <p:spPr>
+            <a:xfrm>
+              <a:off x="3132805" y="446851"/>
+              <a:ext cx="2254981" cy="400110"/>
+            </a:xfrm>
+            <a:prstGeom prst="rect">
+              <a:avLst/>
+            </a:prstGeom>
+            <a:noFill/>
+          </p:spPr>
+          <p:txBody>
+            <a:bodyPr wrap="square" rtlCol="0">
+              <a:spAutoFit/>
+            </a:bodyPr>
+            <a:lstStyle/>
+            <a:p>
+              <a:pPr algn="ctr"/>
+              <a:r>
+                <a:rPr lang="en-TW" sz="2000" dirty="0">
+                  <a:solidFill>
+                    <a:schemeClr val="accent6">
+                      <a:lumMod val="75000"/>
+                    </a:schemeClr>
+                  </a:solidFill>
+                  <a:latin typeface="Calibri" panose="020F0502020204030204"/>
+                </a:rPr>
+                <a:t>Task Description</a:t>
+              </a:r>
+            </a:p>
+          </p:txBody>
+        </p:sp>
+        <p:cxnSp>
+          <p:nvCxnSpPr>
+            <p:cNvPr id="10" name="Straight Arrow Connector 9">
+              <a:extLst>
+                <a:ext uri="{FF2B5EF4-FFF2-40B4-BE49-F238E27FC236}">
+                  <a16:creationId xmlns:a16="http://schemas.microsoft.com/office/drawing/2014/main" id="{EE134B28-38C3-FEBC-76D0-E2D82096689D}"/>
+                </a:ext>
+              </a:extLst>
+            </p:cNvPr>
+            <p:cNvCxnSpPr>
+              <a:cxnSpLocks/>
+            </p:cNvCxnSpPr>
+            <p:nvPr/>
+          </p:nvCxnSpPr>
+          <p:spPr>
+            <a:xfrm>
+              <a:off x="4260296" y="792097"/>
+              <a:ext cx="11922" cy="460630"/>
+            </a:xfrm>
+            <a:prstGeom prst="straightConnector1">
+              <a:avLst/>
+            </a:prstGeom>
+            <a:ln w="28575">
+              <a:solidFill>
+                <a:schemeClr val="accent6">
+                  <a:lumMod val="75000"/>
+                </a:schemeClr>
+              </a:solidFill>
+              <a:tailEnd type="triangle"/>
+            </a:ln>
+          </p:spPr>
+          <p:style>
+            <a:lnRef idx="1">
+              <a:schemeClr val="accent1"/>
+            </a:lnRef>
+            <a:fillRef idx="0">
+              <a:schemeClr val="accent1"/>
+            </a:fillRef>
+            <a:effectRef idx="0">
+              <a:schemeClr val="accent1"/>
+            </a:effectRef>
+            <a:fontRef idx="minor">
+              <a:schemeClr val="tx1"/>
+            </a:fontRef>
+          </p:style>
+        </p:cxnSp>
+        <p:sp>
+          <p:nvSpPr>
+            <p:cNvPr id="12" name="TextBox 11">
+              <a:extLst>
+                <a:ext uri="{FF2B5EF4-FFF2-40B4-BE49-F238E27FC236}">
+                  <a16:creationId xmlns:a16="http://schemas.microsoft.com/office/drawing/2014/main" id="{E087CB6D-9D82-F95C-9972-DA4C06707291}"/>
+                </a:ext>
+              </a:extLst>
+            </p:cNvPr>
+            <p:cNvSpPr txBox="1"/>
+            <p:nvPr/>
+          </p:nvSpPr>
+          <p:spPr>
+            <a:xfrm>
+              <a:off x="1319245" y="3559242"/>
+              <a:ext cx="1813560" cy="400110"/>
+            </a:xfrm>
+            <a:prstGeom prst="rect">
+              <a:avLst/>
+            </a:prstGeom>
+            <a:noFill/>
+          </p:spPr>
+          <p:txBody>
+            <a:bodyPr wrap="square" rtlCol="0">
+              <a:spAutoFit/>
+            </a:bodyPr>
+            <a:lstStyle/>
+            <a:p>
+              <a:pPr algn="ctr"/>
+              <a:r>
+                <a:rPr lang="en-TW" sz="2000" dirty="0">
+                  <a:solidFill>
+                    <a:srgbClr val="C00000"/>
+                  </a:solidFill>
+                  <a:latin typeface="Calibri" panose="020F0502020204030204"/>
+                </a:rPr>
+                <a:t>Possible Labels</a:t>
+              </a:r>
+            </a:p>
+          </p:txBody>
+        </p:sp>
+        <p:cxnSp>
+          <p:nvCxnSpPr>
+            <p:cNvPr id="13" name="Straight Arrow Connector 12">
+              <a:extLst>
+                <a:ext uri="{FF2B5EF4-FFF2-40B4-BE49-F238E27FC236}">
+                  <a16:creationId xmlns:a16="http://schemas.microsoft.com/office/drawing/2014/main" id="{9E9A7B65-F9B2-B727-F48E-F0D0FED1DD35}"/>
+                </a:ext>
+              </a:extLst>
+            </p:cNvPr>
+            <p:cNvCxnSpPr>
+              <a:cxnSpLocks/>
+            </p:cNvCxnSpPr>
+            <p:nvPr/>
+          </p:nvCxnSpPr>
+          <p:spPr>
+            <a:xfrm>
+              <a:off x="2852928" y="3959352"/>
+              <a:ext cx="1084818" cy="131446"/>
+            </a:xfrm>
+            <a:prstGeom prst="straightConnector1">
+              <a:avLst/>
+            </a:prstGeom>
+            <a:ln w="28575">
+              <a:solidFill>
+                <a:srgbClr val="C00000"/>
+              </a:solidFill>
+              <a:tailEnd type="triangle"/>
+            </a:ln>
+          </p:spPr>
+          <p:style>
+            <a:lnRef idx="1">
+              <a:schemeClr val="accent1"/>
+            </a:lnRef>
+            <a:fillRef idx="0">
+              <a:schemeClr val="accent1"/>
+            </a:fillRef>
+            <a:effectRef idx="0">
+              <a:schemeClr val="accent1"/>
+            </a:effectRef>
+            <a:fontRef idx="minor">
+              <a:schemeClr val="tx1"/>
+            </a:fontRef>
+          </p:style>
+        </p:cxnSp>
+        <p:sp>
+          <p:nvSpPr>
+            <p:cNvPr id="17" name="TextBox 16">
+              <a:extLst>
+                <a:ext uri="{FF2B5EF4-FFF2-40B4-BE49-F238E27FC236}">
+                  <a16:creationId xmlns:a16="http://schemas.microsoft.com/office/drawing/2014/main" id="{7203F0DB-5576-9F4E-AFF9-CB1428296E75}"/>
+                </a:ext>
+              </a:extLst>
+            </p:cNvPr>
+            <p:cNvSpPr txBox="1"/>
+            <p:nvPr/>
+          </p:nvSpPr>
+          <p:spPr>
+            <a:xfrm>
+              <a:off x="3047461" y="5610387"/>
+              <a:ext cx="2254981" cy="400110"/>
+            </a:xfrm>
+            <a:prstGeom prst="rect">
+              <a:avLst/>
+            </a:prstGeom>
+            <a:noFill/>
+          </p:spPr>
+          <p:txBody>
+            <a:bodyPr wrap="square" rtlCol="0">
+              <a:spAutoFit/>
+            </a:bodyPr>
+            <a:lstStyle/>
+            <a:p>
+              <a:pPr algn="ctr"/>
+              <a:r>
+                <a:rPr lang="en-TW" sz="2000" dirty="0">
+                  <a:solidFill>
+                    <a:schemeClr val="accent5">
+                      <a:lumMod val="75000"/>
+                    </a:schemeClr>
+                  </a:solidFill>
+                  <a:latin typeface="Calibri" panose="020F0502020204030204"/>
+                </a:rPr>
+                <a:t>Tweet of Interest</a:t>
+              </a:r>
+            </a:p>
+          </p:txBody>
+        </p:sp>
+        <p:cxnSp>
+          <p:nvCxnSpPr>
+            <p:cNvPr id="18" name="Straight Arrow Connector 17">
+              <a:extLst>
+                <a:ext uri="{FF2B5EF4-FFF2-40B4-BE49-F238E27FC236}">
+                  <a16:creationId xmlns:a16="http://schemas.microsoft.com/office/drawing/2014/main" id="{7C3ECF62-DF12-4B49-6EA5-F8A7FDB0AEFE}"/>
+                </a:ext>
+              </a:extLst>
+            </p:cNvPr>
+            <p:cNvCxnSpPr>
+              <a:cxnSpLocks/>
+              <a:stCxn id="17" idx="0"/>
+            </p:cNvCxnSpPr>
+            <p:nvPr/>
+          </p:nvCxnSpPr>
+          <p:spPr>
+            <a:xfrm flipH="1" flipV="1">
+              <a:off x="4174951" y="4921155"/>
+              <a:ext cx="1" cy="689232"/>
+            </a:xfrm>
+            <a:prstGeom prst="straightConnector1">
+              <a:avLst/>
+            </a:prstGeom>
+            <a:ln w="28575">
+              <a:solidFill>
+                <a:schemeClr val="accent5">
+                  <a:lumMod val="75000"/>
+                </a:schemeClr>
+              </a:solidFill>
+              <a:tailEnd type="triangle"/>
+            </a:ln>
+          </p:spPr>
+          <p:style>
+            <a:lnRef idx="1">
+              <a:schemeClr val="accent1"/>
+            </a:lnRef>
+            <a:fillRef idx="0">
+              <a:schemeClr val="accent1"/>
+            </a:fillRef>
+            <a:effectRef idx="0">
+              <a:schemeClr val="accent1"/>
+            </a:effectRef>
+            <a:fontRef idx="minor">
+              <a:schemeClr val="tx1"/>
+            </a:fontRef>
+          </p:style>
+        </p:cxnSp>
+        <p:sp>
+          <p:nvSpPr>
+            <p:cNvPr id="20" name="TextBox 19">
+              <a:extLst>
+                <a:ext uri="{FF2B5EF4-FFF2-40B4-BE49-F238E27FC236}">
+                  <a16:creationId xmlns:a16="http://schemas.microsoft.com/office/drawing/2014/main" id="{AB22EE7E-9C94-7E3D-7817-69851CED9248}"/>
+                </a:ext>
+              </a:extLst>
+            </p:cNvPr>
+            <p:cNvSpPr txBox="1"/>
+            <p:nvPr/>
+          </p:nvSpPr>
+          <p:spPr>
+            <a:xfrm>
+              <a:off x="1319245" y="2166495"/>
+              <a:ext cx="1813560" cy="707886"/>
+            </a:xfrm>
+            <a:prstGeom prst="rect">
+              <a:avLst/>
+            </a:prstGeom>
+            <a:noFill/>
+          </p:spPr>
+          <p:txBody>
+            <a:bodyPr wrap="square" rtlCol="0">
+              <a:spAutoFit/>
+            </a:bodyPr>
+            <a:lstStyle/>
+            <a:p>
+              <a:pPr algn="ctr"/>
+              <a:r>
+                <a:rPr lang="en-TW" sz="2000" dirty="0">
+                  <a:solidFill>
+                    <a:srgbClr val="7030A0"/>
+                  </a:solidFill>
+                </a:rPr>
+                <a:t>Label Definitions</a:t>
+              </a:r>
+            </a:p>
+          </p:txBody>
+        </p:sp>
+        <p:cxnSp>
+          <p:nvCxnSpPr>
+            <p:cNvPr id="21" name="Straight Arrow Connector 20">
+              <a:extLst>
+                <a:ext uri="{FF2B5EF4-FFF2-40B4-BE49-F238E27FC236}">
+                  <a16:creationId xmlns:a16="http://schemas.microsoft.com/office/drawing/2014/main" id="{3F81D171-8AC5-5E9A-1840-CA94317481F5}"/>
+                </a:ext>
+              </a:extLst>
+            </p:cNvPr>
+            <p:cNvCxnSpPr>
+              <a:cxnSpLocks/>
+            </p:cNvCxnSpPr>
+            <p:nvPr/>
+          </p:nvCxnSpPr>
+          <p:spPr>
+            <a:xfrm>
+              <a:off x="2852928" y="2505581"/>
+              <a:ext cx="365760" cy="69539"/>
+            </a:xfrm>
+            <a:prstGeom prst="straightConnector1">
+              <a:avLst/>
+            </a:prstGeom>
+            <a:ln w="28575">
+              <a:solidFill>
+                <a:srgbClr val="7030A0"/>
+              </a:solidFill>
+              <a:tailEnd type="triangle"/>
+            </a:ln>
+          </p:spPr>
+          <p:style>
+            <a:lnRef idx="1">
+              <a:schemeClr val="accent1"/>
+            </a:lnRef>
+            <a:fillRef idx="0">
+              <a:schemeClr val="accent1"/>
+            </a:fillRef>
+            <a:effectRef idx="0">
+              <a:schemeClr val="accent1"/>
+            </a:effectRef>
+            <a:fontRef idx="minor">
+              <a:schemeClr val="tx1"/>
+            </a:fontRef>
+          </p:style>
+        </p:cxnSp>
+      </p:grpSp>
+    </p:spTree>
+    <p:extLst>
+      <p:ext uri="{BB962C8B-B14F-4D97-AF65-F5344CB8AC3E}">
+        <p14:creationId xmlns:p14="http://schemas.microsoft.com/office/powerpoint/2010/main" val="971788286"/>
       </p:ext>
     </p:extLst>
   </p:cSld>

--- a/images/processing_images.pptx
+++ b/images/processing_images.pptx
@@ -5,25 +5,31 @@
     <p:sldMasterId id="2147483648" r:id="rId1"/>
   </p:sldMasterIdLst>
   <p:notesMasterIdLst>
-    <p:notesMasterId r:id="rId18"/>
+    <p:notesMasterId r:id="rId24"/>
   </p:notesMasterIdLst>
   <p:sldIdLst>
     <p:sldId id="5644" r:id="rId2"/>
     <p:sldId id="256" r:id="rId3"/>
     <p:sldId id="257" r:id="rId4"/>
-    <p:sldId id="258" r:id="rId5"/>
-    <p:sldId id="328" r:id="rId6"/>
-    <p:sldId id="329" r:id="rId7"/>
-    <p:sldId id="330" r:id="rId8"/>
-    <p:sldId id="331" r:id="rId9"/>
-    <p:sldId id="332" r:id="rId10"/>
-    <p:sldId id="5639" r:id="rId11"/>
-    <p:sldId id="5638" r:id="rId12"/>
-    <p:sldId id="5637" r:id="rId13"/>
-    <p:sldId id="5640" r:id="rId14"/>
-    <p:sldId id="5641" r:id="rId15"/>
-    <p:sldId id="5642" r:id="rId16"/>
-    <p:sldId id="5643" r:id="rId17"/>
+    <p:sldId id="5541" r:id="rId5"/>
+    <p:sldId id="5648" r:id="rId6"/>
+    <p:sldId id="258" r:id="rId7"/>
+    <p:sldId id="5649" r:id="rId8"/>
+    <p:sldId id="328" r:id="rId9"/>
+    <p:sldId id="329" r:id="rId10"/>
+    <p:sldId id="5645" r:id="rId11"/>
+    <p:sldId id="5646" r:id="rId12"/>
+    <p:sldId id="5647" r:id="rId13"/>
+    <p:sldId id="330" r:id="rId14"/>
+    <p:sldId id="331" r:id="rId15"/>
+    <p:sldId id="332" r:id="rId16"/>
+    <p:sldId id="5639" r:id="rId17"/>
+    <p:sldId id="5638" r:id="rId18"/>
+    <p:sldId id="5637" r:id="rId19"/>
+    <p:sldId id="5640" r:id="rId20"/>
+    <p:sldId id="5641" r:id="rId21"/>
+    <p:sldId id="5642" r:id="rId22"/>
+    <p:sldId id="5643" r:id="rId23"/>
   </p:sldIdLst>
   <p:sldSz cx="12192000" cy="6858000"/>
   <p:notesSz cx="6858000" cy="9144000"/>
@@ -600,6 +606,115 @@
 </p:notes>
 </file>
 
+<file path=ppt/notesSlides/notesSlide10.xml><?xml version="1.0" encoding="utf-8"?>
+<p:notes xmlns:a="http://schemas.openxmlformats.org/drawingml/2006/main" xmlns:r="http://schemas.openxmlformats.org/officeDocument/2006/relationships" xmlns:p="http://schemas.openxmlformats.org/presentationml/2006/main" showMasterSp="0" showMasterPhAnim="0">
+  <p:cSld>
+    <p:spTree>
+      <p:nvGrpSpPr>
+        <p:cNvPr id="1" name="Shape 57"/>
+        <p:cNvGrpSpPr/>
+        <p:nvPr/>
+      </p:nvGrpSpPr>
+      <p:grpSpPr>
+        <a:xfrm>
+          <a:off x="0" y="0"/>
+          <a:ext cx="0" cy="0"/>
+          <a:chOff x="0" y="0"/>
+          <a:chExt cx="0" cy="0"/>
+        </a:xfrm>
+      </p:grpSpPr>
+      <p:sp>
+        <p:nvSpPr>
+          <p:cNvPr id="58" name="Google Shape;58;gf035d46749_0_0:notes"/>
+          <p:cNvSpPr>
+            <a:spLocks noGrp="1" noRot="1" noChangeAspect="1"/>
+          </p:cNvSpPr>
+          <p:nvPr>
+            <p:ph type="sldImg" idx="2"/>
+          </p:nvPr>
+        </p:nvSpPr>
+        <p:spPr>
+          <a:xfrm>
+            <a:off x="381000" y="685800"/>
+            <a:ext cx="6096000" cy="3429000"/>
+          </a:xfrm>
+          <a:custGeom>
+            <a:avLst/>
+            <a:gdLst/>
+            <a:ahLst/>
+            <a:cxnLst/>
+            <a:rect l="l" t="t" r="r" b="b"/>
+            <a:pathLst>
+              <a:path w="120000" h="120000" extrusionOk="0">
+                <a:moveTo>
+                  <a:pt x="0" y="0"/>
+                </a:moveTo>
+                <a:lnTo>
+                  <a:pt x="120000" y="0"/>
+                </a:lnTo>
+                <a:lnTo>
+                  <a:pt x="120000" y="120000"/>
+                </a:lnTo>
+                <a:lnTo>
+                  <a:pt x="0" y="120000"/>
+                </a:lnTo>
+                <a:close/>
+              </a:path>
+            </a:pathLst>
+          </a:custGeom>
+        </p:spPr>
+      </p:sp>
+      <p:sp>
+        <p:nvSpPr>
+          <p:cNvPr id="59" name="Google Shape;59;gf035d46749_0_0:notes"/>
+          <p:cNvSpPr txBox="1">
+            <a:spLocks noGrp="1"/>
+          </p:cNvSpPr>
+          <p:nvPr>
+            <p:ph type="body" idx="1"/>
+          </p:nvPr>
+        </p:nvSpPr>
+        <p:spPr>
+          <a:xfrm>
+            <a:off x="685800" y="4343400"/>
+            <a:ext cx="5486400" cy="4114800"/>
+          </a:xfrm>
+          <a:prstGeom prst="rect">
+            <a:avLst/>
+          </a:prstGeom>
+        </p:spPr>
+        <p:txBody>
+          <a:bodyPr spcFirstLastPara="1" wrap="square" lIns="91425" tIns="91425" rIns="91425" bIns="91425" anchor="t" anchorCtr="0">
+            <a:noAutofit/>
+          </a:bodyPr>
+          <a:lstStyle/>
+          <a:p>
+            <a:pPr marL="0" lvl="0" indent="0" algn="l" rtl="0">
+              <a:spcBef>
+                <a:spcPts val="0"/>
+              </a:spcBef>
+              <a:spcAft>
+                <a:spcPts val="0"/>
+              </a:spcAft>
+              <a:buNone/>
+            </a:pPr>
+            <a:endParaRPr/>
+          </a:p>
+        </p:txBody>
+      </p:sp>
+    </p:spTree>
+    <p:extLst>
+      <p:ext uri="{BB962C8B-B14F-4D97-AF65-F5344CB8AC3E}">
+        <p14:creationId xmlns:p14="http://schemas.microsoft.com/office/powerpoint/2010/main" val="271590997"/>
+      </p:ext>
+    </p:extLst>
+  </p:cSld>
+  <p:clrMapOvr>
+    <a:masterClrMapping/>
+  </p:clrMapOvr>
+</p:notes>
+</file>
+
 <file path=ppt/notesSlides/notesSlide2.xml><?xml version="1.0" encoding="utf-8"?>
 <p:notes xmlns:a="http://schemas.openxmlformats.org/drawingml/2006/main" xmlns:r="http://schemas.openxmlformats.org/officeDocument/2006/relationships" xmlns:p="http://schemas.openxmlformats.org/presentationml/2006/main" showMasterSp="0" showMasterPhAnim="0">
   <p:cSld>
@@ -808,7 +923,7 @@
     </p:spTree>
     <p:extLst>
       <p:ext uri="{BB962C8B-B14F-4D97-AF65-F5344CB8AC3E}">
-        <p14:creationId xmlns:p14="http://schemas.microsoft.com/office/powerpoint/2010/main" val="2855338899"/>
+        <p14:creationId xmlns:p14="http://schemas.microsoft.com/office/powerpoint/2010/main" val="3170293974"/>
       </p:ext>
     </p:extLst>
   </p:cSld>
@@ -917,7 +1032,7 @@
     </p:spTree>
     <p:extLst>
       <p:ext uri="{BB962C8B-B14F-4D97-AF65-F5344CB8AC3E}">
-        <p14:creationId xmlns:p14="http://schemas.microsoft.com/office/powerpoint/2010/main" val="2936953240"/>
+        <p14:creationId xmlns:p14="http://schemas.microsoft.com/office/powerpoint/2010/main" val="3188274751"/>
       </p:ext>
     </p:extLst>
   </p:cSld>
@@ -1026,7 +1141,7 @@
     </p:spTree>
     <p:extLst>
       <p:ext uri="{BB962C8B-B14F-4D97-AF65-F5344CB8AC3E}">
-        <p14:creationId xmlns:p14="http://schemas.microsoft.com/office/powerpoint/2010/main" val="1646217499"/>
+        <p14:creationId xmlns:p14="http://schemas.microsoft.com/office/powerpoint/2010/main" val="1345428939"/>
       </p:ext>
     </p:extLst>
   </p:cSld>
@@ -1135,7 +1250,7 @@
     </p:spTree>
     <p:extLst>
       <p:ext uri="{BB962C8B-B14F-4D97-AF65-F5344CB8AC3E}">
-        <p14:creationId xmlns:p14="http://schemas.microsoft.com/office/powerpoint/2010/main" val="540172468"/>
+        <p14:creationId xmlns:p14="http://schemas.microsoft.com/office/powerpoint/2010/main" val="2855338899"/>
       </p:ext>
     </p:extLst>
   </p:cSld>
@@ -1244,7 +1359,225 @@
     </p:spTree>
     <p:extLst>
       <p:ext uri="{BB962C8B-B14F-4D97-AF65-F5344CB8AC3E}">
-        <p14:creationId xmlns:p14="http://schemas.microsoft.com/office/powerpoint/2010/main" val="271590997"/>
+        <p14:creationId xmlns:p14="http://schemas.microsoft.com/office/powerpoint/2010/main" val="2936953240"/>
+      </p:ext>
+    </p:extLst>
+  </p:cSld>
+  <p:clrMapOvr>
+    <a:masterClrMapping/>
+  </p:clrMapOvr>
+</p:notes>
+</file>
+
+<file path=ppt/notesSlides/notesSlide8.xml><?xml version="1.0" encoding="utf-8"?>
+<p:notes xmlns:a="http://schemas.openxmlformats.org/drawingml/2006/main" xmlns:r="http://schemas.openxmlformats.org/officeDocument/2006/relationships" xmlns:p="http://schemas.openxmlformats.org/presentationml/2006/main" showMasterSp="0" showMasterPhAnim="0">
+  <p:cSld>
+    <p:spTree>
+      <p:nvGrpSpPr>
+        <p:cNvPr id="1" name="Shape 57"/>
+        <p:cNvGrpSpPr/>
+        <p:nvPr/>
+      </p:nvGrpSpPr>
+      <p:grpSpPr>
+        <a:xfrm>
+          <a:off x="0" y="0"/>
+          <a:ext cx="0" cy="0"/>
+          <a:chOff x="0" y="0"/>
+          <a:chExt cx="0" cy="0"/>
+        </a:xfrm>
+      </p:grpSpPr>
+      <p:sp>
+        <p:nvSpPr>
+          <p:cNvPr id="58" name="Google Shape;58;gf035d46749_0_0:notes"/>
+          <p:cNvSpPr>
+            <a:spLocks noGrp="1" noRot="1" noChangeAspect="1"/>
+          </p:cNvSpPr>
+          <p:nvPr>
+            <p:ph type="sldImg" idx="2"/>
+          </p:nvPr>
+        </p:nvSpPr>
+        <p:spPr>
+          <a:xfrm>
+            <a:off x="381000" y="685800"/>
+            <a:ext cx="6096000" cy="3429000"/>
+          </a:xfrm>
+          <a:custGeom>
+            <a:avLst/>
+            <a:gdLst/>
+            <a:ahLst/>
+            <a:cxnLst/>
+            <a:rect l="l" t="t" r="r" b="b"/>
+            <a:pathLst>
+              <a:path w="120000" h="120000" extrusionOk="0">
+                <a:moveTo>
+                  <a:pt x="0" y="0"/>
+                </a:moveTo>
+                <a:lnTo>
+                  <a:pt x="120000" y="0"/>
+                </a:lnTo>
+                <a:lnTo>
+                  <a:pt x="120000" y="120000"/>
+                </a:lnTo>
+                <a:lnTo>
+                  <a:pt x="0" y="120000"/>
+                </a:lnTo>
+                <a:close/>
+              </a:path>
+            </a:pathLst>
+          </a:custGeom>
+        </p:spPr>
+      </p:sp>
+      <p:sp>
+        <p:nvSpPr>
+          <p:cNvPr id="59" name="Google Shape;59;gf035d46749_0_0:notes"/>
+          <p:cNvSpPr txBox="1">
+            <a:spLocks noGrp="1"/>
+          </p:cNvSpPr>
+          <p:nvPr>
+            <p:ph type="body" idx="1"/>
+          </p:nvPr>
+        </p:nvSpPr>
+        <p:spPr>
+          <a:xfrm>
+            <a:off x="685800" y="4343400"/>
+            <a:ext cx="5486400" cy="4114800"/>
+          </a:xfrm>
+          <a:prstGeom prst="rect">
+            <a:avLst/>
+          </a:prstGeom>
+        </p:spPr>
+        <p:txBody>
+          <a:bodyPr spcFirstLastPara="1" wrap="square" lIns="91425" tIns="91425" rIns="91425" bIns="91425" anchor="t" anchorCtr="0">
+            <a:noAutofit/>
+          </a:bodyPr>
+          <a:lstStyle/>
+          <a:p>
+            <a:pPr marL="0" lvl="0" indent="0" algn="l" rtl="0">
+              <a:spcBef>
+                <a:spcPts val="0"/>
+              </a:spcBef>
+              <a:spcAft>
+                <a:spcPts val="0"/>
+              </a:spcAft>
+              <a:buNone/>
+            </a:pPr>
+            <a:endParaRPr/>
+          </a:p>
+        </p:txBody>
+      </p:sp>
+    </p:spTree>
+    <p:extLst>
+      <p:ext uri="{BB962C8B-B14F-4D97-AF65-F5344CB8AC3E}">
+        <p14:creationId xmlns:p14="http://schemas.microsoft.com/office/powerpoint/2010/main" val="1646217499"/>
+      </p:ext>
+    </p:extLst>
+  </p:cSld>
+  <p:clrMapOvr>
+    <a:masterClrMapping/>
+  </p:clrMapOvr>
+</p:notes>
+</file>
+
+<file path=ppt/notesSlides/notesSlide9.xml><?xml version="1.0" encoding="utf-8"?>
+<p:notes xmlns:a="http://schemas.openxmlformats.org/drawingml/2006/main" xmlns:r="http://schemas.openxmlformats.org/officeDocument/2006/relationships" xmlns:p="http://schemas.openxmlformats.org/presentationml/2006/main" showMasterSp="0" showMasterPhAnim="0">
+  <p:cSld>
+    <p:spTree>
+      <p:nvGrpSpPr>
+        <p:cNvPr id="1" name="Shape 57"/>
+        <p:cNvGrpSpPr/>
+        <p:nvPr/>
+      </p:nvGrpSpPr>
+      <p:grpSpPr>
+        <a:xfrm>
+          <a:off x="0" y="0"/>
+          <a:ext cx="0" cy="0"/>
+          <a:chOff x="0" y="0"/>
+          <a:chExt cx="0" cy="0"/>
+        </a:xfrm>
+      </p:grpSpPr>
+      <p:sp>
+        <p:nvSpPr>
+          <p:cNvPr id="58" name="Google Shape;58;gf035d46749_0_0:notes"/>
+          <p:cNvSpPr>
+            <a:spLocks noGrp="1" noRot="1" noChangeAspect="1"/>
+          </p:cNvSpPr>
+          <p:nvPr>
+            <p:ph type="sldImg" idx="2"/>
+          </p:nvPr>
+        </p:nvSpPr>
+        <p:spPr>
+          <a:xfrm>
+            <a:off x="381000" y="685800"/>
+            <a:ext cx="6096000" cy="3429000"/>
+          </a:xfrm>
+          <a:custGeom>
+            <a:avLst/>
+            <a:gdLst/>
+            <a:ahLst/>
+            <a:cxnLst/>
+            <a:rect l="l" t="t" r="r" b="b"/>
+            <a:pathLst>
+              <a:path w="120000" h="120000" extrusionOk="0">
+                <a:moveTo>
+                  <a:pt x="0" y="0"/>
+                </a:moveTo>
+                <a:lnTo>
+                  <a:pt x="120000" y="0"/>
+                </a:lnTo>
+                <a:lnTo>
+                  <a:pt x="120000" y="120000"/>
+                </a:lnTo>
+                <a:lnTo>
+                  <a:pt x="0" y="120000"/>
+                </a:lnTo>
+                <a:close/>
+              </a:path>
+            </a:pathLst>
+          </a:custGeom>
+        </p:spPr>
+      </p:sp>
+      <p:sp>
+        <p:nvSpPr>
+          <p:cNvPr id="59" name="Google Shape;59;gf035d46749_0_0:notes"/>
+          <p:cNvSpPr txBox="1">
+            <a:spLocks noGrp="1"/>
+          </p:cNvSpPr>
+          <p:nvPr>
+            <p:ph type="body" idx="1"/>
+          </p:nvPr>
+        </p:nvSpPr>
+        <p:spPr>
+          <a:xfrm>
+            <a:off x="685800" y="4343400"/>
+            <a:ext cx="5486400" cy="4114800"/>
+          </a:xfrm>
+          <a:prstGeom prst="rect">
+            <a:avLst/>
+          </a:prstGeom>
+        </p:spPr>
+        <p:txBody>
+          <a:bodyPr spcFirstLastPara="1" wrap="square" lIns="91425" tIns="91425" rIns="91425" bIns="91425" anchor="t" anchorCtr="0">
+            <a:noAutofit/>
+          </a:bodyPr>
+          <a:lstStyle/>
+          <a:p>
+            <a:pPr marL="0" lvl="0" indent="0" algn="l" rtl="0">
+              <a:spcBef>
+                <a:spcPts val="0"/>
+              </a:spcBef>
+              <a:spcAft>
+                <a:spcPts val="0"/>
+              </a:spcAft>
+              <a:buNone/>
+            </a:pPr>
+            <a:endParaRPr/>
+          </a:p>
+        </p:txBody>
+      </p:sp>
+    </p:spTree>
+    <p:extLst>
+      <p:ext uri="{BB962C8B-B14F-4D97-AF65-F5344CB8AC3E}">
+        <p14:creationId xmlns:p14="http://schemas.microsoft.com/office/powerpoint/2010/main" val="540172468"/>
       </p:ext>
     </p:extLst>
   </p:cSld>
@@ -5295,6 +5628,2752 @@
           <a:chExt cx="0" cy="0"/>
         </a:xfrm>
       </p:grpSpPr>
+      <p:sp>
+        <p:nvSpPr>
+          <p:cNvPr id="22" name="Rectangle 21">
+            <a:extLst>
+              <a:ext uri="{FF2B5EF4-FFF2-40B4-BE49-F238E27FC236}">
+                <a16:creationId xmlns:a16="http://schemas.microsoft.com/office/drawing/2014/main" id="{A37FDE4A-842B-88B8-75D1-F7E13C80E2DD}"/>
+              </a:ext>
+            </a:extLst>
+          </p:cNvPr>
+          <p:cNvSpPr/>
+          <p:nvPr/>
+        </p:nvSpPr>
+        <p:spPr>
+          <a:xfrm>
+            <a:off x="2604305" y="0"/>
+            <a:ext cx="6704780" cy="6858000"/>
+          </a:xfrm>
+          <a:prstGeom prst="rect">
+            <a:avLst/>
+          </a:prstGeom>
+          <a:solidFill>
+            <a:schemeClr val="bg1"/>
+          </a:solidFill>
+          <a:ln>
+            <a:noFill/>
+          </a:ln>
+        </p:spPr>
+        <p:style>
+          <a:lnRef idx="2">
+            <a:schemeClr val="accent1">
+              <a:shade val="50000"/>
+            </a:schemeClr>
+          </a:lnRef>
+          <a:fillRef idx="1">
+            <a:schemeClr val="accent1"/>
+          </a:fillRef>
+          <a:effectRef idx="0">
+            <a:schemeClr val="accent1"/>
+          </a:effectRef>
+          <a:fontRef idx="minor">
+            <a:schemeClr val="lt1"/>
+          </a:fontRef>
+        </p:style>
+        <p:txBody>
+          <a:bodyPr rtlCol="0" anchor="ctr"/>
+          <a:lstStyle/>
+          <a:p>
+            <a:pPr algn="ctr"/>
+            <a:endParaRPr lang="en-TW"/>
+          </a:p>
+        </p:txBody>
+      </p:sp>
+      <p:pic>
+        <p:nvPicPr>
+          <p:cNvPr id="8" name="Picture 7" descr="Graphical user interface, diagram, application&#10;&#10;Description automatically generated">
+            <a:extLst>
+              <a:ext uri="{FF2B5EF4-FFF2-40B4-BE49-F238E27FC236}">
+                <a16:creationId xmlns:a16="http://schemas.microsoft.com/office/drawing/2014/main" id="{E90A2F57-4DE9-FC80-EC74-BE27AE5724AB}"/>
+              </a:ext>
+            </a:extLst>
+          </p:cNvPr>
+          <p:cNvPicPr>
+            <a:picLocks noChangeAspect="1"/>
+          </p:cNvPicPr>
+          <p:nvPr/>
+        </p:nvPicPr>
+        <p:blipFill>
+          <a:blip r:embed="rId3"/>
+          <a:stretch>
+            <a:fillRect/>
+          </a:stretch>
+        </p:blipFill>
+        <p:spPr>
+          <a:xfrm>
+            <a:off x="2882915" y="0"/>
+            <a:ext cx="6149304" cy="6858000"/>
+          </a:xfrm>
+          <a:prstGeom prst="rect">
+            <a:avLst/>
+          </a:prstGeom>
+        </p:spPr>
+      </p:pic>
+      <p:sp>
+        <p:nvSpPr>
+          <p:cNvPr id="13" name="Rectangle 12">
+            <a:extLst>
+              <a:ext uri="{FF2B5EF4-FFF2-40B4-BE49-F238E27FC236}">
+                <a16:creationId xmlns:a16="http://schemas.microsoft.com/office/drawing/2014/main" id="{6DC4A1EB-E99B-3138-1D20-22E34E6A67AA}"/>
+              </a:ext>
+            </a:extLst>
+          </p:cNvPr>
+          <p:cNvSpPr/>
+          <p:nvPr/>
+        </p:nvSpPr>
+        <p:spPr>
+          <a:xfrm>
+            <a:off x="4668531" y="4732258"/>
+            <a:ext cx="2565645" cy="324606"/>
+          </a:xfrm>
+          <a:prstGeom prst="rect">
+            <a:avLst/>
+          </a:prstGeom>
+          <a:solidFill>
+            <a:schemeClr val="bg1"/>
+          </a:solidFill>
+          <a:ln w="38100">
+            <a:noFill/>
+          </a:ln>
+        </p:spPr>
+        <p:style>
+          <a:lnRef idx="2">
+            <a:schemeClr val="accent1">
+              <a:shade val="50000"/>
+            </a:schemeClr>
+          </a:lnRef>
+          <a:fillRef idx="1">
+            <a:schemeClr val="accent1"/>
+          </a:fillRef>
+          <a:effectRef idx="0">
+            <a:schemeClr val="accent1"/>
+          </a:effectRef>
+          <a:fontRef idx="minor">
+            <a:schemeClr val="lt1"/>
+          </a:fontRef>
+        </p:style>
+        <p:txBody>
+          <a:bodyPr rtlCol="0" anchor="ctr"/>
+          <a:lstStyle/>
+          <a:p>
+            <a:pPr algn="ctr"/>
+            <a:r>
+              <a:rPr lang="en-US" sz="2200" i="0" dirty="0">
+                <a:solidFill>
+                  <a:schemeClr val="tx1"/>
+                </a:solidFill>
+                <a:effectLst/>
+                <a:latin typeface="-apple-system"/>
+              </a:rPr>
+              <a:t>Tweet</a:t>
+            </a:r>
+            <a:endParaRPr lang="en-TW" sz="2200" dirty="0">
+              <a:solidFill>
+                <a:schemeClr val="tx1"/>
+              </a:solidFill>
+            </a:endParaRPr>
+          </a:p>
+        </p:txBody>
+      </p:sp>
+      <p:graphicFrame>
+        <p:nvGraphicFramePr>
+          <p:cNvPr id="17" name="Table 17">
+            <a:extLst>
+              <a:ext uri="{FF2B5EF4-FFF2-40B4-BE49-F238E27FC236}">
+                <a16:creationId xmlns:a16="http://schemas.microsoft.com/office/drawing/2014/main" id="{6908AE20-4F8A-7B6C-87C4-5BC92A1F56D2}"/>
+              </a:ext>
+            </a:extLst>
+          </p:cNvPr>
+          <p:cNvGraphicFramePr>
+            <a:graphicFrameLocks noGrp="1"/>
+          </p:cNvGraphicFramePr>
+          <p:nvPr>
+            <p:extLst>
+              <p:ext uri="{D42A27DB-BD31-4B8C-83A1-F6EECF244321}">
+                <p14:modId xmlns:p14="http://schemas.microsoft.com/office/powerpoint/2010/main" val="1416345166"/>
+              </p:ext>
+            </p:extLst>
+          </p:nvPr>
+        </p:nvGraphicFramePr>
+        <p:xfrm>
+          <a:off x="4668532" y="5174130"/>
+          <a:ext cx="3561068" cy="1132284"/>
+        </p:xfrm>
+        <a:graphic>
+          <a:graphicData uri="http://schemas.openxmlformats.org/drawingml/2006/table">
+            <a:tbl>
+              <a:tblPr firstRow="1" bandRow="1">
+                <a:tableStyleId>{5C22544A-7EE6-4342-B048-85BDC9FD1C3A}</a:tableStyleId>
+              </a:tblPr>
+              <a:tblGrid>
+                <a:gridCol w="2547482">
+                  <a:extLst>
+                    <a:ext uri="{9D8B030D-6E8A-4147-A177-3AD203B41FA5}">
+                      <a16:colId xmlns:a16="http://schemas.microsoft.com/office/drawing/2014/main" val="2621360601"/>
+                    </a:ext>
+                  </a:extLst>
+                </a:gridCol>
+                <a:gridCol w="1013586">
+                  <a:extLst>
+                    <a:ext uri="{9D8B030D-6E8A-4147-A177-3AD203B41FA5}">
+                      <a16:colId xmlns:a16="http://schemas.microsoft.com/office/drawing/2014/main" val="3517430417"/>
+                    </a:ext>
+                  </a:extLst>
+                </a:gridCol>
+              </a:tblGrid>
+              <a:tr h="377428">
+                <a:tc>
+                  <a:txBody>
+                    <a:bodyPr/>
+                    <a:lstStyle/>
+                    <a:p>
+                      <a:pPr marL="0" marR="0" lvl="0" indent="0" algn="ctr" defTabSz="914400" rtl="0" eaLnBrk="1" fontAlgn="auto" latinLnBrk="0" hangingPunct="1">
+                        <a:lnSpc>
+                          <a:spcPct val="100000"/>
+                        </a:lnSpc>
+                        <a:spcBef>
+                          <a:spcPts val="0"/>
+                        </a:spcBef>
+                        <a:spcAft>
+                          <a:spcPts val="0"/>
+                        </a:spcAft>
+                        <a:buClrTx/>
+                        <a:buSzTx/>
+                        <a:buFontTx/>
+                        <a:buNone/>
+                        <a:tabLst/>
+                        <a:defRPr/>
+                      </a:pPr>
+                      <a:r>
+                        <a:rPr lang="en-US" sz="1800" b="0" i="0" dirty="0">
+                          <a:solidFill>
+                            <a:schemeClr val="tx1"/>
+                          </a:solidFill>
+                          <a:effectLst/>
+                          <a:latin typeface="-apple-system"/>
+                        </a:rPr>
+                        <a:t>Life is beautiful!</a:t>
+                      </a:r>
+                      <a:endParaRPr lang="en-TW" sz="1800" b="0" dirty="0">
+                        <a:solidFill>
+                          <a:schemeClr val="tx1"/>
+                        </a:solidFill>
+                      </a:endParaRPr>
+                    </a:p>
+                  </a:txBody>
+                  <a:tcPr marL="0" marR="0" anchor="ctr">
+                    <a:lnL w="12700" cap="flat" cmpd="sng" algn="ctr">
+                      <a:solidFill>
+                        <a:schemeClr val="tx1"/>
+                      </a:solidFill>
+                      <a:prstDash val="solid"/>
+                      <a:round/>
+                      <a:headEnd type="none" w="med" len="med"/>
+                      <a:tailEnd type="none" w="med" len="med"/>
+                    </a:lnL>
+                    <a:lnR w="12700" cap="flat" cmpd="sng" algn="ctr">
+                      <a:solidFill>
+                        <a:schemeClr val="tx1"/>
+                      </a:solidFill>
+                      <a:prstDash val="solid"/>
+                      <a:round/>
+                      <a:headEnd type="none" w="med" len="med"/>
+                      <a:tailEnd type="none" w="med" len="med"/>
+                    </a:lnR>
+                    <a:lnT w="12700" cap="flat" cmpd="sng" algn="ctr">
+                      <a:solidFill>
+                        <a:schemeClr val="tx1"/>
+                      </a:solidFill>
+                      <a:prstDash val="solid"/>
+                      <a:round/>
+                      <a:headEnd type="none" w="med" len="med"/>
+                      <a:tailEnd type="none" w="med" len="med"/>
+                    </a:lnT>
+                    <a:lnB w="12700" cap="flat" cmpd="sng" algn="ctr">
+                      <a:solidFill>
+                        <a:schemeClr val="tx1"/>
+                      </a:solidFill>
+                      <a:prstDash val="solid"/>
+                      <a:round/>
+                      <a:headEnd type="none" w="med" len="med"/>
+                      <a:tailEnd type="none" w="med" len="med"/>
+                    </a:lnB>
+                    <a:lnTlToBr w="12700" cmpd="sng">
+                      <a:noFill/>
+                      <a:prstDash val="solid"/>
+                    </a:lnTlToBr>
+                    <a:lnBlToTr w="12700" cmpd="sng">
+                      <a:noFill/>
+                      <a:prstDash val="solid"/>
+                    </a:lnBlToTr>
+                    <a:solidFill>
+                      <a:srgbClr val="F8CBAD"/>
+                    </a:solidFill>
+                  </a:tcPr>
+                </a:tc>
+                <a:tc>
+                  <a:txBody>
+                    <a:bodyPr/>
+                    <a:lstStyle/>
+                    <a:p>
+                      <a:pPr marL="0" marR="0" lvl="0" indent="0" algn="l" defTabSz="914400" rtl="0" eaLnBrk="1" fontAlgn="auto" latinLnBrk="0" hangingPunct="1">
+                        <a:lnSpc>
+                          <a:spcPct val="100000"/>
+                        </a:lnSpc>
+                        <a:spcBef>
+                          <a:spcPts val="0"/>
+                        </a:spcBef>
+                        <a:spcAft>
+                          <a:spcPts val="0"/>
+                        </a:spcAft>
+                        <a:buClrTx/>
+                        <a:buSzTx/>
+                        <a:buFontTx/>
+                        <a:buNone/>
+                        <a:tabLst/>
+                        <a:defRPr/>
+                      </a:pPr>
+                      <a:r>
+                        <a:rPr lang="en-TW" b="0" dirty="0">
+                          <a:solidFill>
+                            <a:schemeClr val="tx1"/>
+                          </a:solidFill>
+                        </a:rPr>
+                        <a:t>Against</a:t>
+                      </a:r>
+                    </a:p>
+                  </a:txBody>
+                  <a:tcPr>
+                    <a:lnL w="12700" cap="flat" cmpd="sng" algn="ctr">
+                      <a:solidFill>
+                        <a:schemeClr val="tx1"/>
+                      </a:solidFill>
+                      <a:prstDash val="solid"/>
+                      <a:round/>
+                      <a:headEnd type="none" w="med" len="med"/>
+                      <a:tailEnd type="none" w="med" len="med"/>
+                    </a:lnL>
+                    <a:lnR w="12700" cap="flat" cmpd="sng" algn="ctr">
+                      <a:solidFill>
+                        <a:schemeClr val="tx1"/>
+                      </a:solidFill>
+                      <a:prstDash val="solid"/>
+                      <a:round/>
+                      <a:headEnd type="none" w="med" len="med"/>
+                      <a:tailEnd type="none" w="med" len="med"/>
+                    </a:lnR>
+                    <a:lnT w="12700" cap="flat" cmpd="sng" algn="ctr">
+                      <a:solidFill>
+                        <a:schemeClr val="tx1"/>
+                      </a:solidFill>
+                      <a:prstDash val="solid"/>
+                      <a:round/>
+                      <a:headEnd type="none" w="med" len="med"/>
+                      <a:tailEnd type="none" w="med" len="med"/>
+                    </a:lnT>
+                    <a:lnB w="12700" cap="flat" cmpd="sng" algn="ctr">
+                      <a:solidFill>
+                        <a:schemeClr val="tx1"/>
+                      </a:solidFill>
+                      <a:prstDash val="solid"/>
+                      <a:round/>
+                      <a:headEnd type="none" w="med" len="med"/>
+                      <a:tailEnd type="none" w="med" len="med"/>
+                    </a:lnB>
+                    <a:lnTlToBr w="12700" cmpd="sng">
+                      <a:noFill/>
+                      <a:prstDash val="solid"/>
+                    </a:lnTlToBr>
+                    <a:lnBlToTr w="12700" cmpd="sng">
+                      <a:noFill/>
+                      <a:prstDash val="solid"/>
+                    </a:lnBlToTr>
+                    <a:solidFill>
+                      <a:srgbClr val="F8CBAD"/>
+                    </a:solidFill>
+                  </a:tcPr>
+                </a:tc>
+                <a:extLst>
+                  <a:ext uri="{0D108BD9-81ED-4DB2-BD59-A6C34878D82A}">
+                    <a16:rowId xmlns:a16="http://schemas.microsoft.com/office/drawing/2014/main" val="1970965568"/>
+                  </a:ext>
+                </a:extLst>
+              </a:tr>
+              <a:tr h="377428">
+                <a:tc>
+                  <a:txBody>
+                    <a:bodyPr/>
+                    <a:lstStyle/>
+                    <a:p>
+                      <a:pPr algn="ctr"/>
+                      <a:r>
+                        <a:rPr lang="en-US" sz="1800" dirty="0">
+                          <a:solidFill>
+                            <a:schemeClr val="tx1"/>
+                          </a:solidFill>
+                          <a:latin typeface="-apple-system"/>
+                        </a:rPr>
+                        <a:t>Stop killing lives!</a:t>
+                      </a:r>
+                      <a:endParaRPr lang="en-TW" b="0" dirty="0">
+                        <a:solidFill>
+                          <a:schemeClr val="tx1"/>
+                        </a:solidFill>
+                      </a:endParaRPr>
+                    </a:p>
+                  </a:txBody>
+                  <a:tcPr marL="0" marR="0" anchor="ctr">
+                    <a:lnL w="12700" cap="flat" cmpd="sng" algn="ctr">
+                      <a:solidFill>
+                        <a:schemeClr val="tx1"/>
+                      </a:solidFill>
+                      <a:prstDash val="solid"/>
+                      <a:round/>
+                      <a:headEnd type="none" w="med" len="med"/>
+                      <a:tailEnd type="none" w="med" len="med"/>
+                    </a:lnL>
+                    <a:lnR w="12700" cap="flat" cmpd="sng" algn="ctr">
+                      <a:solidFill>
+                        <a:schemeClr val="tx1"/>
+                      </a:solidFill>
+                      <a:prstDash val="solid"/>
+                      <a:round/>
+                      <a:headEnd type="none" w="med" len="med"/>
+                      <a:tailEnd type="none" w="med" len="med"/>
+                    </a:lnR>
+                    <a:lnT w="12700" cap="flat" cmpd="sng" algn="ctr">
+                      <a:solidFill>
+                        <a:schemeClr val="tx1"/>
+                      </a:solidFill>
+                      <a:prstDash val="solid"/>
+                      <a:round/>
+                      <a:headEnd type="none" w="med" len="med"/>
+                      <a:tailEnd type="none" w="med" len="med"/>
+                    </a:lnT>
+                    <a:lnB w="12700" cap="flat" cmpd="sng" algn="ctr">
+                      <a:solidFill>
+                        <a:schemeClr val="tx1"/>
+                      </a:solidFill>
+                      <a:prstDash val="solid"/>
+                      <a:round/>
+                      <a:headEnd type="none" w="med" len="med"/>
+                      <a:tailEnd type="none" w="med" len="med"/>
+                    </a:lnB>
+                    <a:lnTlToBr w="12700" cmpd="sng">
+                      <a:noFill/>
+                      <a:prstDash val="solid"/>
+                    </a:lnTlToBr>
+                    <a:lnBlToTr w="12700" cmpd="sng">
+                      <a:noFill/>
+                      <a:prstDash val="solid"/>
+                    </a:lnBlToTr>
+                    <a:solidFill>
+                      <a:srgbClr val="F8CBAD"/>
+                    </a:solidFill>
+                  </a:tcPr>
+                </a:tc>
+                <a:tc>
+                  <a:txBody>
+                    <a:bodyPr/>
+                    <a:lstStyle/>
+                    <a:p>
+                      <a:r>
+                        <a:rPr lang="en-TW" b="0" dirty="0">
+                          <a:solidFill>
+                            <a:schemeClr val="tx1"/>
+                          </a:solidFill>
+                        </a:rPr>
+                        <a:t>Against</a:t>
+                      </a:r>
+                    </a:p>
+                  </a:txBody>
+                  <a:tcPr>
+                    <a:lnL w="12700" cap="flat" cmpd="sng" algn="ctr">
+                      <a:solidFill>
+                        <a:schemeClr val="tx1"/>
+                      </a:solidFill>
+                      <a:prstDash val="solid"/>
+                      <a:round/>
+                      <a:headEnd type="none" w="med" len="med"/>
+                      <a:tailEnd type="none" w="med" len="med"/>
+                    </a:lnL>
+                    <a:lnR w="12700" cap="flat" cmpd="sng" algn="ctr">
+                      <a:solidFill>
+                        <a:schemeClr val="tx1"/>
+                      </a:solidFill>
+                      <a:prstDash val="solid"/>
+                      <a:round/>
+                      <a:headEnd type="none" w="med" len="med"/>
+                      <a:tailEnd type="none" w="med" len="med"/>
+                    </a:lnR>
+                    <a:lnT w="12700" cap="flat" cmpd="sng" algn="ctr">
+                      <a:solidFill>
+                        <a:schemeClr val="tx1"/>
+                      </a:solidFill>
+                      <a:prstDash val="solid"/>
+                      <a:round/>
+                      <a:headEnd type="none" w="med" len="med"/>
+                      <a:tailEnd type="none" w="med" len="med"/>
+                    </a:lnT>
+                    <a:lnB w="12700" cap="flat" cmpd="sng" algn="ctr">
+                      <a:solidFill>
+                        <a:schemeClr val="tx1"/>
+                      </a:solidFill>
+                      <a:prstDash val="solid"/>
+                      <a:round/>
+                      <a:headEnd type="none" w="med" len="med"/>
+                      <a:tailEnd type="none" w="med" len="med"/>
+                    </a:lnB>
+                    <a:lnTlToBr w="12700" cmpd="sng">
+                      <a:noFill/>
+                      <a:prstDash val="solid"/>
+                    </a:lnTlToBr>
+                    <a:lnBlToTr w="12700" cmpd="sng">
+                      <a:noFill/>
+                      <a:prstDash val="solid"/>
+                    </a:lnBlToTr>
+                    <a:solidFill>
+                      <a:srgbClr val="F8CBAD"/>
+                    </a:solidFill>
+                  </a:tcPr>
+                </a:tc>
+                <a:extLst>
+                  <a:ext uri="{0D108BD9-81ED-4DB2-BD59-A6C34878D82A}">
+                    <a16:rowId xmlns:a16="http://schemas.microsoft.com/office/drawing/2014/main" val="2522745292"/>
+                  </a:ext>
+                </a:extLst>
+              </a:tr>
+              <a:tr h="377428">
+                <a:tc>
+                  <a:txBody>
+                    <a:bodyPr/>
+                    <a:lstStyle/>
+                    <a:p>
+                      <a:pPr algn="ctr"/>
+                      <a:r>
+                        <a:rPr lang="en-US" sz="1800" dirty="0">
+                          <a:solidFill>
+                            <a:schemeClr val="tx1"/>
+                          </a:solidFill>
+                          <a:latin typeface="-apple-system"/>
+                        </a:rPr>
+                        <a:t>My body, my life. </a:t>
+                      </a:r>
+                      <a:endParaRPr lang="en-TW" b="0" dirty="0">
+                        <a:solidFill>
+                          <a:schemeClr val="tx1"/>
+                        </a:solidFill>
+                      </a:endParaRPr>
+                    </a:p>
+                  </a:txBody>
+                  <a:tcPr marL="0" marR="0" anchor="ctr">
+                    <a:lnL w="12700" cap="flat" cmpd="sng" algn="ctr">
+                      <a:solidFill>
+                        <a:schemeClr val="tx1"/>
+                      </a:solidFill>
+                      <a:prstDash val="solid"/>
+                      <a:round/>
+                      <a:headEnd type="none" w="med" len="med"/>
+                      <a:tailEnd type="none" w="med" len="med"/>
+                    </a:lnL>
+                    <a:lnR w="12700" cap="flat" cmpd="sng" algn="ctr">
+                      <a:solidFill>
+                        <a:schemeClr val="tx1"/>
+                      </a:solidFill>
+                      <a:prstDash val="solid"/>
+                      <a:round/>
+                      <a:headEnd type="none" w="med" len="med"/>
+                      <a:tailEnd type="none" w="med" len="med"/>
+                    </a:lnR>
+                    <a:lnT w="12700" cap="flat" cmpd="sng" algn="ctr">
+                      <a:solidFill>
+                        <a:schemeClr val="tx1"/>
+                      </a:solidFill>
+                      <a:prstDash val="solid"/>
+                      <a:round/>
+                      <a:headEnd type="none" w="med" len="med"/>
+                      <a:tailEnd type="none" w="med" len="med"/>
+                    </a:lnT>
+                    <a:lnB w="12700" cap="flat" cmpd="sng" algn="ctr">
+                      <a:solidFill>
+                        <a:schemeClr val="tx1"/>
+                      </a:solidFill>
+                      <a:prstDash val="solid"/>
+                      <a:round/>
+                      <a:headEnd type="none" w="med" len="med"/>
+                      <a:tailEnd type="none" w="med" len="med"/>
+                    </a:lnB>
+                    <a:lnTlToBr w="12700" cmpd="sng">
+                      <a:noFill/>
+                      <a:prstDash val="solid"/>
+                    </a:lnTlToBr>
+                    <a:lnBlToTr w="12700" cmpd="sng">
+                      <a:noFill/>
+                      <a:prstDash val="solid"/>
+                    </a:lnBlToTr>
+                    <a:solidFill>
+                      <a:schemeClr val="accent5">
+                        <a:lumMod val="20000"/>
+                        <a:lumOff val="80000"/>
+                      </a:schemeClr>
+                    </a:solidFill>
+                  </a:tcPr>
+                </a:tc>
+                <a:tc>
+                  <a:txBody>
+                    <a:bodyPr/>
+                    <a:lstStyle/>
+                    <a:p>
+                      <a:r>
+                        <a:rPr lang="en-TW" b="0" dirty="0">
+                          <a:solidFill>
+                            <a:schemeClr val="tx1"/>
+                          </a:solidFill>
+                        </a:rPr>
+                        <a:t>In-favor</a:t>
+                      </a:r>
+                    </a:p>
+                  </a:txBody>
+                  <a:tcPr>
+                    <a:lnL w="12700" cap="flat" cmpd="sng" algn="ctr">
+                      <a:solidFill>
+                        <a:schemeClr val="tx1"/>
+                      </a:solidFill>
+                      <a:prstDash val="solid"/>
+                      <a:round/>
+                      <a:headEnd type="none" w="med" len="med"/>
+                      <a:tailEnd type="none" w="med" len="med"/>
+                    </a:lnL>
+                    <a:lnR w="12700" cap="flat" cmpd="sng" algn="ctr">
+                      <a:solidFill>
+                        <a:schemeClr val="tx1"/>
+                      </a:solidFill>
+                      <a:prstDash val="solid"/>
+                      <a:round/>
+                      <a:headEnd type="none" w="med" len="med"/>
+                      <a:tailEnd type="none" w="med" len="med"/>
+                    </a:lnR>
+                    <a:lnT w="12700" cap="flat" cmpd="sng" algn="ctr">
+                      <a:solidFill>
+                        <a:schemeClr val="tx1"/>
+                      </a:solidFill>
+                      <a:prstDash val="solid"/>
+                      <a:round/>
+                      <a:headEnd type="none" w="med" len="med"/>
+                      <a:tailEnd type="none" w="med" len="med"/>
+                    </a:lnT>
+                    <a:lnB w="12700" cap="flat" cmpd="sng" algn="ctr">
+                      <a:solidFill>
+                        <a:schemeClr val="tx1"/>
+                      </a:solidFill>
+                      <a:prstDash val="solid"/>
+                      <a:round/>
+                      <a:headEnd type="none" w="med" len="med"/>
+                      <a:tailEnd type="none" w="med" len="med"/>
+                    </a:lnB>
+                    <a:lnTlToBr w="12700" cmpd="sng">
+                      <a:noFill/>
+                      <a:prstDash val="solid"/>
+                    </a:lnTlToBr>
+                    <a:lnBlToTr w="12700" cmpd="sng">
+                      <a:noFill/>
+                      <a:prstDash val="solid"/>
+                    </a:lnBlToTr>
+                    <a:solidFill>
+                      <a:schemeClr val="accent5">
+                        <a:lumMod val="20000"/>
+                        <a:lumOff val="80000"/>
+                      </a:schemeClr>
+                    </a:solidFill>
+                  </a:tcPr>
+                </a:tc>
+                <a:extLst>
+                  <a:ext uri="{0D108BD9-81ED-4DB2-BD59-A6C34878D82A}">
+                    <a16:rowId xmlns:a16="http://schemas.microsoft.com/office/drawing/2014/main" val="3896323822"/>
+                  </a:ext>
+                </a:extLst>
+              </a:tr>
+            </a:tbl>
+          </a:graphicData>
+        </a:graphic>
+      </p:graphicFrame>
+      <p:sp>
+        <p:nvSpPr>
+          <p:cNvPr id="18" name="Rectangle 17">
+            <a:extLst>
+              <a:ext uri="{FF2B5EF4-FFF2-40B4-BE49-F238E27FC236}">
+                <a16:creationId xmlns:a16="http://schemas.microsoft.com/office/drawing/2014/main" id="{15308B28-A995-7DEB-0BF5-F2E9E32F2DB2}"/>
+              </a:ext>
+            </a:extLst>
+          </p:cNvPr>
+          <p:cNvSpPr/>
+          <p:nvPr/>
+        </p:nvSpPr>
+        <p:spPr>
+          <a:xfrm>
+            <a:off x="7234176" y="4721200"/>
+            <a:ext cx="995424" cy="324606"/>
+          </a:xfrm>
+          <a:prstGeom prst="rect">
+            <a:avLst/>
+          </a:prstGeom>
+          <a:solidFill>
+            <a:schemeClr val="bg1"/>
+          </a:solidFill>
+          <a:ln w="38100">
+            <a:noFill/>
+          </a:ln>
+        </p:spPr>
+        <p:style>
+          <a:lnRef idx="2">
+            <a:schemeClr val="accent1">
+              <a:shade val="50000"/>
+            </a:schemeClr>
+          </a:lnRef>
+          <a:fillRef idx="1">
+            <a:schemeClr val="accent1"/>
+          </a:fillRef>
+          <a:effectRef idx="0">
+            <a:schemeClr val="accent1"/>
+          </a:effectRef>
+          <a:fontRef idx="minor">
+            <a:schemeClr val="lt1"/>
+          </a:fontRef>
+        </p:style>
+        <p:txBody>
+          <a:bodyPr rtlCol="0" anchor="ctr"/>
+          <a:lstStyle/>
+          <a:p>
+            <a:pPr algn="ctr"/>
+            <a:r>
+              <a:rPr lang="en-US" sz="2200" i="0" dirty="0">
+                <a:solidFill>
+                  <a:schemeClr val="tx1"/>
+                </a:solidFill>
+                <a:effectLst/>
+                <a:latin typeface="-apple-system"/>
+              </a:rPr>
+              <a:t>Stance</a:t>
+            </a:r>
+            <a:endParaRPr lang="en-TW" sz="2200" dirty="0">
+              <a:solidFill>
+                <a:schemeClr val="tx1"/>
+              </a:solidFill>
+            </a:endParaRPr>
+          </a:p>
+        </p:txBody>
+      </p:sp>
+      <p:sp>
+        <p:nvSpPr>
+          <p:cNvPr id="20" name="TextBox 19">
+            <a:extLst>
+              <a:ext uri="{FF2B5EF4-FFF2-40B4-BE49-F238E27FC236}">
+                <a16:creationId xmlns:a16="http://schemas.microsoft.com/office/drawing/2014/main" id="{466D0228-702D-4F91-2CB2-F4448A79A49E}"/>
+              </a:ext>
+            </a:extLst>
+          </p:cNvPr>
+          <p:cNvSpPr txBox="1"/>
+          <p:nvPr/>
+        </p:nvSpPr>
+        <p:spPr>
+          <a:xfrm>
+            <a:off x="7514168" y="1879108"/>
+            <a:ext cx="995424" cy="369332"/>
+          </a:xfrm>
+          <a:prstGeom prst="rect">
+            <a:avLst/>
+          </a:prstGeom>
+          <a:solidFill>
+            <a:schemeClr val="bg1"/>
+          </a:solidFill>
+        </p:spPr>
+        <p:txBody>
+          <a:bodyPr wrap="square" rtlCol="0">
+            <a:spAutoFit/>
+          </a:bodyPr>
+          <a:lstStyle/>
+          <a:p>
+            <a:pPr algn="ctr"/>
+            <a:r>
+              <a:rPr lang="en-TW" dirty="0"/>
+              <a:t>In-favor</a:t>
+            </a:r>
+          </a:p>
+        </p:txBody>
+      </p:sp>
+      <p:sp>
+        <p:nvSpPr>
+          <p:cNvPr id="21" name="TextBox 20">
+            <a:extLst>
+              <a:ext uri="{FF2B5EF4-FFF2-40B4-BE49-F238E27FC236}">
+                <a16:creationId xmlns:a16="http://schemas.microsoft.com/office/drawing/2014/main" id="{B660FBC3-8E4E-9029-618A-834BC16B108C}"/>
+              </a:ext>
+            </a:extLst>
+          </p:cNvPr>
+          <p:cNvSpPr txBox="1"/>
+          <p:nvPr/>
+        </p:nvSpPr>
+        <p:spPr>
+          <a:xfrm>
+            <a:off x="7514168" y="1445614"/>
+            <a:ext cx="995424" cy="369332"/>
+          </a:xfrm>
+          <a:prstGeom prst="rect">
+            <a:avLst/>
+          </a:prstGeom>
+          <a:solidFill>
+            <a:schemeClr val="bg1"/>
+          </a:solidFill>
+        </p:spPr>
+        <p:txBody>
+          <a:bodyPr wrap="square" rtlCol="0">
+            <a:spAutoFit/>
+          </a:bodyPr>
+          <a:lstStyle/>
+          <a:p>
+            <a:pPr algn="ctr"/>
+            <a:r>
+              <a:rPr lang="en-TW" dirty="0"/>
+              <a:t>Against</a:t>
+            </a:r>
+          </a:p>
+        </p:txBody>
+      </p:sp>
+    </p:spTree>
+    <p:extLst>
+      <p:ext uri="{BB962C8B-B14F-4D97-AF65-F5344CB8AC3E}">
+        <p14:creationId xmlns:p14="http://schemas.microsoft.com/office/powerpoint/2010/main" val="11703512"/>
+      </p:ext>
+    </p:extLst>
+  </p:cSld>
+  <p:clrMapOvr>
+    <a:masterClrMapping/>
+  </p:clrMapOvr>
+</p:sld>
+</file>
+
+<file path=ppt/slides/slide11.xml><?xml version="1.0" encoding="utf-8"?>
+<p:sld xmlns:a="http://schemas.openxmlformats.org/drawingml/2006/main" xmlns:r="http://schemas.openxmlformats.org/officeDocument/2006/relationships" xmlns:p="http://schemas.openxmlformats.org/presentationml/2006/main" show="0">
+  <p:cSld>
+    <p:spTree>
+      <p:nvGrpSpPr>
+        <p:cNvPr id="1" name="Shape 60"/>
+        <p:cNvGrpSpPr/>
+        <p:nvPr/>
+      </p:nvGrpSpPr>
+      <p:grpSpPr>
+        <a:xfrm>
+          <a:off x="0" y="0"/>
+          <a:ext cx="0" cy="0"/>
+          <a:chOff x="0" y="0"/>
+          <a:chExt cx="0" cy="0"/>
+        </a:xfrm>
+      </p:grpSpPr>
+      <p:pic>
+        <p:nvPicPr>
+          <p:cNvPr id="8" name="Picture 7" descr="Graphical user interface, diagram, application&#10;&#10;Description automatically generated">
+            <a:extLst>
+              <a:ext uri="{FF2B5EF4-FFF2-40B4-BE49-F238E27FC236}">
+                <a16:creationId xmlns:a16="http://schemas.microsoft.com/office/drawing/2014/main" id="{E90A2F57-4DE9-FC80-EC74-BE27AE5724AB}"/>
+              </a:ext>
+            </a:extLst>
+          </p:cNvPr>
+          <p:cNvPicPr>
+            <a:picLocks noChangeAspect="1"/>
+          </p:cNvPicPr>
+          <p:nvPr/>
+        </p:nvPicPr>
+        <p:blipFill>
+          <a:blip r:embed="rId3"/>
+          <a:stretch>
+            <a:fillRect/>
+          </a:stretch>
+        </p:blipFill>
+        <p:spPr>
+          <a:xfrm>
+            <a:off x="3253304" y="0"/>
+            <a:ext cx="6149304" cy="6858000"/>
+          </a:xfrm>
+          <a:prstGeom prst="rect">
+            <a:avLst/>
+          </a:prstGeom>
+        </p:spPr>
+      </p:pic>
+    </p:spTree>
+    <p:extLst>
+      <p:ext uri="{BB962C8B-B14F-4D97-AF65-F5344CB8AC3E}">
+        <p14:creationId xmlns:p14="http://schemas.microsoft.com/office/powerpoint/2010/main" val="1867575939"/>
+      </p:ext>
+    </p:extLst>
+  </p:cSld>
+  <p:clrMapOvr>
+    <a:masterClrMapping/>
+  </p:clrMapOvr>
+</p:sld>
+</file>
+
+<file path=ppt/slides/slide12.xml><?xml version="1.0" encoding="utf-8"?>
+<p:sld xmlns:a="http://schemas.openxmlformats.org/drawingml/2006/main" xmlns:r="http://schemas.openxmlformats.org/officeDocument/2006/relationships" xmlns:p="http://schemas.openxmlformats.org/presentationml/2006/main">
+  <p:cSld>
+    <p:spTree>
+      <p:nvGrpSpPr>
+        <p:cNvPr id="1" name="Shape 60"/>
+        <p:cNvGrpSpPr/>
+        <p:nvPr/>
+      </p:nvGrpSpPr>
+      <p:grpSpPr>
+        <a:xfrm>
+          <a:off x="0" y="0"/>
+          <a:ext cx="0" cy="0"/>
+          <a:chOff x="0" y="0"/>
+          <a:chExt cx="0" cy="0"/>
+        </a:xfrm>
+      </p:grpSpPr>
+      <p:grpSp>
+        <p:nvGrpSpPr>
+          <p:cNvPr id="58" name="Group 57">
+            <a:extLst>
+              <a:ext uri="{FF2B5EF4-FFF2-40B4-BE49-F238E27FC236}">
+                <a16:creationId xmlns:a16="http://schemas.microsoft.com/office/drawing/2014/main" id="{57AD037A-85D7-6B93-89B1-C75696BDB648}"/>
+              </a:ext>
+            </a:extLst>
+          </p:cNvPr>
+          <p:cNvGrpSpPr/>
+          <p:nvPr/>
+        </p:nvGrpSpPr>
+        <p:grpSpPr>
+          <a:xfrm>
+            <a:off x="2435806" y="254642"/>
+            <a:ext cx="8571717" cy="6204031"/>
+            <a:chOff x="2435806" y="254642"/>
+            <a:chExt cx="8571717" cy="6204031"/>
+          </a:xfrm>
+        </p:grpSpPr>
+        <p:sp>
+          <p:nvSpPr>
+            <p:cNvPr id="45" name="Rectangle 44">
+              <a:extLst>
+                <a:ext uri="{FF2B5EF4-FFF2-40B4-BE49-F238E27FC236}">
+                  <a16:creationId xmlns:a16="http://schemas.microsoft.com/office/drawing/2014/main" id="{EC2FDB01-C0A1-40F5-E05B-C1DAD38EE1D2}"/>
+                </a:ext>
+              </a:extLst>
+            </p:cNvPr>
+            <p:cNvSpPr/>
+            <p:nvPr/>
+          </p:nvSpPr>
+          <p:spPr>
+            <a:xfrm>
+              <a:off x="2435806" y="254642"/>
+              <a:ext cx="8571717" cy="6204031"/>
+            </a:xfrm>
+            <a:prstGeom prst="rect">
+              <a:avLst/>
+            </a:prstGeom>
+            <a:solidFill>
+              <a:srgbClr val="FFFFFF"/>
+            </a:solidFill>
+            <a:ln>
+              <a:noFill/>
+            </a:ln>
+          </p:spPr>
+          <p:style>
+            <a:lnRef idx="2">
+              <a:schemeClr val="accent1">
+                <a:shade val="50000"/>
+              </a:schemeClr>
+            </a:lnRef>
+            <a:fillRef idx="1">
+              <a:schemeClr val="accent1"/>
+            </a:fillRef>
+            <a:effectRef idx="0">
+              <a:schemeClr val="accent1"/>
+            </a:effectRef>
+            <a:fontRef idx="minor">
+              <a:schemeClr val="lt1"/>
+            </a:fontRef>
+          </p:style>
+          <p:txBody>
+            <a:bodyPr rtlCol="0" anchor="ctr"/>
+            <a:lstStyle/>
+            <a:p>
+              <a:pPr algn="ctr"/>
+              <a:endParaRPr lang="en-TW"/>
+            </a:p>
+          </p:txBody>
+        </p:sp>
+        <p:sp>
+          <p:nvSpPr>
+            <p:cNvPr id="9" name="Rounded Rectangle 8">
+              <a:extLst>
+                <a:ext uri="{FF2B5EF4-FFF2-40B4-BE49-F238E27FC236}">
+                  <a16:creationId xmlns:a16="http://schemas.microsoft.com/office/drawing/2014/main" id="{D7BB3A5B-6661-531E-5B6D-75A13AD99752}"/>
+                </a:ext>
+              </a:extLst>
+            </p:cNvPr>
+            <p:cNvSpPr/>
+            <p:nvPr/>
+          </p:nvSpPr>
+          <p:spPr>
+            <a:xfrm>
+              <a:off x="2583546" y="1539431"/>
+              <a:ext cx="2118166" cy="3055717"/>
+            </a:xfrm>
+            <a:prstGeom prst="roundRect">
+              <a:avLst>
+                <a:gd name="adj" fmla="val 9602"/>
+              </a:avLst>
+            </a:prstGeom>
+            <a:solidFill>
+              <a:srgbClr val="E8F4E4"/>
+            </a:solidFill>
+            <a:ln cap="flat">
+              <a:noFill/>
+            </a:ln>
+          </p:spPr>
+          <p:style>
+            <a:lnRef idx="2">
+              <a:schemeClr val="accent1">
+                <a:shade val="50000"/>
+              </a:schemeClr>
+            </a:lnRef>
+            <a:fillRef idx="1">
+              <a:schemeClr val="accent1"/>
+            </a:fillRef>
+            <a:effectRef idx="0">
+              <a:schemeClr val="accent1"/>
+            </a:effectRef>
+            <a:fontRef idx="minor">
+              <a:schemeClr val="lt1"/>
+            </a:fontRef>
+          </p:style>
+          <p:txBody>
+            <a:bodyPr rtlCol="0" anchor="ctr"/>
+            <a:lstStyle/>
+            <a:p>
+              <a:pPr algn="ctr"/>
+              <a:endParaRPr lang="en-TW"/>
+            </a:p>
+          </p:txBody>
+        </p:sp>
+        <p:pic>
+          <p:nvPicPr>
+            <p:cNvPr id="3" name="Picture 2" descr="Diagram&#10;&#10;Description automatically generated">
+              <a:extLst>
+                <a:ext uri="{FF2B5EF4-FFF2-40B4-BE49-F238E27FC236}">
+                  <a16:creationId xmlns:a16="http://schemas.microsoft.com/office/drawing/2014/main" id="{2C696F75-C1BA-AD28-01B9-7EA4DC4B7F4B}"/>
+                </a:ext>
+              </a:extLst>
+            </p:cNvPr>
+            <p:cNvPicPr>
+              <a:picLocks noChangeAspect="1"/>
+            </p:cNvPicPr>
+            <p:nvPr/>
+          </p:nvPicPr>
+          <p:blipFill>
+            <a:blip r:embed="rId3">
+              <a:clrChange>
+                <a:clrFrom>
+                  <a:srgbClr val="F3F3F4"/>
+                </a:clrFrom>
+                <a:clrTo>
+                  <a:srgbClr val="F3F3F4">
+                    <a:alpha val="0"/>
+                  </a:srgbClr>
+                </a:clrTo>
+              </a:clrChange>
+            </a:blip>
+            <a:stretch>
+              <a:fillRect/>
+            </a:stretch>
+          </p:blipFill>
+          <p:spPr>
+            <a:xfrm>
+              <a:off x="2435807" y="1409454"/>
+              <a:ext cx="2381652" cy="3326947"/>
+            </a:xfrm>
+            <a:prstGeom prst="rect">
+              <a:avLst/>
+            </a:prstGeom>
+          </p:spPr>
+        </p:pic>
+        <p:pic>
+          <p:nvPicPr>
+            <p:cNvPr id="7" name="Picture 6" descr="Graphical user interface, text, application, chat or text message&#10;&#10;Description automatically generated">
+              <a:extLst>
+                <a:ext uri="{FF2B5EF4-FFF2-40B4-BE49-F238E27FC236}">
+                  <a16:creationId xmlns:a16="http://schemas.microsoft.com/office/drawing/2014/main" id="{6CB336BC-A2BF-9D61-DBBD-4ABAFE9C1A1D}"/>
+                </a:ext>
+              </a:extLst>
+            </p:cNvPr>
+            <p:cNvPicPr>
+              <a:picLocks noChangeAspect="1"/>
+            </p:cNvPicPr>
+            <p:nvPr/>
+          </p:nvPicPr>
+          <p:blipFill rotWithShape="1">
+            <a:blip r:embed="rId4"/>
+            <a:srcRect b="15076"/>
+            <a:stretch/>
+          </p:blipFill>
+          <p:spPr>
+            <a:xfrm>
+              <a:off x="5783483" y="1584928"/>
+              <a:ext cx="3060700" cy="3699392"/>
+            </a:xfrm>
+            <a:prstGeom prst="rect">
+              <a:avLst/>
+            </a:prstGeom>
+          </p:spPr>
+        </p:pic>
+        <p:sp>
+          <p:nvSpPr>
+            <p:cNvPr id="10" name="TextBox 9">
+              <a:extLst>
+                <a:ext uri="{FF2B5EF4-FFF2-40B4-BE49-F238E27FC236}">
+                  <a16:creationId xmlns:a16="http://schemas.microsoft.com/office/drawing/2014/main" id="{F108E7FE-860B-679F-C77B-641BD62318A4}"/>
+                </a:ext>
+              </a:extLst>
+            </p:cNvPr>
+            <p:cNvSpPr txBox="1"/>
+            <p:nvPr/>
+          </p:nvSpPr>
+          <p:spPr>
+            <a:xfrm>
+              <a:off x="2567550" y="806536"/>
+              <a:ext cx="2118166" cy="461665"/>
+            </a:xfrm>
+            <a:prstGeom prst="rect">
+              <a:avLst/>
+            </a:prstGeom>
+            <a:solidFill>
+              <a:schemeClr val="bg1"/>
+            </a:solidFill>
+            <a:ln w="19050">
+              <a:noFill/>
+            </a:ln>
+          </p:spPr>
+          <p:txBody>
+            <a:bodyPr wrap="square" rtlCol="0">
+              <a:spAutoFit/>
+            </a:bodyPr>
+            <a:lstStyle/>
+            <a:p>
+              <a:pPr algn="ctr"/>
+              <a:r>
+                <a:rPr lang="en-TW" sz="2400" b="1" dirty="0"/>
+                <a:t>“Encoder”</a:t>
+              </a:r>
+            </a:p>
+          </p:txBody>
+        </p:sp>
+        <p:cxnSp>
+          <p:nvCxnSpPr>
+            <p:cNvPr id="12" name="Straight Connector 11">
+              <a:extLst>
+                <a:ext uri="{FF2B5EF4-FFF2-40B4-BE49-F238E27FC236}">
+                  <a16:creationId xmlns:a16="http://schemas.microsoft.com/office/drawing/2014/main" id="{FF1BD1C3-DA21-F582-7952-12AF08F80F4E}"/>
+                </a:ext>
+              </a:extLst>
+            </p:cNvPr>
+            <p:cNvCxnSpPr>
+              <a:cxnSpLocks/>
+            </p:cNvCxnSpPr>
+            <p:nvPr/>
+          </p:nvCxnSpPr>
+          <p:spPr>
+            <a:xfrm flipH="1" flipV="1">
+              <a:off x="4560425" y="1539431"/>
+              <a:ext cx="2083443" cy="1944547"/>
+            </a:xfrm>
+            <a:prstGeom prst="line">
+              <a:avLst/>
+            </a:prstGeom>
+            <a:ln>
+              <a:solidFill>
+                <a:schemeClr val="tx1"/>
+              </a:solidFill>
+            </a:ln>
+          </p:spPr>
+          <p:style>
+            <a:lnRef idx="1">
+              <a:schemeClr val="accent1"/>
+            </a:lnRef>
+            <a:fillRef idx="0">
+              <a:schemeClr val="accent1"/>
+            </a:fillRef>
+            <a:effectRef idx="0">
+              <a:schemeClr val="accent1"/>
+            </a:effectRef>
+            <a:fontRef idx="minor">
+              <a:schemeClr val="tx1"/>
+            </a:fontRef>
+          </p:style>
+        </p:cxnSp>
+        <p:cxnSp>
+          <p:nvCxnSpPr>
+            <p:cNvPr id="16" name="Straight Connector 15">
+              <a:extLst>
+                <a:ext uri="{FF2B5EF4-FFF2-40B4-BE49-F238E27FC236}">
+                  <a16:creationId xmlns:a16="http://schemas.microsoft.com/office/drawing/2014/main" id="{24969B8F-8732-8D2A-A489-DCCBA34F7B8F}"/>
+                </a:ext>
+              </a:extLst>
+            </p:cNvPr>
+            <p:cNvCxnSpPr>
+              <a:cxnSpLocks/>
+            </p:cNvCxnSpPr>
+            <p:nvPr/>
+          </p:nvCxnSpPr>
+          <p:spPr>
+            <a:xfrm flipH="1">
+              <a:off x="4560425" y="4143736"/>
+              <a:ext cx="2083443" cy="451412"/>
+            </a:xfrm>
+            <a:prstGeom prst="line">
+              <a:avLst/>
+            </a:prstGeom>
+            <a:ln>
+              <a:solidFill>
+                <a:schemeClr val="tx1"/>
+              </a:solidFill>
+            </a:ln>
+          </p:spPr>
+          <p:style>
+            <a:lnRef idx="1">
+              <a:schemeClr val="accent1"/>
+            </a:lnRef>
+            <a:fillRef idx="0">
+              <a:schemeClr val="accent1"/>
+            </a:fillRef>
+            <a:effectRef idx="0">
+              <a:schemeClr val="accent1"/>
+            </a:effectRef>
+            <a:fontRef idx="minor">
+              <a:schemeClr val="tx1"/>
+            </a:fontRef>
+          </p:style>
+        </p:cxnSp>
+        <p:sp>
+          <p:nvSpPr>
+            <p:cNvPr id="36" name="Rounded Rectangle 35">
+              <a:extLst>
+                <a:ext uri="{FF2B5EF4-FFF2-40B4-BE49-F238E27FC236}">
+                  <a16:creationId xmlns:a16="http://schemas.microsoft.com/office/drawing/2014/main" id="{7886933D-8D32-512E-8FE4-36C4D6A966F8}"/>
+                </a:ext>
+              </a:extLst>
+            </p:cNvPr>
+            <p:cNvSpPr/>
+            <p:nvPr/>
+          </p:nvSpPr>
+          <p:spPr>
+            <a:xfrm>
+              <a:off x="2576856" y="1539431"/>
+              <a:ext cx="2118166" cy="3055717"/>
+            </a:xfrm>
+            <a:prstGeom prst="roundRect">
+              <a:avLst>
+                <a:gd name="adj" fmla="val 9602"/>
+              </a:avLst>
+            </a:prstGeom>
+            <a:solidFill>
+              <a:srgbClr val="FFFFFF">
+                <a:alpha val="50196"/>
+              </a:srgbClr>
+            </a:solidFill>
+            <a:ln cap="flat">
+              <a:noFill/>
+            </a:ln>
+          </p:spPr>
+          <p:style>
+            <a:lnRef idx="2">
+              <a:schemeClr val="accent1">
+                <a:shade val="50000"/>
+              </a:schemeClr>
+            </a:lnRef>
+            <a:fillRef idx="1">
+              <a:schemeClr val="accent1"/>
+            </a:fillRef>
+            <a:effectRef idx="0">
+              <a:schemeClr val="accent1"/>
+            </a:effectRef>
+            <a:fontRef idx="minor">
+              <a:schemeClr val="lt1"/>
+            </a:fontRef>
+          </p:style>
+          <p:txBody>
+            <a:bodyPr rtlCol="0" anchor="ctr"/>
+            <a:lstStyle/>
+            <a:p>
+              <a:pPr algn="ctr"/>
+              <a:endParaRPr lang="en-TW"/>
+            </a:p>
+          </p:txBody>
+        </p:sp>
+        <p:sp>
+          <p:nvSpPr>
+            <p:cNvPr id="37" name="Rounded Rectangle 36">
+              <a:extLst>
+                <a:ext uri="{FF2B5EF4-FFF2-40B4-BE49-F238E27FC236}">
+                  <a16:creationId xmlns:a16="http://schemas.microsoft.com/office/drawing/2014/main" id="{99833190-02B2-A220-EC08-AB69084818F5}"/>
+                </a:ext>
+              </a:extLst>
+            </p:cNvPr>
+            <p:cNvSpPr/>
+            <p:nvPr/>
+          </p:nvSpPr>
+          <p:spPr>
+            <a:xfrm>
+              <a:off x="3113589" y="3483978"/>
+              <a:ext cx="1416996" cy="558000"/>
+            </a:xfrm>
+            <a:prstGeom prst="roundRect">
+              <a:avLst>
+                <a:gd name="adj" fmla="val 9602"/>
+              </a:avLst>
+            </a:prstGeom>
+            <a:solidFill>
+              <a:srgbClr val="FFC000"/>
+            </a:solidFill>
+            <a:ln w="38100" cap="flat">
+              <a:solidFill>
+                <a:schemeClr val="tx1"/>
+              </a:solidFill>
+            </a:ln>
+          </p:spPr>
+          <p:style>
+            <a:lnRef idx="2">
+              <a:schemeClr val="accent1">
+                <a:shade val="50000"/>
+              </a:schemeClr>
+            </a:lnRef>
+            <a:fillRef idx="1">
+              <a:schemeClr val="accent1"/>
+            </a:fillRef>
+            <a:effectRef idx="0">
+              <a:schemeClr val="accent1"/>
+            </a:effectRef>
+            <a:fontRef idx="minor">
+              <a:schemeClr val="lt1"/>
+            </a:fontRef>
+          </p:style>
+          <p:txBody>
+            <a:bodyPr rtlCol="0" anchor="ctr"/>
+            <a:lstStyle/>
+            <a:p>
+              <a:pPr algn="ctr"/>
+              <a:r>
+                <a:rPr lang="en-TW" dirty="0">
+                  <a:solidFill>
+                    <a:schemeClr val="tx1"/>
+                  </a:solidFill>
+                </a:rPr>
+                <a:t>Multi-Head</a:t>
+              </a:r>
+            </a:p>
+            <a:p>
+              <a:pPr algn="ctr"/>
+              <a:r>
+                <a:rPr lang="en-TW" dirty="0">
+                  <a:solidFill>
+                    <a:schemeClr val="tx1"/>
+                  </a:solidFill>
+                </a:rPr>
+                <a:t>Attention</a:t>
+              </a:r>
+            </a:p>
+          </p:txBody>
+        </p:sp>
+        <p:sp>
+          <p:nvSpPr>
+            <p:cNvPr id="48" name="Rounded Rectangle 47">
+              <a:extLst>
+                <a:ext uri="{FF2B5EF4-FFF2-40B4-BE49-F238E27FC236}">
+                  <a16:creationId xmlns:a16="http://schemas.microsoft.com/office/drawing/2014/main" id="{C4112BC4-B34F-AEEF-47BF-AF35B495AB6A}"/>
+                </a:ext>
+              </a:extLst>
+            </p:cNvPr>
+            <p:cNvSpPr/>
+            <p:nvPr/>
+          </p:nvSpPr>
+          <p:spPr>
+            <a:xfrm>
+              <a:off x="6354500" y="647704"/>
+              <a:ext cx="2118166" cy="510778"/>
+            </a:xfrm>
+            <a:prstGeom prst="roundRect">
+              <a:avLst/>
+            </a:prstGeom>
+            <a:solidFill>
+              <a:schemeClr val="bg1">
+                <a:lumMod val="85000"/>
+              </a:schemeClr>
+            </a:solidFill>
+          </p:spPr>
+          <p:txBody>
+            <a:bodyPr wrap="square" rtlCol="0">
+              <a:spAutoFit/>
+            </a:bodyPr>
+            <a:lstStyle/>
+            <a:p>
+              <a:pPr algn="ctr"/>
+              <a:r>
+                <a:rPr lang="en-TW" sz="2400" b="1" dirty="0"/>
+                <a:t>Classifier</a:t>
+              </a:r>
+            </a:p>
+          </p:txBody>
+        </p:sp>
+        <p:sp>
+          <p:nvSpPr>
+            <p:cNvPr id="49" name="Right Arrow 48">
+              <a:extLst>
+                <a:ext uri="{FF2B5EF4-FFF2-40B4-BE49-F238E27FC236}">
+                  <a16:creationId xmlns:a16="http://schemas.microsoft.com/office/drawing/2014/main" id="{8DFC86BD-48D7-38A7-771A-9C17DC55AED0}"/>
+                </a:ext>
+              </a:extLst>
+            </p:cNvPr>
+            <p:cNvSpPr/>
+            <p:nvPr/>
+          </p:nvSpPr>
+          <p:spPr>
+            <a:xfrm rot="16200000">
+              <a:off x="7156818" y="1218864"/>
+              <a:ext cx="513531" cy="516508"/>
+            </a:xfrm>
+            <a:prstGeom prst="rightArrow">
+              <a:avLst/>
+            </a:prstGeom>
+            <a:solidFill>
+              <a:schemeClr val="tx1"/>
+            </a:solidFill>
+            <a:ln>
+              <a:noFill/>
+            </a:ln>
+          </p:spPr>
+          <p:style>
+            <a:lnRef idx="2">
+              <a:schemeClr val="accent1">
+                <a:shade val="50000"/>
+              </a:schemeClr>
+            </a:lnRef>
+            <a:fillRef idx="1">
+              <a:schemeClr val="accent1"/>
+            </a:fillRef>
+            <a:effectRef idx="0">
+              <a:schemeClr val="accent1"/>
+            </a:effectRef>
+            <a:fontRef idx="minor">
+              <a:schemeClr val="lt1"/>
+            </a:fontRef>
+          </p:style>
+          <p:txBody>
+            <a:bodyPr rtlCol="0" anchor="ctr"/>
+            <a:lstStyle/>
+            <a:p>
+              <a:pPr algn="ctr"/>
+              <a:endParaRPr lang="en-TW"/>
+            </a:p>
+          </p:txBody>
+        </p:sp>
+        <p:sp>
+          <p:nvSpPr>
+            <p:cNvPr id="50" name="Right Arrow 49">
+              <a:extLst>
+                <a:ext uri="{FF2B5EF4-FFF2-40B4-BE49-F238E27FC236}">
+                  <a16:creationId xmlns:a16="http://schemas.microsoft.com/office/drawing/2014/main" id="{31E03B5D-9954-A4D0-2662-F7F81AA3826F}"/>
+                </a:ext>
+              </a:extLst>
+            </p:cNvPr>
+            <p:cNvSpPr/>
+            <p:nvPr/>
+          </p:nvSpPr>
+          <p:spPr>
+            <a:xfrm>
+              <a:off x="8657863" y="628977"/>
+              <a:ext cx="513531" cy="516508"/>
+            </a:xfrm>
+            <a:prstGeom prst="rightArrow">
+              <a:avLst/>
+            </a:prstGeom>
+            <a:solidFill>
+              <a:schemeClr val="tx1"/>
+            </a:solidFill>
+            <a:ln>
+              <a:noFill/>
+            </a:ln>
+          </p:spPr>
+          <p:style>
+            <a:lnRef idx="2">
+              <a:schemeClr val="accent1">
+                <a:shade val="50000"/>
+              </a:schemeClr>
+            </a:lnRef>
+            <a:fillRef idx="1">
+              <a:schemeClr val="accent1"/>
+            </a:fillRef>
+            <a:effectRef idx="0">
+              <a:schemeClr val="accent1"/>
+            </a:effectRef>
+            <a:fontRef idx="minor">
+              <a:schemeClr val="lt1"/>
+            </a:fontRef>
+          </p:style>
+          <p:txBody>
+            <a:bodyPr rtlCol="0" anchor="ctr"/>
+            <a:lstStyle/>
+            <a:p>
+              <a:pPr algn="ctr"/>
+              <a:endParaRPr lang="en-TW"/>
+            </a:p>
+          </p:txBody>
+        </p:sp>
+        <p:sp>
+          <p:nvSpPr>
+            <p:cNvPr id="51" name="Rounded Rectangle 50">
+              <a:extLst>
+                <a:ext uri="{FF2B5EF4-FFF2-40B4-BE49-F238E27FC236}">
+                  <a16:creationId xmlns:a16="http://schemas.microsoft.com/office/drawing/2014/main" id="{53C68891-72EE-DAF6-4A58-63E402A6F0F1}"/>
+                </a:ext>
+              </a:extLst>
+            </p:cNvPr>
+            <p:cNvSpPr/>
+            <p:nvPr/>
+          </p:nvSpPr>
+          <p:spPr>
+            <a:xfrm>
+              <a:off x="9131159" y="599040"/>
+              <a:ext cx="1776614" cy="510778"/>
+            </a:xfrm>
+            <a:prstGeom prst="roundRect">
+              <a:avLst/>
+            </a:prstGeom>
+            <a:noFill/>
+          </p:spPr>
+          <p:txBody>
+            <a:bodyPr wrap="square" rtlCol="0">
+              <a:spAutoFit/>
+            </a:bodyPr>
+            <a:lstStyle/>
+            <a:p>
+              <a:pPr algn="ctr"/>
+              <a:r>
+                <a:rPr lang="en-TW" sz="2400" b="1" dirty="0"/>
+                <a:t>Prediction</a:t>
+              </a:r>
+            </a:p>
+          </p:txBody>
+        </p:sp>
+        <p:sp>
+          <p:nvSpPr>
+            <p:cNvPr id="56" name="Right Arrow 55">
+              <a:extLst>
+                <a:ext uri="{FF2B5EF4-FFF2-40B4-BE49-F238E27FC236}">
+                  <a16:creationId xmlns:a16="http://schemas.microsoft.com/office/drawing/2014/main" id="{32544B7A-DA8C-89BD-8645-B50081A0D0FE}"/>
+                </a:ext>
+              </a:extLst>
+            </p:cNvPr>
+            <p:cNvSpPr/>
+            <p:nvPr/>
+          </p:nvSpPr>
+          <p:spPr>
+            <a:xfrm rot="16200000">
+              <a:off x="7127881" y="5221770"/>
+              <a:ext cx="513531" cy="516508"/>
+            </a:xfrm>
+            <a:prstGeom prst="rightArrow">
+              <a:avLst/>
+            </a:prstGeom>
+            <a:solidFill>
+              <a:schemeClr val="tx1"/>
+            </a:solidFill>
+            <a:ln>
+              <a:noFill/>
+            </a:ln>
+          </p:spPr>
+          <p:style>
+            <a:lnRef idx="2">
+              <a:schemeClr val="accent1">
+                <a:shade val="50000"/>
+              </a:schemeClr>
+            </a:lnRef>
+            <a:fillRef idx="1">
+              <a:schemeClr val="accent1"/>
+            </a:fillRef>
+            <a:effectRef idx="0">
+              <a:schemeClr val="accent1"/>
+            </a:effectRef>
+            <a:fontRef idx="minor">
+              <a:schemeClr val="lt1"/>
+            </a:fontRef>
+          </p:style>
+          <p:txBody>
+            <a:bodyPr rtlCol="0" anchor="ctr"/>
+            <a:lstStyle/>
+            <a:p>
+              <a:pPr algn="ctr"/>
+              <a:endParaRPr lang="en-TW"/>
+            </a:p>
+          </p:txBody>
+        </p:sp>
+        <p:sp>
+          <p:nvSpPr>
+            <p:cNvPr id="57" name="Rounded Rectangle 56">
+              <a:extLst>
+                <a:ext uri="{FF2B5EF4-FFF2-40B4-BE49-F238E27FC236}">
+                  <a16:creationId xmlns:a16="http://schemas.microsoft.com/office/drawing/2014/main" id="{9D2B9E94-3604-329A-D013-34553ED74EDF}"/>
+                </a:ext>
+              </a:extLst>
+            </p:cNvPr>
+            <p:cNvSpPr/>
+            <p:nvPr/>
+          </p:nvSpPr>
+          <p:spPr>
+            <a:xfrm>
+              <a:off x="6354500" y="5684806"/>
+              <a:ext cx="2118166" cy="510778"/>
+            </a:xfrm>
+            <a:prstGeom prst="roundRect">
+              <a:avLst/>
+            </a:prstGeom>
+            <a:noFill/>
+          </p:spPr>
+          <p:txBody>
+            <a:bodyPr wrap="square" rtlCol="0">
+              <a:spAutoFit/>
+            </a:bodyPr>
+            <a:lstStyle/>
+            <a:p>
+              <a:pPr algn="ctr"/>
+              <a:r>
+                <a:rPr lang="en-TW" sz="2400" b="1" dirty="0"/>
+                <a:t>Input Text</a:t>
+              </a:r>
+            </a:p>
+          </p:txBody>
+        </p:sp>
+      </p:grpSp>
+    </p:spTree>
+    <p:extLst>
+      <p:ext uri="{BB962C8B-B14F-4D97-AF65-F5344CB8AC3E}">
+        <p14:creationId xmlns:p14="http://schemas.microsoft.com/office/powerpoint/2010/main" val="2243248542"/>
+      </p:ext>
+    </p:extLst>
+  </p:cSld>
+  <p:clrMapOvr>
+    <a:masterClrMapping/>
+  </p:clrMapOvr>
+</p:sld>
+</file>
+
+<file path=ppt/slides/slide13.xml><?xml version="1.0" encoding="utf-8"?>
+<p:sld xmlns:a="http://schemas.openxmlformats.org/drawingml/2006/main" xmlns:r="http://schemas.openxmlformats.org/officeDocument/2006/relationships" xmlns:p="http://schemas.openxmlformats.org/presentationml/2006/main">
+  <p:cSld>
+    <p:spTree>
+      <p:nvGrpSpPr>
+        <p:cNvPr id="1" name="Shape 60"/>
+        <p:cNvGrpSpPr/>
+        <p:nvPr/>
+      </p:nvGrpSpPr>
+      <p:grpSpPr>
+        <a:xfrm>
+          <a:off x="0" y="0"/>
+          <a:ext cx="0" cy="0"/>
+          <a:chOff x="0" y="0"/>
+          <a:chExt cx="0" cy="0"/>
+        </a:xfrm>
+      </p:grpSpPr>
+      <p:grpSp>
+        <p:nvGrpSpPr>
+          <p:cNvPr id="21" name="Group 20">
+            <a:extLst>
+              <a:ext uri="{FF2B5EF4-FFF2-40B4-BE49-F238E27FC236}">
+                <a16:creationId xmlns:a16="http://schemas.microsoft.com/office/drawing/2014/main" id="{13304A19-330E-B3A8-F422-75E67F59B5F2}"/>
+              </a:ext>
+            </a:extLst>
+          </p:cNvPr>
+          <p:cNvGrpSpPr/>
+          <p:nvPr/>
+        </p:nvGrpSpPr>
+        <p:grpSpPr>
+          <a:xfrm>
+            <a:off x="1154293" y="858644"/>
+            <a:ext cx="10048173" cy="4304371"/>
+            <a:chOff x="1154293" y="858644"/>
+            <a:chExt cx="10048173" cy="4304371"/>
+          </a:xfrm>
+        </p:grpSpPr>
+        <p:grpSp>
+          <p:nvGrpSpPr>
+            <p:cNvPr id="16" name="Group 15">
+              <a:extLst>
+                <a:ext uri="{FF2B5EF4-FFF2-40B4-BE49-F238E27FC236}">
+                  <a16:creationId xmlns:a16="http://schemas.microsoft.com/office/drawing/2014/main" id="{A6F8E390-86C2-E272-8F79-1FF736A5F1D2}"/>
+                </a:ext>
+              </a:extLst>
+            </p:cNvPr>
+            <p:cNvGrpSpPr/>
+            <p:nvPr/>
+          </p:nvGrpSpPr>
+          <p:grpSpPr>
+            <a:xfrm>
+              <a:off x="1154293" y="858644"/>
+              <a:ext cx="10048173" cy="4304371"/>
+              <a:chOff x="1154293" y="858644"/>
+              <a:chExt cx="10048173" cy="4304371"/>
+            </a:xfrm>
+          </p:grpSpPr>
+          <p:sp>
+            <p:nvSpPr>
+              <p:cNvPr id="15" name="Rectangle 14">
+                <a:extLst>
+                  <a:ext uri="{FF2B5EF4-FFF2-40B4-BE49-F238E27FC236}">
+                    <a16:creationId xmlns:a16="http://schemas.microsoft.com/office/drawing/2014/main" id="{79D7C581-5371-EAFA-BE53-2BD5C8B65402}"/>
+                  </a:ext>
+                </a:extLst>
+              </p:cNvPr>
+              <p:cNvSpPr/>
+              <p:nvPr/>
+            </p:nvSpPr>
+            <p:spPr>
+              <a:xfrm>
+                <a:off x="1154293" y="858644"/>
+                <a:ext cx="10048173" cy="4304371"/>
+              </a:xfrm>
+              <a:prstGeom prst="rect">
+                <a:avLst/>
+              </a:prstGeom>
+              <a:solidFill>
+                <a:schemeClr val="bg1"/>
+              </a:solidFill>
+              <a:ln>
+                <a:noFill/>
+              </a:ln>
+            </p:spPr>
+            <p:style>
+              <a:lnRef idx="2">
+                <a:schemeClr val="accent1">
+                  <a:shade val="50000"/>
+                </a:schemeClr>
+              </a:lnRef>
+              <a:fillRef idx="1">
+                <a:schemeClr val="accent1"/>
+              </a:fillRef>
+              <a:effectRef idx="0">
+                <a:schemeClr val="accent1"/>
+              </a:effectRef>
+              <a:fontRef idx="minor">
+                <a:schemeClr val="lt1"/>
+              </a:fontRef>
+            </p:style>
+            <p:txBody>
+              <a:bodyPr rtlCol="0" anchor="ctr"/>
+              <a:lstStyle/>
+              <a:p>
+                <a:pPr algn="ctr"/>
+                <a:endParaRPr lang="en-TW"/>
+              </a:p>
+            </p:txBody>
+          </p:sp>
+          <p:grpSp>
+            <p:nvGrpSpPr>
+              <p:cNvPr id="14" name="Group 13">
+                <a:extLst>
+                  <a:ext uri="{FF2B5EF4-FFF2-40B4-BE49-F238E27FC236}">
+                    <a16:creationId xmlns:a16="http://schemas.microsoft.com/office/drawing/2014/main" id="{8C5DC928-19FE-9833-1E8D-12B0AE78B5B4}"/>
+                  </a:ext>
+                </a:extLst>
+              </p:cNvPr>
+              <p:cNvGrpSpPr/>
+              <p:nvPr/>
+            </p:nvGrpSpPr>
+            <p:grpSpPr>
+              <a:xfrm>
+                <a:off x="1154293" y="1025912"/>
+                <a:ext cx="10048173" cy="4059043"/>
+                <a:chOff x="1154293" y="1025912"/>
+                <a:chExt cx="10048173" cy="4059043"/>
+              </a:xfrm>
+            </p:grpSpPr>
+            <p:pic>
+              <p:nvPicPr>
+                <p:cNvPr id="8" name="Picture 7" descr="Shape, rectangle&#10;&#10;Description automatically generated with medium confidence">
+                  <a:extLst>
+                    <a:ext uri="{FF2B5EF4-FFF2-40B4-BE49-F238E27FC236}">
+                      <a16:creationId xmlns:a16="http://schemas.microsoft.com/office/drawing/2014/main" id="{0B3E31AF-8863-D639-6273-8209838B5438}"/>
+                    </a:ext>
+                  </a:extLst>
+                </p:cNvPr>
+                <p:cNvPicPr>
+                  <a:picLocks noChangeAspect="1"/>
+                </p:cNvPicPr>
+                <p:nvPr/>
+              </p:nvPicPr>
+              <p:blipFill>
+                <a:blip r:embed="rId3"/>
+                <a:stretch>
+                  <a:fillRect/>
+                </a:stretch>
+              </p:blipFill>
+              <p:spPr>
+                <a:xfrm>
+                  <a:off x="1154293" y="1784194"/>
+                  <a:ext cx="10048173" cy="3300761"/>
+                </a:xfrm>
+                <a:prstGeom prst="rect">
+                  <a:avLst/>
+                </a:prstGeom>
+              </p:spPr>
+            </p:pic>
+            <p:sp>
+              <p:nvSpPr>
+                <p:cNvPr id="9" name="Rectangle 8">
+                  <a:extLst>
+                    <a:ext uri="{FF2B5EF4-FFF2-40B4-BE49-F238E27FC236}">
+                      <a16:creationId xmlns:a16="http://schemas.microsoft.com/office/drawing/2014/main" id="{6058B1BB-6771-A414-052E-0D4E6C6E51B6}"/>
+                    </a:ext>
+                  </a:extLst>
+                </p:cNvPr>
+                <p:cNvSpPr/>
+                <p:nvPr/>
+              </p:nvSpPr>
+              <p:spPr>
+                <a:xfrm>
+                  <a:off x="1235110" y="1025912"/>
+                  <a:ext cx="4362803" cy="588498"/>
+                </a:xfrm>
+                <a:prstGeom prst="rect">
+                  <a:avLst/>
+                </a:prstGeom>
+                <a:solidFill>
+                  <a:schemeClr val="bg1">
+                    <a:lumMod val="85000"/>
+                  </a:schemeClr>
+                </a:solidFill>
+                <a:ln w="38100">
+                  <a:noFill/>
+                </a:ln>
+              </p:spPr>
+              <p:style>
+                <a:lnRef idx="2">
+                  <a:schemeClr val="accent1">
+                    <a:shade val="50000"/>
+                  </a:schemeClr>
+                </a:lnRef>
+                <a:fillRef idx="1">
+                  <a:schemeClr val="accent1"/>
+                </a:fillRef>
+                <a:effectRef idx="0">
+                  <a:schemeClr val="accent1"/>
+                </a:effectRef>
+                <a:fontRef idx="minor">
+                  <a:schemeClr val="lt1"/>
+                </a:fontRef>
+              </p:style>
+              <p:txBody>
+                <a:bodyPr rtlCol="0" anchor="ctr"/>
+                <a:lstStyle/>
+                <a:p>
+                  <a:pPr algn="ctr"/>
+                  <a:r>
+                    <a:rPr lang="en-US" sz="2400" b="1" dirty="0">
+                      <a:solidFill>
+                        <a:schemeClr val="tx1"/>
+                      </a:solidFill>
+                      <a:latin typeface="-apple-system"/>
+                    </a:rPr>
+                    <a:t>Encoder</a:t>
+                  </a:r>
+                  <a:endParaRPr lang="en-TW" sz="2400" b="1" dirty="0">
+                    <a:solidFill>
+                      <a:schemeClr val="tx1"/>
+                    </a:solidFill>
+                    <a:latin typeface="-apple-system"/>
+                  </a:endParaRPr>
+                </a:p>
+              </p:txBody>
+            </p:sp>
+            <p:sp>
+              <p:nvSpPr>
+                <p:cNvPr id="12" name="Rectangle 11">
+                  <a:extLst>
+                    <a:ext uri="{FF2B5EF4-FFF2-40B4-BE49-F238E27FC236}">
+                      <a16:creationId xmlns:a16="http://schemas.microsoft.com/office/drawing/2014/main" id="{6050A37B-1853-53D0-9F87-EF8D0BAB9910}"/>
+                    </a:ext>
+                  </a:extLst>
+                </p:cNvPr>
+                <p:cNvSpPr/>
+                <p:nvPr/>
+              </p:nvSpPr>
+              <p:spPr>
+                <a:xfrm>
+                  <a:off x="6706641" y="1025912"/>
+                  <a:ext cx="4362803" cy="588498"/>
+                </a:xfrm>
+                <a:prstGeom prst="rect">
+                  <a:avLst/>
+                </a:prstGeom>
+                <a:solidFill>
+                  <a:schemeClr val="bg1">
+                    <a:lumMod val="85000"/>
+                  </a:schemeClr>
+                </a:solidFill>
+                <a:ln w="38100">
+                  <a:noFill/>
+                </a:ln>
+              </p:spPr>
+              <p:style>
+                <a:lnRef idx="2">
+                  <a:schemeClr val="accent1">
+                    <a:shade val="50000"/>
+                  </a:schemeClr>
+                </a:lnRef>
+                <a:fillRef idx="1">
+                  <a:schemeClr val="accent1"/>
+                </a:fillRef>
+                <a:effectRef idx="0">
+                  <a:schemeClr val="accent1"/>
+                </a:effectRef>
+                <a:fontRef idx="minor">
+                  <a:schemeClr val="lt1"/>
+                </a:fontRef>
+              </p:style>
+              <p:txBody>
+                <a:bodyPr rtlCol="0" anchor="ctr"/>
+                <a:lstStyle/>
+                <a:p>
+                  <a:pPr algn="ctr"/>
+                  <a:r>
+                    <a:rPr lang="en-US" sz="2400" b="1" dirty="0">
+                      <a:solidFill>
+                        <a:schemeClr val="tx1"/>
+                      </a:solidFill>
+                      <a:latin typeface="-apple-system"/>
+                    </a:rPr>
+                    <a:t>Decoder</a:t>
+                  </a:r>
+                  <a:endParaRPr lang="en-TW" sz="2400" b="1" dirty="0">
+                    <a:solidFill>
+                      <a:schemeClr val="tx1"/>
+                    </a:solidFill>
+                    <a:latin typeface="-apple-system"/>
+                  </a:endParaRPr>
+                </a:p>
+              </p:txBody>
+            </p:sp>
+          </p:grpSp>
+        </p:grpSp>
+        <p:sp>
+          <p:nvSpPr>
+            <p:cNvPr id="17" name="Rectangle 16">
+              <a:extLst>
+                <a:ext uri="{FF2B5EF4-FFF2-40B4-BE49-F238E27FC236}">
+                  <a16:creationId xmlns:a16="http://schemas.microsoft.com/office/drawing/2014/main" id="{22015579-4CDB-7563-6F99-F4DA6B5FD2BF}"/>
+                </a:ext>
+              </a:extLst>
+            </p:cNvPr>
+            <p:cNvSpPr/>
+            <p:nvPr/>
+          </p:nvSpPr>
+          <p:spPr>
+            <a:xfrm>
+              <a:off x="1371600" y="4337824"/>
+              <a:ext cx="4159405" cy="613317"/>
+            </a:xfrm>
+            <a:prstGeom prst="rect">
+              <a:avLst/>
+            </a:prstGeom>
+            <a:noFill/>
+            <a:ln>
+              <a:noFill/>
+            </a:ln>
+          </p:spPr>
+          <p:style>
+            <a:lnRef idx="2">
+              <a:schemeClr val="accent1">
+                <a:shade val="50000"/>
+              </a:schemeClr>
+            </a:lnRef>
+            <a:fillRef idx="1">
+              <a:schemeClr val="accent1"/>
+            </a:fillRef>
+            <a:effectRef idx="0">
+              <a:schemeClr val="accent1"/>
+            </a:effectRef>
+            <a:fontRef idx="minor">
+              <a:schemeClr val="lt1"/>
+            </a:fontRef>
+          </p:style>
+          <p:txBody>
+            <a:bodyPr rtlCol="0" anchor="ctr"/>
+            <a:lstStyle/>
+            <a:p>
+              <a:pPr algn="ctr"/>
+              <a:r>
+                <a:rPr lang="en-TW" sz="2800" dirty="0">
+                  <a:solidFill>
+                    <a:schemeClr val="tx1"/>
+                  </a:solidFill>
+                </a:rPr>
+                <a:t>Tweet</a:t>
+              </a:r>
+            </a:p>
+          </p:txBody>
+        </p:sp>
+        <p:sp>
+          <p:nvSpPr>
+            <p:cNvPr id="18" name="Rectangle 17">
+              <a:extLst>
+                <a:ext uri="{FF2B5EF4-FFF2-40B4-BE49-F238E27FC236}">
+                  <a16:creationId xmlns:a16="http://schemas.microsoft.com/office/drawing/2014/main" id="{37F4AA12-517D-F62A-CDF7-257EB4222018}"/>
+                </a:ext>
+              </a:extLst>
+            </p:cNvPr>
+            <p:cNvSpPr/>
+            <p:nvPr/>
+          </p:nvSpPr>
+          <p:spPr>
+            <a:xfrm>
+              <a:off x="6913756" y="4337824"/>
+              <a:ext cx="2631688" cy="613317"/>
+            </a:xfrm>
+            <a:prstGeom prst="rect">
+              <a:avLst/>
+            </a:prstGeom>
+            <a:noFill/>
+            <a:ln>
+              <a:noFill/>
+            </a:ln>
+          </p:spPr>
+          <p:style>
+            <a:lnRef idx="2">
+              <a:schemeClr val="accent1">
+                <a:shade val="50000"/>
+              </a:schemeClr>
+            </a:lnRef>
+            <a:fillRef idx="1">
+              <a:schemeClr val="accent1"/>
+            </a:fillRef>
+            <a:effectRef idx="0">
+              <a:schemeClr val="accent1"/>
+            </a:effectRef>
+            <a:fontRef idx="minor">
+              <a:schemeClr val="lt1"/>
+            </a:fontRef>
+          </p:style>
+          <p:txBody>
+            <a:bodyPr rtlCol="0" anchor="ctr"/>
+            <a:lstStyle/>
+            <a:p>
+              <a:pPr algn="ctr"/>
+              <a:r>
+                <a:rPr lang="en-TW" sz="2400" dirty="0">
+                  <a:solidFill>
+                    <a:schemeClr val="tx1"/>
+                  </a:solidFill>
+                </a:rPr>
+                <a:t>Tweet Embedded in the Prompt</a:t>
+              </a:r>
+            </a:p>
+          </p:txBody>
+        </p:sp>
+        <p:sp>
+          <p:nvSpPr>
+            <p:cNvPr id="20" name="Rectangle 19">
+              <a:extLst>
+                <a:ext uri="{FF2B5EF4-FFF2-40B4-BE49-F238E27FC236}">
+                  <a16:creationId xmlns:a16="http://schemas.microsoft.com/office/drawing/2014/main" id="{696D1A38-9CC9-CA98-C763-21B7B6885352}"/>
+                </a:ext>
+              </a:extLst>
+            </p:cNvPr>
+            <p:cNvSpPr/>
+            <p:nvPr/>
+          </p:nvSpPr>
+          <p:spPr>
+            <a:xfrm>
+              <a:off x="9545444" y="4337824"/>
+              <a:ext cx="1524000" cy="613317"/>
+            </a:xfrm>
+            <a:prstGeom prst="rect">
+              <a:avLst/>
+            </a:prstGeom>
+            <a:noFill/>
+            <a:ln>
+              <a:noFill/>
+            </a:ln>
+          </p:spPr>
+          <p:style>
+            <a:lnRef idx="2">
+              <a:schemeClr val="accent1">
+                <a:shade val="50000"/>
+              </a:schemeClr>
+            </a:lnRef>
+            <a:fillRef idx="1">
+              <a:schemeClr val="accent1"/>
+            </a:fillRef>
+            <a:effectRef idx="0">
+              <a:schemeClr val="accent1"/>
+            </a:effectRef>
+            <a:fontRef idx="minor">
+              <a:schemeClr val="lt1"/>
+            </a:fontRef>
+          </p:style>
+          <p:txBody>
+            <a:bodyPr rtlCol="0" anchor="ctr"/>
+            <a:lstStyle/>
+            <a:p>
+              <a:pPr algn="ctr"/>
+              <a:r>
+                <a:rPr lang="en-TW" sz="2400" dirty="0">
+                  <a:solidFill>
+                    <a:schemeClr val="tx1"/>
+                  </a:solidFill>
+                </a:rPr>
+                <a:t>Generated Words</a:t>
+              </a:r>
+            </a:p>
+          </p:txBody>
+        </p:sp>
+      </p:grpSp>
+    </p:spTree>
+    <p:extLst>
+      <p:ext uri="{BB962C8B-B14F-4D97-AF65-F5344CB8AC3E}">
+        <p14:creationId xmlns:p14="http://schemas.microsoft.com/office/powerpoint/2010/main" val="2137920595"/>
+      </p:ext>
+    </p:extLst>
+  </p:cSld>
+  <p:clrMapOvr>
+    <a:masterClrMapping/>
+  </p:clrMapOvr>
+</p:sld>
+</file>
+
+<file path=ppt/slides/slide14.xml><?xml version="1.0" encoding="utf-8"?>
+<p:sld xmlns:a="http://schemas.openxmlformats.org/drawingml/2006/main" xmlns:r="http://schemas.openxmlformats.org/officeDocument/2006/relationships" xmlns:p="http://schemas.openxmlformats.org/presentationml/2006/main">
+  <p:cSld>
+    <p:spTree>
+      <p:nvGrpSpPr>
+        <p:cNvPr id="1" name="Shape 60"/>
+        <p:cNvGrpSpPr/>
+        <p:nvPr/>
+      </p:nvGrpSpPr>
+      <p:grpSpPr>
+        <a:xfrm>
+          <a:off x="0" y="0"/>
+          <a:ext cx="0" cy="0"/>
+          <a:chOff x="0" y="0"/>
+          <a:chExt cx="0" cy="0"/>
+        </a:xfrm>
+      </p:grpSpPr>
+      <p:pic>
+        <p:nvPicPr>
+          <p:cNvPr id="3" name="Picture 2" descr="Table&#10;&#10;Description automatically generated">
+            <a:extLst>
+              <a:ext uri="{FF2B5EF4-FFF2-40B4-BE49-F238E27FC236}">
+                <a16:creationId xmlns:a16="http://schemas.microsoft.com/office/drawing/2014/main" id="{D2707BE3-781B-8014-A403-A9112EC16C36}"/>
+              </a:ext>
+            </a:extLst>
+          </p:cNvPr>
+          <p:cNvPicPr>
+            <a:picLocks noChangeAspect="1"/>
+          </p:cNvPicPr>
+          <p:nvPr/>
+        </p:nvPicPr>
+        <p:blipFill>
+          <a:blip r:embed="rId3"/>
+          <a:stretch>
+            <a:fillRect/>
+          </a:stretch>
+        </p:blipFill>
+        <p:spPr>
+          <a:xfrm>
+            <a:off x="2209800" y="2241550"/>
+            <a:ext cx="7772400" cy="2242231"/>
+          </a:xfrm>
+          <a:prstGeom prst="rect">
+            <a:avLst/>
+          </a:prstGeom>
+        </p:spPr>
+      </p:pic>
+    </p:spTree>
+    <p:extLst>
+      <p:ext uri="{BB962C8B-B14F-4D97-AF65-F5344CB8AC3E}">
+        <p14:creationId xmlns:p14="http://schemas.microsoft.com/office/powerpoint/2010/main" val="3791466431"/>
+      </p:ext>
+    </p:extLst>
+  </p:cSld>
+  <p:clrMapOvr>
+    <a:masterClrMapping/>
+  </p:clrMapOvr>
+</p:sld>
+</file>
+
+<file path=ppt/slides/slide15.xml><?xml version="1.0" encoding="utf-8"?>
+<p:sld xmlns:a="http://schemas.openxmlformats.org/drawingml/2006/main" xmlns:r="http://schemas.openxmlformats.org/officeDocument/2006/relationships" xmlns:p="http://schemas.openxmlformats.org/presentationml/2006/main">
+  <p:cSld>
+    <p:spTree>
+      <p:nvGrpSpPr>
+        <p:cNvPr id="1" name="Shape 60"/>
+        <p:cNvGrpSpPr/>
+        <p:nvPr/>
+      </p:nvGrpSpPr>
+      <p:grpSpPr>
+        <a:xfrm>
+          <a:off x="0" y="0"/>
+          <a:ext cx="0" cy="0"/>
+          <a:chOff x="0" y="0"/>
+          <a:chExt cx="0" cy="0"/>
+        </a:xfrm>
+      </p:grpSpPr>
+      <p:grpSp>
+        <p:nvGrpSpPr>
+          <p:cNvPr id="25" name="Group 24">
+            <a:extLst>
+              <a:ext uri="{FF2B5EF4-FFF2-40B4-BE49-F238E27FC236}">
+                <a16:creationId xmlns:a16="http://schemas.microsoft.com/office/drawing/2014/main" id="{15C9C504-4468-D707-6374-241A78A91243}"/>
+              </a:ext>
+            </a:extLst>
+          </p:cNvPr>
+          <p:cNvGrpSpPr/>
+          <p:nvPr/>
+        </p:nvGrpSpPr>
+        <p:grpSpPr>
+          <a:xfrm>
+            <a:off x="482662" y="1536192"/>
+            <a:ext cx="10014650" cy="3529584"/>
+            <a:chOff x="482662" y="1536192"/>
+            <a:chExt cx="10014650" cy="3529584"/>
+          </a:xfrm>
+        </p:grpSpPr>
+        <p:sp>
+          <p:nvSpPr>
+            <p:cNvPr id="24" name="Rectangle 23">
+              <a:extLst>
+                <a:ext uri="{FF2B5EF4-FFF2-40B4-BE49-F238E27FC236}">
+                  <a16:creationId xmlns:a16="http://schemas.microsoft.com/office/drawing/2014/main" id="{43DC5BDF-FDF8-5094-5B78-E19C246E75CA}"/>
+                </a:ext>
+              </a:extLst>
+            </p:cNvPr>
+            <p:cNvSpPr/>
+            <p:nvPr/>
+          </p:nvSpPr>
+          <p:spPr>
+            <a:xfrm>
+              <a:off x="713232" y="1536192"/>
+              <a:ext cx="9784080" cy="3529584"/>
+            </a:xfrm>
+            <a:prstGeom prst="rect">
+              <a:avLst/>
+            </a:prstGeom>
+            <a:solidFill>
+              <a:schemeClr val="bg1"/>
+            </a:solidFill>
+            <a:ln>
+              <a:noFill/>
+            </a:ln>
+          </p:spPr>
+          <p:style>
+            <a:lnRef idx="2">
+              <a:schemeClr val="accent1">
+                <a:shade val="50000"/>
+              </a:schemeClr>
+            </a:lnRef>
+            <a:fillRef idx="1">
+              <a:schemeClr val="accent1"/>
+            </a:fillRef>
+            <a:effectRef idx="0">
+              <a:schemeClr val="accent1"/>
+            </a:effectRef>
+            <a:fontRef idx="minor">
+              <a:schemeClr val="lt1"/>
+            </a:fontRef>
+          </p:style>
+          <p:txBody>
+            <a:bodyPr rtlCol="0" anchor="ctr"/>
+            <a:lstStyle/>
+            <a:p>
+              <a:pPr algn="ctr"/>
+              <a:endParaRPr lang="en-TW"/>
+            </a:p>
+          </p:txBody>
+        </p:sp>
+        <p:sp>
+          <p:nvSpPr>
+            <p:cNvPr id="2" name="Rectangle 1">
+              <a:extLst>
+                <a:ext uri="{FF2B5EF4-FFF2-40B4-BE49-F238E27FC236}">
+                  <a16:creationId xmlns:a16="http://schemas.microsoft.com/office/drawing/2014/main" id="{074BF893-61FD-03FF-AEE1-1F7BE0843268}"/>
+                </a:ext>
+              </a:extLst>
+            </p:cNvPr>
+            <p:cNvSpPr/>
+            <p:nvPr/>
+          </p:nvSpPr>
+          <p:spPr>
+            <a:xfrm>
+              <a:off x="2500438" y="2286001"/>
+              <a:ext cx="7759130" cy="1892808"/>
+            </a:xfrm>
+            <a:prstGeom prst="rect">
+              <a:avLst/>
+            </a:prstGeom>
+            <a:noFill/>
+            <a:ln w="19050">
+              <a:solidFill>
+                <a:schemeClr val="tx1"/>
+              </a:solidFill>
+            </a:ln>
+          </p:spPr>
+          <p:style>
+            <a:lnRef idx="2">
+              <a:schemeClr val="accent1">
+                <a:shade val="50000"/>
+              </a:schemeClr>
+            </a:lnRef>
+            <a:fillRef idx="1">
+              <a:schemeClr val="accent1"/>
+            </a:fillRef>
+            <a:effectRef idx="0">
+              <a:schemeClr val="accent1"/>
+            </a:effectRef>
+            <a:fontRef idx="minor">
+              <a:schemeClr val="lt1"/>
+            </a:fontRef>
+          </p:style>
+          <p:txBody>
+            <a:bodyPr rtlCol="0" anchor="ctr"/>
+            <a:lstStyle/>
+            <a:p>
+              <a:pPr algn="just"/>
+              <a:r>
+                <a:rPr lang="en-US" sz="2000" u="sng" dirty="0">
+                  <a:solidFill>
+                    <a:schemeClr val="accent6">
+                      <a:lumMod val="75000"/>
+                    </a:schemeClr>
+                  </a:solidFill>
+                  <a:latin typeface="Calibri" panose="020F0502020204030204"/>
+                </a:rPr>
+                <a:t>What is the stance of the tweet below with respect to 'Legalization of Abortion'?</a:t>
+              </a:r>
+              <a:r>
+                <a:rPr lang="en-US" sz="2000" dirty="0">
+                  <a:solidFill>
+                    <a:prstClr val="black"/>
+                  </a:solidFill>
+                  <a:latin typeface="Calibri" panose="020F0502020204030204"/>
+                </a:rPr>
+                <a:t> </a:t>
+              </a:r>
+              <a:r>
+                <a:rPr lang="en-US" sz="1600" dirty="0">
+                  <a:solidFill>
+                    <a:prstClr val="black"/>
+                  </a:solidFill>
+                  <a:latin typeface="Calibri" panose="020F0502020204030204"/>
+                </a:rPr>
+                <a:t>Please use exactly one word from the following 3 categories to label it: </a:t>
+              </a:r>
+              <a:r>
+                <a:rPr lang="en-US" sz="2000" u="sng" dirty="0">
+                  <a:solidFill>
+                    <a:srgbClr val="C00000"/>
+                  </a:solidFill>
+                  <a:latin typeface="Calibri" panose="020F0502020204030204"/>
+                </a:rPr>
+                <a:t>'in-favor', 'against', 'neutral-or-unclear'.</a:t>
+              </a:r>
+              <a:r>
+                <a:rPr lang="en-US" sz="2000" dirty="0">
+                  <a:solidFill>
+                    <a:prstClr val="black"/>
+                  </a:solidFill>
+                  <a:latin typeface="Calibri" panose="020F0502020204030204"/>
+                </a:rPr>
+                <a:t> </a:t>
+              </a:r>
+              <a:r>
+                <a:rPr lang="en-US" sz="1600" dirty="0">
+                  <a:solidFill>
+                    <a:prstClr val="black"/>
+                  </a:solidFill>
+                  <a:latin typeface="Calibri" panose="020F0502020204030204"/>
+                </a:rPr>
+                <a:t>Here is the tweet: </a:t>
+              </a:r>
+              <a:r>
+                <a:rPr lang="en-US" sz="2000" dirty="0">
+                  <a:solidFill>
+                    <a:schemeClr val="accent5">
+                      <a:lumMod val="75000"/>
+                    </a:schemeClr>
+                  </a:solidFill>
+                  <a:latin typeface="Calibri" panose="020F0502020204030204"/>
+                </a:rPr>
+                <a:t>“It's so brilliant that #</a:t>
+              </a:r>
+              <a:r>
+                <a:rPr lang="en-US" sz="2000" dirty="0" err="1">
+                  <a:solidFill>
+                    <a:schemeClr val="accent5">
+                      <a:lumMod val="75000"/>
+                    </a:schemeClr>
+                  </a:solidFill>
+                  <a:latin typeface="Calibri" panose="020F0502020204030204"/>
+                </a:rPr>
+                <a:t>lovewins</a:t>
+              </a:r>
+              <a:r>
+                <a:rPr lang="en-US" sz="2000" dirty="0">
+                  <a:solidFill>
+                    <a:schemeClr val="accent5">
+                      <a:lumMod val="75000"/>
+                    </a:schemeClr>
+                  </a:solidFill>
+                  <a:latin typeface="Calibri" panose="020F0502020204030204"/>
+                </a:rPr>
+                <a:t> - now extend the equality to women's rights #</a:t>
+              </a:r>
+              <a:r>
+                <a:rPr lang="en-US" sz="2000" dirty="0" err="1">
+                  <a:solidFill>
+                    <a:schemeClr val="accent5">
+                      <a:lumMod val="75000"/>
+                    </a:schemeClr>
+                  </a:solidFill>
+                  <a:latin typeface="Calibri" panose="020F0502020204030204"/>
+                </a:rPr>
+                <a:t>abortionrights</a:t>
+              </a:r>
+              <a:r>
+                <a:rPr lang="en-US" sz="2000" dirty="0">
+                  <a:solidFill>
+                    <a:schemeClr val="accent5">
+                      <a:lumMod val="75000"/>
+                    </a:schemeClr>
+                  </a:solidFill>
+                  <a:latin typeface="Calibri" panose="020F0502020204030204"/>
+                </a:rPr>
+                <a:t>.”</a:t>
+              </a:r>
+              <a:r>
+                <a:rPr lang="en-US" sz="2000" dirty="0">
+                  <a:solidFill>
+                    <a:prstClr val="black"/>
+                  </a:solidFill>
+                  <a:latin typeface="Calibri" panose="020F0502020204030204"/>
+                </a:rPr>
+                <a:t> </a:t>
+              </a:r>
+              <a:r>
+                <a:rPr lang="en-US" sz="1600" dirty="0">
+                  <a:solidFill>
+                    <a:prstClr val="black"/>
+                  </a:solidFill>
+                  <a:latin typeface="Calibri" panose="020F0502020204030204"/>
+                </a:rPr>
+                <a:t>The stance of the tweet is: </a:t>
+              </a:r>
+            </a:p>
+          </p:txBody>
+        </p:sp>
+        <p:sp>
+          <p:nvSpPr>
+            <p:cNvPr id="8" name="TextBox 7">
+              <a:extLst>
+                <a:ext uri="{FF2B5EF4-FFF2-40B4-BE49-F238E27FC236}">
+                  <a16:creationId xmlns:a16="http://schemas.microsoft.com/office/drawing/2014/main" id="{8CFAF8A9-36DF-56D8-7A8C-95D2A67A0DAD}"/>
+                </a:ext>
+              </a:extLst>
+            </p:cNvPr>
+            <p:cNvSpPr txBox="1"/>
+            <p:nvPr/>
+          </p:nvSpPr>
+          <p:spPr>
+            <a:xfrm>
+              <a:off x="2509043" y="1653860"/>
+              <a:ext cx="2254981" cy="400110"/>
+            </a:xfrm>
+            <a:prstGeom prst="rect">
+              <a:avLst/>
+            </a:prstGeom>
+            <a:noFill/>
+          </p:spPr>
+          <p:txBody>
+            <a:bodyPr wrap="square" rtlCol="0">
+              <a:spAutoFit/>
+            </a:bodyPr>
+            <a:lstStyle/>
+            <a:p>
+              <a:pPr algn="ctr"/>
+              <a:r>
+                <a:rPr lang="en-TW" sz="2000" dirty="0">
+                  <a:solidFill>
+                    <a:schemeClr val="accent6">
+                      <a:lumMod val="75000"/>
+                    </a:schemeClr>
+                  </a:solidFill>
+                  <a:latin typeface="Calibri" panose="020F0502020204030204"/>
+                </a:rPr>
+                <a:t>Task Description</a:t>
+              </a:r>
+            </a:p>
+          </p:txBody>
+        </p:sp>
+        <p:cxnSp>
+          <p:nvCxnSpPr>
+            <p:cNvPr id="10" name="Straight Arrow Connector 9">
+              <a:extLst>
+                <a:ext uri="{FF2B5EF4-FFF2-40B4-BE49-F238E27FC236}">
+                  <a16:creationId xmlns:a16="http://schemas.microsoft.com/office/drawing/2014/main" id="{EE134B28-38C3-FEBC-76D0-E2D82096689D}"/>
+                </a:ext>
+              </a:extLst>
+            </p:cNvPr>
+            <p:cNvCxnSpPr>
+              <a:cxnSpLocks/>
+              <a:stCxn id="8" idx="2"/>
+            </p:cNvCxnSpPr>
+            <p:nvPr/>
+          </p:nvCxnSpPr>
+          <p:spPr>
+            <a:xfrm>
+              <a:off x="3636534" y="2053970"/>
+              <a:ext cx="11922" cy="460630"/>
+            </a:xfrm>
+            <a:prstGeom prst="straightConnector1">
+              <a:avLst/>
+            </a:prstGeom>
+            <a:ln w="28575">
+              <a:solidFill>
+                <a:schemeClr val="accent6">
+                  <a:lumMod val="75000"/>
+                </a:schemeClr>
+              </a:solidFill>
+              <a:tailEnd type="triangle"/>
+            </a:ln>
+          </p:spPr>
+          <p:style>
+            <a:lnRef idx="1">
+              <a:schemeClr val="accent1"/>
+            </a:lnRef>
+            <a:fillRef idx="0">
+              <a:schemeClr val="accent1"/>
+            </a:fillRef>
+            <a:effectRef idx="0">
+              <a:schemeClr val="accent1"/>
+            </a:effectRef>
+            <a:fontRef idx="minor">
+              <a:schemeClr val="tx1"/>
+            </a:fontRef>
+          </p:style>
+        </p:cxnSp>
+        <p:sp>
+          <p:nvSpPr>
+            <p:cNvPr id="12" name="TextBox 11">
+              <a:extLst>
+                <a:ext uri="{FF2B5EF4-FFF2-40B4-BE49-F238E27FC236}">
+                  <a16:creationId xmlns:a16="http://schemas.microsoft.com/office/drawing/2014/main" id="{E087CB6D-9D82-F95C-9972-DA4C06707291}"/>
+                </a:ext>
+              </a:extLst>
+            </p:cNvPr>
+            <p:cNvSpPr txBox="1"/>
+            <p:nvPr/>
+          </p:nvSpPr>
+          <p:spPr>
+            <a:xfrm>
+              <a:off x="482662" y="2709709"/>
+              <a:ext cx="2254981" cy="400110"/>
+            </a:xfrm>
+            <a:prstGeom prst="rect">
+              <a:avLst/>
+            </a:prstGeom>
+            <a:noFill/>
+          </p:spPr>
+          <p:txBody>
+            <a:bodyPr wrap="square" rtlCol="0">
+              <a:spAutoFit/>
+            </a:bodyPr>
+            <a:lstStyle/>
+            <a:p>
+              <a:pPr algn="ctr"/>
+              <a:r>
+                <a:rPr lang="en-TW" sz="2000" dirty="0">
+                  <a:solidFill>
+                    <a:srgbClr val="C00000"/>
+                  </a:solidFill>
+                  <a:latin typeface="Calibri" panose="020F0502020204030204"/>
+                </a:rPr>
+                <a:t>Possible Labels</a:t>
+              </a:r>
+            </a:p>
+          </p:txBody>
+        </p:sp>
+        <p:cxnSp>
+          <p:nvCxnSpPr>
+            <p:cNvPr id="13" name="Straight Arrow Connector 12">
+              <a:extLst>
+                <a:ext uri="{FF2B5EF4-FFF2-40B4-BE49-F238E27FC236}">
+                  <a16:creationId xmlns:a16="http://schemas.microsoft.com/office/drawing/2014/main" id="{9E9A7B65-F9B2-B727-F48E-F0D0FED1DD35}"/>
+                </a:ext>
+              </a:extLst>
+            </p:cNvPr>
+            <p:cNvCxnSpPr>
+              <a:cxnSpLocks/>
+              <a:stCxn id="12" idx="2"/>
+              <a:endCxn id="2" idx="1"/>
+            </p:cNvCxnSpPr>
+            <p:nvPr/>
+          </p:nvCxnSpPr>
+          <p:spPr>
+            <a:xfrm>
+              <a:off x="1610153" y="3109819"/>
+              <a:ext cx="890285" cy="122586"/>
+            </a:xfrm>
+            <a:prstGeom prst="straightConnector1">
+              <a:avLst/>
+            </a:prstGeom>
+            <a:ln w="28575">
+              <a:solidFill>
+                <a:srgbClr val="C00000"/>
+              </a:solidFill>
+              <a:tailEnd type="triangle"/>
+            </a:ln>
+          </p:spPr>
+          <p:style>
+            <a:lnRef idx="1">
+              <a:schemeClr val="accent1"/>
+            </a:lnRef>
+            <a:fillRef idx="0">
+              <a:schemeClr val="accent1"/>
+            </a:fillRef>
+            <a:effectRef idx="0">
+              <a:schemeClr val="accent1"/>
+            </a:effectRef>
+            <a:fontRef idx="minor">
+              <a:schemeClr val="tx1"/>
+            </a:fontRef>
+          </p:style>
+        </p:cxnSp>
+        <p:sp>
+          <p:nvSpPr>
+            <p:cNvPr id="17" name="TextBox 16">
+              <a:extLst>
+                <a:ext uri="{FF2B5EF4-FFF2-40B4-BE49-F238E27FC236}">
+                  <a16:creationId xmlns:a16="http://schemas.microsoft.com/office/drawing/2014/main" id="{7203F0DB-5576-9F4E-AFF9-CB1428296E75}"/>
+                </a:ext>
+              </a:extLst>
+            </p:cNvPr>
+            <p:cNvSpPr txBox="1"/>
+            <p:nvPr/>
+          </p:nvSpPr>
+          <p:spPr>
+            <a:xfrm>
+              <a:off x="6008147" y="4410840"/>
+              <a:ext cx="2254981" cy="400110"/>
+            </a:xfrm>
+            <a:prstGeom prst="rect">
+              <a:avLst/>
+            </a:prstGeom>
+            <a:noFill/>
+          </p:spPr>
+          <p:txBody>
+            <a:bodyPr wrap="square" rtlCol="0">
+              <a:spAutoFit/>
+            </a:bodyPr>
+            <a:lstStyle/>
+            <a:p>
+              <a:pPr algn="ctr"/>
+              <a:r>
+                <a:rPr lang="en-TW" sz="2000" dirty="0">
+                  <a:solidFill>
+                    <a:schemeClr val="accent5">
+                      <a:lumMod val="75000"/>
+                    </a:schemeClr>
+                  </a:solidFill>
+                  <a:latin typeface="Calibri" panose="020F0502020204030204"/>
+                </a:rPr>
+                <a:t>Tweet of Interest</a:t>
+              </a:r>
+            </a:p>
+          </p:txBody>
+        </p:sp>
+        <p:cxnSp>
+          <p:nvCxnSpPr>
+            <p:cNvPr id="18" name="Straight Arrow Connector 17">
+              <a:extLst>
+                <a:ext uri="{FF2B5EF4-FFF2-40B4-BE49-F238E27FC236}">
+                  <a16:creationId xmlns:a16="http://schemas.microsoft.com/office/drawing/2014/main" id="{7C3ECF62-DF12-4B49-6EA5-F8A7FDB0AEFE}"/>
+                </a:ext>
+              </a:extLst>
+            </p:cNvPr>
+            <p:cNvCxnSpPr>
+              <a:cxnSpLocks/>
+              <a:stCxn id="17" idx="0"/>
+            </p:cNvCxnSpPr>
+            <p:nvPr/>
+          </p:nvCxnSpPr>
+          <p:spPr>
+            <a:xfrm flipH="1" flipV="1">
+              <a:off x="7135637" y="3721608"/>
+              <a:ext cx="1" cy="689232"/>
+            </a:xfrm>
+            <a:prstGeom prst="straightConnector1">
+              <a:avLst/>
+            </a:prstGeom>
+            <a:ln w="28575">
+              <a:solidFill>
+                <a:schemeClr val="accent5">
+                  <a:lumMod val="75000"/>
+                </a:schemeClr>
+              </a:solidFill>
+              <a:tailEnd type="triangle"/>
+            </a:ln>
+          </p:spPr>
+          <p:style>
+            <a:lnRef idx="1">
+              <a:schemeClr val="accent1"/>
+            </a:lnRef>
+            <a:fillRef idx="0">
+              <a:schemeClr val="accent1"/>
+            </a:fillRef>
+            <a:effectRef idx="0">
+              <a:schemeClr val="accent1"/>
+            </a:effectRef>
+            <a:fontRef idx="minor">
+              <a:schemeClr val="tx1"/>
+            </a:fontRef>
+          </p:style>
+        </p:cxnSp>
+      </p:grpSp>
+    </p:spTree>
+    <p:extLst>
+      <p:ext uri="{BB962C8B-B14F-4D97-AF65-F5344CB8AC3E}">
+        <p14:creationId xmlns:p14="http://schemas.microsoft.com/office/powerpoint/2010/main" val="1029871097"/>
+      </p:ext>
+    </p:extLst>
+  </p:cSld>
+  <p:clrMapOvr>
+    <a:masterClrMapping/>
+  </p:clrMapOvr>
+</p:sld>
+</file>
+
+<file path=ppt/slides/slide16.xml><?xml version="1.0" encoding="utf-8"?>
+<p:sld xmlns:a="http://schemas.openxmlformats.org/drawingml/2006/main" xmlns:r="http://schemas.openxmlformats.org/officeDocument/2006/relationships" xmlns:p="http://schemas.openxmlformats.org/presentationml/2006/main">
+  <p:cSld>
+    <p:spTree>
+      <p:nvGrpSpPr>
+        <p:cNvPr id="1" name="Shape 60"/>
+        <p:cNvGrpSpPr/>
+        <p:nvPr/>
+      </p:nvGrpSpPr>
+      <p:grpSpPr>
+        <a:xfrm>
+          <a:off x="0" y="0"/>
+          <a:ext cx="0" cy="0"/>
+          <a:chOff x="0" y="0"/>
+          <a:chExt cx="0" cy="0"/>
+        </a:xfrm>
+      </p:grpSpPr>
       <p:grpSp>
         <p:nvGrpSpPr>
           <p:cNvPr id="35" name="Group 34">
@@ -6011,7 +9090,7 @@
 </p:sld>
 </file>
 
-<file path=ppt/slides/slide11.xml><?xml version="1.0" encoding="utf-8"?>
+<file path=ppt/slides/slide17.xml><?xml version="1.0" encoding="utf-8"?>
 <p:sld xmlns:a="http://schemas.openxmlformats.org/drawingml/2006/main" xmlns:r="http://schemas.openxmlformats.org/officeDocument/2006/relationships" xmlns:p="http://schemas.openxmlformats.org/presentationml/2006/main" show="0">
   <p:cSld>
     <p:spTree>
@@ -6345,7 +9424,7 @@
 </p:sld>
 </file>
 
-<file path=ppt/slides/slide12.xml><?xml version="1.0" encoding="utf-8"?>
+<file path=ppt/slides/slide18.xml><?xml version="1.0" encoding="utf-8"?>
 <p:sld xmlns:a="http://schemas.openxmlformats.org/drawingml/2006/main" xmlns:r="http://schemas.openxmlformats.org/officeDocument/2006/relationships" xmlns:p="http://schemas.openxmlformats.org/presentationml/2006/main">
   <p:cSld>
     <p:spTree>
@@ -7066,7 +10145,7 @@
 </p:sld>
 </file>
 
-<file path=ppt/slides/slide13.xml><?xml version="1.0" encoding="utf-8"?>
+<file path=ppt/slides/slide19.xml><?xml version="1.0" encoding="utf-8"?>
 <p:sld xmlns:a="http://schemas.openxmlformats.org/drawingml/2006/main" xmlns:r="http://schemas.openxmlformats.org/officeDocument/2006/relationships" xmlns:p="http://schemas.openxmlformats.org/presentationml/2006/main">
   <p:cSld>
     <p:spTree>
@@ -7754,441 +10833,6 @@
 </p:sld>
 </file>
 
-<file path=ppt/slides/slide14.xml><?xml version="1.0" encoding="utf-8"?>
-<p:sld xmlns:a="http://schemas.openxmlformats.org/drawingml/2006/main" xmlns:r="http://schemas.openxmlformats.org/officeDocument/2006/relationships" xmlns:p="http://schemas.openxmlformats.org/presentationml/2006/main">
-  <p:cSld>
-    <p:spTree>
-      <p:nvGrpSpPr>
-        <p:cNvPr id="1" name=""/>
-        <p:cNvGrpSpPr/>
-        <p:nvPr/>
-      </p:nvGrpSpPr>
-      <p:grpSpPr>
-        <a:xfrm>
-          <a:off x="0" y="0"/>
-          <a:ext cx="0" cy="0"/>
-          <a:chOff x="0" y="0"/>
-          <a:chExt cx="0" cy="0"/>
-        </a:xfrm>
-      </p:grpSpPr>
-      <p:grpSp>
-        <p:nvGrpSpPr>
-          <p:cNvPr id="17" name="Group 16">
-            <a:extLst>
-              <a:ext uri="{FF2B5EF4-FFF2-40B4-BE49-F238E27FC236}">
-                <a16:creationId xmlns:a16="http://schemas.microsoft.com/office/drawing/2014/main" id="{DEC2BE0E-09E1-BA21-DA9C-9367561C0E54}"/>
-              </a:ext>
-            </a:extLst>
-          </p:cNvPr>
-          <p:cNvGrpSpPr/>
-          <p:nvPr/>
-        </p:nvGrpSpPr>
-        <p:grpSpPr>
-          <a:xfrm>
-            <a:off x="81061" y="1655063"/>
-            <a:ext cx="12034739" cy="3227833"/>
-            <a:chOff x="81061" y="1655063"/>
-            <a:chExt cx="12034739" cy="3227833"/>
-          </a:xfrm>
-        </p:grpSpPr>
-        <p:sp>
-          <p:nvSpPr>
-            <p:cNvPr id="11" name="Rectangle 10">
-              <a:extLst>
-                <a:ext uri="{FF2B5EF4-FFF2-40B4-BE49-F238E27FC236}">
-                  <a16:creationId xmlns:a16="http://schemas.microsoft.com/office/drawing/2014/main" id="{60AB4F84-CCF5-315D-B5B8-17B7D82CB891}"/>
-                </a:ext>
-              </a:extLst>
-            </p:cNvPr>
-            <p:cNvSpPr/>
-            <p:nvPr/>
-          </p:nvSpPr>
-          <p:spPr>
-            <a:xfrm>
-              <a:off x="81061" y="1655063"/>
-              <a:ext cx="12034739" cy="3227833"/>
-            </a:xfrm>
-            <a:prstGeom prst="rect">
-              <a:avLst/>
-            </a:prstGeom>
-            <a:solidFill>
-              <a:schemeClr val="bg1"/>
-            </a:solidFill>
-            <a:ln>
-              <a:noFill/>
-            </a:ln>
-          </p:spPr>
-          <p:style>
-            <a:lnRef idx="2">
-              <a:schemeClr val="accent1">
-                <a:shade val="50000"/>
-              </a:schemeClr>
-            </a:lnRef>
-            <a:fillRef idx="1">
-              <a:schemeClr val="accent1"/>
-            </a:fillRef>
-            <a:effectRef idx="0">
-              <a:schemeClr val="accent1"/>
-            </a:effectRef>
-            <a:fontRef idx="minor">
-              <a:schemeClr val="lt1"/>
-            </a:fontRef>
-          </p:style>
-          <p:txBody>
-            <a:bodyPr rtlCol="0" anchor="ctr"/>
-            <a:lstStyle/>
-            <a:p>
-              <a:pPr algn="ctr"/>
-              <a:endParaRPr lang="en-TW"/>
-            </a:p>
-          </p:txBody>
-        </p:sp>
-        <p:sp>
-          <p:nvSpPr>
-            <p:cNvPr id="9" name="TextBox 8">
-              <a:extLst>
-                <a:ext uri="{FF2B5EF4-FFF2-40B4-BE49-F238E27FC236}">
-                  <a16:creationId xmlns:a16="http://schemas.microsoft.com/office/drawing/2014/main" id="{9910E3E2-4912-7AF2-06D1-661059233874}"/>
-                </a:ext>
-              </a:extLst>
-            </p:cNvPr>
-            <p:cNvSpPr txBox="1"/>
-            <p:nvPr/>
-          </p:nvSpPr>
-          <p:spPr>
-            <a:xfrm>
-              <a:off x="1842454" y="1948152"/>
-              <a:ext cx="2227010" cy="492443"/>
-            </a:xfrm>
-            <a:prstGeom prst="rect">
-              <a:avLst/>
-            </a:prstGeom>
-            <a:noFill/>
-          </p:spPr>
-          <p:txBody>
-            <a:bodyPr wrap="square" rtlCol="0">
-              <a:spAutoFit/>
-            </a:bodyPr>
-            <a:lstStyle/>
-            <a:p>
-              <a:pPr algn="ctr"/>
-              <a:r>
-                <a:rPr lang="en-TW" sz="2600" b="1" dirty="0">
-                  <a:latin typeface="Calibri" panose="020F0502020204030204"/>
-                </a:rPr>
-                <a:t>Zero-shot</a:t>
-              </a:r>
-            </a:p>
-          </p:txBody>
-        </p:sp>
-        <p:sp>
-          <p:nvSpPr>
-            <p:cNvPr id="10" name="TextBox 9">
-              <a:extLst>
-                <a:ext uri="{FF2B5EF4-FFF2-40B4-BE49-F238E27FC236}">
-                  <a16:creationId xmlns:a16="http://schemas.microsoft.com/office/drawing/2014/main" id="{12932A7D-2B16-D199-2184-3E18939F265C}"/>
-                </a:ext>
-              </a:extLst>
-            </p:cNvPr>
-            <p:cNvSpPr txBox="1"/>
-            <p:nvPr/>
-          </p:nvSpPr>
-          <p:spPr>
-            <a:xfrm>
-              <a:off x="7975030" y="1948152"/>
-              <a:ext cx="2227010" cy="492443"/>
-            </a:xfrm>
-            <a:prstGeom prst="rect">
-              <a:avLst/>
-            </a:prstGeom>
-            <a:noFill/>
-          </p:spPr>
-          <p:txBody>
-            <a:bodyPr wrap="square" rtlCol="0">
-              <a:spAutoFit/>
-            </a:bodyPr>
-            <a:lstStyle/>
-            <a:p>
-              <a:pPr algn="ctr"/>
-              <a:r>
-                <a:rPr lang="en-TW" sz="2600" b="1" dirty="0">
-                  <a:latin typeface="Calibri" panose="020F0502020204030204"/>
-                </a:rPr>
-                <a:t>Zero-shot CoT</a:t>
-              </a:r>
-            </a:p>
-          </p:txBody>
-        </p:sp>
-        <p:pic>
-          <p:nvPicPr>
-            <p:cNvPr id="8" name="Picture 7" descr="Graphical user interface, text, application, chat or text message&#10;&#10;Description automatically generated">
-              <a:extLst>
-                <a:ext uri="{FF2B5EF4-FFF2-40B4-BE49-F238E27FC236}">
-                  <a16:creationId xmlns:a16="http://schemas.microsoft.com/office/drawing/2014/main" id="{2B826F89-AD79-FB76-2E1F-9CD68C632DDC}"/>
-                </a:ext>
-              </a:extLst>
-            </p:cNvPr>
-            <p:cNvPicPr>
-              <a:picLocks noChangeAspect="1"/>
-            </p:cNvPicPr>
-            <p:nvPr/>
-          </p:nvPicPr>
-          <p:blipFill rotWithShape="1">
-            <a:blip r:embed="rId2"/>
-            <a:srcRect t="2348"/>
-            <a:stretch/>
-          </p:blipFill>
-          <p:spPr>
-            <a:xfrm>
-              <a:off x="181293" y="2487168"/>
-              <a:ext cx="11829413" cy="2020824"/>
-            </a:xfrm>
-            <a:prstGeom prst="rect">
-              <a:avLst/>
-            </a:prstGeom>
-          </p:spPr>
-        </p:pic>
-      </p:grpSp>
-    </p:spTree>
-    <p:extLst>
-      <p:ext uri="{BB962C8B-B14F-4D97-AF65-F5344CB8AC3E}">
-        <p14:creationId xmlns:p14="http://schemas.microsoft.com/office/powerpoint/2010/main" val="397111021"/>
-      </p:ext>
-    </p:extLst>
-  </p:cSld>
-  <p:clrMapOvr>
-    <a:masterClrMapping/>
-  </p:clrMapOvr>
-</p:sld>
-</file>
-
-<file path=ppt/slides/slide15.xml><?xml version="1.0" encoding="utf-8"?>
-<p:sld xmlns:a="http://schemas.openxmlformats.org/drawingml/2006/main" xmlns:r="http://schemas.openxmlformats.org/officeDocument/2006/relationships" xmlns:p="http://schemas.openxmlformats.org/presentationml/2006/main">
-  <p:cSld>
-    <p:spTree>
-      <p:nvGrpSpPr>
-        <p:cNvPr id="1" name=""/>
-        <p:cNvGrpSpPr/>
-        <p:nvPr/>
-      </p:nvGrpSpPr>
-      <p:grpSpPr>
-        <a:xfrm>
-          <a:off x="0" y="0"/>
-          <a:ext cx="0" cy="0"/>
-          <a:chOff x="0" y="0"/>
-          <a:chExt cx="0" cy="0"/>
-        </a:xfrm>
-      </p:grpSpPr>
-      <p:pic>
-        <p:nvPicPr>
-          <p:cNvPr id="3" name="Graphic 2">
-            <a:extLst>
-              <a:ext uri="{FF2B5EF4-FFF2-40B4-BE49-F238E27FC236}">
-                <a16:creationId xmlns:a16="http://schemas.microsoft.com/office/drawing/2014/main" id="{2DC7FD5A-2C14-8C0A-6CE0-3414FF784D1D}"/>
-              </a:ext>
-            </a:extLst>
-          </p:cNvPr>
-          <p:cNvPicPr>
-            <a:picLocks noChangeAspect="1"/>
-          </p:cNvPicPr>
-          <p:nvPr/>
-        </p:nvPicPr>
-        <p:blipFill>
-          <a:blip r:embed="rId2">
-            <a:extLst>
-              <a:ext uri="{96DAC541-7B7A-43D3-8B79-37D633B846F1}">
-                <asvg:svgBlip xmlns:asvg="http://schemas.microsoft.com/office/drawing/2016/SVG/main" r:embed="rId3"/>
-              </a:ext>
-            </a:extLst>
-          </a:blip>
-          <a:stretch>
-            <a:fillRect/>
-          </a:stretch>
-        </p:blipFill>
-        <p:spPr>
-          <a:xfrm>
-            <a:off x="1379982" y="543624"/>
-            <a:ext cx="9854894" cy="5843778"/>
-          </a:xfrm>
-          <a:prstGeom prst="rect">
-            <a:avLst/>
-          </a:prstGeom>
-        </p:spPr>
-      </p:pic>
-    </p:spTree>
-    <p:extLst>
-      <p:ext uri="{BB962C8B-B14F-4D97-AF65-F5344CB8AC3E}">
-        <p14:creationId xmlns:p14="http://schemas.microsoft.com/office/powerpoint/2010/main" val="2637334678"/>
-      </p:ext>
-    </p:extLst>
-  </p:cSld>
-  <p:clrMapOvr>
-    <a:masterClrMapping/>
-  </p:clrMapOvr>
-</p:sld>
-</file>
-
-<file path=ppt/slides/slide16.xml><?xml version="1.0" encoding="utf-8"?>
-<p:sld xmlns:a="http://schemas.openxmlformats.org/drawingml/2006/main" xmlns:r="http://schemas.openxmlformats.org/officeDocument/2006/relationships" xmlns:p="http://schemas.openxmlformats.org/presentationml/2006/main">
-  <p:cSld>
-    <p:spTree>
-      <p:nvGrpSpPr>
-        <p:cNvPr id="1" name=""/>
-        <p:cNvGrpSpPr/>
-        <p:nvPr/>
-      </p:nvGrpSpPr>
-      <p:grpSpPr>
-        <a:xfrm>
-          <a:off x="0" y="0"/>
-          <a:ext cx="0" cy="0"/>
-          <a:chOff x="0" y="0"/>
-          <a:chExt cx="0" cy="0"/>
-        </a:xfrm>
-      </p:grpSpPr>
-      <p:grpSp>
-        <p:nvGrpSpPr>
-          <p:cNvPr id="8" name="Group 7">
-            <a:extLst>
-              <a:ext uri="{FF2B5EF4-FFF2-40B4-BE49-F238E27FC236}">
-                <a16:creationId xmlns:a16="http://schemas.microsoft.com/office/drawing/2014/main" id="{2DF12820-73B4-F70E-26E1-C0EC08F25EE8}"/>
-              </a:ext>
-            </a:extLst>
-          </p:cNvPr>
-          <p:cNvGrpSpPr/>
-          <p:nvPr/>
-        </p:nvGrpSpPr>
-        <p:grpSpPr>
-          <a:xfrm>
-            <a:off x="2039112" y="905256"/>
-            <a:ext cx="9153144" cy="4754880"/>
-            <a:chOff x="2039112" y="905256"/>
-            <a:chExt cx="9153144" cy="4754880"/>
-          </a:xfrm>
-        </p:grpSpPr>
-        <p:sp>
-          <p:nvSpPr>
-            <p:cNvPr id="7" name="Rectangle 6">
-              <a:extLst>
-                <a:ext uri="{FF2B5EF4-FFF2-40B4-BE49-F238E27FC236}">
-                  <a16:creationId xmlns:a16="http://schemas.microsoft.com/office/drawing/2014/main" id="{3309811D-CCCF-CEC7-415D-011720E822FD}"/>
-                </a:ext>
-              </a:extLst>
-            </p:cNvPr>
-            <p:cNvSpPr/>
-            <p:nvPr/>
-          </p:nvSpPr>
-          <p:spPr>
-            <a:xfrm>
-              <a:off x="2039112" y="905256"/>
-              <a:ext cx="9153144" cy="4754880"/>
-            </a:xfrm>
-            <a:prstGeom prst="rect">
-              <a:avLst/>
-            </a:prstGeom>
-            <a:solidFill>
-              <a:schemeClr val="bg1"/>
-            </a:solidFill>
-            <a:ln>
-              <a:noFill/>
-            </a:ln>
-          </p:spPr>
-          <p:style>
-            <a:lnRef idx="2">
-              <a:schemeClr val="accent1">
-                <a:shade val="50000"/>
-              </a:schemeClr>
-            </a:lnRef>
-            <a:fillRef idx="1">
-              <a:schemeClr val="accent1"/>
-            </a:fillRef>
-            <a:effectRef idx="0">
-              <a:schemeClr val="accent1"/>
-            </a:effectRef>
-            <a:fontRef idx="minor">
-              <a:schemeClr val="lt1"/>
-            </a:fontRef>
-          </p:style>
-          <p:txBody>
-            <a:bodyPr rtlCol="0" anchor="ctr"/>
-            <a:lstStyle/>
-            <a:p>
-              <a:pPr algn="ctr"/>
-              <a:endParaRPr lang="en-TW"/>
-            </a:p>
-          </p:txBody>
-        </p:sp>
-        <p:pic>
-          <p:nvPicPr>
-            <p:cNvPr id="4" name="Picture 3" descr="Graphical user interface, text, application&#10;&#10;Description automatically generated">
-              <a:extLst>
-                <a:ext uri="{FF2B5EF4-FFF2-40B4-BE49-F238E27FC236}">
-                  <a16:creationId xmlns:a16="http://schemas.microsoft.com/office/drawing/2014/main" id="{FA9CC133-5A42-6BDE-3A37-DF1E6F0C5DD7}"/>
-                </a:ext>
-              </a:extLst>
-            </p:cNvPr>
-            <p:cNvPicPr>
-              <a:picLocks noChangeAspect="1"/>
-            </p:cNvPicPr>
-            <p:nvPr/>
-          </p:nvPicPr>
-          <p:blipFill rotWithShape="1">
-            <a:blip r:embed="rId2"/>
-            <a:srcRect l="43059" t="35464" r="3059" b="86"/>
-            <a:stretch/>
-          </p:blipFill>
-          <p:spPr>
-            <a:xfrm>
-              <a:off x="5992368" y="1854412"/>
-              <a:ext cx="4888992" cy="2818109"/>
-            </a:xfrm>
-            <a:prstGeom prst="rect">
-              <a:avLst/>
-            </a:prstGeom>
-          </p:spPr>
-        </p:pic>
-        <p:pic>
-          <p:nvPicPr>
-            <p:cNvPr id="6" name="Picture 5" descr="Graphical user interface&#10;&#10;Description automatically generated">
-              <a:extLst>
-                <a:ext uri="{FF2B5EF4-FFF2-40B4-BE49-F238E27FC236}">
-                  <a16:creationId xmlns:a16="http://schemas.microsoft.com/office/drawing/2014/main" id="{1998836B-12BE-0927-C636-E04CA142B4DB}"/>
-                </a:ext>
-              </a:extLst>
-            </p:cNvPr>
-            <p:cNvPicPr>
-              <a:picLocks noChangeAspect="1"/>
-            </p:cNvPicPr>
-            <p:nvPr/>
-          </p:nvPicPr>
-          <p:blipFill rotWithShape="1">
-            <a:blip r:embed="rId3"/>
-            <a:srcRect l="24003" t="-1533" r="35173" b="-1109"/>
-            <a:stretch/>
-          </p:blipFill>
-          <p:spPr>
-            <a:xfrm>
-              <a:off x="2194560" y="973773"/>
-              <a:ext cx="3172968" cy="4471416"/>
-            </a:xfrm>
-            <a:prstGeom prst="rect">
-              <a:avLst/>
-            </a:prstGeom>
-          </p:spPr>
-        </p:pic>
-      </p:grpSp>
-    </p:spTree>
-    <p:extLst>
-      <p:ext uri="{BB962C8B-B14F-4D97-AF65-F5344CB8AC3E}">
-        <p14:creationId xmlns:p14="http://schemas.microsoft.com/office/powerpoint/2010/main" val="470430699"/>
-      </p:ext>
-    </p:extLst>
-  </p:cSld>
-  <p:clrMapOvr>
-    <a:masterClrMapping/>
-  </p:clrMapOvr>
-</p:sld>
-</file>
-
 <file path=ppt/slides/slide2.xml><?xml version="1.0" encoding="utf-8"?>
 <p:sld xmlns:a="http://schemas.openxmlformats.org/drawingml/2006/main" xmlns:r="http://schemas.openxmlformats.org/officeDocument/2006/relationships" xmlns:p="http://schemas.openxmlformats.org/presentationml/2006/main">
   <p:cSld>
@@ -8847,6 +11491,441 @@
     <p:extLst>
       <p:ext uri="{BB962C8B-B14F-4D97-AF65-F5344CB8AC3E}">
         <p14:creationId xmlns:p14="http://schemas.microsoft.com/office/powerpoint/2010/main" val="1276252689"/>
+      </p:ext>
+    </p:extLst>
+  </p:cSld>
+  <p:clrMapOvr>
+    <a:masterClrMapping/>
+  </p:clrMapOvr>
+</p:sld>
+</file>
+
+<file path=ppt/slides/slide20.xml><?xml version="1.0" encoding="utf-8"?>
+<p:sld xmlns:a="http://schemas.openxmlformats.org/drawingml/2006/main" xmlns:r="http://schemas.openxmlformats.org/officeDocument/2006/relationships" xmlns:p="http://schemas.openxmlformats.org/presentationml/2006/main">
+  <p:cSld>
+    <p:spTree>
+      <p:nvGrpSpPr>
+        <p:cNvPr id="1" name=""/>
+        <p:cNvGrpSpPr/>
+        <p:nvPr/>
+      </p:nvGrpSpPr>
+      <p:grpSpPr>
+        <a:xfrm>
+          <a:off x="0" y="0"/>
+          <a:ext cx="0" cy="0"/>
+          <a:chOff x="0" y="0"/>
+          <a:chExt cx="0" cy="0"/>
+        </a:xfrm>
+      </p:grpSpPr>
+      <p:grpSp>
+        <p:nvGrpSpPr>
+          <p:cNvPr id="17" name="Group 16">
+            <a:extLst>
+              <a:ext uri="{FF2B5EF4-FFF2-40B4-BE49-F238E27FC236}">
+                <a16:creationId xmlns:a16="http://schemas.microsoft.com/office/drawing/2014/main" id="{DEC2BE0E-09E1-BA21-DA9C-9367561C0E54}"/>
+              </a:ext>
+            </a:extLst>
+          </p:cNvPr>
+          <p:cNvGrpSpPr/>
+          <p:nvPr/>
+        </p:nvGrpSpPr>
+        <p:grpSpPr>
+          <a:xfrm>
+            <a:off x="81061" y="1655063"/>
+            <a:ext cx="12034739" cy="3227833"/>
+            <a:chOff x="81061" y="1655063"/>
+            <a:chExt cx="12034739" cy="3227833"/>
+          </a:xfrm>
+        </p:grpSpPr>
+        <p:sp>
+          <p:nvSpPr>
+            <p:cNvPr id="11" name="Rectangle 10">
+              <a:extLst>
+                <a:ext uri="{FF2B5EF4-FFF2-40B4-BE49-F238E27FC236}">
+                  <a16:creationId xmlns:a16="http://schemas.microsoft.com/office/drawing/2014/main" id="{60AB4F84-CCF5-315D-B5B8-17B7D82CB891}"/>
+                </a:ext>
+              </a:extLst>
+            </p:cNvPr>
+            <p:cNvSpPr/>
+            <p:nvPr/>
+          </p:nvSpPr>
+          <p:spPr>
+            <a:xfrm>
+              <a:off x="81061" y="1655063"/>
+              <a:ext cx="12034739" cy="3227833"/>
+            </a:xfrm>
+            <a:prstGeom prst="rect">
+              <a:avLst/>
+            </a:prstGeom>
+            <a:solidFill>
+              <a:schemeClr val="bg1"/>
+            </a:solidFill>
+            <a:ln>
+              <a:noFill/>
+            </a:ln>
+          </p:spPr>
+          <p:style>
+            <a:lnRef idx="2">
+              <a:schemeClr val="accent1">
+                <a:shade val="50000"/>
+              </a:schemeClr>
+            </a:lnRef>
+            <a:fillRef idx="1">
+              <a:schemeClr val="accent1"/>
+            </a:fillRef>
+            <a:effectRef idx="0">
+              <a:schemeClr val="accent1"/>
+            </a:effectRef>
+            <a:fontRef idx="minor">
+              <a:schemeClr val="lt1"/>
+            </a:fontRef>
+          </p:style>
+          <p:txBody>
+            <a:bodyPr rtlCol="0" anchor="ctr"/>
+            <a:lstStyle/>
+            <a:p>
+              <a:pPr algn="ctr"/>
+              <a:endParaRPr lang="en-TW"/>
+            </a:p>
+          </p:txBody>
+        </p:sp>
+        <p:sp>
+          <p:nvSpPr>
+            <p:cNvPr id="9" name="TextBox 8">
+              <a:extLst>
+                <a:ext uri="{FF2B5EF4-FFF2-40B4-BE49-F238E27FC236}">
+                  <a16:creationId xmlns:a16="http://schemas.microsoft.com/office/drawing/2014/main" id="{9910E3E2-4912-7AF2-06D1-661059233874}"/>
+                </a:ext>
+              </a:extLst>
+            </p:cNvPr>
+            <p:cNvSpPr txBox="1"/>
+            <p:nvPr/>
+          </p:nvSpPr>
+          <p:spPr>
+            <a:xfrm>
+              <a:off x="1842454" y="1948152"/>
+              <a:ext cx="2227010" cy="492443"/>
+            </a:xfrm>
+            <a:prstGeom prst="rect">
+              <a:avLst/>
+            </a:prstGeom>
+            <a:noFill/>
+          </p:spPr>
+          <p:txBody>
+            <a:bodyPr wrap="square" rtlCol="0">
+              <a:spAutoFit/>
+            </a:bodyPr>
+            <a:lstStyle/>
+            <a:p>
+              <a:pPr algn="ctr"/>
+              <a:r>
+                <a:rPr lang="en-TW" sz="2600" b="1" dirty="0">
+                  <a:latin typeface="Calibri" panose="020F0502020204030204"/>
+                </a:rPr>
+                <a:t>Zero-shot</a:t>
+              </a:r>
+            </a:p>
+          </p:txBody>
+        </p:sp>
+        <p:sp>
+          <p:nvSpPr>
+            <p:cNvPr id="10" name="TextBox 9">
+              <a:extLst>
+                <a:ext uri="{FF2B5EF4-FFF2-40B4-BE49-F238E27FC236}">
+                  <a16:creationId xmlns:a16="http://schemas.microsoft.com/office/drawing/2014/main" id="{12932A7D-2B16-D199-2184-3E18939F265C}"/>
+                </a:ext>
+              </a:extLst>
+            </p:cNvPr>
+            <p:cNvSpPr txBox="1"/>
+            <p:nvPr/>
+          </p:nvSpPr>
+          <p:spPr>
+            <a:xfrm>
+              <a:off x="7975030" y="1948152"/>
+              <a:ext cx="2227010" cy="492443"/>
+            </a:xfrm>
+            <a:prstGeom prst="rect">
+              <a:avLst/>
+            </a:prstGeom>
+            <a:noFill/>
+          </p:spPr>
+          <p:txBody>
+            <a:bodyPr wrap="square" rtlCol="0">
+              <a:spAutoFit/>
+            </a:bodyPr>
+            <a:lstStyle/>
+            <a:p>
+              <a:pPr algn="ctr"/>
+              <a:r>
+                <a:rPr lang="en-TW" sz="2600" b="1" dirty="0">
+                  <a:latin typeface="Calibri" panose="020F0502020204030204"/>
+                </a:rPr>
+                <a:t>Zero-shot CoT</a:t>
+              </a:r>
+            </a:p>
+          </p:txBody>
+        </p:sp>
+        <p:pic>
+          <p:nvPicPr>
+            <p:cNvPr id="8" name="Picture 7" descr="Graphical user interface, text, application, chat or text message&#10;&#10;Description automatically generated">
+              <a:extLst>
+                <a:ext uri="{FF2B5EF4-FFF2-40B4-BE49-F238E27FC236}">
+                  <a16:creationId xmlns:a16="http://schemas.microsoft.com/office/drawing/2014/main" id="{2B826F89-AD79-FB76-2E1F-9CD68C632DDC}"/>
+                </a:ext>
+              </a:extLst>
+            </p:cNvPr>
+            <p:cNvPicPr>
+              <a:picLocks noChangeAspect="1"/>
+            </p:cNvPicPr>
+            <p:nvPr/>
+          </p:nvPicPr>
+          <p:blipFill rotWithShape="1">
+            <a:blip r:embed="rId2"/>
+            <a:srcRect t="2348"/>
+            <a:stretch/>
+          </p:blipFill>
+          <p:spPr>
+            <a:xfrm>
+              <a:off x="181293" y="2487168"/>
+              <a:ext cx="11829413" cy="2020824"/>
+            </a:xfrm>
+            <a:prstGeom prst="rect">
+              <a:avLst/>
+            </a:prstGeom>
+          </p:spPr>
+        </p:pic>
+      </p:grpSp>
+    </p:spTree>
+    <p:extLst>
+      <p:ext uri="{BB962C8B-B14F-4D97-AF65-F5344CB8AC3E}">
+        <p14:creationId xmlns:p14="http://schemas.microsoft.com/office/powerpoint/2010/main" val="397111021"/>
+      </p:ext>
+    </p:extLst>
+  </p:cSld>
+  <p:clrMapOvr>
+    <a:masterClrMapping/>
+  </p:clrMapOvr>
+</p:sld>
+</file>
+
+<file path=ppt/slides/slide21.xml><?xml version="1.0" encoding="utf-8"?>
+<p:sld xmlns:a="http://schemas.openxmlformats.org/drawingml/2006/main" xmlns:r="http://schemas.openxmlformats.org/officeDocument/2006/relationships" xmlns:p="http://schemas.openxmlformats.org/presentationml/2006/main">
+  <p:cSld>
+    <p:spTree>
+      <p:nvGrpSpPr>
+        <p:cNvPr id="1" name=""/>
+        <p:cNvGrpSpPr/>
+        <p:nvPr/>
+      </p:nvGrpSpPr>
+      <p:grpSpPr>
+        <a:xfrm>
+          <a:off x="0" y="0"/>
+          <a:ext cx="0" cy="0"/>
+          <a:chOff x="0" y="0"/>
+          <a:chExt cx="0" cy="0"/>
+        </a:xfrm>
+      </p:grpSpPr>
+      <p:pic>
+        <p:nvPicPr>
+          <p:cNvPr id="3" name="Graphic 2">
+            <a:extLst>
+              <a:ext uri="{FF2B5EF4-FFF2-40B4-BE49-F238E27FC236}">
+                <a16:creationId xmlns:a16="http://schemas.microsoft.com/office/drawing/2014/main" id="{2DC7FD5A-2C14-8C0A-6CE0-3414FF784D1D}"/>
+              </a:ext>
+            </a:extLst>
+          </p:cNvPr>
+          <p:cNvPicPr>
+            <a:picLocks noChangeAspect="1"/>
+          </p:cNvPicPr>
+          <p:nvPr/>
+        </p:nvPicPr>
+        <p:blipFill>
+          <a:blip r:embed="rId2">
+            <a:extLst>
+              <a:ext uri="{96DAC541-7B7A-43D3-8B79-37D633B846F1}">
+                <asvg:svgBlip xmlns:asvg="http://schemas.microsoft.com/office/drawing/2016/SVG/main" r:embed="rId3"/>
+              </a:ext>
+            </a:extLst>
+          </a:blip>
+          <a:stretch>
+            <a:fillRect/>
+          </a:stretch>
+        </p:blipFill>
+        <p:spPr>
+          <a:xfrm>
+            <a:off x="1379982" y="543624"/>
+            <a:ext cx="9854894" cy="5843778"/>
+          </a:xfrm>
+          <a:prstGeom prst="rect">
+            <a:avLst/>
+          </a:prstGeom>
+        </p:spPr>
+      </p:pic>
+    </p:spTree>
+    <p:extLst>
+      <p:ext uri="{BB962C8B-B14F-4D97-AF65-F5344CB8AC3E}">
+        <p14:creationId xmlns:p14="http://schemas.microsoft.com/office/powerpoint/2010/main" val="2637334678"/>
+      </p:ext>
+    </p:extLst>
+  </p:cSld>
+  <p:clrMapOvr>
+    <a:masterClrMapping/>
+  </p:clrMapOvr>
+</p:sld>
+</file>
+
+<file path=ppt/slides/slide22.xml><?xml version="1.0" encoding="utf-8"?>
+<p:sld xmlns:a="http://schemas.openxmlformats.org/drawingml/2006/main" xmlns:r="http://schemas.openxmlformats.org/officeDocument/2006/relationships" xmlns:p="http://schemas.openxmlformats.org/presentationml/2006/main">
+  <p:cSld>
+    <p:spTree>
+      <p:nvGrpSpPr>
+        <p:cNvPr id="1" name=""/>
+        <p:cNvGrpSpPr/>
+        <p:nvPr/>
+      </p:nvGrpSpPr>
+      <p:grpSpPr>
+        <a:xfrm>
+          <a:off x="0" y="0"/>
+          <a:ext cx="0" cy="0"/>
+          <a:chOff x="0" y="0"/>
+          <a:chExt cx="0" cy="0"/>
+        </a:xfrm>
+      </p:grpSpPr>
+      <p:grpSp>
+        <p:nvGrpSpPr>
+          <p:cNvPr id="8" name="Group 7">
+            <a:extLst>
+              <a:ext uri="{FF2B5EF4-FFF2-40B4-BE49-F238E27FC236}">
+                <a16:creationId xmlns:a16="http://schemas.microsoft.com/office/drawing/2014/main" id="{2DF12820-73B4-F70E-26E1-C0EC08F25EE8}"/>
+              </a:ext>
+            </a:extLst>
+          </p:cNvPr>
+          <p:cNvGrpSpPr/>
+          <p:nvPr/>
+        </p:nvGrpSpPr>
+        <p:grpSpPr>
+          <a:xfrm>
+            <a:off x="2039112" y="905256"/>
+            <a:ext cx="9153144" cy="4754880"/>
+            <a:chOff x="2039112" y="905256"/>
+            <a:chExt cx="9153144" cy="4754880"/>
+          </a:xfrm>
+        </p:grpSpPr>
+        <p:sp>
+          <p:nvSpPr>
+            <p:cNvPr id="7" name="Rectangle 6">
+              <a:extLst>
+                <a:ext uri="{FF2B5EF4-FFF2-40B4-BE49-F238E27FC236}">
+                  <a16:creationId xmlns:a16="http://schemas.microsoft.com/office/drawing/2014/main" id="{3309811D-CCCF-CEC7-415D-011720E822FD}"/>
+                </a:ext>
+              </a:extLst>
+            </p:cNvPr>
+            <p:cNvSpPr/>
+            <p:nvPr/>
+          </p:nvSpPr>
+          <p:spPr>
+            <a:xfrm>
+              <a:off x="2039112" y="905256"/>
+              <a:ext cx="9153144" cy="4754880"/>
+            </a:xfrm>
+            <a:prstGeom prst="rect">
+              <a:avLst/>
+            </a:prstGeom>
+            <a:solidFill>
+              <a:schemeClr val="bg1"/>
+            </a:solidFill>
+            <a:ln>
+              <a:noFill/>
+            </a:ln>
+          </p:spPr>
+          <p:style>
+            <a:lnRef idx="2">
+              <a:schemeClr val="accent1">
+                <a:shade val="50000"/>
+              </a:schemeClr>
+            </a:lnRef>
+            <a:fillRef idx="1">
+              <a:schemeClr val="accent1"/>
+            </a:fillRef>
+            <a:effectRef idx="0">
+              <a:schemeClr val="accent1"/>
+            </a:effectRef>
+            <a:fontRef idx="minor">
+              <a:schemeClr val="lt1"/>
+            </a:fontRef>
+          </p:style>
+          <p:txBody>
+            <a:bodyPr rtlCol="0" anchor="ctr"/>
+            <a:lstStyle/>
+            <a:p>
+              <a:pPr algn="ctr"/>
+              <a:endParaRPr lang="en-TW"/>
+            </a:p>
+          </p:txBody>
+        </p:sp>
+        <p:pic>
+          <p:nvPicPr>
+            <p:cNvPr id="4" name="Picture 3" descr="Graphical user interface, text, application&#10;&#10;Description automatically generated">
+              <a:extLst>
+                <a:ext uri="{FF2B5EF4-FFF2-40B4-BE49-F238E27FC236}">
+                  <a16:creationId xmlns:a16="http://schemas.microsoft.com/office/drawing/2014/main" id="{FA9CC133-5A42-6BDE-3A37-DF1E6F0C5DD7}"/>
+                </a:ext>
+              </a:extLst>
+            </p:cNvPr>
+            <p:cNvPicPr>
+              <a:picLocks noChangeAspect="1"/>
+            </p:cNvPicPr>
+            <p:nvPr/>
+          </p:nvPicPr>
+          <p:blipFill rotWithShape="1">
+            <a:blip r:embed="rId2"/>
+            <a:srcRect l="43059" t="35464" r="3059" b="86"/>
+            <a:stretch/>
+          </p:blipFill>
+          <p:spPr>
+            <a:xfrm>
+              <a:off x="5992368" y="1854412"/>
+              <a:ext cx="4888992" cy="2818109"/>
+            </a:xfrm>
+            <a:prstGeom prst="rect">
+              <a:avLst/>
+            </a:prstGeom>
+          </p:spPr>
+        </p:pic>
+        <p:pic>
+          <p:nvPicPr>
+            <p:cNvPr id="6" name="Picture 5" descr="Graphical user interface&#10;&#10;Description automatically generated">
+              <a:extLst>
+                <a:ext uri="{FF2B5EF4-FFF2-40B4-BE49-F238E27FC236}">
+                  <a16:creationId xmlns:a16="http://schemas.microsoft.com/office/drawing/2014/main" id="{1998836B-12BE-0927-C636-E04CA142B4DB}"/>
+                </a:ext>
+              </a:extLst>
+            </p:cNvPr>
+            <p:cNvPicPr>
+              <a:picLocks noChangeAspect="1"/>
+            </p:cNvPicPr>
+            <p:nvPr/>
+          </p:nvPicPr>
+          <p:blipFill rotWithShape="1">
+            <a:blip r:embed="rId3"/>
+            <a:srcRect l="24003" t="-1533" r="35173" b="-1109"/>
+            <a:stretch/>
+          </p:blipFill>
+          <p:spPr>
+            <a:xfrm>
+              <a:off x="2194560" y="973773"/>
+              <a:ext cx="3172968" cy="4471416"/>
+            </a:xfrm>
+            <a:prstGeom prst="rect">
+              <a:avLst/>
+            </a:prstGeom>
+          </p:spPr>
+        </p:pic>
+      </p:grpSp>
+    </p:spTree>
+    <p:extLst>
+      <p:ext uri="{BB962C8B-B14F-4D97-AF65-F5344CB8AC3E}">
+        <p14:creationId xmlns:p14="http://schemas.microsoft.com/office/powerpoint/2010/main" val="470430699"/>
       </p:ext>
     </p:extLst>
   </p:cSld>
@@ -9572,6 +12651,4251 @@
       </p:grpSpPr>
       <p:sp>
         <p:nvSpPr>
+          <p:cNvPr id="4" name="Rectangle 3">
+            <a:extLst>
+              <a:ext uri="{FF2B5EF4-FFF2-40B4-BE49-F238E27FC236}">
+                <a16:creationId xmlns:a16="http://schemas.microsoft.com/office/drawing/2014/main" id="{438750B1-22E9-A2E0-8D67-55A24DD31E7F}"/>
+              </a:ext>
+            </a:extLst>
+          </p:cNvPr>
+          <p:cNvSpPr/>
+          <p:nvPr/>
+        </p:nvSpPr>
+        <p:spPr>
+          <a:xfrm>
+            <a:off x="125896" y="451413"/>
+            <a:ext cx="12066104" cy="5903087"/>
+          </a:xfrm>
+          <a:prstGeom prst="rect">
+            <a:avLst/>
+          </a:prstGeom>
+          <a:solidFill>
+            <a:srgbClr val="FFFFFF"/>
+          </a:solidFill>
+          <a:ln>
+            <a:noFill/>
+          </a:ln>
+        </p:spPr>
+        <p:style>
+          <a:lnRef idx="2">
+            <a:schemeClr val="accent1">
+              <a:shade val="50000"/>
+            </a:schemeClr>
+          </a:lnRef>
+          <a:fillRef idx="1">
+            <a:schemeClr val="accent1"/>
+          </a:fillRef>
+          <a:effectRef idx="0">
+            <a:schemeClr val="accent1"/>
+          </a:effectRef>
+          <a:fontRef idx="minor">
+            <a:schemeClr val="lt1"/>
+          </a:fontRef>
+        </p:style>
+        <p:txBody>
+          <a:bodyPr rtlCol="0" anchor="ctr"/>
+          <a:lstStyle/>
+          <a:p>
+            <a:pPr algn="ctr"/>
+            <a:endParaRPr lang="en-TW"/>
+          </a:p>
+        </p:txBody>
+      </p:sp>
+      <p:sp>
+        <p:nvSpPr>
+          <p:cNvPr id="8" name="Rectangle 7">
+            <a:extLst>
+              <a:ext uri="{FF2B5EF4-FFF2-40B4-BE49-F238E27FC236}">
+                <a16:creationId xmlns:a16="http://schemas.microsoft.com/office/drawing/2014/main" id="{DDFEB9F2-C591-923D-E492-F7023C2DA9CF}"/>
+              </a:ext>
+            </a:extLst>
+          </p:cNvPr>
+          <p:cNvSpPr/>
+          <p:nvPr/>
+        </p:nvSpPr>
+        <p:spPr>
+          <a:xfrm>
+            <a:off x="209818" y="712759"/>
+            <a:ext cx="11723434" cy="591365"/>
+          </a:xfrm>
+          <a:prstGeom prst="rect">
+            <a:avLst/>
+          </a:prstGeom>
+          <a:solidFill>
+            <a:schemeClr val="bg1">
+              <a:lumMod val="75000"/>
+            </a:schemeClr>
+          </a:solidFill>
+          <a:ln>
+            <a:noFill/>
+          </a:ln>
+        </p:spPr>
+        <p:style>
+          <a:lnRef idx="2">
+            <a:schemeClr val="accent1">
+              <a:shade val="50000"/>
+            </a:schemeClr>
+          </a:lnRef>
+          <a:fillRef idx="1">
+            <a:schemeClr val="accent1"/>
+          </a:fillRef>
+          <a:effectRef idx="0">
+            <a:schemeClr val="accent1"/>
+          </a:effectRef>
+          <a:fontRef idx="minor">
+            <a:schemeClr val="lt1"/>
+          </a:fontRef>
+        </p:style>
+        <p:txBody>
+          <a:bodyPr rtlCol="0" anchor="ctr"/>
+          <a:lstStyle/>
+          <a:p>
+            <a:r>
+              <a:rPr lang="en-US" sz="2400" b="1" dirty="0">
+                <a:solidFill>
+                  <a:schemeClr val="tx1"/>
+                </a:solidFill>
+              </a:rPr>
+              <a:t>Two Stance Detection Paradigms</a:t>
+            </a:r>
+          </a:p>
+        </p:txBody>
+      </p:sp>
+      <p:sp>
+        <p:nvSpPr>
+          <p:cNvPr id="10" name="Rectangle 9">
+            <a:extLst>
+              <a:ext uri="{FF2B5EF4-FFF2-40B4-BE49-F238E27FC236}">
+                <a16:creationId xmlns:a16="http://schemas.microsoft.com/office/drawing/2014/main" id="{20D4E09C-4E08-44D6-97BF-4D1B52CC87BD}"/>
+              </a:ext>
+            </a:extLst>
+          </p:cNvPr>
+          <p:cNvSpPr/>
+          <p:nvPr/>
+        </p:nvSpPr>
+        <p:spPr>
+          <a:xfrm>
+            <a:off x="209818" y="3144790"/>
+            <a:ext cx="5659667" cy="591365"/>
+          </a:xfrm>
+          <a:prstGeom prst="rect">
+            <a:avLst/>
+          </a:prstGeom>
+          <a:solidFill>
+            <a:schemeClr val="bg2"/>
+          </a:solidFill>
+          <a:ln>
+            <a:noFill/>
+          </a:ln>
+        </p:spPr>
+        <p:style>
+          <a:lnRef idx="2">
+            <a:schemeClr val="accent1">
+              <a:shade val="50000"/>
+            </a:schemeClr>
+          </a:lnRef>
+          <a:fillRef idx="1">
+            <a:schemeClr val="accent1"/>
+          </a:fillRef>
+          <a:effectRef idx="0">
+            <a:schemeClr val="accent1"/>
+          </a:effectRef>
+          <a:fontRef idx="minor">
+            <a:schemeClr val="lt1"/>
+          </a:fontRef>
+        </p:style>
+        <p:txBody>
+          <a:bodyPr rtlCol="0" anchor="ctr"/>
+          <a:lstStyle/>
+          <a:p>
+            <a:r>
+              <a:rPr lang="en-US" sz="2400" b="1" dirty="0">
+                <a:solidFill>
+                  <a:schemeClr val="tx1"/>
+                </a:solidFill>
+              </a:rPr>
+              <a:t>Paradigm 1: Fine-tuning BERT</a:t>
+            </a:r>
+          </a:p>
+        </p:txBody>
+      </p:sp>
+      <p:sp>
+        <p:nvSpPr>
+          <p:cNvPr id="11" name="Rectangle 10">
+            <a:extLst>
+              <a:ext uri="{FF2B5EF4-FFF2-40B4-BE49-F238E27FC236}">
+                <a16:creationId xmlns:a16="http://schemas.microsoft.com/office/drawing/2014/main" id="{8A8A3C37-D0F2-58FF-98F7-5A5192782D18}"/>
+              </a:ext>
+            </a:extLst>
+          </p:cNvPr>
+          <p:cNvSpPr/>
+          <p:nvPr/>
+        </p:nvSpPr>
+        <p:spPr>
+          <a:xfrm>
+            <a:off x="6200954" y="3144790"/>
+            <a:ext cx="5865150" cy="591365"/>
+          </a:xfrm>
+          <a:prstGeom prst="rect">
+            <a:avLst/>
+          </a:prstGeom>
+          <a:solidFill>
+            <a:schemeClr val="bg2"/>
+          </a:solidFill>
+          <a:ln>
+            <a:noFill/>
+          </a:ln>
+        </p:spPr>
+        <p:style>
+          <a:lnRef idx="2">
+            <a:schemeClr val="accent1">
+              <a:shade val="50000"/>
+            </a:schemeClr>
+          </a:lnRef>
+          <a:fillRef idx="1">
+            <a:schemeClr val="accent1"/>
+          </a:fillRef>
+          <a:effectRef idx="0">
+            <a:schemeClr val="accent1"/>
+          </a:effectRef>
+          <a:fontRef idx="minor">
+            <a:schemeClr val="lt1"/>
+          </a:fontRef>
+        </p:style>
+        <p:txBody>
+          <a:bodyPr rtlCol="0" anchor="ctr"/>
+          <a:lstStyle/>
+          <a:p>
+            <a:r>
+              <a:rPr lang="en-US" sz="2400" b="1" dirty="0">
+                <a:solidFill>
+                  <a:schemeClr val="tx1"/>
+                </a:solidFill>
+              </a:rPr>
+              <a:t>Paradigm 2: Prompting LLMs</a:t>
+            </a:r>
+          </a:p>
+        </p:txBody>
+      </p:sp>
+      <p:grpSp>
+        <p:nvGrpSpPr>
+          <p:cNvPr id="9" name="Group 8">
+            <a:extLst>
+              <a:ext uri="{FF2B5EF4-FFF2-40B4-BE49-F238E27FC236}">
+                <a16:creationId xmlns:a16="http://schemas.microsoft.com/office/drawing/2014/main" id="{5A619878-E0D4-8C6D-1121-C32C9A2A8C27}"/>
+              </a:ext>
+            </a:extLst>
+          </p:cNvPr>
+          <p:cNvGrpSpPr/>
+          <p:nvPr/>
+        </p:nvGrpSpPr>
+        <p:grpSpPr>
+          <a:xfrm>
+            <a:off x="1649895" y="1504699"/>
+            <a:ext cx="3419815" cy="1179382"/>
+            <a:chOff x="1649896" y="1504699"/>
+            <a:chExt cx="2827330" cy="1179382"/>
+          </a:xfrm>
+        </p:grpSpPr>
+        <p:sp>
+          <p:nvSpPr>
+            <p:cNvPr id="12" name="Rounded Rectangular Callout 11">
+              <a:extLst>
+                <a:ext uri="{FF2B5EF4-FFF2-40B4-BE49-F238E27FC236}">
+                  <a16:creationId xmlns:a16="http://schemas.microsoft.com/office/drawing/2014/main" id="{47653F54-8430-DE13-D03E-4CB8C5DEA655}"/>
+                </a:ext>
+              </a:extLst>
+            </p:cNvPr>
+            <p:cNvSpPr/>
+            <p:nvPr/>
+          </p:nvSpPr>
+          <p:spPr>
+            <a:xfrm>
+              <a:off x="2097778" y="2170790"/>
+              <a:ext cx="525575" cy="398274"/>
+            </a:xfrm>
+            <a:prstGeom prst="wedgeRoundRectCallout">
+              <a:avLst>
+                <a:gd name="adj1" fmla="val -82311"/>
+                <a:gd name="adj2" fmla="val 34852"/>
+                <a:gd name="adj3" fmla="val 16667"/>
+              </a:avLst>
+            </a:prstGeom>
+            <a:solidFill>
+              <a:schemeClr val="accent2">
+                <a:lumMod val="60000"/>
+                <a:lumOff val="40000"/>
+              </a:schemeClr>
+            </a:solidFill>
+            <a:ln>
+              <a:solidFill>
+                <a:srgbClr val="C00000"/>
+              </a:solidFill>
+            </a:ln>
+          </p:spPr>
+          <p:style>
+            <a:lnRef idx="2">
+              <a:schemeClr val="accent1">
+                <a:shade val="50000"/>
+              </a:schemeClr>
+            </a:lnRef>
+            <a:fillRef idx="1">
+              <a:schemeClr val="accent1"/>
+            </a:fillRef>
+            <a:effectRef idx="0">
+              <a:schemeClr val="accent1"/>
+            </a:effectRef>
+            <a:fontRef idx="minor">
+              <a:schemeClr val="lt1"/>
+            </a:fontRef>
+          </p:style>
+          <p:txBody>
+            <a:bodyPr rot="0" spcFirstLastPara="0" vertOverflow="overflow" horzOverflow="overflow" vert="horz" wrap="square" lIns="0" tIns="0" rIns="0" bIns="0" numCol="1" spcCol="0" rtlCol="0" fromWordArt="0" anchor="ctr" anchorCtr="0" forceAA="0" compatLnSpc="1">
+              <a:prstTxWarp prst="textNoShape">
+                <a:avLst/>
+              </a:prstTxWarp>
+              <a:noAutofit/>
+            </a:bodyPr>
+            <a:lstStyle/>
+            <a:p>
+              <a:pPr algn="ctr"/>
+              <a:r>
+                <a:rPr lang="en-US" altLang="zh-TW" i="1" dirty="0">
+                  <a:solidFill>
+                    <a:schemeClr val="tx1"/>
+                  </a:solidFill>
+                </a:rPr>
+                <a:t>xxx</a:t>
+              </a:r>
+              <a:endParaRPr lang="en-US" i="1" dirty="0">
+                <a:solidFill>
+                  <a:schemeClr val="tx1"/>
+                </a:solidFill>
+              </a:endParaRPr>
+            </a:p>
+          </p:txBody>
+        </p:sp>
+        <p:sp>
+          <p:nvSpPr>
+            <p:cNvPr id="13" name="TextBox 12">
+              <a:extLst>
+                <a:ext uri="{FF2B5EF4-FFF2-40B4-BE49-F238E27FC236}">
+                  <a16:creationId xmlns:a16="http://schemas.microsoft.com/office/drawing/2014/main" id="{28E248BC-AB13-E284-D2C7-50703B26D6D6}"/>
+                </a:ext>
+              </a:extLst>
+            </p:cNvPr>
+            <p:cNvSpPr txBox="1"/>
+            <p:nvPr/>
+          </p:nvSpPr>
+          <p:spPr>
+            <a:xfrm>
+              <a:off x="2736468" y="2151631"/>
+              <a:ext cx="1645067" cy="461665"/>
+            </a:xfrm>
+            <a:prstGeom prst="rect">
+              <a:avLst/>
+            </a:prstGeom>
+            <a:noFill/>
+          </p:spPr>
+          <p:txBody>
+            <a:bodyPr wrap="square" rtlCol="0">
+              <a:spAutoFit/>
+            </a:bodyPr>
+            <a:lstStyle/>
+            <a:p>
+              <a:r>
+                <a:rPr lang="en-US" sz="2400" dirty="0"/>
+                <a:t>Anti-abortion</a:t>
+              </a:r>
+            </a:p>
+          </p:txBody>
+        </p:sp>
+        <p:sp>
+          <p:nvSpPr>
+            <p:cNvPr id="16" name="Rounded Rectangle 15">
+              <a:extLst>
+                <a:ext uri="{FF2B5EF4-FFF2-40B4-BE49-F238E27FC236}">
+                  <a16:creationId xmlns:a16="http://schemas.microsoft.com/office/drawing/2014/main" id="{ED2104EC-6E52-77C3-300E-500C8BF1293A}"/>
+                </a:ext>
+              </a:extLst>
+            </p:cNvPr>
+            <p:cNvSpPr/>
+            <p:nvPr/>
+          </p:nvSpPr>
+          <p:spPr>
+            <a:xfrm>
+              <a:off x="1649896" y="1504699"/>
+              <a:ext cx="2827330" cy="1179382"/>
+            </a:xfrm>
+            <a:prstGeom prst="roundRect">
+              <a:avLst/>
+            </a:prstGeom>
+            <a:noFill/>
+            <a:ln w="28575">
+              <a:solidFill>
+                <a:schemeClr val="tx1"/>
+              </a:solidFill>
+            </a:ln>
+          </p:spPr>
+          <p:style>
+            <a:lnRef idx="2">
+              <a:schemeClr val="accent1">
+                <a:shade val="50000"/>
+              </a:schemeClr>
+            </a:lnRef>
+            <a:fillRef idx="1">
+              <a:schemeClr val="accent1"/>
+            </a:fillRef>
+            <a:effectRef idx="0">
+              <a:schemeClr val="accent1"/>
+            </a:effectRef>
+            <a:fontRef idx="minor">
+              <a:schemeClr val="lt1"/>
+            </a:fontRef>
+          </p:style>
+          <p:txBody>
+            <a:bodyPr rtlCol="0" anchor="ctr"/>
+            <a:lstStyle/>
+            <a:p>
+              <a:pPr algn="ctr"/>
+              <a:endParaRPr lang="en-TW"/>
+            </a:p>
+          </p:txBody>
+        </p:sp>
+      </p:grpSp>
+      <p:sp>
+        <p:nvSpPr>
+          <p:cNvPr id="25" name="Right Arrow 24">
+            <a:extLst>
+              <a:ext uri="{FF2B5EF4-FFF2-40B4-BE49-F238E27FC236}">
+                <a16:creationId xmlns:a16="http://schemas.microsoft.com/office/drawing/2014/main" id="{671EAD76-B671-02E1-4559-E01D5088E81C}"/>
+              </a:ext>
+            </a:extLst>
+          </p:cNvPr>
+          <p:cNvSpPr/>
+          <p:nvPr/>
+        </p:nvSpPr>
+        <p:spPr>
+          <a:xfrm>
+            <a:off x="3099389" y="4134077"/>
+            <a:ext cx="873702" cy="528636"/>
+          </a:xfrm>
+          <a:prstGeom prst="rightArrow">
+            <a:avLst/>
+          </a:prstGeom>
+          <a:solidFill>
+            <a:schemeClr val="bg1">
+              <a:lumMod val="50000"/>
+            </a:schemeClr>
+          </a:solidFill>
+          <a:ln>
+            <a:noFill/>
+          </a:ln>
+        </p:spPr>
+        <p:style>
+          <a:lnRef idx="2">
+            <a:schemeClr val="accent1">
+              <a:shade val="50000"/>
+            </a:schemeClr>
+          </a:lnRef>
+          <a:fillRef idx="1">
+            <a:schemeClr val="accent1"/>
+          </a:fillRef>
+          <a:effectRef idx="0">
+            <a:schemeClr val="accent1"/>
+          </a:effectRef>
+          <a:fontRef idx="minor">
+            <a:schemeClr val="lt1"/>
+          </a:fontRef>
+        </p:style>
+        <p:txBody>
+          <a:bodyPr rtlCol="0" anchor="ctr"/>
+          <a:lstStyle/>
+          <a:p>
+            <a:pPr algn="ctr"/>
+            <a:endParaRPr lang="en-US"/>
+          </a:p>
+        </p:txBody>
+      </p:sp>
+      <p:sp>
+        <p:nvSpPr>
+          <p:cNvPr id="29" name="Right Arrow 28">
+            <a:extLst>
+              <a:ext uri="{FF2B5EF4-FFF2-40B4-BE49-F238E27FC236}">
+                <a16:creationId xmlns:a16="http://schemas.microsoft.com/office/drawing/2014/main" id="{2A9871C0-AB6A-5959-FEC3-01E331521EDD}"/>
+              </a:ext>
+            </a:extLst>
+          </p:cNvPr>
+          <p:cNvSpPr/>
+          <p:nvPr/>
+        </p:nvSpPr>
+        <p:spPr>
+          <a:xfrm>
+            <a:off x="10013624" y="4099057"/>
+            <a:ext cx="504000" cy="528636"/>
+          </a:xfrm>
+          <a:prstGeom prst="rightArrow">
+            <a:avLst/>
+          </a:prstGeom>
+          <a:solidFill>
+            <a:schemeClr val="bg1">
+              <a:lumMod val="50000"/>
+            </a:schemeClr>
+          </a:solidFill>
+          <a:ln>
+            <a:noFill/>
+          </a:ln>
+        </p:spPr>
+        <p:style>
+          <a:lnRef idx="2">
+            <a:schemeClr val="accent1">
+              <a:shade val="50000"/>
+            </a:schemeClr>
+          </a:lnRef>
+          <a:fillRef idx="1">
+            <a:schemeClr val="accent1"/>
+          </a:fillRef>
+          <a:effectRef idx="0">
+            <a:schemeClr val="accent1"/>
+          </a:effectRef>
+          <a:fontRef idx="minor">
+            <a:schemeClr val="lt1"/>
+          </a:fontRef>
+        </p:style>
+        <p:txBody>
+          <a:bodyPr rtlCol="0" anchor="ctr"/>
+          <a:lstStyle/>
+          <a:p>
+            <a:pPr algn="ctr"/>
+            <a:endParaRPr lang="en-US"/>
+          </a:p>
+        </p:txBody>
+      </p:sp>
+      <p:graphicFrame>
+        <p:nvGraphicFramePr>
+          <p:cNvPr id="51" name="Table 50">
+            <a:extLst>
+              <a:ext uri="{FF2B5EF4-FFF2-40B4-BE49-F238E27FC236}">
+                <a16:creationId xmlns:a16="http://schemas.microsoft.com/office/drawing/2014/main" id="{9EE80E6D-4E87-F89A-4C38-0E990F2694E1}"/>
+              </a:ext>
+            </a:extLst>
+          </p:cNvPr>
+          <p:cNvGraphicFramePr>
+            <a:graphicFrameLocks noGrp="1"/>
+          </p:cNvGraphicFramePr>
+          <p:nvPr>
+            <p:extLst>
+              <p:ext uri="{D42A27DB-BD31-4B8C-83A1-F6EECF244321}">
+                <p14:modId xmlns:p14="http://schemas.microsoft.com/office/powerpoint/2010/main" val="2637023869"/>
+              </p:ext>
+            </p:extLst>
+          </p:nvPr>
+        </p:nvGraphicFramePr>
+        <p:xfrm>
+          <a:off x="4103868" y="3967946"/>
+          <a:ext cx="1595324" cy="2160000"/>
+        </p:xfrm>
+        <a:graphic>
+          <a:graphicData uri="http://schemas.openxmlformats.org/drawingml/2006/table">
+            <a:tbl>
+              <a:tblPr firstRow="1" bandRow="1">
+                <a:tableStyleId>{5C22544A-7EE6-4342-B048-85BDC9FD1C3A}</a:tableStyleId>
+              </a:tblPr>
+              <a:tblGrid>
+                <a:gridCol w="1595324">
+                  <a:extLst>
+                    <a:ext uri="{9D8B030D-6E8A-4147-A177-3AD203B41FA5}">
+                      <a16:colId xmlns:a16="http://schemas.microsoft.com/office/drawing/2014/main" val="78911286"/>
+                    </a:ext>
+                  </a:extLst>
+                </a:gridCol>
+              </a:tblGrid>
+              <a:tr h="773989">
+                <a:tc>
+                  <a:txBody>
+                    <a:bodyPr/>
+                    <a:lstStyle/>
+                    <a:p>
+                      <a:pPr algn="just"/>
+                      <a:r>
+                        <a:rPr lang="en-US" sz="2200" b="0" dirty="0">
+                          <a:solidFill>
+                            <a:schemeClr val="tx1"/>
+                          </a:solidFill>
+                        </a:rPr>
+                        <a:t>Fine-tune</a:t>
+                      </a:r>
+                    </a:p>
+                    <a:p>
+                      <a:pPr algn="just"/>
+                      <a:r>
+                        <a:rPr lang="en-US" sz="2200" b="0" dirty="0">
+                          <a:solidFill>
+                            <a:schemeClr val="tx1"/>
+                          </a:solidFill>
+                        </a:rPr>
+                        <a:t>BERT</a:t>
+                      </a:r>
+                    </a:p>
+                  </a:txBody>
+                  <a:tcPr>
+                    <a:lnL w="12700" cap="flat" cmpd="sng" algn="ctr">
+                      <a:solidFill>
+                        <a:schemeClr val="tx1"/>
+                      </a:solidFill>
+                      <a:prstDash val="solid"/>
+                      <a:round/>
+                      <a:headEnd type="none" w="med" len="med"/>
+                      <a:tailEnd type="none" w="med" len="med"/>
+                    </a:lnL>
+                    <a:lnR w="12700" cap="flat" cmpd="sng" algn="ctr">
+                      <a:solidFill>
+                        <a:schemeClr val="tx1"/>
+                      </a:solidFill>
+                      <a:prstDash val="solid"/>
+                      <a:round/>
+                      <a:headEnd type="none" w="med" len="med"/>
+                      <a:tailEnd type="none" w="med" len="med"/>
+                    </a:lnR>
+                    <a:lnT w="12700" cap="flat" cmpd="sng" algn="ctr">
+                      <a:solidFill>
+                        <a:schemeClr val="tx1"/>
+                      </a:solidFill>
+                      <a:prstDash val="solid"/>
+                      <a:round/>
+                      <a:headEnd type="none" w="med" len="med"/>
+                      <a:tailEnd type="none" w="med" len="med"/>
+                    </a:lnT>
+                    <a:lnB w="12700" cap="flat" cmpd="sng" algn="ctr">
+                      <a:solidFill>
+                        <a:schemeClr val="tx1"/>
+                      </a:solidFill>
+                      <a:prstDash val="solid"/>
+                      <a:round/>
+                      <a:headEnd type="none" w="med" len="med"/>
+                      <a:tailEnd type="none" w="med" len="med"/>
+                    </a:lnB>
+                    <a:solidFill>
+                      <a:schemeClr val="accent3">
+                        <a:lumMod val="20000"/>
+                        <a:lumOff val="80000"/>
+                      </a:schemeClr>
+                    </a:solidFill>
+                  </a:tcPr>
+                </a:tc>
+                <a:extLst>
+                  <a:ext uri="{0D108BD9-81ED-4DB2-BD59-A6C34878D82A}">
+                    <a16:rowId xmlns:a16="http://schemas.microsoft.com/office/drawing/2014/main" val="3551986008"/>
+                  </a:ext>
+                </a:extLst>
+              </a:tr>
+              <a:tr h="1386011">
+                <a:tc>
+                  <a:txBody>
+                    <a:bodyPr/>
+                    <a:lstStyle/>
+                    <a:p>
+                      <a:pPr marL="285750" indent="-285750" algn="l">
+                        <a:buFontTx/>
+                        <a:buChar char="-"/>
+                      </a:pPr>
+                      <a:r>
+                        <a:rPr lang="en-US" sz="1400" b="1" dirty="0">
+                          <a:solidFill>
+                            <a:schemeClr val="accent1">
+                              <a:lumMod val="75000"/>
+                            </a:schemeClr>
+                          </a:solidFill>
+                        </a:rPr>
+                        <a:t>Fine-tune with </a:t>
+                      </a:r>
+                      <a:r>
+                        <a:rPr lang="en-US" sz="1400" b="1" kern="1200" dirty="0">
+                          <a:solidFill>
+                            <a:srgbClr val="FF0000"/>
+                          </a:solidFill>
+                          <a:latin typeface="+mn-lt"/>
+                          <a:ea typeface="+mn-ea"/>
+                          <a:cs typeface="+mn-cs"/>
+                        </a:rPr>
+                        <a:t>large amount of labeled tweets</a:t>
+                      </a:r>
+                    </a:p>
+                    <a:p>
+                      <a:pPr marL="285750" indent="-285750" algn="l">
+                        <a:buFontTx/>
+                        <a:buChar char="-"/>
+                      </a:pPr>
+                      <a:endParaRPr lang="en-US" sz="1400" b="0" kern="1200" dirty="0">
+                        <a:solidFill>
+                          <a:schemeClr val="tx1"/>
+                        </a:solidFill>
+                        <a:latin typeface="+mn-lt"/>
+                        <a:ea typeface="+mn-ea"/>
+                        <a:cs typeface="+mn-cs"/>
+                      </a:endParaRPr>
+                    </a:p>
+                  </a:txBody>
+                  <a:tcPr>
+                    <a:lnL w="12700" cap="flat" cmpd="sng" algn="ctr">
+                      <a:solidFill>
+                        <a:schemeClr val="tx1"/>
+                      </a:solidFill>
+                      <a:prstDash val="solid"/>
+                      <a:round/>
+                      <a:headEnd type="none" w="med" len="med"/>
+                      <a:tailEnd type="none" w="med" len="med"/>
+                    </a:lnL>
+                    <a:lnR w="12700" cap="flat" cmpd="sng" algn="ctr">
+                      <a:solidFill>
+                        <a:schemeClr val="tx1"/>
+                      </a:solidFill>
+                      <a:prstDash val="solid"/>
+                      <a:round/>
+                      <a:headEnd type="none" w="med" len="med"/>
+                      <a:tailEnd type="none" w="med" len="med"/>
+                    </a:lnR>
+                    <a:lnT w="12700" cap="flat" cmpd="sng" algn="ctr">
+                      <a:solidFill>
+                        <a:schemeClr val="tx1"/>
+                      </a:solidFill>
+                      <a:prstDash val="solid"/>
+                      <a:round/>
+                      <a:headEnd type="none" w="med" len="med"/>
+                      <a:tailEnd type="none" w="med" len="med"/>
+                    </a:lnT>
+                    <a:lnB w="12700" cap="flat" cmpd="sng" algn="ctr">
+                      <a:solidFill>
+                        <a:schemeClr val="tx1"/>
+                      </a:solidFill>
+                      <a:prstDash val="solid"/>
+                      <a:round/>
+                      <a:headEnd type="none" w="med" len="med"/>
+                      <a:tailEnd type="none" w="med" len="med"/>
+                    </a:lnB>
+                    <a:noFill/>
+                  </a:tcPr>
+                </a:tc>
+                <a:extLst>
+                  <a:ext uri="{0D108BD9-81ED-4DB2-BD59-A6C34878D82A}">
+                    <a16:rowId xmlns:a16="http://schemas.microsoft.com/office/drawing/2014/main" val="101790919"/>
+                  </a:ext>
+                </a:extLst>
+              </a:tr>
+            </a:tbl>
+          </a:graphicData>
+        </a:graphic>
+      </p:graphicFrame>
+      <p:graphicFrame>
+        <p:nvGraphicFramePr>
+          <p:cNvPr id="52" name="Table 51">
+            <a:extLst>
+              <a:ext uri="{FF2B5EF4-FFF2-40B4-BE49-F238E27FC236}">
+                <a16:creationId xmlns:a16="http://schemas.microsoft.com/office/drawing/2014/main" id="{697DC2C9-2B80-126D-D08B-547ACEAAFCBE}"/>
+              </a:ext>
+            </a:extLst>
+          </p:cNvPr>
+          <p:cNvGraphicFramePr>
+            <a:graphicFrameLocks noGrp="1"/>
+          </p:cNvGraphicFramePr>
+          <p:nvPr>
+            <p:extLst>
+              <p:ext uri="{D42A27DB-BD31-4B8C-83A1-F6EECF244321}">
+                <p14:modId xmlns:p14="http://schemas.microsoft.com/office/powerpoint/2010/main" val="3234007888"/>
+              </p:ext>
+            </p:extLst>
+          </p:nvPr>
+        </p:nvGraphicFramePr>
+        <p:xfrm>
+          <a:off x="6373541" y="3967946"/>
+          <a:ext cx="1595324" cy="2160000"/>
+        </p:xfrm>
+        <a:graphic>
+          <a:graphicData uri="http://schemas.openxmlformats.org/drawingml/2006/table">
+            <a:tbl>
+              <a:tblPr firstRow="1" bandRow="1">
+                <a:tableStyleId>{5C22544A-7EE6-4342-B048-85BDC9FD1C3A}</a:tableStyleId>
+              </a:tblPr>
+              <a:tblGrid>
+                <a:gridCol w="1595324">
+                  <a:extLst>
+                    <a:ext uri="{9D8B030D-6E8A-4147-A177-3AD203B41FA5}">
+                      <a16:colId xmlns:a16="http://schemas.microsoft.com/office/drawing/2014/main" val="78911286"/>
+                    </a:ext>
+                  </a:extLst>
+                </a:gridCol>
+              </a:tblGrid>
+              <a:tr h="771159">
+                <a:tc>
+                  <a:txBody>
+                    <a:bodyPr/>
+                    <a:lstStyle/>
+                    <a:p>
+                      <a:pPr algn="just"/>
+                      <a:r>
+                        <a:rPr lang="en-US" sz="2200" b="0" dirty="0">
+                          <a:solidFill>
+                            <a:schemeClr val="tx1"/>
+                          </a:solidFill>
+                        </a:rPr>
+                        <a:t>Prompt</a:t>
+                      </a:r>
+                    </a:p>
+                    <a:p>
+                      <a:pPr algn="just"/>
+                      <a:r>
+                        <a:rPr lang="en-US" sz="2200" b="0" dirty="0">
+                          <a:solidFill>
+                            <a:schemeClr val="tx1"/>
+                          </a:solidFill>
+                        </a:rPr>
+                        <a:t>Engineering</a:t>
+                      </a:r>
+                    </a:p>
+                  </a:txBody>
+                  <a:tcPr>
+                    <a:lnL w="12700" cap="flat" cmpd="sng" algn="ctr">
+                      <a:solidFill>
+                        <a:schemeClr val="tx1"/>
+                      </a:solidFill>
+                      <a:prstDash val="solid"/>
+                      <a:round/>
+                      <a:headEnd type="none" w="med" len="med"/>
+                      <a:tailEnd type="none" w="med" len="med"/>
+                    </a:lnL>
+                    <a:lnR w="12700" cap="flat" cmpd="sng" algn="ctr">
+                      <a:solidFill>
+                        <a:schemeClr val="tx1"/>
+                      </a:solidFill>
+                      <a:prstDash val="solid"/>
+                      <a:round/>
+                      <a:headEnd type="none" w="med" len="med"/>
+                      <a:tailEnd type="none" w="med" len="med"/>
+                    </a:lnR>
+                    <a:lnT w="12700" cap="flat" cmpd="sng" algn="ctr">
+                      <a:solidFill>
+                        <a:schemeClr val="tx1"/>
+                      </a:solidFill>
+                      <a:prstDash val="solid"/>
+                      <a:round/>
+                      <a:headEnd type="none" w="med" len="med"/>
+                      <a:tailEnd type="none" w="med" len="med"/>
+                    </a:lnT>
+                    <a:lnB w="12700" cap="flat" cmpd="sng" algn="ctr">
+                      <a:solidFill>
+                        <a:schemeClr val="tx1"/>
+                      </a:solidFill>
+                      <a:prstDash val="solid"/>
+                      <a:round/>
+                      <a:headEnd type="none" w="med" len="med"/>
+                      <a:tailEnd type="none" w="med" len="med"/>
+                    </a:lnB>
+                    <a:solidFill>
+                      <a:schemeClr val="accent3">
+                        <a:lumMod val="20000"/>
+                        <a:lumOff val="80000"/>
+                      </a:schemeClr>
+                    </a:solidFill>
+                  </a:tcPr>
+                </a:tc>
+                <a:extLst>
+                  <a:ext uri="{0D108BD9-81ED-4DB2-BD59-A6C34878D82A}">
+                    <a16:rowId xmlns:a16="http://schemas.microsoft.com/office/drawing/2014/main" val="3551986008"/>
+                  </a:ext>
+                </a:extLst>
+              </a:tr>
+              <a:tr h="1388841">
+                <a:tc>
+                  <a:txBody>
+                    <a:bodyPr/>
+                    <a:lstStyle/>
+                    <a:p>
+                      <a:pPr marL="285750" indent="-285750" algn="l" defTabSz="914400" rtl="0" eaLnBrk="1" latinLnBrk="0" hangingPunct="1">
+                        <a:buFontTx/>
+                        <a:buChar char="-"/>
+                      </a:pPr>
+                      <a:r>
+                        <a:rPr lang="en-US" sz="1400" b="1" kern="1200" dirty="0">
+                          <a:solidFill>
+                            <a:schemeClr val="accent1">
+                              <a:lumMod val="75000"/>
+                            </a:schemeClr>
+                          </a:solidFill>
+                          <a:latin typeface="+mn-lt"/>
+                          <a:ea typeface="+mn-ea"/>
+                          <a:cs typeface="+mn-cs"/>
+                        </a:rPr>
+                        <a:t>Zero-shot</a:t>
+                      </a:r>
+                    </a:p>
+                    <a:p>
+                      <a:pPr marL="285750" indent="-285750" algn="l" defTabSz="914400" rtl="0" eaLnBrk="1" latinLnBrk="0" hangingPunct="1">
+                        <a:buFontTx/>
+                        <a:buChar char="-"/>
+                      </a:pPr>
+                      <a:r>
+                        <a:rPr lang="en-US" sz="1400" b="1" kern="1200" dirty="0">
+                          <a:solidFill>
+                            <a:schemeClr val="accent1">
+                              <a:lumMod val="75000"/>
+                            </a:schemeClr>
+                          </a:solidFill>
+                          <a:latin typeface="+mn-lt"/>
+                          <a:ea typeface="+mn-ea"/>
+                          <a:cs typeface="+mn-cs"/>
+                        </a:rPr>
+                        <a:t>Few-shot</a:t>
+                      </a:r>
+                    </a:p>
+                    <a:p>
+                      <a:pPr marL="285750" indent="-285750" algn="l" defTabSz="914400" rtl="0" eaLnBrk="1" latinLnBrk="0" hangingPunct="1">
+                        <a:buFontTx/>
+                        <a:buChar char="-"/>
+                      </a:pPr>
+                      <a:r>
+                        <a:rPr lang="en-US" sz="1400" b="1" kern="1200" dirty="0" err="1">
+                          <a:solidFill>
+                            <a:schemeClr val="accent1">
+                              <a:lumMod val="75000"/>
+                            </a:schemeClr>
+                          </a:solidFill>
+                          <a:latin typeface="+mn-lt"/>
+                          <a:ea typeface="+mn-ea"/>
+                          <a:cs typeface="+mn-cs"/>
+                        </a:rPr>
+                        <a:t>CoT</a:t>
+                      </a:r>
+                      <a:endParaRPr lang="en-US" sz="1400" b="1" kern="1200" dirty="0">
+                        <a:solidFill>
+                          <a:schemeClr val="accent1">
+                            <a:lumMod val="75000"/>
+                          </a:schemeClr>
+                        </a:solidFill>
+                        <a:latin typeface="+mn-lt"/>
+                        <a:ea typeface="+mn-ea"/>
+                        <a:cs typeface="+mn-cs"/>
+                      </a:endParaRPr>
+                    </a:p>
+                    <a:p>
+                      <a:pPr marL="285750" indent="-285750" algn="l" defTabSz="914400" rtl="0" eaLnBrk="1" latinLnBrk="0" hangingPunct="1">
+                        <a:buFontTx/>
+                        <a:buChar char="-"/>
+                      </a:pPr>
+                      <a:r>
+                        <a:rPr lang="en-US" sz="1400" b="0" kern="1200" dirty="0">
+                          <a:solidFill>
+                            <a:schemeClr val="tx1"/>
+                          </a:solidFill>
+                          <a:latin typeface="+mn-lt"/>
+                          <a:ea typeface="+mn-ea"/>
+                          <a:cs typeface="+mn-cs"/>
+                        </a:rPr>
+                        <a:t>Prompt-tuning</a:t>
+                      </a:r>
+                    </a:p>
+                    <a:p>
+                      <a:pPr marL="285750" indent="-285750" algn="l" defTabSz="914400" rtl="0" eaLnBrk="1" latinLnBrk="0" hangingPunct="1">
+                        <a:buFontTx/>
+                        <a:buChar char="-"/>
+                      </a:pPr>
+                      <a:endParaRPr lang="en-US" sz="1400" b="0" kern="1200" dirty="0">
+                        <a:solidFill>
+                          <a:schemeClr val="tx1"/>
+                        </a:solidFill>
+                        <a:latin typeface="+mn-lt"/>
+                        <a:ea typeface="+mn-ea"/>
+                        <a:cs typeface="+mn-cs"/>
+                      </a:endParaRPr>
+                    </a:p>
+                    <a:p>
+                      <a:pPr marL="0" algn="ctr" defTabSz="914400" rtl="0" eaLnBrk="1" latinLnBrk="0" hangingPunct="1"/>
+                      <a:endParaRPr lang="en-US" sz="1400" b="0" kern="1200" dirty="0">
+                        <a:solidFill>
+                          <a:schemeClr val="tx1"/>
+                        </a:solidFill>
+                        <a:latin typeface="+mn-lt"/>
+                        <a:ea typeface="+mn-ea"/>
+                        <a:cs typeface="+mn-cs"/>
+                      </a:endParaRPr>
+                    </a:p>
+                  </a:txBody>
+                  <a:tcPr>
+                    <a:lnL w="12700" cap="flat" cmpd="sng" algn="ctr">
+                      <a:solidFill>
+                        <a:schemeClr val="tx1"/>
+                      </a:solidFill>
+                      <a:prstDash val="solid"/>
+                      <a:round/>
+                      <a:headEnd type="none" w="med" len="med"/>
+                      <a:tailEnd type="none" w="med" len="med"/>
+                    </a:lnL>
+                    <a:lnR w="12700" cap="flat" cmpd="sng" algn="ctr">
+                      <a:solidFill>
+                        <a:schemeClr val="tx1"/>
+                      </a:solidFill>
+                      <a:prstDash val="solid"/>
+                      <a:round/>
+                      <a:headEnd type="none" w="med" len="med"/>
+                      <a:tailEnd type="none" w="med" len="med"/>
+                    </a:lnR>
+                    <a:lnT w="12700" cap="flat" cmpd="sng" algn="ctr">
+                      <a:solidFill>
+                        <a:schemeClr val="tx1"/>
+                      </a:solidFill>
+                      <a:prstDash val="solid"/>
+                      <a:round/>
+                      <a:headEnd type="none" w="med" len="med"/>
+                      <a:tailEnd type="none" w="med" len="med"/>
+                    </a:lnT>
+                    <a:lnB w="12700" cap="flat" cmpd="sng" algn="ctr">
+                      <a:solidFill>
+                        <a:schemeClr val="tx1"/>
+                      </a:solidFill>
+                      <a:prstDash val="solid"/>
+                      <a:round/>
+                      <a:headEnd type="none" w="med" len="med"/>
+                      <a:tailEnd type="none" w="med" len="med"/>
+                    </a:lnB>
+                    <a:noFill/>
+                  </a:tcPr>
+                </a:tc>
+                <a:extLst>
+                  <a:ext uri="{0D108BD9-81ED-4DB2-BD59-A6C34878D82A}">
+                    <a16:rowId xmlns:a16="http://schemas.microsoft.com/office/drawing/2014/main" val="101790919"/>
+                  </a:ext>
+                </a:extLst>
+              </a:tr>
+            </a:tbl>
+          </a:graphicData>
+        </a:graphic>
+      </p:graphicFrame>
+      <p:graphicFrame>
+        <p:nvGraphicFramePr>
+          <p:cNvPr id="57" name="Table 56">
+            <a:extLst>
+              <a:ext uri="{FF2B5EF4-FFF2-40B4-BE49-F238E27FC236}">
+                <a16:creationId xmlns:a16="http://schemas.microsoft.com/office/drawing/2014/main" id="{4683123A-429E-3D7A-6D79-F9760E695F90}"/>
+              </a:ext>
+            </a:extLst>
+          </p:cNvPr>
+          <p:cNvGraphicFramePr>
+            <a:graphicFrameLocks noGrp="1"/>
+          </p:cNvGraphicFramePr>
+          <p:nvPr>
+            <p:extLst>
+              <p:ext uri="{D42A27DB-BD31-4B8C-83A1-F6EECF244321}">
+                <p14:modId xmlns:p14="http://schemas.microsoft.com/office/powerpoint/2010/main" val="2706197200"/>
+              </p:ext>
+            </p:extLst>
+          </p:nvPr>
+        </p:nvGraphicFramePr>
+        <p:xfrm>
+          <a:off x="8608036" y="3967946"/>
+          <a:ext cx="1348040" cy="2160000"/>
+        </p:xfrm>
+        <a:graphic>
+          <a:graphicData uri="http://schemas.openxmlformats.org/drawingml/2006/table">
+            <a:tbl>
+              <a:tblPr firstRow="1" bandRow="1">
+                <a:tableStyleId>{5C22544A-7EE6-4342-B048-85BDC9FD1C3A}</a:tableStyleId>
+              </a:tblPr>
+              <a:tblGrid>
+                <a:gridCol w="1348040">
+                  <a:extLst>
+                    <a:ext uri="{9D8B030D-6E8A-4147-A177-3AD203B41FA5}">
+                      <a16:colId xmlns:a16="http://schemas.microsoft.com/office/drawing/2014/main" val="78911286"/>
+                    </a:ext>
+                  </a:extLst>
+                </a:gridCol>
+              </a:tblGrid>
+              <a:tr h="773989">
+                <a:tc>
+                  <a:txBody>
+                    <a:bodyPr/>
+                    <a:lstStyle/>
+                    <a:p>
+                      <a:pPr algn="just"/>
+                      <a:r>
+                        <a:rPr lang="en-US" sz="2200" b="0" dirty="0">
+                          <a:solidFill>
+                            <a:schemeClr val="tx1"/>
+                          </a:solidFill>
+                        </a:rPr>
+                        <a:t>Prompt</a:t>
+                      </a:r>
+                    </a:p>
+                    <a:p>
+                      <a:pPr algn="just"/>
+                      <a:r>
+                        <a:rPr lang="en-US" sz="2200" b="0" dirty="0">
+                          <a:solidFill>
+                            <a:schemeClr val="tx1"/>
+                          </a:solidFill>
+                        </a:rPr>
+                        <a:t>LLMs</a:t>
+                      </a:r>
+                    </a:p>
+                  </a:txBody>
+                  <a:tcPr>
+                    <a:lnL w="12700" cap="flat" cmpd="sng" algn="ctr">
+                      <a:solidFill>
+                        <a:schemeClr val="tx1"/>
+                      </a:solidFill>
+                      <a:prstDash val="solid"/>
+                      <a:round/>
+                      <a:headEnd type="none" w="med" len="med"/>
+                      <a:tailEnd type="none" w="med" len="med"/>
+                    </a:lnL>
+                    <a:lnR w="12700" cap="flat" cmpd="sng" algn="ctr">
+                      <a:solidFill>
+                        <a:schemeClr val="tx1"/>
+                      </a:solidFill>
+                      <a:prstDash val="solid"/>
+                      <a:round/>
+                      <a:headEnd type="none" w="med" len="med"/>
+                      <a:tailEnd type="none" w="med" len="med"/>
+                    </a:lnR>
+                    <a:lnT w="12700" cap="flat" cmpd="sng" algn="ctr">
+                      <a:solidFill>
+                        <a:schemeClr val="tx1"/>
+                      </a:solidFill>
+                      <a:prstDash val="solid"/>
+                      <a:round/>
+                      <a:headEnd type="none" w="med" len="med"/>
+                      <a:tailEnd type="none" w="med" len="med"/>
+                    </a:lnT>
+                    <a:lnB w="12700" cap="flat" cmpd="sng" algn="ctr">
+                      <a:solidFill>
+                        <a:schemeClr val="tx1"/>
+                      </a:solidFill>
+                      <a:prstDash val="solid"/>
+                      <a:round/>
+                      <a:headEnd type="none" w="med" len="med"/>
+                      <a:tailEnd type="none" w="med" len="med"/>
+                    </a:lnB>
+                    <a:solidFill>
+                      <a:schemeClr val="accent3">
+                        <a:lumMod val="20000"/>
+                        <a:lumOff val="80000"/>
+                      </a:schemeClr>
+                    </a:solidFill>
+                  </a:tcPr>
+                </a:tc>
+                <a:extLst>
+                  <a:ext uri="{0D108BD9-81ED-4DB2-BD59-A6C34878D82A}">
+                    <a16:rowId xmlns:a16="http://schemas.microsoft.com/office/drawing/2014/main" val="3551986008"/>
+                  </a:ext>
+                </a:extLst>
+              </a:tr>
+              <a:tr h="1386011">
+                <a:tc>
+                  <a:txBody>
+                    <a:bodyPr/>
+                    <a:lstStyle/>
+                    <a:p>
+                      <a:pPr marL="285750" indent="-285750" algn="l" defTabSz="914400" rtl="0" eaLnBrk="1" latinLnBrk="0" hangingPunct="1">
+                        <a:buFontTx/>
+                        <a:buChar char="-"/>
+                      </a:pPr>
+                      <a:r>
+                        <a:rPr lang="en-US" sz="1400" b="1" kern="1200" dirty="0" err="1">
+                          <a:solidFill>
+                            <a:schemeClr val="accent1">
+                              <a:lumMod val="75000"/>
+                            </a:schemeClr>
+                          </a:solidFill>
+                          <a:latin typeface="+mn-lt"/>
+                          <a:ea typeface="+mn-ea"/>
+                          <a:cs typeface="+mn-cs"/>
+                        </a:rPr>
+                        <a:t>ChatGPT</a:t>
+                      </a:r>
+                      <a:endParaRPr lang="en-US" sz="1400" b="1" kern="1200" dirty="0">
+                        <a:solidFill>
+                          <a:schemeClr val="accent1">
+                            <a:lumMod val="75000"/>
+                          </a:schemeClr>
+                        </a:solidFill>
+                        <a:latin typeface="+mn-lt"/>
+                        <a:ea typeface="+mn-ea"/>
+                        <a:cs typeface="+mn-cs"/>
+                      </a:endParaRPr>
+                    </a:p>
+                    <a:p>
+                      <a:pPr marL="285750" indent="-285750" algn="l" defTabSz="914400" rtl="0" eaLnBrk="1" latinLnBrk="0" hangingPunct="1">
+                        <a:buFontTx/>
+                        <a:buChar char="-"/>
+                      </a:pPr>
+                      <a:r>
+                        <a:rPr lang="en-US" sz="1400" b="1" kern="1200" dirty="0">
+                          <a:solidFill>
+                            <a:schemeClr val="accent1">
+                              <a:lumMod val="75000"/>
+                            </a:schemeClr>
+                          </a:solidFill>
+                          <a:latin typeface="+mn-lt"/>
+                          <a:ea typeface="+mn-ea"/>
+                          <a:cs typeface="+mn-cs"/>
+                        </a:rPr>
+                        <a:t>FLAN-T5</a:t>
+                      </a:r>
+                    </a:p>
+                    <a:p>
+                      <a:pPr marL="285750" indent="-285750" algn="l" defTabSz="914400" rtl="0" eaLnBrk="1" latinLnBrk="0" hangingPunct="1">
+                        <a:buFontTx/>
+                        <a:buChar char="-"/>
+                      </a:pPr>
+                      <a:r>
+                        <a:rPr lang="en-US" sz="1400" b="0" kern="1200" dirty="0">
+                          <a:solidFill>
+                            <a:schemeClr val="tx1"/>
+                          </a:solidFill>
+                          <a:latin typeface="+mn-lt"/>
+                          <a:ea typeface="+mn-ea"/>
+                          <a:cs typeface="+mn-cs"/>
+                        </a:rPr>
+                        <a:t>Other LLMs</a:t>
+                      </a:r>
+                    </a:p>
+                    <a:p>
+                      <a:pPr marL="285750" indent="-285750" algn="l" defTabSz="914400" rtl="0" eaLnBrk="1" latinLnBrk="0" hangingPunct="1">
+                        <a:buFontTx/>
+                        <a:buChar char="-"/>
+                      </a:pPr>
+                      <a:r>
+                        <a:rPr lang="en-US" sz="1400" b="0" kern="1200" dirty="0">
+                          <a:solidFill>
+                            <a:schemeClr val="tx1"/>
+                          </a:solidFill>
+                          <a:latin typeface="+mn-lt"/>
+                          <a:ea typeface="+mn-ea"/>
+                          <a:cs typeface="+mn-cs"/>
+                        </a:rPr>
+                        <a:t>Fine-tune LLMs</a:t>
+                      </a:r>
+                    </a:p>
+                    <a:p>
+                      <a:pPr marL="0" algn="ctr" defTabSz="914400" rtl="0" eaLnBrk="1" latinLnBrk="0" hangingPunct="1"/>
+                      <a:endParaRPr lang="en-US" sz="1400" b="0" kern="1200" dirty="0">
+                        <a:solidFill>
+                          <a:schemeClr val="tx1"/>
+                        </a:solidFill>
+                        <a:latin typeface="+mn-lt"/>
+                        <a:ea typeface="+mn-ea"/>
+                        <a:cs typeface="+mn-cs"/>
+                      </a:endParaRPr>
+                    </a:p>
+                  </a:txBody>
+                  <a:tcPr>
+                    <a:lnL w="12700" cap="flat" cmpd="sng" algn="ctr">
+                      <a:solidFill>
+                        <a:schemeClr val="tx1"/>
+                      </a:solidFill>
+                      <a:prstDash val="solid"/>
+                      <a:round/>
+                      <a:headEnd type="none" w="med" len="med"/>
+                      <a:tailEnd type="none" w="med" len="med"/>
+                    </a:lnL>
+                    <a:lnR w="12700" cap="flat" cmpd="sng" algn="ctr">
+                      <a:solidFill>
+                        <a:schemeClr val="tx1"/>
+                      </a:solidFill>
+                      <a:prstDash val="solid"/>
+                      <a:round/>
+                      <a:headEnd type="none" w="med" len="med"/>
+                      <a:tailEnd type="none" w="med" len="med"/>
+                    </a:lnR>
+                    <a:lnT w="12700" cap="flat" cmpd="sng" algn="ctr">
+                      <a:solidFill>
+                        <a:schemeClr val="tx1"/>
+                      </a:solidFill>
+                      <a:prstDash val="solid"/>
+                      <a:round/>
+                      <a:headEnd type="none" w="med" len="med"/>
+                      <a:tailEnd type="none" w="med" len="med"/>
+                    </a:lnT>
+                    <a:lnB w="12700" cap="flat" cmpd="sng" algn="ctr">
+                      <a:solidFill>
+                        <a:schemeClr val="tx1"/>
+                      </a:solidFill>
+                      <a:prstDash val="solid"/>
+                      <a:round/>
+                      <a:headEnd type="none" w="med" len="med"/>
+                      <a:tailEnd type="none" w="med" len="med"/>
+                    </a:lnB>
+                    <a:noFill/>
+                  </a:tcPr>
+                </a:tc>
+                <a:extLst>
+                  <a:ext uri="{0D108BD9-81ED-4DB2-BD59-A6C34878D82A}">
+                    <a16:rowId xmlns:a16="http://schemas.microsoft.com/office/drawing/2014/main" val="101790919"/>
+                  </a:ext>
+                </a:extLst>
+              </a:tr>
+            </a:tbl>
+          </a:graphicData>
+        </a:graphic>
+      </p:graphicFrame>
+      <p:graphicFrame>
+        <p:nvGraphicFramePr>
+          <p:cNvPr id="59" name="Table 58">
+            <a:extLst>
+              <a:ext uri="{FF2B5EF4-FFF2-40B4-BE49-F238E27FC236}">
+                <a16:creationId xmlns:a16="http://schemas.microsoft.com/office/drawing/2014/main" id="{6A1C7D14-7506-FCAE-64EE-79DCC172BB8C}"/>
+              </a:ext>
+            </a:extLst>
+          </p:cNvPr>
+          <p:cNvGraphicFramePr>
+            <a:graphicFrameLocks noGrp="1"/>
+          </p:cNvGraphicFramePr>
+          <p:nvPr>
+            <p:extLst>
+              <p:ext uri="{D42A27DB-BD31-4B8C-83A1-F6EECF244321}">
+                <p14:modId xmlns:p14="http://schemas.microsoft.com/office/powerpoint/2010/main" val="3355271704"/>
+              </p:ext>
+            </p:extLst>
+          </p:nvPr>
+        </p:nvGraphicFramePr>
+        <p:xfrm>
+          <a:off x="10544536" y="3967946"/>
+          <a:ext cx="1458165" cy="2160000"/>
+        </p:xfrm>
+        <a:graphic>
+          <a:graphicData uri="http://schemas.openxmlformats.org/drawingml/2006/table">
+            <a:tbl>
+              <a:tblPr firstRow="1" bandRow="1">
+                <a:tableStyleId>{5C22544A-7EE6-4342-B048-85BDC9FD1C3A}</a:tableStyleId>
+              </a:tblPr>
+              <a:tblGrid>
+                <a:gridCol w="1458165">
+                  <a:extLst>
+                    <a:ext uri="{9D8B030D-6E8A-4147-A177-3AD203B41FA5}">
+                      <a16:colId xmlns:a16="http://schemas.microsoft.com/office/drawing/2014/main" val="78911286"/>
+                    </a:ext>
+                  </a:extLst>
+                </a:gridCol>
+              </a:tblGrid>
+              <a:tr h="773989">
+                <a:tc>
+                  <a:txBody>
+                    <a:bodyPr/>
+                    <a:lstStyle/>
+                    <a:p>
+                      <a:pPr algn="just"/>
+                      <a:r>
+                        <a:rPr lang="en-US" sz="2200" b="0" dirty="0">
+                          <a:solidFill>
+                            <a:schemeClr val="tx1"/>
+                          </a:solidFill>
+                        </a:rPr>
+                        <a:t>Evaluate</a:t>
+                      </a:r>
+                    </a:p>
+                  </a:txBody>
+                  <a:tcPr>
+                    <a:lnL w="12700" cap="flat" cmpd="sng" algn="ctr">
+                      <a:solidFill>
+                        <a:schemeClr val="tx1"/>
+                      </a:solidFill>
+                      <a:prstDash val="solid"/>
+                      <a:round/>
+                      <a:headEnd type="none" w="med" len="med"/>
+                      <a:tailEnd type="none" w="med" len="med"/>
+                    </a:lnL>
+                    <a:lnR w="12700" cap="flat" cmpd="sng" algn="ctr">
+                      <a:solidFill>
+                        <a:schemeClr val="tx1"/>
+                      </a:solidFill>
+                      <a:prstDash val="solid"/>
+                      <a:round/>
+                      <a:headEnd type="none" w="med" len="med"/>
+                      <a:tailEnd type="none" w="med" len="med"/>
+                    </a:lnR>
+                    <a:lnT w="12700" cap="flat" cmpd="sng" algn="ctr">
+                      <a:solidFill>
+                        <a:schemeClr val="tx1"/>
+                      </a:solidFill>
+                      <a:prstDash val="solid"/>
+                      <a:round/>
+                      <a:headEnd type="none" w="med" len="med"/>
+                      <a:tailEnd type="none" w="med" len="med"/>
+                    </a:lnT>
+                    <a:lnB w="12700" cap="flat" cmpd="sng" algn="ctr">
+                      <a:solidFill>
+                        <a:schemeClr val="tx1"/>
+                      </a:solidFill>
+                      <a:prstDash val="solid"/>
+                      <a:round/>
+                      <a:headEnd type="none" w="med" len="med"/>
+                      <a:tailEnd type="none" w="med" len="med"/>
+                    </a:lnB>
+                    <a:solidFill>
+                      <a:schemeClr val="accent3">
+                        <a:lumMod val="20000"/>
+                        <a:lumOff val="80000"/>
+                      </a:schemeClr>
+                    </a:solidFill>
+                  </a:tcPr>
+                </a:tc>
+                <a:extLst>
+                  <a:ext uri="{0D108BD9-81ED-4DB2-BD59-A6C34878D82A}">
+                    <a16:rowId xmlns:a16="http://schemas.microsoft.com/office/drawing/2014/main" val="3551986008"/>
+                  </a:ext>
+                </a:extLst>
+              </a:tr>
+              <a:tr h="1386011">
+                <a:tc>
+                  <a:txBody>
+                    <a:bodyPr/>
+                    <a:lstStyle/>
+                    <a:p>
+                      <a:pPr marL="285750" indent="-285750" algn="l">
+                        <a:buFontTx/>
+                        <a:buChar char="-"/>
+                      </a:pPr>
+                      <a:r>
+                        <a:rPr lang="en-US" sz="1400" b="1" kern="1200" dirty="0">
+                          <a:solidFill>
+                            <a:schemeClr val="accent1">
+                              <a:lumMod val="75000"/>
+                            </a:schemeClr>
+                          </a:solidFill>
+                          <a:latin typeface="+mn-lt"/>
+                          <a:ea typeface="+mn-ea"/>
+                          <a:cs typeface="+mn-cs"/>
+                        </a:rPr>
+                        <a:t>Require few </a:t>
+                      </a:r>
+                      <a:r>
+                        <a:rPr lang="en-US" sz="1400" b="1" dirty="0">
+                          <a:solidFill>
+                            <a:srgbClr val="FF0000"/>
+                          </a:solidFill>
+                        </a:rPr>
+                        <a:t>labeled tweets </a:t>
+                      </a:r>
+                      <a:r>
+                        <a:rPr lang="en-US" sz="1400" b="1" kern="1200" dirty="0">
+                          <a:solidFill>
+                            <a:schemeClr val="accent1">
+                              <a:lumMod val="75000"/>
+                            </a:schemeClr>
+                          </a:solidFill>
+                          <a:latin typeface="+mn-lt"/>
+                          <a:ea typeface="+mn-ea"/>
+                          <a:cs typeface="+mn-cs"/>
+                        </a:rPr>
+                        <a:t>to</a:t>
+                      </a:r>
+                      <a:r>
+                        <a:rPr lang="en-US" sz="1400" kern="1200" dirty="0">
+                          <a:solidFill>
+                            <a:schemeClr val="dk1"/>
+                          </a:solidFill>
+                          <a:latin typeface="+mn-lt"/>
+                          <a:ea typeface="+mn-ea"/>
+                          <a:cs typeface="+mn-cs"/>
+                        </a:rPr>
+                        <a:t> </a:t>
+                      </a:r>
+                      <a:r>
+                        <a:rPr lang="en-US" sz="1400" b="1" kern="1200" dirty="0">
+                          <a:solidFill>
+                            <a:schemeClr val="accent1">
+                              <a:lumMod val="75000"/>
+                            </a:schemeClr>
+                          </a:solidFill>
+                          <a:latin typeface="+mn-lt"/>
+                          <a:ea typeface="+mn-ea"/>
+                          <a:cs typeface="+mn-cs"/>
+                        </a:rPr>
+                        <a:t>select LLMs and prompts</a:t>
+                      </a:r>
+                    </a:p>
+                    <a:p>
+                      <a:pPr marL="0" algn="ctr" defTabSz="914400" rtl="0" eaLnBrk="1" latinLnBrk="0" hangingPunct="1"/>
+                      <a:endParaRPr lang="en-US" sz="1400" b="0" kern="1200" dirty="0">
+                        <a:solidFill>
+                          <a:schemeClr val="tx1"/>
+                        </a:solidFill>
+                        <a:latin typeface="+mn-lt"/>
+                        <a:ea typeface="+mn-ea"/>
+                        <a:cs typeface="+mn-cs"/>
+                      </a:endParaRPr>
+                    </a:p>
+                  </a:txBody>
+                  <a:tcPr>
+                    <a:lnL w="12700" cap="flat" cmpd="sng" algn="ctr">
+                      <a:solidFill>
+                        <a:schemeClr val="tx1"/>
+                      </a:solidFill>
+                      <a:prstDash val="solid"/>
+                      <a:round/>
+                      <a:headEnd type="none" w="med" len="med"/>
+                      <a:tailEnd type="none" w="med" len="med"/>
+                    </a:lnL>
+                    <a:lnR w="12700" cap="flat" cmpd="sng" algn="ctr">
+                      <a:solidFill>
+                        <a:schemeClr val="tx1"/>
+                      </a:solidFill>
+                      <a:prstDash val="solid"/>
+                      <a:round/>
+                      <a:headEnd type="none" w="med" len="med"/>
+                      <a:tailEnd type="none" w="med" len="med"/>
+                    </a:lnR>
+                    <a:lnT w="12700" cap="flat" cmpd="sng" algn="ctr">
+                      <a:solidFill>
+                        <a:schemeClr val="tx1"/>
+                      </a:solidFill>
+                      <a:prstDash val="solid"/>
+                      <a:round/>
+                      <a:headEnd type="none" w="med" len="med"/>
+                      <a:tailEnd type="none" w="med" len="med"/>
+                    </a:lnT>
+                    <a:lnB w="12700" cap="flat" cmpd="sng" algn="ctr">
+                      <a:solidFill>
+                        <a:schemeClr val="tx1"/>
+                      </a:solidFill>
+                      <a:prstDash val="solid"/>
+                      <a:round/>
+                      <a:headEnd type="none" w="med" len="med"/>
+                      <a:tailEnd type="none" w="med" len="med"/>
+                    </a:lnB>
+                    <a:noFill/>
+                  </a:tcPr>
+                </a:tc>
+                <a:extLst>
+                  <a:ext uri="{0D108BD9-81ED-4DB2-BD59-A6C34878D82A}">
+                    <a16:rowId xmlns:a16="http://schemas.microsoft.com/office/drawing/2014/main" val="101790919"/>
+                  </a:ext>
+                </a:extLst>
+              </a:tr>
+            </a:tbl>
+          </a:graphicData>
+        </a:graphic>
+      </p:graphicFrame>
+      <p:sp>
+        <p:nvSpPr>
+          <p:cNvPr id="62" name="TextBox 61">
+            <a:extLst>
+              <a:ext uri="{FF2B5EF4-FFF2-40B4-BE49-F238E27FC236}">
+                <a16:creationId xmlns:a16="http://schemas.microsoft.com/office/drawing/2014/main" id="{64E39542-8347-9207-19E0-809A2A49ACF5}"/>
+              </a:ext>
+            </a:extLst>
+          </p:cNvPr>
+          <p:cNvSpPr txBox="1"/>
+          <p:nvPr/>
+        </p:nvSpPr>
+        <p:spPr>
+          <a:xfrm>
+            <a:off x="382939" y="1503128"/>
+            <a:ext cx="1114885" cy="492443"/>
+          </a:xfrm>
+          <a:prstGeom prst="rect">
+            <a:avLst/>
+          </a:prstGeom>
+          <a:noFill/>
+        </p:spPr>
+        <p:txBody>
+          <a:bodyPr wrap="square" rtlCol="0">
+            <a:spAutoFit/>
+          </a:bodyPr>
+          <a:lstStyle/>
+          <a:p>
+            <a:r>
+              <a:rPr lang="en-US" sz="2600" b="1" dirty="0"/>
+              <a:t>Stance</a:t>
+            </a:r>
+          </a:p>
+        </p:txBody>
+      </p:sp>
+      <p:sp>
+        <p:nvSpPr>
+          <p:cNvPr id="65" name="TextBox 64">
+            <a:extLst>
+              <a:ext uri="{FF2B5EF4-FFF2-40B4-BE49-F238E27FC236}">
+                <a16:creationId xmlns:a16="http://schemas.microsoft.com/office/drawing/2014/main" id="{5CAB10B3-F9FD-980A-358C-40676E44D5FD}"/>
+              </a:ext>
+            </a:extLst>
+          </p:cNvPr>
+          <p:cNvSpPr txBox="1"/>
+          <p:nvPr/>
+        </p:nvSpPr>
+        <p:spPr>
+          <a:xfrm>
+            <a:off x="6263014" y="1535684"/>
+            <a:ext cx="3693062" cy="492443"/>
+          </a:xfrm>
+          <a:prstGeom prst="rect">
+            <a:avLst/>
+          </a:prstGeom>
+          <a:noFill/>
+        </p:spPr>
+        <p:txBody>
+          <a:bodyPr wrap="square" rtlCol="0">
+            <a:spAutoFit/>
+          </a:bodyPr>
+          <a:lstStyle/>
+          <a:p>
+            <a:r>
+              <a:rPr lang="en-US" sz="2600" b="1" dirty="0"/>
+              <a:t>Can be generalize to…</a:t>
+            </a:r>
+          </a:p>
+        </p:txBody>
+      </p:sp>
+      <p:sp>
+        <p:nvSpPr>
+          <p:cNvPr id="66" name="TextBox 65">
+            <a:extLst>
+              <a:ext uri="{FF2B5EF4-FFF2-40B4-BE49-F238E27FC236}">
+                <a16:creationId xmlns:a16="http://schemas.microsoft.com/office/drawing/2014/main" id="{3FBD587C-0181-0AE3-BA9A-EB9F406A0C06}"/>
+              </a:ext>
+            </a:extLst>
+          </p:cNvPr>
+          <p:cNvSpPr txBox="1"/>
+          <p:nvPr/>
+        </p:nvSpPr>
+        <p:spPr>
+          <a:xfrm>
+            <a:off x="7122291" y="2080468"/>
+            <a:ext cx="4608909" cy="461665"/>
+          </a:xfrm>
+          <a:prstGeom prst="rect">
+            <a:avLst/>
+          </a:prstGeom>
+          <a:noFill/>
+        </p:spPr>
+        <p:txBody>
+          <a:bodyPr wrap="square" rtlCol="0">
+            <a:spAutoFit/>
+          </a:bodyPr>
+          <a:lstStyle/>
+          <a:p>
+            <a:pPr algn="ctr"/>
+            <a:r>
+              <a:rPr lang="en-US" altLang="zh-TW" sz="2400" dirty="0"/>
+              <a:t>Sentiment, Relevance etc.</a:t>
+            </a:r>
+            <a:endParaRPr lang="en-US" sz="2400" dirty="0"/>
+          </a:p>
+        </p:txBody>
+      </p:sp>
+      <p:graphicFrame>
+        <p:nvGraphicFramePr>
+          <p:cNvPr id="2" name="Table 1">
+            <a:extLst>
+              <a:ext uri="{FF2B5EF4-FFF2-40B4-BE49-F238E27FC236}">
+                <a16:creationId xmlns:a16="http://schemas.microsoft.com/office/drawing/2014/main" id="{FEA621DC-AA88-9559-E69E-5E7A2552A0CA}"/>
+              </a:ext>
+            </a:extLst>
+          </p:cNvPr>
+          <p:cNvGraphicFramePr>
+            <a:graphicFrameLocks noGrp="1"/>
+          </p:cNvGraphicFramePr>
+          <p:nvPr>
+            <p:extLst>
+              <p:ext uri="{D42A27DB-BD31-4B8C-83A1-F6EECF244321}">
+                <p14:modId xmlns:p14="http://schemas.microsoft.com/office/powerpoint/2010/main" val="1136334798"/>
+              </p:ext>
+            </p:extLst>
+          </p:nvPr>
+        </p:nvGraphicFramePr>
+        <p:xfrm>
+          <a:off x="417665" y="3967946"/>
+          <a:ext cx="2476008" cy="2163600"/>
+        </p:xfrm>
+        <a:graphic>
+          <a:graphicData uri="http://schemas.openxmlformats.org/drawingml/2006/table">
+            <a:tbl>
+              <a:tblPr firstRow="1" bandRow="1">
+                <a:tableStyleId>{5C22544A-7EE6-4342-B048-85BDC9FD1C3A}</a:tableStyleId>
+              </a:tblPr>
+              <a:tblGrid>
+                <a:gridCol w="2476008">
+                  <a:extLst>
+                    <a:ext uri="{9D8B030D-6E8A-4147-A177-3AD203B41FA5}">
+                      <a16:colId xmlns:a16="http://schemas.microsoft.com/office/drawing/2014/main" val="78911286"/>
+                    </a:ext>
+                  </a:extLst>
+                </a:gridCol>
+              </a:tblGrid>
+              <a:tr h="762313">
+                <a:tc>
+                  <a:txBody>
+                    <a:bodyPr/>
+                    <a:lstStyle/>
+                    <a:p>
+                      <a:pPr algn="just"/>
+                      <a:r>
+                        <a:rPr lang="en-US" sz="2200" b="0" dirty="0">
+                          <a:solidFill>
+                            <a:schemeClr val="tx1"/>
+                          </a:solidFill>
+                        </a:rPr>
+                        <a:t>Load a </a:t>
+                      </a:r>
+                    </a:p>
+                    <a:p>
+                      <a:pPr algn="just"/>
+                      <a:r>
+                        <a:rPr lang="en-US" sz="2200" b="0" dirty="0">
+                          <a:solidFill>
+                            <a:schemeClr val="tx1"/>
+                          </a:solidFill>
+                        </a:rPr>
+                        <a:t>pre-trained BERT</a:t>
+                      </a:r>
+                    </a:p>
+                  </a:txBody>
+                  <a:tcPr>
+                    <a:lnL w="12700" cap="flat" cmpd="sng" algn="ctr">
+                      <a:solidFill>
+                        <a:schemeClr val="tx1"/>
+                      </a:solidFill>
+                      <a:prstDash val="solid"/>
+                      <a:round/>
+                      <a:headEnd type="none" w="med" len="med"/>
+                      <a:tailEnd type="none" w="med" len="med"/>
+                    </a:lnL>
+                    <a:lnR w="12700" cap="flat" cmpd="sng" algn="ctr">
+                      <a:solidFill>
+                        <a:schemeClr val="tx1"/>
+                      </a:solidFill>
+                      <a:prstDash val="solid"/>
+                      <a:round/>
+                      <a:headEnd type="none" w="med" len="med"/>
+                      <a:tailEnd type="none" w="med" len="med"/>
+                    </a:lnR>
+                    <a:lnT w="12700" cap="flat" cmpd="sng" algn="ctr">
+                      <a:solidFill>
+                        <a:schemeClr val="tx1"/>
+                      </a:solidFill>
+                      <a:prstDash val="solid"/>
+                      <a:round/>
+                      <a:headEnd type="none" w="med" len="med"/>
+                      <a:tailEnd type="none" w="med" len="med"/>
+                    </a:lnT>
+                    <a:lnB w="12700" cap="flat" cmpd="sng" algn="ctr">
+                      <a:solidFill>
+                        <a:schemeClr val="tx1"/>
+                      </a:solidFill>
+                      <a:prstDash val="solid"/>
+                      <a:round/>
+                      <a:headEnd type="none" w="med" len="med"/>
+                      <a:tailEnd type="none" w="med" len="med"/>
+                    </a:lnB>
+                    <a:solidFill>
+                      <a:schemeClr val="accent3">
+                        <a:lumMod val="20000"/>
+                        <a:lumOff val="80000"/>
+                      </a:schemeClr>
+                    </a:solidFill>
+                  </a:tcPr>
+                </a:tc>
+                <a:extLst>
+                  <a:ext uri="{0D108BD9-81ED-4DB2-BD59-A6C34878D82A}">
+                    <a16:rowId xmlns:a16="http://schemas.microsoft.com/office/drawing/2014/main" val="3551986008"/>
+                  </a:ext>
+                </a:extLst>
+              </a:tr>
+              <a:tr h="1401287">
+                <a:tc>
+                  <a:txBody>
+                    <a:bodyPr/>
+                    <a:lstStyle/>
+                    <a:p>
+                      <a:pPr marL="285750" indent="-285750" algn="l">
+                        <a:buFontTx/>
+                        <a:buChar char="-"/>
+                      </a:pPr>
+                      <a:r>
+                        <a:rPr lang="en-US" sz="1400" b="1" dirty="0">
+                          <a:solidFill>
+                            <a:schemeClr val="accent1">
+                              <a:lumMod val="75000"/>
+                            </a:schemeClr>
+                          </a:solidFill>
+                        </a:rPr>
+                        <a:t>Download pre-trained BERT</a:t>
+                      </a:r>
+                    </a:p>
+                    <a:p>
+                      <a:pPr marL="742950" lvl="1" indent="-285750" algn="l">
+                        <a:buFontTx/>
+                        <a:buChar char="-"/>
+                      </a:pPr>
+                      <a:r>
+                        <a:rPr lang="en-US" sz="1400" b="1" dirty="0">
+                          <a:solidFill>
+                            <a:schemeClr val="accent1">
+                              <a:lumMod val="75000"/>
+                            </a:schemeClr>
+                          </a:solidFill>
+                        </a:rPr>
+                        <a:t>Standard BERT</a:t>
+                      </a:r>
+                    </a:p>
+                    <a:p>
+                      <a:pPr marL="742950" lvl="1" indent="-285750" algn="l">
+                        <a:buFontTx/>
+                        <a:buChar char="-"/>
+                      </a:pPr>
+                      <a:r>
+                        <a:rPr lang="en-US" sz="1400" b="1" dirty="0">
+                          <a:solidFill>
+                            <a:schemeClr val="accent1">
+                              <a:lumMod val="75000"/>
+                            </a:schemeClr>
+                          </a:solidFill>
+                        </a:rPr>
+                        <a:t>Domain-specific BERT</a:t>
+                      </a:r>
+                    </a:p>
+                    <a:p>
+                      <a:pPr marL="285750" lvl="0" indent="-285750" algn="l">
+                        <a:buFontTx/>
+                        <a:buChar char="-"/>
+                      </a:pPr>
+                      <a:r>
+                        <a:rPr lang="en-US" sz="1400" b="0" dirty="0">
+                          <a:solidFill>
+                            <a:schemeClr val="tx1"/>
+                          </a:solidFill>
+                        </a:rPr>
+                        <a:t>Pre-training your own BERT</a:t>
+                      </a:r>
+                    </a:p>
+                  </a:txBody>
+                  <a:tcPr>
+                    <a:lnL w="12700" cap="flat" cmpd="sng" algn="ctr">
+                      <a:solidFill>
+                        <a:schemeClr val="tx1"/>
+                      </a:solidFill>
+                      <a:prstDash val="solid"/>
+                      <a:round/>
+                      <a:headEnd type="none" w="med" len="med"/>
+                      <a:tailEnd type="none" w="med" len="med"/>
+                    </a:lnL>
+                    <a:lnR w="12700" cap="flat" cmpd="sng" algn="ctr">
+                      <a:solidFill>
+                        <a:schemeClr val="tx1"/>
+                      </a:solidFill>
+                      <a:prstDash val="solid"/>
+                      <a:round/>
+                      <a:headEnd type="none" w="med" len="med"/>
+                      <a:tailEnd type="none" w="med" len="med"/>
+                    </a:lnR>
+                    <a:lnT w="12700" cap="flat" cmpd="sng" algn="ctr">
+                      <a:solidFill>
+                        <a:schemeClr val="tx1"/>
+                      </a:solidFill>
+                      <a:prstDash val="solid"/>
+                      <a:round/>
+                      <a:headEnd type="none" w="med" len="med"/>
+                      <a:tailEnd type="none" w="med" len="med"/>
+                    </a:lnT>
+                    <a:lnB w="12700" cap="flat" cmpd="sng" algn="ctr">
+                      <a:solidFill>
+                        <a:schemeClr val="tx1"/>
+                      </a:solidFill>
+                      <a:prstDash val="solid"/>
+                      <a:round/>
+                      <a:headEnd type="none" w="med" len="med"/>
+                      <a:tailEnd type="none" w="med" len="med"/>
+                    </a:lnB>
+                    <a:noFill/>
+                  </a:tcPr>
+                </a:tc>
+                <a:extLst>
+                  <a:ext uri="{0D108BD9-81ED-4DB2-BD59-A6C34878D82A}">
+                    <a16:rowId xmlns:a16="http://schemas.microsoft.com/office/drawing/2014/main" val="101790919"/>
+                  </a:ext>
+                </a:extLst>
+              </a:tr>
+            </a:tbl>
+          </a:graphicData>
+        </a:graphic>
+      </p:graphicFrame>
+      <p:sp>
+        <p:nvSpPr>
+          <p:cNvPr id="3" name="Right Arrow 2">
+            <a:extLst>
+              <a:ext uri="{FF2B5EF4-FFF2-40B4-BE49-F238E27FC236}">
+                <a16:creationId xmlns:a16="http://schemas.microsoft.com/office/drawing/2014/main" id="{95413CD7-095D-2CA6-A9B0-7B357B849D4B}"/>
+              </a:ext>
+            </a:extLst>
+          </p:cNvPr>
+          <p:cNvSpPr/>
+          <p:nvPr/>
+        </p:nvSpPr>
+        <p:spPr>
+          <a:xfrm>
+            <a:off x="8041750" y="4099057"/>
+            <a:ext cx="504000" cy="528636"/>
+          </a:xfrm>
+          <a:prstGeom prst="rightArrow">
+            <a:avLst/>
+          </a:prstGeom>
+          <a:solidFill>
+            <a:schemeClr val="bg1">
+              <a:lumMod val="50000"/>
+            </a:schemeClr>
+          </a:solidFill>
+          <a:ln>
+            <a:noFill/>
+          </a:ln>
+        </p:spPr>
+        <p:style>
+          <a:lnRef idx="2">
+            <a:schemeClr val="accent1">
+              <a:shade val="50000"/>
+            </a:schemeClr>
+          </a:lnRef>
+          <a:fillRef idx="1">
+            <a:schemeClr val="accent1"/>
+          </a:fillRef>
+          <a:effectRef idx="0">
+            <a:schemeClr val="accent1"/>
+          </a:effectRef>
+          <a:fontRef idx="minor">
+            <a:schemeClr val="lt1"/>
+          </a:fontRef>
+        </p:style>
+        <p:txBody>
+          <a:bodyPr rtlCol="0" anchor="ctr"/>
+          <a:lstStyle/>
+          <a:p>
+            <a:pPr algn="ctr"/>
+            <a:endParaRPr lang="en-US"/>
+          </a:p>
+        </p:txBody>
+      </p:sp>
+      <p:sp>
+        <p:nvSpPr>
+          <p:cNvPr id="17" name="Rounded Rectangular Callout 16">
+            <a:extLst>
+              <a:ext uri="{FF2B5EF4-FFF2-40B4-BE49-F238E27FC236}">
+                <a16:creationId xmlns:a16="http://schemas.microsoft.com/office/drawing/2014/main" id="{326C7073-FD35-00BE-9555-F5CBBEA3F4DE}"/>
+              </a:ext>
+            </a:extLst>
+          </p:cNvPr>
+          <p:cNvSpPr/>
+          <p:nvPr/>
+        </p:nvSpPr>
+        <p:spPr>
+          <a:xfrm>
+            <a:off x="2191634" y="1634398"/>
+            <a:ext cx="635713" cy="398274"/>
+          </a:xfrm>
+          <a:prstGeom prst="wedgeRoundRectCallout">
+            <a:avLst>
+              <a:gd name="adj1" fmla="val -82311"/>
+              <a:gd name="adj2" fmla="val 34852"/>
+              <a:gd name="adj3" fmla="val 16667"/>
+            </a:avLst>
+          </a:prstGeom>
+          <a:solidFill>
+            <a:srgbClr val="BAE3FD"/>
+          </a:solidFill>
+          <a:ln>
+            <a:solidFill>
+              <a:srgbClr val="2F5597"/>
+            </a:solidFill>
+          </a:ln>
+        </p:spPr>
+        <p:style>
+          <a:lnRef idx="2">
+            <a:schemeClr val="accent1">
+              <a:shade val="50000"/>
+            </a:schemeClr>
+          </a:lnRef>
+          <a:fillRef idx="1">
+            <a:schemeClr val="accent1"/>
+          </a:fillRef>
+          <a:effectRef idx="0">
+            <a:schemeClr val="accent1"/>
+          </a:effectRef>
+          <a:fontRef idx="minor">
+            <a:schemeClr val="lt1"/>
+          </a:fontRef>
+        </p:style>
+        <p:txBody>
+          <a:bodyPr rot="0" spcFirstLastPara="0" vertOverflow="overflow" horzOverflow="overflow" vert="horz" wrap="square" lIns="0" tIns="0" rIns="0" bIns="0" numCol="1" spcCol="0" rtlCol="0" fromWordArt="0" anchor="ctr" anchorCtr="0" forceAA="0" compatLnSpc="1">
+            <a:prstTxWarp prst="textNoShape">
+              <a:avLst/>
+            </a:prstTxWarp>
+            <a:noAutofit/>
+          </a:bodyPr>
+          <a:lstStyle/>
+          <a:p>
+            <a:pPr algn="ctr"/>
+            <a:r>
+              <a:rPr lang="en-US" altLang="zh-TW" i="1" dirty="0">
+                <a:solidFill>
+                  <a:schemeClr val="tx1"/>
+                </a:solidFill>
+              </a:rPr>
+              <a:t>xxx</a:t>
+            </a:r>
+            <a:endParaRPr lang="en-US" i="1" dirty="0">
+              <a:solidFill>
+                <a:schemeClr val="tx1"/>
+              </a:solidFill>
+            </a:endParaRPr>
+          </a:p>
+        </p:txBody>
+      </p:sp>
+      <p:sp>
+        <p:nvSpPr>
+          <p:cNvPr id="19" name="TextBox 18">
+            <a:extLst>
+              <a:ext uri="{FF2B5EF4-FFF2-40B4-BE49-F238E27FC236}">
+                <a16:creationId xmlns:a16="http://schemas.microsoft.com/office/drawing/2014/main" id="{4544B230-6425-AB63-CCA0-37304F24B7CE}"/>
+              </a:ext>
+            </a:extLst>
+          </p:cNvPr>
+          <p:cNvSpPr txBox="1"/>
+          <p:nvPr/>
+        </p:nvSpPr>
+        <p:spPr>
+          <a:xfrm>
+            <a:off x="2964166" y="1587521"/>
+            <a:ext cx="1989800" cy="461665"/>
+          </a:xfrm>
+          <a:prstGeom prst="rect">
+            <a:avLst/>
+          </a:prstGeom>
+          <a:noFill/>
+        </p:spPr>
+        <p:txBody>
+          <a:bodyPr wrap="square" rtlCol="0">
+            <a:spAutoFit/>
+          </a:bodyPr>
+          <a:lstStyle/>
+          <a:p>
+            <a:r>
+              <a:rPr lang="en-US" sz="2400" dirty="0"/>
+              <a:t>Pro-abortion</a:t>
+            </a:r>
+          </a:p>
+        </p:txBody>
+      </p:sp>
+    </p:spTree>
+    <p:extLst>
+      <p:ext uri="{BB962C8B-B14F-4D97-AF65-F5344CB8AC3E}">
+        <p14:creationId xmlns:p14="http://schemas.microsoft.com/office/powerpoint/2010/main" val="1535459622"/>
+      </p:ext>
+    </p:extLst>
+  </p:cSld>
+  <p:clrMapOvr>
+    <a:masterClrMapping/>
+  </p:clrMapOvr>
+</p:sld>
+</file>
+
+<file path=ppt/slides/slide5.xml><?xml version="1.0" encoding="utf-8"?>
+<p:sld xmlns:a="http://schemas.openxmlformats.org/drawingml/2006/main" xmlns:r="http://schemas.openxmlformats.org/officeDocument/2006/relationships" xmlns:p="http://schemas.openxmlformats.org/presentationml/2006/main" show="0">
+  <p:cSld>
+    <p:spTree>
+      <p:nvGrpSpPr>
+        <p:cNvPr id="1" name=""/>
+        <p:cNvGrpSpPr/>
+        <p:nvPr/>
+      </p:nvGrpSpPr>
+      <p:grpSpPr>
+        <a:xfrm>
+          <a:off x="0" y="0"/>
+          <a:ext cx="0" cy="0"/>
+          <a:chOff x="0" y="0"/>
+          <a:chExt cx="0" cy="0"/>
+        </a:xfrm>
+      </p:grpSpPr>
+      <p:sp>
+        <p:nvSpPr>
+          <p:cNvPr id="8" name="Rectangle 7">
+            <a:extLst>
+              <a:ext uri="{FF2B5EF4-FFF2-40B4-BE49-F238E27FC236}">
+                <a16:creationId xmlns:a16="http://schemas.microsoft.com/office/drawing/2014/main" id="{DDFEB9F2-C591-923D-E492-F7023C2DA9CF}"/>
+              </a:ext>
+            </a:extLst>
+          </p:cNvPr>
+          <p:cNvSpPr/>
+          <p:nvPr/>
+        </p:nvSpPr>
+        <p:spPr>
+          <a:xfrm>
+            <a:off x="209818" y="1106300"/>
+            <a:ext cx="11723434" cy="591365"/>
+          </a:xfrm>
+          <a:prstGeom prst="rect">
+            <a:avLst/>
+          </a:prstGeom>
+          <a:solidFill>
+            <a:schemeClr val="bg1">
+              <a:lumMod val="75000"/>
+            </a:schemeClr>
+          </a:solidFill>
+          <a:ln>
+            <a:noFill/>
+          </a:ln>
+        </p:spPr>
+        <p:style>
+          <a:lnRef idx="2">
+            <a:schemeClr val="accent1">
+              <a:shade val="50000"/>
+            </a:schemeClr>
+          </a:lnRef>
+          <a:fillRef idx="1">
+            <a:schemeClr val="accent1"/>
+          </a:fillRef>
+          <a:effectRef idx="0">
+            <a:schemeClr val="accent1"/>
+          </a:effectRef>
+          <a:fontRef idx="minor">
+            <a:schemeClr val="lt1"/>
+          </a:fontRef>
+        </p:style>
+        <p:txBody>
+          <a:bodyPr rtlCol="0" anchor="ctr"/>
+          <a:lstStyle/>
+          <a:p>
+            <a:r>
+              <a:rPr lang="en-US" sz="2400" b="1" dirty="0">
+                <a:solidFill>
+                  <a:schemeClr val="tx1"/>
+                </a:solidFill>
+              </a:rPr>
+              <a:t>Two Stance Detection Paradigms</a:t>
+            </a:r>
+          </a:p>
+        </p:txBody>
+      </p:sp>
+      <p:sp>
+        <p:nvSpPr>
+          <p:cNvPr id="10" name="Rectangle 9">
+            <a:extLst>
+              <a:ext uri="{FF2B5EF4-FFF2-40B4-BE49-F238E27FC236}">
+                <a16:creationId xmlns:a16="http://schemas.microsoft.com/office/drawing/2014/main" id="{20D4E09C-4E08-44D6-97BF-4D1B52CC87BD}"/>
+              </a:ext>
+            </a:extLst>
+          </p:cNvPr>
+          <p:cNvSpPr/>
+          <p:nvPr/>
+        </p:nvSpPr>
+        <p:spPr>
+          <a:xfrm>
+            <a:off x="209818" y="3538331"/>
+            <a:ext cx="5659667" cy="591365"/>
+          </a:xfrm>
+          <a:prstGeom prst="rect">
+            <a:avLst/>
+          </a:prstGeom>
+          <a:solidFill>
+            <a:schemeClr val="bg2"/>
+          </a:solidFill>
+          <a:ln>
+            <a:noFill/>
+          </a:ln>
+        </p:spPr>
+        <p:style>
+          <a:lnRef idx="2">
+            <a:schemeClr val="accent1">
+              <a:shade val="50000"/>
+            </a:schemeClr>
+          </a:lnRef>
+          <a:fillRef idx="1">
+            <a:schemeClr val="accent1"/>
+          </a:fillRef>
+          <a:effectRef idx="0">
+            <a:schemeClr val="accent1"/>
+          </a:effectRef>
+          <a:fontRef idx="minor">
+            <a:schemeClr val="lt1"/>
+          </a:fontRef>
+        </p:style>
+        <p:txBody>
+          <a:bodyPr rtlCol="0" anchor="ctr"/>
+          <a:lstStyle/>
+          <a:p>
+            <a:r>
+              <a:rPr lang="en-US" sz="2400" b="1" dirty="0">
+                <a:solidFill>
+                  <a:schemeClr val="tx1"/>
+                </a:solidFill>
+              </a:rPr>
+              <a:t>Method 1: Human + BERT </a:t>
+            </a:r>
+          </a:p>
+        </p:txBody>
+      </p:sp>
+      <p:sp>
+        <p:nvSpPr>
+          <p:cNvPr id="11" name="Rectangle 10">
+            <a:extLst>
+              <a:ext uri="{FF2B5EF4-FFF2-40B4-BE49-F238E27FC236}">
+                <a16:creationId xmlns:a16="http://schemas.microsoft.com/office/drawing/2014/main" id="{8A8A3C37-D0F2-58FF-98F7-5A5192782D18}"/>
+              </a:ext>
+            </a:extLst>
+          </p:cNvPr>
+          <p:cNvSpPr/>
+          <p:nvPr/>
+        </p:nvSpPr>
+        <p:spPr>
+          <a:xfrm>
+            <a:off x="6200954" y="3538331"/>
+            <a:ext cx="5865150" cy="591365"/>
+          </a:xfrm>
+          <a:prstGeom prst="rect">
+            <a:avLst/>
+          </a:prstGeom>
+          <a:solidFill>
+            <a:schemeClr val="bg2"/>
+          </a:solidFill>
+          <a:ln>
+            <a:noFill/>
+          </a:ln>
+        </p:spPr>
+        <p:style>
+          <a:lnRef idx="2">
+            <a:schemeClr val="accent1">
+              <a:shade val="50000"/>
+            </a:schemeClr>
+          </a:lnRef>
+          <a:fillRef idx="1">
+            <a:schemeClr val="accent1"/>
+          </a:fillRef>
+          <a:effectRef idx="0">
+            <a:schemeClr val="accent1"/>
+          </a:effectRef>
+          <a:fontRef idx="minor">
+            <a:schemeClr val="lt1"/>
+          </a:fontRef>
+        </p:style>
+        <p:txBody>
+          <a:bodyPr rtlCol="0" anchor="ctr"/>
+          <a:lstStyle/>
+          <a:p>
+            <a:r>
+              <a:rPr lang="en-US" sz="2400" b="1" dirty="0">
+                <a:solidFill>
+                  <a:schemeClr val="tx1"/>
+                </a:solidFill>
+              </a:rPr>
+              <a:t>Method 2: Prompt LLM (GPT-3 etc.)</a:t>
+            </a:r>
+          </a:p>
+        </p:txBody>
+      </p:sp>
+      <p:grpSp>
+        <p:nvGrpSpPr>
+          <p:cNvPr id="63" name="Group 62">
+            <a:extLst>
+              <a:ext uri="{FF2B5EF4-FFF2-40B4-BE49-F238E27FC236}">
+                <a16:creationId xmlns:a16="http://schemas.microsoft.com/office/drawing/2014/main" id="{BDB959CB-A246-9D23-679A-784883A223D0}"/>
+              </a:ext>
+            </a:extLst>
+          </p:cNvPr>
+          <p:cNvGrpSpPr/>
+          <p:nvPr/>
+        </p:nvGrpSpPr>
+        <p:grpSpPr>
+          <a:xfrm>
+            <a:off x="1649896" y="1898240"/>
+            <a:ext cx="2827330" cy="1179382"/>
+            <a:chOff x="1649896" y="2140288"/>
+            <a:chExt cx="2827330" cy="1179382"/>
+          </a:xfrm>
+        </p:grpSpPr>
+        <p:sp>
+          <p:nvSpPr>
+            <p:cNvPr id="12" name="Rounded Rectangular Callout 11">
+              <a:extLst>
+                <a:ext uri="{FF2B5EF4-FFF2-40B4-BE49-F238E27FC236}">
+                  <a16:creationId xmlns:a16="http://schemas.microsoft.com/office/drawing/2014/main" id="{47653F54-8430-DE13-D03E-4CB8C5DEA655}"/>
+                </a:ext>
+              </a:extLst>
+            </p:cNvPr>
+            <p:cNvSpPr/>
+            <p:nvPr/>
+          </p:nvSpPr>
+          <p:spPr>
+            <a:xfrm>
+              <a:off x="1954040" y="2232886"/>
+              <a:ext cx="525575" cy="398274"/>
+            </a:xfrm>
+            <a:prstGeom prst="wedgeRoundRectCallout">
+              <a:avLst>
+                <a:gd name="adj1" fmla="val -82311"/>
+                <a:gd name="adj2" fmla="val 34852"/>
+                <a:gd name="adj3" fmla="val 16667"/>
+              </a:avLst>
+            </a:prstGeom>
+            <a:solidFill>
+              <a:schemeClr val="accent2">
+                <a:lumMod val="60000"/>
+                <a:lumOff val="40000"/>
+              </a:schemeClr>
+            </a:solidFill>
+            <a:ln>
+              <a:solidFill>
+                <a:srgbClr val="C00000"/>
+              </a:solidFill>
+            </a:ln>
+          </p:spPr>
+          <p:style>
+            <a:lnRef idx="2">
+              <a:schemeClr val="accent1">
+                <a:shade val="50000"/>
+              </a:schemeClr>
+            </a:lnRef>
+            <a:fillRef idx="1">
+              <a:schemeClr val="accent1"/>
+            </a:fillRef>
+            <a:effectRef idx="0">
+              <a:schemeClr val="accent1"/>
+            </a:effectRef>
+            <a:fontRef idx="minor">
+              <a:schemeClr val="lt1"/>
+            </a:fontRef>
+          </p:style>
+          <p:txBody>
+            <a:bodyPr rot="0" spcFirstLastPara="0" vertOverflow="overflow" horzOverflow="overflow" vert="horz" wrap="square" lIns="0" tIns="0" rIns="0" bIns="0" numCol="1" spcCol="0" rtlCol="0" fromWordArt="0" anchor="ctr" anchorCtr="0" forceAA="0" compatLnSpc="1">
+              <a:prstTxWarp prst="textNoShape">
+                <a:avLst/>
+              </a:prstTxWarp>
+              <a:noAutofit/>
+            </a:bodyPr>
+            <a:lstStyle/>
+            <a:p>
+              <a:pPr algn="ctr"/>
+              <a:r>
+                <a:rPr lang="en-US" altLang="zh-TW" i="1" dirty="0">
+                  <a:solidFill>
+                    <a:schemeClr val="tx1"/>
+                  </a:solidFill>
+                </a:rPr>
+                <a:t>xxx</a:t>
+              </a:r>
+              <a:endParaRPr lang="en-US" i="1" dirty="0">
+                <a:solidFill>
+                  <a:schemeClr val="tx1"/>
+                </a:solidFill>
+              </a:endParaRPr>
+            </a:p>
+          </p:txBody>
+        </p:sp>
+        <p:sp>
+          <p:nvSpPr>
+            <p:cNvPr id="13" name="TextBox 12">
+              <a:extLst>
+                <a:ext uri="{FF2B5EF4-FFF2-40B4-BE49-F238E27FC236}">
+                  <a16:creationId xmlns:a16="http://schemas.microsoft.com/office/drawing/2014/main" id="{28E248BC-AB13-E284-D2C7-50703B26D6D6}"/>
+                </a:ext>
+              </a:extLst>
+            </p:cNvPr>
+            <p:cNvSpPr txBox="1"/>
+            <p:nvPr/>
+          </p:nvSpPr>
+          <p:spPr>
+            <a:xfrm>
+              <a:off x="2748124" y="2213727"/>
+              <a:ext cx="1729102" cy="461665"/>
+            </a:xfrm>
+            <a:prstGeom prst="rect">
+              <a:avLst/>
+            </a:prstGeom>
+            <a:noFill/>
+          </p:spPr>
+          <p:txBody>
+            <a:bodyPr wrap="square" rtlCol="0">
+              <a:spAutoFit/>
+            </a:bodyPr>
+            <a:lstStyle/>
+            <a:p>
+              <a:r>
+                <a:rPr lang="en-US" sz="2400" dirty="0"/>
+                <a:t>Anti-vaccine</a:t>
+              </a:r>
+            </a:p>
+          </p:txBody>
+        </p:sp>
+        <p:sp>
+          <p:nvSpPr>
+            <p:cNvPr id="14" name="Rounded Rectangular Callout 13">
+              <a:extLst>
+                <a:ext uri="{FF2B5EF4-FFF2-40B4-BE49-F238E27FC236}">
+                  <a16:creationId xmlns:a16="http://schemas.microsoft.com/office/drawing/2014/main" id="{BC95F20C-0798-7B25-CE07-011FDE693B74}"/>
+                </a:ext>
+              </a:extLst>
+            </p:cNvPr>
+            <p:cNvSpPr/>
+            <p:nvPr/>
+          </p:nvSpPr>
+          <p:spPr>
+            <a:xfrm>
+              <a:off x="1954040" y="2778530"/>
+              <a:ext cx="525575" cy="398274"/>
+            </a:xfrm>
+            <a:prstGeom prst="wedgeRoundRectCallout">
+              <a:avLst>
+                <a:gd name="adj1" fmla="val -82311"/>
+                <a:gd name="adj2" fmla="val 34852"/>
+                <a:gd name="adj3" fmla="val 16667"/>
+              </a:avLst>
+            </a:prstGeom>
+            <a:solidFill>
+              <a:srgbClr val="BAE3FD"/>
+            </a:solidFill>
+            <a:ln>
+              <a:solidFill>
+                <a:srgbClr val="2F5597"/>
+              </a:solidFill>
+            </a:ln>
+          </p:spPr>
+          <p:style>
+            <a:lnRef idx="2">
+              <a:schemeClr val="accent1">
+                <a:shade val="50000"/>
+              </a:schemeClr>
+            </a:lnRef>
+            <a:fillRef idx="1">
+              <a:schemeClr val="accent1"/>
+            </a:fillRef>
+            <a:effectRef idx="0">
+              <a:schemeClr val="accent1"/>
+            </a:effectRef>
+            <a:fontRef idx="minor">
+              <a:schemeClr val="lt1"/>
+            </a:fontRef>
+          </p:style>
+          <p:txBody>
+            <a:bodyPr rot="0" spcFirstLastPara="0" vertOverflow="overflow" horzOverflow="overflow" vert="horz" wrap="square" lIns="0" tIns="0" rIns="0" bIns="0" numCol="1" spcCol="0" rtlCol="0" fromWordArt="0" anchor="ctr" anchorCtr="0" forceAA="0" compatLnSpc="1">
+              <a:prstTxWarp prst="textNoShape">
+                <a:avLst/>
+              </a:prstTxWarp>
+              <a:noAutofit/>
+            </a:bodyPr>
+            <a:lstStyle/>
+            <a:p>
+              <a:pPr algn="ctr"/>
+              <a:r>
+                <a:rPr lang="en-US" altLang="zh-TW" i="1" dirty="0">
+                  <a:solidFill>
+                    <a:schemeClr val="tx1"/>
+                  </a:solidFill>
+                </a:rPr>
+                <a:t>xxx</a:t>
+              </a:r>
+              <a:endParaRPr lang="en-US" i="1" dirty="0">
+                <a:solidFill>
+                  <a:schemeClr val="tx1"/>
+                </a:solidFill>
+              </a:endParaRPr>
+            </a:p>
+          </p:txBody>
+        </p:sp>
+        <p:sp>
+          <p:nvSpPr>
+            <p:cNvPr id="15" name="TextBox 14">
+              <a:extLst>
+                <a:ext uri="{FF2B5EF4-FFF2-40B4-BE49-F238E27FC236}">
+                  <a16:creationId xmlns:a16="http://schemas.microsoft.com/office/drawing/2014/main" id="{E6280E73-AD00-560F-4791-ECF9D0DDAD61}"/>
+                </a:ext>
+              </a:extLst>
+            </p:cNvPr>
+            <p:cNvSpPr txBox="1"/>
+            <p:nvPr/>
+          </p:nvSpPr>
+          <p:spPr>
+            <a:xfrm>
+              <a:off x="2748124" y="2731653"/>
+              <a:ext cx="1729102" cy="461665"/>
+            </a:xfrm>
+            <a:prstGeom prst="rect">
+              <a:avLst/>
+            </a:prstGeom>
+            <a:noFill/>
+          </p:spPr>
+          <p:txBody>
+            <a:bodyPr wrap="square" rtlCol="0">
+              <a:spAutoFit/>
+            </a:bodyPr>
+            <a:lstStyle/>
+            <a:p>
+              <a:r>
+                <a:rPr lang="en-US" sz="2400" dirty="0"/>
+                <a:t>Pro-vaccine</a:t>
+              </a:r>
+            </a:p>
+          </p:txBody>
+        </p:sp>
+        <p:sp>
+          <p:nvSpPr>
+            <p:cNvPr id="16" name="Rounded Rectangle 15">
+              <a:extLst>
+                <a:ext uri="{FF2B5EF4-FFF2-40B4-BE49-F238E27FC236}">
+                  <a16:creationId xmlns:a16="http://schemas.microsoft.com/office/drawing/2014/main" id="{ED2104EC-6E52-77C3-300E-500C8BF1293A}"/>
+                </a:ext>
+              </a:extLst>
+            </p:cNvPr>
+            <p:cNvSpPr/>
+            <p:nvPr/>
+          </p:nvSpPr>
+          <p:spPr>
+            <a:xfrm>
+              <a:off x="1649896" y="2140288"/>
+              <a:ext cx="2827330" cy="1179382"/>
+            </a:xfrm>
+            <a:prstGeom prst="roundRect">
+              <a:avLst/>
+            </a:prstGeom>
+            <a:noFill/>
+            <a:ln w="28575">
+              <a:solidFill>
+                <a:schemeClr val="tx1"/>
+              </a:solidFill>
+            </a:ln>
+          </p:spPr>
+          <p:style>
+            <a:lnRef idx="2">
+              <a:schemeClr val="accent1">
+                <a:shade val="50000"/>
+              </a:schemeClr>
+            </a:lnRef>
+            <a:fillRef idx="1">
+              <a:schemeClr val="accent1"/>
+            </a:fillRef>
+            <a:effectRef idx="0">
+              <a:schemeClr val="accent1"/>
+            </a:effectRef>
+            <a:fontRef idx="minor">
+              <a:schemeClr val="lt1"/>
+            </a:fontRef>
+          </p:style>
+          <p:txBody>
+            <a:bodyPr rtlCol="0" anchor="ctr"/>
+            <a:lstStyle/>
+            <a:p>
+              <a:pPr algn="ctr"/>
+              <a:endParaRPr lang="en-TW"/>
+            </a:p>
+          </p:txBody>
+        </p:sp>
+      </p:grpSp>
+      <p:sp>
+        <p:nvSpPr>
+          <p:cNvPr id="18" name="Right Arrow 17">
+            <a:extLst>
+              <a:ext uri="{FF2B5EF4-FFF2-40B4-BE49-F238E27FC236}">
+                <a16:creationId xmlns:a16="http://schemas.microsoft.com/office/drawing/2014/main" id="{452CF499-3041-77CA-0F50-6CC549C2A0A2}"/>
+              </a:ext>
+            </a:extLst>
+          </p:cNvPr>
+          <p:cNvSpPr/>
+          <p:nvPr/>
+        </p:nvSpPr>
+        <p:spPr>
+          <a:xfrm>
+            <a:off x="1523939" y="4492598"/>
+            <a:ext cx="576000" cy="528636"/>
+          </a:xfrm>
+          <a:prstGeom prst="rightArrow">
+            <a:avLst/>
+          </a:prstGeom>
+          <a:solidFill>
+            <a:schemeClr val="bg1">
+              <a:lumMod val="50000"/>
+            </a:schemeClr>
+          </a:solidFill>
+          <a:ln>
+            <a:noFill/>
+          </a:ln>
+        </p:spPr>
+        <p:style>
+          <a:lnRef idx="2">
+            <a:schemeClr val="accent1">
+              <a:shade val="50000"/>
+            </a:schemeClr>
+          </a:lnRef>
+          <a:fillRef idx="1">
+            <a:schemeClr val="accent1"/>
+          </a:fillRef>
+          <a:effectRef idx="0">
+            <a:schemeClr val="accent1"/>
+          </a:effectRef>
+          <a:fontRef idx="minor">
+            <a:schemeClr val="lt1"/>
+          </a:fontRef>
+        </p:style>
+        <p:txBody>
+          <a:bodyPr rtlCol="0" anchor="ctr"/>
+          <a:lstStyle/>
+          <a:p>
+            <a:pPr algn="ctr"/>
+            <a:endParaRPr lang="en-US"/>
+          </a:p>
+        </p:txBody>
+      </p:sp>
+      <p:sp>
+        <p:nvSpPr>
+          <p:cNvPr id="25" name="Right Arrow 24">
+            <a:extLst>
+              <a:ext uri="{FF2B5EF4-FFF2-40B4-BE49-F238E27FC236}">
+                <a16:creationId xmlns:a16="http://schemas.microsoft.com/office/drawing/2014/main" id="{671EAD76-B671-02E1-4559-E01D5088E81C}"/>
+              </a:ext>
+            </a:extLst>
+          </p:cNvPr>
+          <p:cNvSpPr/>
+          <p:nvPr/>
+        </p:nvSpPr>
+        <p:spPr>
+          <a:xfrm>
+            <a:off x="3728920" y="4492598"/>
+            <a:ext cx="576000" cy="528636"/>
+          </a:xfrm>
+          <a:prstGeom prst="rightArrow">
+            <a:avLst/>
+          </a:prstGeom>
+          <a:solidFill>
+            <a:schemeClr val="bg1">
+              <a:lumMod val="50000"/>
+            </a:schemeClr>
+          </a:solidFill>
+          <a:ln>
+            <a:noFill/>
+          </a:ln>
+        </p:spPr>
+        <p:style>
+          <a:lnRef idx="2">
+            <a:schemeClr val="accent1">
+              <a:shade val="50000"/>
+            </a:schemeClr>
+          </a:lnRef>
+          <a:fillRef idx="1">
+            <a:schemeClr val="accent1"/>
+          </a:fillRef>
+          <a:effectRef idx="0">
+            <a:schemeClr val="accent1"/>
+          </a:effectRef>
+          <a:fontRef idx="minor">
+            <a:schemeClr val="lt1"/>
+          </a:fontRef>
+        </p:style>
+        <p:txBody>
+          <a:bodyPr rtlCol="0" anchor="ctr"/>
+          <a:lstStyle/>
+          <a:p>
+            <a:pPr algn="ctr"/>
+            <a:endParaRPr lang="en-US"/>
+          </a:p>
+        </p:txBody>
+      </p:sp>
+      <p:sp>
+        <p:nvSpPr>
+          <p:cNvPr id="27" name="Right Arrow 26">
+            <a:extLst>
+              <a:ext uri="{FF2B5EF4-FFF2-40B4-BE49-F238E27FC236}">
+                <a16:creationId xmlns:a16="http://schemas.microsoft.com/office/drawing/2014/main" id="{57A407FF-FAC2-174F-7E36-FF45415E74C7}"/>
+              </a:ext>
+            </a:extLst>
+          </p:cNvPr>
+          <p:cNvSpPr/>
+          <p:nvPr/>
+        </p:nvSpPr>
+        <p:spPr>
+          <a:xfrm>
+            <a:off x="8030192" y="4492598"/>
+            <a:ext cx="624144" cy="528636"/>
+          </a:xfrm>
+          <a:prstGeom prst="rightArrow">
+            <a:avLst/>
+          </a:prstGeom>
+          <a:solidFill>
+            <a:schemeClr val="bg1">
+              <a:lumMod val="50000"/>
+            </a:schemeClr>
+          </a:solidFill>
+          <a:ln>
+            <a:noFill/>
+          </a:ln>
+        </p:spPr>
+        <p:style>
+          <a:lnRef idx="2">
+            <a:schemeClr val="accent1">
+              <a:shade val="50000"/>
+            </a:schemeClr>
+          </a:lnRef>
+          <a:fillRef idx="1">
+            <a:schemeClr val="accent1"/>
+          </a:fillRef>
+          <a:effectRef idx="0">
+            <a:schemeClr val="accent1"/>
+          </a:effectRef>
+          <a:fontRef idx="minor">
+            <a:schemeClr val="lt1"/>
+          </a:fontRef>
+        </p:style>
+        <p:txBody>
+          <a:bodyPr rtlCol="0" anchor="ctr"/>
+          <a:lstStyle/>
+          <a:p>
+            <a:pPr algn="ctr"/>
+            <a:endParaRPr lang="en-US"/>
+          </a:p>
+        </p:txBody>
+      </p:sp>
+      <p:sp>
+        <p:nvSpPr>
+          <p:cNvPr id="29" name="Right Arrow 28">
+            <a:extLst>
+              <a:ext uri="{FF2B5EF4-FFF2-40B4-BE49-F238E27FC236}">
+                <a16:creationId xmlns:a16="http://schemas.microsoft.com/office/drawing/2014/main" id="{2A9871C0-AB6A-5959-FEC3-01E331521EDD}"/>
+              </a:ext>
+            </a:extLst>
+          </p:cNvPr>
+          <p:cNvSpPr/>
+          <p:nvPr/>
+        </p:nvSpPr>
+        <p:spPr>
+          <a:xfrm>
+            <a:off x="9851575" y="4492598"/>
+            <a:ext cx="625321" cy="528636"/>
+          </a:xfrm>
+          <a:prstGeom prst="rightArrow">
+            <a:avLst/>
+          </a:prstGeom>
+          <a:solidFill>
+            <a:schemeClr val="bg1">
+              <a:lumMod val="50000"/>
+            </a:schemeClr>
+          </a:solidFill>
+          <a:ln>
+            <a:noFill/>
+          </a:ln>
+        </p:spPr>
+        <p:style>
+          <a:lnRef idx="2">
+            <a:schemeClr val="accent1">
+              <a:shade val="50000"/>
+            </a:schemeClr>
+          </a:lnRef>
+          <a:fillRef idx="1">
+            <a:schemeClr val="accent1"/>
+          </a:fillRef>
+          <a:effectRef idx="0">
+            <a:schemeClr val="accent1"/>
+          </a:effectRef>
+          <a:fontRef idx="minor">
+            <a:schemeClr val="lt1"/>
+          </a:fontRef>
+        </p:style>
+        <p:txBody>
+          <a:bodyPr rtlCol="0" anchor="ctr"/>
+          <a:lstStyle/>
+          <a:p>
+            <a:pPr algn="ctr"/>
+            <a:endParaRPr lang="en-US"/>
+          </a:p>
+        </p:txBody>
+      </p:sp>
+      <p:graphicFrame>
+        <p:nvGraphicFramePr>
+          <p:cNvPr id="39" name="Table 38">
+            <a:extLst>
+              <a:ext uri="{FF2B5EF4-FFF2-40B4-BE49-F238E27FC236}">
+                <a16:creationId xmlns:a16="http://schemas.microsoft.com/office/drawing/2014/main" id="{7E020221-C106-DD39-C908-9B7B70DB4BFA}"/>
+              </a:ext>
+            </a:extLst>
+          </p:cNvPr>
+          <p:cNvGraphicFramePr>
+            <a:graphicFrameLocks noGrp="1"/>
+          </p:cNvGraphicFramePr>
+          <p:nvPr/>
+        </p:nvGraphicFramePr>
+        <p:xfrm>
+          <a:off x="271487" y="4361487"/>
+          <a:ext cx="1170645" cy="2148643"/>
+        </p:xfrm>
+        <a:graphic>
+          <a:graphicData uri="http://schemas.openxmlformats.org/drawingml/2006/table">
+            <a:tbl>
+              <a:tblPr firstRow="1" bandRow="1">
+                <a:tableStyleId>{5C22544A-7EE6-4342-B048-85BDC9FD1C3A}</a:tableStyleId>
+              </a:tblPr>
+              <a:tblGrid>
+                <a:gridCol w="1170645">
+                  <a:extLst>
+                    <a:ext uri="{9D8B030D-6E8A-4147-A177-3AD203B41FA5}">
+                      <a16:colId xmlns:a16="http://schemas.microsoft.com/office/drawing/2014/main" val="78911286"/>
+                    </a:ext>
+                  </a:extLst>
+                </a:gridCol>
+              </a:tblGrid>
+              <a:tr h="767104">
+                <a:tc>
+                  <a:txBody>
+                    <a:bodyPr/>
+                    <a:lstStyle/>
+                    <a:p>
+                      <a:pPr algn="just"/>
+                      <a:r>
+                        <a:rPr lang="en-US" sz="2200" b="0" dirty="0">
+                          <a:solidFill>
+                            <a:schemeClr val="tx1"/>
+                          </a:solidFill>
+                        </a:rPr>
+                        <a:t>Human Labeling</a:t>
+                      </a:r>
+                    </a:p>
+                  </a:txBody>
+                  <a:tcPr>
+                    <a:lnL w="12700" cap="flat" cmpd="sng" algn="ctr">
+                      <a:solidFill>
+                        <a:schemeClr val="tx1"/>
+                      </a:solidFill>
+                      <a:prstDash val="solid"/>
+                      <a:round/>
+                      <a:headEnd type="none" w="med" len="med"/>
+                      <a:tailEnd type="none" w="med" len="med"/>
+                    </a:lnL>
+                    <a:lnR w="12700" cap="flat" cmpd="sng" algn="ctr">
+                      <a:solidFill>
+                        <a:schemeClr val="tx1"/>
+                      </a:solidFill>
+                      <a:prstDash val="solid"/>
+                      <a:round/>
+                      <a:headEnd type="none" w="med" len="med"/>
+                      <a:tailEnd type="none" w="med" len="med"/>
+                    </a:lnR>
+                    <a:lnT w="12700" cap="flat" cmpd="sng" algn="ctr">
+                      <a:solidFill>
+                        <a:schemeClr val="tx1"/>
+                      </a:solidFill>
+                      <a:prstDash val="solid"/>
+                      <a:round/>
+                      <a:headEnd type="none" w="med" len="med"/>
+                      <a:tailEnd type="none" w="med" len="med"/>
+                    </a:lnT>
+                    <a:lnB w="12700" cap="flat" cmpd="sng" algn="ctr">
+                      <a:solidFill>
+                        <a:schemeClr val="tx1"/>
+                      </a:solidFill>
+                      <a:prstDash val="solid"/>
+                      <a:round/>
+                      <a:headEnd type="none" w="med" len="med"/>
+                      <a:tailEnd type="none" w="med" len="med"/>
+                    </a:lnB>
+                    <a:solidFill>
+                      <a:schemeClr val="accent3">
+                        <a:lumMod val="20000"/>
+                        <a:lumOff val="80000"/>
+                      </a:schemeClr>
+                    </a:solidFill>
+                  </a:tcPr>
+                </a:tc>
+                <a:extLst>
+                  <a:ext uri="{0D108BD9-81ED-4DB2-BD59-A6C34878D82A}">
+                    <a16:rowId xmlns:a16="http://schemas.microsoft.com/office/drawing/2014/main" val="3551986008"/>
+                  </a:ext>
+                </a:extLst>
+              </a:tr>
+              <a:tr h="1381539">
+                <a:tc>
+                  <a:txBody>
+                    <a:bodyPr/>
+                    <a:lstStyle/>
+                    <a:p>
+                      <a:pPr marL="285750" indent="-285750" algn="l" defTabSz="914400" rtl="0" eaLnBrk="1" latinLnBrk="0" hangingPunct="1">
+                        <a:buFontTx/>
+                        <a:buChar char="-"/>
+                      </a:pPr>
+                      <a:r>
+                        <a:rPr lang="en-US" sz="1400" b="0" kern="1200" dirty="0">
+                          <a:solidFill>
+                            <a:schemeClr val="tx1"/>
+                          </a:solidFill>
+                          <a:latin typeface="+mn-lt"/>
+                          <a:ea typeface="+mn-ea"/>
+                          <a:cs typeface="+mn-cs"/>
+                        </a:rPr>
+                        <a:t>Trained </a:t>
+                      </a:r>
+                      <a:r>
+                        <a:rPr lang="en-US" sz="1400" b="0" kern="1200" dirty="0">
+                          <a:solidFill>
+                            <a:srgbClr val="FF0000"/>
+                          </a:solidFill>
+                          <a:latin typeface="+mn-lt"/>
+                          <a:ea typeface="+mn-ea"/>
+                          <a:cs typeface="+mn-cs"/>
+                        </a:rPr>
+                        <a:t>Human Raters</a:t>
+                      </a:r>
+                    </a:p>
+                    <a:p>
+                      <a:pPr marL="285750" marR="0" lvl="0" indent="-285750" algn="l" defTabSz="914400" rtl="0" eaLnBrk="1" fontAlgn="auto" latinLnBrk="0" hangingPunct="1">
+                        <a:lnSpc>
+                          <a:spcPct val="100000"/>
+                        </a:lnSpc>
+                        <a:spcBef>
+                          <a:spcPts val="0"/>
+                        </a:spcBef>
+                        <a:spcAft>
+                          <a:spcPts val="0"/>
+                        </a:spcAft>
+                        <a:buClrTx/>
+                        <a:buSzTx/>
+                        <a:buFontTx/>
+                        <a:buChar char="-"/>
+                        <a:tabLst/>
+                        <a:defRPr/>
+                      </a:pPr>
+                      <a:r>
+                        <a:rPr lang="en-US" sz="1400" b="0" kern="1200" dirty="0">
+                          <a:solidFill>
+                            <a:schemeClr val="tx1"/>
+                          </a:solidFill>
+                          <a:latin typeface="+mn-lt"/>
+                          <a:ea typeface="+mn-ea"/>
+                          <a:cs typeface="+mn-cs"/>
+                        </a:rPr>
+                        <a:t>Crowd-sourcing</a:t>
+                      </a:r>
+                    </a:p>
+                    <a:p>
+                      <a:pPr marL="0" algn="ctr" defTabSz="914400" rtl="0" eaLnBrk="1" latinLnBrk="0" hangingPunct="1"/>
+                      <a:endParaRPr lang="en-US" sz="1400" b="0" kern="1200" dirty="0">
+                        <a:solidFill>
+                          <a:schemeClr val="tx1"/>
+                        </a:solidFill>
+                        <a:latin typeface="+mn-lt"/>
+                        <a:ea typeface="+mn-ea"/>
+                        <a:cs typeface="+mn-cs"/>
+                      </a:endParaRPr>
+                    </a:p>
+                  </a:txBody>
+                  <a:tcPr>
+                    <a:lnL w="12700" cap="flat" cmpd="sng" algn="ctr">
+                      <a:solidFill>
+                        <a:schemeClr val="tx1"/>
+                      </a:solidFill>
+                      <a:prstDash val="solid"/>
+                      <a:round/>
+                      <a:headEnd type="none" w="med" len="med"/>
+                      <a:tailEnd type="none" w="med" len="med"/>
+                    </a:lnL>
+                    <a:lnR w="12700" cap="flat" cmpd="sng" algn="ctr">
+                      <a:solidFill>
+                        <a:schemeClr val="tx1"/>
+                      </a:solidFill>
+                      <a:prstDash val="solid"/>
+                      <a:round/>
+                      <a:headEnd type="none" w="med" len="med"/>
+                      <a:tailEnd type="none" w="med" len="med"/>
+                    </a:lnR>
+                    <a:lnT w="12700" cap="flat" cmpd="sng" algn="ctr">
+                      <a:solidFill>
+                        <a:schemeClr val="tx1"/>
+                      </a:solidFill>
+                      <a:prstDash val="solid"/>
+                      <a:round/>
+                      <a:headEnd type="none" w="med" len="med"/>
+                      <a:tailEnd type="none" w="med" len="med"/>
+                    </a:lnT>
+                    <a:lnB w="12700" cap="flat" cmpd="sng" algn="ctr">
+                      <a:solidFill>
+                        <a:schemeClr val="tx1"/>
+                      </a:solidFill>
+                      <a:prstDash val="solid"/>
+                      <a:round/>
+                      <a:headEnd type="none" w="med" len="med"/>
+                      <a:tailEnd type="none" w="med" len="med"/>
+                    </a:lnB>
+                    <a:noFill/>
+                  </a:tcPr>
+                </a:tc>
+                <a:extLst>
+                  <a:ext uri="{0D108BD9-81ED-4DB2-BD59-A6C34878D82A}">
+                    <a16:rowId xmlns:a16="http://schemas.microsoft.com/office/drawing/2014/main" val="101790919"/>
+                  </a:ext>
+                </a:extLst>
+              </a:tr>
+            </a:tbl>
+          </a:graphicData>
+        </a:graphic>
+      </p:graphicFrame>
+      <p:graphicFrame>
+        <p:nvGraphicFramePr>
+          <p:cNvPr id="50" name="Table 49">
+            <a:extLst>
+              <a:ext uri="{FF2B5EF4-FFF2-40B4-BE49-F238E27FC236}">
+                <a16:creationId xmlns:a16="http://schemas.microsoft.com/office/drawing/2014/main" id="{0B2EF712-788E-12E9-E86A-B17678220199}"/>
+              </a:ext>
+            </a:extLst>
+          </p:cNvPr>
+          <p:cNvGraphicFramePr>
+            <a:graphicFrameLocks noGrp="1"/>
+          </p:cNvGraphicFramePr>
+          <p:nvPr/>
+        </p:nvGraphicFramePr>
+        <p:xfrm>
+          <a:off x="2166590" y="4361487"/>
+          <a:ext cx="1468657" cy="2168522"/>
+        </p:xfrm>
+        <a:graphic>
+          <a:graphicData uri="http://schemas.openxmlformats.org/drawingml/2006/table">
+            <a:tbl>
+              <a:tblPr firstRow="1" bandRow="1">
+                <a:tableStyleId>{5C22544A-7EE6-4342-B048-85BDC9FD1C3A}</a:tableStyleId>
+              </a:tblPr>
+              <a:tblGrid>
+                <a:gridCol w="1468657">
+                  <a:extLst>
+                    <a:ext uri="{9D8B030D-6E8A-4147-A177-3AD203B41FA5}">
+                      <a16:colId xmlns:a16="http://schemas.microsoft.com/office/drawing/2014/main" val="78911286"/>
+                    </a:ext>
+                  </a:extLst>
+                </a:gridCol>
+              </a:tblGrid>
+              <a:tr h="777043">
+                <a:tc>
+                  <a:txBody>
+                    <a:bodyPr/>
+                    <a:lstStyle/>
+                    <a:p>
+                      <a:pPr algn="just"/>
+                      <a:r>
+                        <a:rPr lang="en-US" sz="2200" b="0" dirty="0">
+                          <a:solidFill>
+                            <a:schemeClr val="tx1"/>
+                          </a:solidFill>
+                        </a:rPr>
+                        <a:t>Quality Assurance</a:t>
+                      </a:r>
+                    </a:p>
+                  </a:txBody>
+                  <a:tcPr>
+                    <a:lnL w="12700" cap="flat" cmpd="sng" algn="ctr">
+                      <a:solidFill>
+                        <a:schemeClr val="tx1"/>
+                      </a:solidFill>
+                      <a:prstDash val="solid"/>
+                      <a:round/>
+                      <a:headEnd type="none" w="med" len="med"/>
+                      <a:tailEnd type="none" w="med" len="med"/>
+                    </a:lnL>
+                    <a:lnR w="12700" cap="flat" cmpd="sng" algn="ctr">
+                      <a:solidFill>
+                        <a:schemeClr val="tx1"/>
+                      </a:solidFill>
+                      <a:prstDash val="solid"/>
+                      <a:round/>
+                      <a:headEnd type="none" w="med" len="med"/>
+                      <a:tailEnd type="none" w="med" len="med"/>
+                    </a:lnR>
+                    <a:lnT w="12700" cap="flat" cmpd="sng" algn="ctr">
+                      <a:solidFill>
+                        <a:schemeClr val="tx1"/>
+                      </a:solidFill>
+                      <a:prstDash val="solid"/>
+                      <a:round/>
+                      <a:headEnd type="none" w="med" len="med"/>
+                      <a:tailEnd type="none" w="med" len="med"/>
+                    </a:lnT>
+                    <a:lnB w="12700" cap="flat" cmpd="sng" algn="ctr">
+                      <a:solidFill>
+                        <a:schemeClr val="tx1"/>
+                      </a:solidFill>
+                      <a:prstDash val="solid"/>
+                      <a:round/>
+                      <a:headEnd type="none" w="med" len="med"/>
+                      <a:tailEnd type="none" w="med" len="med"/>
+                    </a:lnB>
+                    <a:solidFill>
+                      <a:schemeClr val="accent3">
+                        <a:lumMod val="20000"/>
+                        <a:lumOff val="80000"/>
+                      </a:schemeClr>
+                    </a:solidFill>
+                  </a:tcPr>
+                </a:tc>
+                <a:extLst>
+                  <a:ext uri="{0D108BD9-81ED-4DB2-BD59-A6C34878D82A}">
+                    <a16:rowId xmlns:a16="http://schemas.microsoft.com/office/drawing/2014/main" val="3551986008"/>
+                  </a:ext>
+                </a:extLst>
+              </a:tr>
+              <a:tr h="1391479">
+                <a:tc>
+                  <a:txBody>
+                    <a:bodyPr/>
+                    <a:lstStyle/>
+                    <a:p>
+                      <a:pPr marL="285750" indent="-285750" algn="l">
+                        <a:buFontTx/>
+                        <a:buChar char="-"/>
+                      </a:pPr>
+                      <a:r>
+                        <a:rPr lang="en-US" sz="1400" dirty="0"/>
+                        <a:t>Inter-rater reliability</a:t>
+                      </a:r>
+                    </a:p>
+                    <a:p>
+                      <a:pPr marL="285750" indent="-285750" algn="l">
+                        <a:buFontTx/>
+                        <a:buChar char="-"/>
+                      </a:pPr>
+                      <a:r>
+                        <a:rPr lang="en-US" sz="1400" b="0" kern="1200" dirty="0">
+                          <a:solidFill>
+                            <a:schemeClr val="tx1"/>
+                          </a:solidFill>
+                          <a:latin typeface="+mn-lt"/>
+                          <a:ea typeface="+mn-ea"/>
+                          <a:cs typeface="+mn-cs"/>
+                        </a:rPr>
+                        <a:t>BACE model</a:t>
+                      </a:r>
+                    </a:p>
+                    <a:p>
+                      <a:pPr marL="0" algn="ctr" defTabSz="914400" rtl="0" eaLnBrk="1" latinLnBrk="0" hangingPunct="1"/>
+                      <a:endParaRPr lang="en-US" sz="1400" b="0" kern="1200" dirty="0">
+                        <a:solidFill>
+                          <a:schemeClr val="tx1"/>
+                        </a:solidFill>
+                        <a:latin typeface="+mn-lt"/>
+                        <a:ea typeface="+mn-ea"/>
+                        <a:cs typeface="+mn-cs"/>
+                      </a:endParaRPr>
+                    </a:p>
+                  </a:txBody>
+                  <a:tcPr>
+                    <a:lnL w="12700" cap="flat" cmpd="sng" algn="ctr">
+                      <a:solidFill>
+                        <a:schemeClr val="tx1"/>
+                      </a:solidFill>
+                      <a:prstDash val="solid"/>
+                      <a:round/>
+                      <a:headEnd type="none" w="med" len="med"/>
+                      <a:tailEnd type="none" w="med" len="med"/>
+                    </a:lnL>
+                    <a:lnR w="12700" cap="flat" cmpd="sng" algn="ctr">
+                      <a:solidFill>
+                        <a:schemeClr val="tx1"/>
+                      </a:solidFill>
+                      <a:prstDash val="solid"/>
+                      <a:round/>
+                      <a:headEnd type="none" w="med" len="med"/>
+                      <a:tailEnd type="none" w="med" len="med"/>
+                    </a:lnR>
+                    <a:lnT w="12700" cap="flat" cmpd="sng" algn="ctr">
+                      <a:solidFill>
+                        <a:schemeClr val="tx1"/>
+                      </a:solidFill>
+                      <a:prstDash val="solid"/>
+                      <a:round/>
+                      <a:headEnd type="none" w="med" len="med"/>
+                      <a:tailEnd type="none" w="med" len="med"/>
+                    </a:lnT>
+                    <a:lnB w="12700" cap="flat" cmpd="sng" algn="ctr">
+                      <a:solidFill>
+                        <a:schemeClr val="tx1"/>
+                      </a:solidFill>
+                      <a:prstDash val="solid"/>
+                      <a:round/>
+                      <a:headEnd type="none" w="med" len="med"/>
+                      <a:tailEnd type="none" w="med" len="med"/>
+                    </a:lnB>
+                    <a:noFill/>
+                  </a:tcPr>
+                </a:tc>
+                <a:extLst>
+                  <a:ext uri="{0D108BD9-81ED-4DB2-BD59-A6C34878D82A}">
+                    <a16:rowId xmlns:a16="http://schemas.microsoft.com/office/drawing/2014/main" val="101790919"/>
+                  </a:ext>
+                </a:extLst>
+              </a:tr>
+            </a:tbl>
+          </a:graphicData>
+        </a:graphic>
+      </p:graphicFrame>
+      <p:graphicFrame>
+        <p:nvGraphicFramePr>
+          <p:cNvPr id="51" name="Table 50">
+            <a:extLst>
+              <a:ext uri="{FF2B5EF4-FFF2-40B4-BE49-F238E27FC236}">
+                <a16:creationId xmlns:a16="http://schemas.microsoft.com/office/drawing/2014/main" id="{9EE80E6D-4E87-F89A-4C38-0E990F2694E1}"/>
+              </a:ext>
+            </a:extLst>
+          </p:cNvPr>
+          <p:cNvGraphicFramePr>
+            <a:graphicFrameLocks noGrp="1"/>
+          </p:cNvGraphicFramePr>
+          <p:nvPr/>
+        </p:nvGraphicFramePr>
+        <p:xfrm>
+          <a:off x="4395585" y="4361487"/>
+          <a:ext cx="1348040" cy="2168522"/>
+        </p:xfrm>
+        <a:graphic>
+          <a:graphicData uri="http://schemas.openxmlformats.org/drawingml/2006/table">
+            <a:tbl>
+              <a:tblPr firstRow="1" bandRow="1">
+                <a:tableStyleId>{5C22544A-7EE6-4342-B048-85BDC9FD1C3A}</a:tableStyleId>
+              </a:tblPr>
+              <a:tblGrid>
+                <a:gridCol w="1348040">
+                  <a:extLst>
+                    <a:ext uri="{9D8B030D-6E8A-4147-A177-3AD203B41FA5}">
+                      <a16:colId xmlns:a16="http://schemas.microsoft.com/office/drawing/2014/main" val="78911286"/>
+                    </a:ext>
+                  </a:extLst>
+                </a:gridCol>
+              </a:tblGrid>
+              <a:tr h="777043">
+                <a:tc>
+                  <a:txBody>
+                    <a:bodyPr/>
+                    <a:lstStyle/>
+                    <a:p>
+                      <a:pPr algn="just"/>
+                      <a:r>
+                        <a:rPr lang="en-US" sz="2200" b="0" dirty="0">
+                          <a:solidFill>
+                            <a:schemeClr val="tx1"/>
+                          </a:solidFill>
+                        </a:rPr>
+                        <a:t>Fine-tune</a:t>
+                      </a:r>
+                    </a:p>
+                    <a:p>
+                      <a:pPr algn="just"/>
+                      <a:r>
+                        <a:rPr lang="en-US" sz="2200" b="0" dirty="0">
+                          <a:solidFill>
+                            <a:schemeClr val="tx1"/>
+                          </a:solidFill>
+                        </a:rPr>
+                        <a:t>BERT</a:t>
+                      </a:r>
+                    </a:p>
+                  </a:txBody>
+                  <a:tcPr>
+                    <a:lnL w="12700" cap="flat" cmpd="sng" algn="ctr">
+                      <a:solidFill>
+                        <a:schemeClr val="tx1"/>
+                      </a:solidFill>
+                      <a:prstDash val="solid"/>
+                      <a:round/>
+                      <a:headEnd type="none" w="med" len="med"/>
+                      <a:tailEnd type="none" w="med" len="med"/>
+                    </a:lnL>
+                    <a:lnR w="12700" cap="flat" cmpd="sng" algn="ctr">
+                      <a:solidFill>
+                        <a:schemeClr val="tx1"/>
+                      </a:solidFill>
+                      <a:prstDash val="solid"/>
+                      <a:round/>
+                      <a:headEnd type="none" w="med" len="med"/>
+                      <a:tailEnd type="none" w="med" len="med"/>
+                    </a:lnR>
+                    <a:lnT w="12700" cap="flat" cmpd="sng" algn="ctr">
+                      <a:solidFill>
+                        <a:schemeClr val="tx1"/>
+                      </a:solidFill>
+                      <a:prstDash val="solid"/>
+                      <a:round/>
+                      <a:headEnd type="none" w="med" len="med"/>
+                      <a:tailEnd type="none" w="med" len="med"/>
+                    </a:lnT>
+                    <a:lnB w="12700" cap="flat" cmpd="sng" algn="ctr">
+                      <a:solidFill>
+                        <a:schemeClr val="tx1"/>
+                      </a:solidFill>
+                      <a:prstDash val="solid"/>
+                      <a:round/>
+                      <a:headEnd type="none" w="med" len="med"/>
+                      <a:tailEnd type="none" w="med" len="med"/>
+                    </a:lnB>
+                    <a:solidFill>
+                      <a:schemeClr val="accent3">
+                        <a:lumMod val="20000"/>
+                        <a:lumOff val="80000"/>
+                      </a:schemeClr>
+                    </a:solidFill>
+                  </a:tcPr>
+                </a:tc>
+                <a:extLst>
+                  <a:ext uri="{0D108BD9-81ED-4DB2-BD59-A6C34878D82A}">
+                    <a16:rowId xmlns:a16="http://schemas.microsoft.com/office/drawing/2014/main" val="3551986008"/>
+                  </a:ext>
+                </a:extLst>
+              </a:tr>
+              <a:tr h="1391479">
+                <a:tc>
+                  <a:txBody>
+                    <a:bodyPr/>
+                    <a:lstStyle/>
+                    <a:p>
+                      <a:pPr marL="285750" indent="-285750" algn="l">
+                        <a:buFontTx/>
+                        <a:buChar char="-"/>
+                      </a:pPr>
+                      <a:r>
+                        <a:rPr lang="en-US" sz="1400" b="1" dirty="0">
+                          <a:solidFill>
+                            <a:schemeClr val="accent1">
+                              <a:lumMod val="75000"/>
+                            </a:schemeClr>
+                          </a:solidFill>
+                        </a:rPr>
+                        <a:t>Pre-trained models</a:t>
+                      </a:r>
+                    </a:p>
+                    <a:p>
+                      <a:pPr marL="285750" indent="-285750" algn="l">
+                        <a:buFontTx/>
+                        <a:buChar char="-"/>
+                      </a:pPr>
+                      <a:r>
+                        <a:rPr lang="en-US" sz="1400" b="1" dirty="0">
+                          <a:solidFill>
+                            <a:schemeClr val="accent1">
+                              <a:lumMod val="75000"/>
+                            </a:schemeClr>
+                          </a:solidFill>
+                        </a:rPr>
+                        <a:t>Domain-specific models</a:t>
+                      </a:r>
+                    </a:p>
+                    <a:p>
+                      <a:pPr marL="285750" indent="-285750" algn="l">
+                        <a:buFontTx/>
+                        <a:buChar char="-"/>
+                      </a:pPr>
+                      <a:endParaRPr lang="en-US" sz="1400" b="0" kern="1200" dirty="0">
+                        <a:solidFill>
+                          <a:schemeClr val="tx1"/>
+                        </a:solidFill>
+                        <a:latin typeface="+mn-lt"/>
+                        <a:ea typeface="+mn-ea"/>
+                        <a:cs typeface="+mn-cs"/>
+                      </a:endParaRPr>
+                    </a:p>
+                  </a:txBody>
+                  <a:tcPr>
+                    <a:lnL w="12700" cap="flat" cmpd="sng" algn="ctr">
+                      <a:solidFill>
+                        <a:schemeClr val="tx1"/>
+                      </a:solidFill>
+                      <a:prstDash val="solid"/>
+                      <a:round/>
+                      <a:headEnd type="none" w="med" len="med"/>
+                      <a:tailEnd type="none" w="med" len="med"/>
+                    </a:lnL>
+                    <a:lnR w="12700" cap="flat" cmpd="sng" algn="ctr">
+                      <a:solidFill>
+                        <a:schemeClr val="tx1"/>
+                      </a:solidFill>
+                      <a:prstDash val="solid"/>
+                      <a:round/>
+                      <a:headEnd type="none" w="med" len="med"/>
+                      <a:tailEnd type="none" w="med" len="med"/>
+                    </a:lnR>
+                    <a:lnT w="12700" cap="flat" cmpd="sng" algn="ctr">
+                      <a:solidFill>
+                        <a:schemeClr val="tx1"/>
+                      </a:solidFill>
+                      <a:prstDash val="solid"/>
+                      <a:round/>
+                      <a:headEnd type="none" w="med" len="med"/>
+                      <a:tailEnd type="none" w="med" len="med"/>
+                    </a:lnT>
+                    <a:lnB w="12700" cap="flat" cmpd="sng" algn="ctr">
+                      <a:solidFill>
+                        <a:schemeClr val="tx1"/>
+                      </a:solidFill>
+                      <a:prstDash val="solid"/>
+                      <a:round/>
+                      <a:headEnd type="none" w="med" len="med"/>
+                      <a:tailEnd type="none" w="med" len="med"/>
+                    </a:lnB>
+                    <a:noFill/>
+                  </a:tcPr>
+                </a:tc>
+                <a:extLst>
+                  <a:ext uri="{0D108BD9-81ED-4DB2-BD59-A6C34878D82A}">
+                    <a16:rowId xmlns:a16="http://schemas.microsoft.com/office/drawing/2014/main" val="101790919"/>
+                  </a:ext>
+                </a:extLst>
+              </a:tr>
+            </a:tbl>
+          </a:graphicData>
+        </a:graphic>
+      </p:graphicFrame>
+      <p:graphicFrame>
+        <p:nvGraphicFramePr>
+          <p:cNvPr id="52" name="Table 51">
+            <a:extLst>
+              <a:ext uri="{FF2B5EF4-FFF2-40B4-BE49-F238E27FC236}">
+                <a16:creationId xmlns:a16="http://schemas.microsoft.com/office/drawing/2014/main" id="{697DC2C9-2B80-126D-D08B-547ACEAAFCBE}"/>
+              </a:ext>
+            </a:extLst>
+          </p:cNvPr>
+          <p:cNvGraphicFramePr>
+            <a:graphicFrameLocks noGrp="1"/>
+          </p:cNvGraphicFramePr>
+          <p:nvPr/>
+        </p:nvGraphicFramePr>
+        <p:xfrm>
+          <a:off x="6373541" y="4361487"/>
+          <a:ext cx="1595324" cy="2148643"/>
+        </p:xfrm>
+        <a:graphic>
+          <a:graphicData uri="http://schemas.openxmlformats.org/drawingml/2006/table">
+            <a:tbl>
+              <a:tblPr firstRow="1" bandRow="1">
+                <a:tableStyleId>{5C22544A-7EE6-4342-B048-85BDC9FD1C3A}</a:tableStyleId>
+              </a:tblPr>
+              <a:tblGrid>
+                <a:gridCol w="1595324">
+                  <a:extLst>
+                    <a:ext uri="{9D8B030D-6E8A-4147-A177-3AD203B41FA5}">
+                      <a16:colId xmlns:a16="http://schemas.microsoft.com/office/drawing/2014/main" val="78911286"/>
+                    </a:ext>
+                  </a:extLst>
+                </a:gridCol>
+              </a:tblGrid>
+              <a:tr h="767104">
+                <a:tc>
+                  <a:txBody>
+                    <a:bodyPr/>
+                    <a:lstStyle/>
+                    <a:p>
+                      <a:pPr algn="just"/>
+                      <a:r>
+                        <a:rPr lang="en-US" sz="2200" b="0" dirty="0">
+                          <a:solidFill>
+                            <a:schemeClr val="tx1"/>
+                          </a:solidFill>
+                        </a:rPr>
+                        <a:t>Prompt</a:t>
+                      </a:r>
+                    </a:p>
+                    <a:p>
+                      <a:pPr algn="just"/>
+                      <a:r>
+                        <a:rPr lang="en-US" sz="2200" b="0" dirty="0">
+                          <a:solidFill>
+                            <a:schemeClr val="tx1"/>
+                          </a:solidFill>
+                        </a:rPr>
+                        <a:t>Engineering</a:t>
+                      </a:r>
+                    </a:p>
+                  </a:txBody>
+                  <a:tcPr>
+                    <a:lnL w="12700" cap="flat" cmpd="sng" algn="ctr">
+                      <a:solidFill>
+                        <a:schemeClr val="tx1"/>
+                      </a:solidFill>
+                      <a:prstDash val="solid"/>
+                      <a:round/>
+                      <a:headEnd type="none" w="med" len="med"/>
+                      <a:tailEnd type="none" w="med" len="med"/>
+                    </a:lnL>
+                    <a:lnR w="12700" cap="flat" cmpd="sng" algn="ctr">
+                      <a:solidFill>
+                        <a:schemeClr val="tx1"/>
+                      </a:solidFill>
+                      <a:prstDash val="solid"/>
+                      <a:round/>
+                      <a:headEnd type="none" w="med" len="med"/>
+                      <a:tailEnd type="none" w="med" len="med"/>
+                    </a:lnR>
+                    <a:lnT w="12700" cap="flat" cmpd="sng" algn="ctr">
+                      <a:solidFill>
+                        <a:schemeClr val="tx1"/>
+                      </a:solidFill>
+                      <a:prstDash val="solid"/>
+                      <a:round/>
+                      <a:headEnd type="none" w="med" len="med"/>
+                      <a:tailEnd type="none" w="med" len="med"/>
+                    </a:lnT>
+                    <a:lnB w="12700" cap="flat" cmpd="sng" algn="ctr">
+                      <a:solidFill>
+                        <a:schemeClr val="tx1"/>
+                      </a:solidFill>
+                      <a:prstDash val="solid"/>
+                      <a:round/>
+                      <a:headEnd type="none" w="med" len="med"/>
+                      <a:tailEnd type="none" w="med" len="med"/>
+                    </a:lnB>
+                    <a:solidFill>
+                      <a:schemeClr val="accent3">
+                        <a:lumMod val="20000"/>
+                        <a:lumOff val="80000"/>
+                      </a:schemeClr>
+                    </a:solidFill>
+                  </a:tcPr>
+                </a:tc>
+                <a:extLst>
+                  <a:ext uri="{0D108BD9-81ED-4DB2-BD59-A6C34878D82A}">
+                    <a16:rowId xmlns:a16="http://schemas.microsoft.com/office/drawing/2014/main" val="3551986008"/>
+                  </a:ext>
+                </a:extLst>
+              </a:tr>
+              <a:tr h="1381539">
+                <a:tc>
+                  <a:txBody>
+                    <a:bodyPr/>
+                    <a:lstStyle/>
+                    <a:p>
+                      <a:pPr marL="285750" indent="-285750" algn="l" defTabSz="914400" rtl="0" eaLnBrk="1" latinLnBrk="0" hangingPunct="1">
+                        <a:buFontTx/>
+                        <a:buChar char="-"/>
+                      </a:pPr>
+                      <a:r>
+                        <a:rPr lang="en-US" sz="1400" b="1" kern="1200" dirty="0">
+                          <a:solidFill>
+                            <a:schemeClr val="accent1">
+                              <a:lumMod val="75000"/>
+                            </a:schemeClr>
+                          </a:solidFill>
+                          <a:latin typeface="+mn-lt"/>
+                          <a:ea typeface="+mn-ea"/>
+                          <a:cs typeface="+mn-cs"/>
+                        </a:rPr>
+                        <a:t>Zero-shot</a:t>
+                      </a:r>
+                    </a:p>
+                    <a:p>
+                      <a:pPr marL="285750" indent="-285750" algn="l" defTabSz="914400" rtl="0" eaLnBrk="1" latinLnBrk="0" hangingPunct="1">
+                        <a:buFontTx/>
+                        <a:buChar char="-"/>
+                      </a:pPr>
+                      <a:r>
+                        <a:rPr lang="en-US" sz="1400" b="1" kern="1200" dirty="0">
+                          <a:solidFill>
+                            <a:schemeClr val="accent1">
+                              <a:lumMod val="75000"/>
+                            </a:schemeClr>
+                          </a:solidFill>
+                          <a:latin typeface="+mn-lt"/>
+                          <a:ea typeface="+mn-ea"/>
+                          <a:cs typeface="+mn-cs"/>
+                        </a:rPr>
+                        <a:t>Few-shot</a:t>
+                      </a:r>
+                    </a:p>
+                    <a:p>
+                      <a:pPr marL="285750" indent="-285750" algn="l" defTabSz="914400" rtl="0" eaLnBrk="1" latinLnBrk="0" hangingPunct="1">
+                        <a:buFontTx/>
+                        <a:buChar char="-"/>
+                      </a:pPr>
+                      <a:r>
+                        <a:rPr lang="en-US" sz="1400" b="0" kern="1200" dirty="0" err="1">
+                          <a:solidFill>
+                            <a:schemeClr val="tx1"/>
+                          </a:solidFill>
+                          <a:latin typeface="+mn-lt"/>
+                          <a:ea typeface="+mn-ea"/>
+                          <a:cs typeface="+mn-cs"/>
+                        </a:rPr>
+                        <a:t>CoT</a:t>
+                      </a:r>
+                      <a:endParaRPr lang="en-US" sz="1400" b="0" kern="1200" dirty="0">
+                        <a:solidFill>
+                          <a:schemeClr val="tx1"/>
+                        </a:solidFill>
+                        <a:latin typeface="+mn-lt"/>
+                        <a:ea typeface="+mn-ea"/>
+                        <a:cs typeface="+mn-cs"/>
+                      </a:endParaRPr>
+                    </a:p>
+                    <a:p>
+                      <a:pPr marL="285750" indent="-285750" algn="l" defTabSz="914400" rtl="0" eaLnBrk="1" latinLnBrk="0" hangingPunct="1">
+                        <a:buFontTx/>
+                        <a:buChar char="-"/>
+                      </a:pPr>
+                      <a:r>
+                        <a:rPr lang="en-US" sz="1400" b="0" kern="1200" dirty="0" err="1">
+                          <a:solidFill>
+                            <a:schemeClr val="tx1"/>
+                          </a:solidFill>
+                          <a:latin typeface="+mn-lt"/>
+                          <a:ea typeface="+mn-ea"/>
+                          <a:cs typeface="+mn-cs"/>
+                        </a:rPr>
+                        <a:t>AutoPrompt</a:t>
+                      </a:r>
+                      <a:endParaRPr lang="en-US" sz="1400" b="0" kern="1200" dirty="0">
+                        <a:solidFill>
+                          <a:schemeClr val="tx1"/>
+                        </a:solidFill>
+                        <a:latin typeface="+mn-lt"/>
+                        <a:ea typeface="+mn-ea"/>
+                        <a:cs typeface="+mn-cs"/>
+                      </a:endParaRPr>
+                    </a:p>
+                    <a:p>
+                      <a:pPr marL="285750" indent="-285750" algn="l" defTabSz="914400" rtl="0" eaLnBrk="1" latinLnBrk="0" hangingPunct="1">
+                        <a:buFontTx/>
+                        <a:buChar char="-"/>
+                      </a:pPr>
+                      <a:endParaRPr lang="en-US" sz="1400" b="0" kern="1200" dirty="0">
+                        <a:solidFill>
+                          <a:schemeClr val="tx1"/>
+                        </a:solidFill>
+                        <a:latin typeface="+mn-lt"/>
+                        <a:ea typeface="+mn-ea"/>
+                        <a:cs typeface="+mn-cs"/>
+                      </a:endParaRPr>
+                    </a:p>
+                    <a:p>
+                      <a:pPr marL="0" algn="ctr" defTabSz="914400" rtl="0" eaLnBrk="1" latinLnBrk="0" hangingPunct="1"/>
+                      <a:endParaRPr lang="en-US" sz="1400" b="0" kern="1200" dirty="0">
+                        <a:solidFill>
+                          <a:schemeClr val="tx1"/>
+                        </a:solidFill>
+                        <a:latin typeface="+mn-lt"/>
+                        <a:ea typeface="+mn-ea"/>
+                        <a:cs typeface="+mn-cs"/>
+                      </a:endParaRPr>
+                    </a:p>
+                  </a:txBody>
+                  <a:tcPr>
+                    <a:lnL w="12700" cap="flat" cmpd="sng" algn="ctr">
+                      <a:solidFill>
+                        <a:schemeClr val="tx1"/>
+                      </a:solidFill>
+                      <a:prstDash val="solid"/>
+                      <a:round/>
+                      <a:headEnd type="none" w="med" len="med"/>
+                      <a:tailEnd type="none" w="med" len="med"/>
+                    </a:lnL>
+                    <a:lnR w="12700" cap="flat" cmpd="sng" algn="ctr">
+                      <a:solidFill>
+                        <a:schemeClr val="tx1"/>
+                      </a:solidFill>
+                      <a:prstDash val="solid"/>
+                      <a:round/>
+                      <a:headEnd type="none" w="med" len="med"/>
+                      <a:tailEnd type="none" w="med" len="med"/>
+                    </a:lnR>
+                    <a:lnT w="12700" cap="flat" cmpd="sng" algn="ctr">
+                      <a:solidFill>
+                        <a:schemeClr val="tx1"/>
+                      </a:solidFill>
+                      <a:prstDash val="solid"/>
+                      <a:round/>
+                      <a:headEnd type="none" w="med" len="med"/>
+                      <a:tailEnd type="none" w="med" len="med"/>
+                    </a:lnT>
+                    <a:lnB w="12700" cap="flat" cmpd="sng" algn="ctr">
+                      <a:solidFill>
+                        <a:schemeClr val="tx1"/>
+                      </a:solidFill>
+                      <a:prstDash val="solid"/>
+                      <a:round/>
+                      <a:headEnd type="none" w="med" len="med"/>
+                      <a:tailEnd type="none" w="med" len="med"/>
+                    </a:lnB>
+                    <a:noFill/>
+                  </a:tcPr>
+                </a:tc>
+                <a:extLst>
+                  <a:ext uri="{0D108BD9-81ED-4DB2-BD59-A6C34878D82A}">
+                    <a16:rowId xmlns:a16="http://schemas.microsoft.com/office/drawing/2014/main" val="101790919"/>
+                  </a:ext>
+                </a:extLst>
+              </a:tr>
+            </a:tbl>
+          </a:graphicData>
+        </a:graphic>
+      </p:graphicFrame>
+      <p:graphicFrame>
+        <p:nvGraphicFramePr>
+          <p:cNvPr id="57" name="Table 56">
+            <a:extLst>
+              <a:ext uri="{FF2B5EF4-FFF2-40B4-BE49-F238E27FC236}">
+                <a16:creationId xmlns:a16="http://schemas.microsoft.com/office/drawing/2014/main" id="{4683123A-429E-3D7A-6D79-F9760E695F90}"/>
+              </a:ext>
+            </a:extLst>
+          </p:cNvPr>
+          <p:cNvGraphicFramePr>
+            <a:graphicFrameLocks noGrp="1"/>
+          </p:cNvGraphicFramePr>
+          <p:nvPr/>
+        </p:nvGraphicFramePr>
+        <p:xfrm>
+          <a:off x="8667934" y="4361487"/>
+          <a:ext cx="1133430" cy="2168522"/>
+        </p:xfrm>
+        <a:graphic>
+          <a:graphicData uri="http://schemas.openxmlformats.org/drawingml/2006/table">
+            <a:tbl>
+              <a:tblPr firstRow="1" bandRow="1">
+                <a:tableStyleId>{5C22544A-7EE6-4342-B048-85BDC9FD1C3A}</a:tableStyleId>
+              </a:tblPr>
+              <a:tblGrid>
+                <a:gridCol w="1133430">
+                  <a:extLst>
+                    <a:ext uri="{9D8B030D-6E8A-4147-A177-3AD203B41FA5}">
+                      <a16:colId xmlns:a16="http://schemas.microsoft.com/office/drawing/2014/main" val="78911286"/>
+                    </a:ext>
+                  </a:extLst>
+                </a:gridCol>
+              </a:tblGrid>
+              <a:tr h="777043">
+                <a:tc>
+                  <a:txBody>
+                    <a:bodyPr/>
+                    <a:lstStyle/>
+                    <a:p>
+                      <a:pPr algn="just"/>
+                      <a:r>
+                        <a:rPr lang="en-US" sz="2200" b="0" dirty="0">
+                          <a:solidFill>
+                            <a:schemeClr val="tx1"/>
+                          </a:solidFill>
+                        </a:rPr>
+                        <a:t>Prompt</a:t>
+                      </a:r>
+                    </a:p>
+                    <a:p>
+                      <a:pPr algn="just"/>
+                      <a:r>
+                        <a:rPr lang="en-US" sz="2200" b="0" dirty="0">
+                          <a:solidFill>
+                            <a:schemeClr val="tx1"/>
+                          </a:solidFill>
+                        </a:rPr>
+                        <a:t>GPT</a:t>
+                      </a:r>
+                    </a:p>
+                  </a:txBody>
+                  <a:tcPr>
+                    <a:lnL w="12700" cap="flat" cmpd="sng" algn="ctr">
+                      <a:solidFill>
+                        <a:schemeClr val="tx1"/>
+                      </a:solidFill>
+                      <a:prstDash val="solid"/>
+                      <a:round/>
+                      <a:headEnd type="none" w="med" len="med"/>
+                      <a:tailEnd type="none" w="med" len="med"/>
+                    </a:lnL>
+                    <a:lnR w="12700" cap="flat" cmpd="sng" algn="ctr">
+                      <a:solidFill>
+                        <a:schemeClr val="tx1"/>
+                      </a:solidFill>
+                      <a:prstDash val="solid"/>
+                      <a:round/>
+                      <a:headEnd type="none" w="med" len="med"/>
+                      <a:tailEnd type="none" w="med" len="med"/>
+                    </a:lnR>
+                    <a:lnT w="12700" cap="flat" cmpd="sng" algn="ctr">
+                      <a:solidFill>
+                        <a:schemeClr val="tx1"/>
+                      </a:solidFill>
+                      <a:prstDash val="solid"/>
+                      <a:round/>
+                      <a:headEnd type="none" w="med" len="med"/>
+                      <a:tailEnd type="none" w="med" len="med"/>
+                    </a:lnT>
+                    <a:lnB w="12700" cap="flat" cmpd="sng" algn="ctr">
+                      <a:solidFill>
+                        <a:schemeClr val="tx1"/>
+                      </a:solidFill>
+                      <a:prstDash val="solid"/>
+                      <a:round/>
+                      <a:headEnd type="none" w="med" len="med"/>
+                      <a:tailEnd type="none" w="med" len="med"/>
+                    </a:lnB>
+                    <a:solidFill>
+                      <a:schemeClr val="accent3">
+                        <a:lumMod val="20000"/>
+                        <a:lumOff val="80000"/>
+                      </a:schemeClr>
+                    </a:solidFill>
+                  </a:tcPr>
+                </a:tc>
+                <a:extLst>
+                  <a:ext uri="{0D108BD9-81ED-4DB2-BD59-A6C34878D82A}">
+                    <a16:rowId xmlns:a16="http://schemas.microsoft.com/office/drawing/2014/main" val="3551986008"/>
+                  </a:ext>
+                </a:extLst>
+              </a:tr>
+              <a:tr h="1391479">
+                <a:tc>
+                  <a:txBody>
+                    <a:bodyPr/>
+                    <a:lstStyle/>
+                    <a:p>
+                      <a:pPr marL="285750" indent="-285750" algn="l" defTabSz="914400" rtl="0" eaLnBrk="1" latinLnBrk="0" hangingPunct="1">
+                        <a:buFontTx/>
+                        <a:buChar char="-"/>
+                      </a:pPr>
+                      <a:r>
+                        <a:rPr lang="en-US" sz="1400" b="1" kern="1200" dirty="0">
+                          <a:solidFill>
+                            <a:schemeClr val="accent1">
+                              <a:lumMod val="75000"/>
+                            </a:schemeClr>
+                          </a:solidFill>
+                          <a:latin typeface="+mn-lt"/>
+                          <a:ea typeface="+mn-ea"/>
+                          <a:cs typeface="+mn-cs"/>
+                        </a:rPr>
+                        <a:t>GPT-3</a:t>
+                      </a:r>
+                    </a:p>
+                    <a:p>
+                      <a:pPr marL="285750" indent="-285750" algn="l" defTabSz="914400" rtl="0" eaLnBrk="1" latinLnBrk="0" hangingPunct="1">
+                        <a:buFontTx/>
+                        <a:buChar char="-"/>
+                      </a:pPr>
+                      <a:r>
+                        <a:rPr lang="en-US" sz="1400" b="1" kern="1200" dirty="0">
+                          <a:solidFill>
+                            <a:schemeClr val="accent1">
+                              <a:lumMod val="75000"/>
+                            </a:schemeClr>
+                          </a:solidFill>
+                          <a:latin typeface="+mn-lt"/>
+                          <a:ea typeface="+mn-ea"/>
+                          <a:cs typeface="+mn-cs"/>
+                        </a:rPr>
+                        <a:t>Flan-t5</a:t>
+                      </a:r>
+                    </a:p>
+                    <a:p>
+                      <a:pPr marL="285750" indent="-285750" algn="l">
+                        <a:buFontTx/>
+                        <a:buChar char="-"/>
+                      </a:pPr>
+                      <a:r>
+                        <a:rPr lang="en-US" sz="1400" b="0" kern="1200" dirty="0">
+                          <a:solidFill>
+                            <a:schemeClr val="tx1"/>
+                          </a:solidFill>
+                          <a:latin typeface="+mn-lt"/>
+                          <a:ea typeface="+mn-ea"/>
+                          <a:cs typeface="+mn-cs"/>
+                        </a:rPr>
+                        <a:t>Fine-tuning</a:t>
+                      </a:r>
+                    </a:p>
+                    <a:p>
+                      <a:pPr marL="285750" indent="-285750" algn="l">
+                        <a:buFontTx/>
+                        <a:buChar char="-"/>
+                      </a:pPr>
+                      <a:endParaRPr lang="en-US" sz="1400" b="0" kern="1200" dirty="0">
+                        <a:solidFill>
+                          <a:schemeClr val="tx1"/>
+                        </a:solidFill>
+                        <a:latin typeface="+mn-lt"/>
+                        <a:ea typeface="+mn-ea"/>
+                        <a:cs typeface="+mn-cs"/>
+                      </a:endParaRPr>
+                    </a:p>
+                    <a:p>
+                      <a:pPr marL="0" algn="ctr" defTabSz="914400" rtl="0" eaLnBrk="1" latinLnBrk="0" hangingPunct="1"/>
+                      <a:endParaRPr lang="en-US" sz="1400" b="0" kern="1200" dirty="0">
+                        <a:solidFill>
+                          <a:schemeClr val="tx1"/>
+                        </a:solidFill>
+                        <a:latin typeface="+mn-lt"/>
+                        <a:ea typeface="+mn-ea"/>
+                        <a:cs typeface="+mn-cs"/>
+                      </a:endParaRPr>
+                    </a:p>
+                  </a:txBody>
+                  <a:tcPr>
+                    <a:lnL w="12700" cap="flat" cmpd="sng" algn="ctr">
+                      <a:solidFill>
+                        <a:schemeClr val="tx1"/>
+                      </a:solidFill>
+                      <a:prstDash val="solid"/>
+                      <a:round/>
+                      <a:headEnd type="none" w="med" len="med"/>
+                      <a:tailEnd type="none" w="med" len="med"/>
+                    </a:lnL>
+                    <a:lnR w="12700" cap="flat" cmpd="sng" algn="ctr">
+                      <a:solidFill>
+                        <a:schemeClr val="tx1"/>
+                      </a:solidFill>
+                      <a:prstDash val="solid"/>
+                      <a:round/>
+                      <a:headEnd type="none" w="med" len="med"/>
+                      <a:tailEnd type="none" w="med" len="med"/>
+                    </a:lnR>
+                    <a:lnT w="12700" cap="flat" cmpd="sng" algn="ctr">
+                      <a:solidFill>
+                        <a:schemeClr val="tx1"/>
+                      </a:solidFill>
+                      <a:prstDash val="solid"/>
+                      <a:round/>
+                      <a:headEnd type="none" w="med" len="med"/>
+                      <a:tailEnd type="none" w="med" len="med"/>
+                    </a:lnT>
+                    <a:lnB w="12700" cap="flat" cmpd="sng" algn="ctr">
+                      <a:solidFill>
+                        <a:schemeClr val="tx1"/>
+                      </a:solidFill>
+                      <a:prstDash val="solid"/>
+                      <a:round/>
+                      <a:headEnd type="none" w="med" len="med"/>
+                      <a:tailEnd type="none" w="med" len="med"/>
+                    </a:lnB>
+                    <a:noFill/>
+                  </a:tcPr>
+                </a:tc>
+                <a:extLst>
+                  <a:ext uri="{0D108BD9-81ED-4DB2-BD59-A6C34878D82A}">
+                    <a16:rowId xmlns:a16="http://schemas.microsoft.com/office/drawing/2014/main" val="101790919"/>
+                  </a:ext>
+                </a:extLst>
+              </a:tr>
+            </a:tbl>
+          </a:graphicData>
+        </a:graphic>
+      </p:graphicFrame>
+      <p:graphicFrame>
+        <p:nvGraphicFramePr>
+          <p:cNvPr id="59" name="Table 58">
+            <a:extLst>
+              <a:ext uri="{FF2B5EF4-FFF2-40B4-BE49-F238E27FC236}">
+                <a16:creationId xmlns:a16="http://schemas.microsoft.com/office/drawing/2014/main" id="{6A1C7D14-7506-FCAE-64EE-79DCC172BB8C}"/>
+              </a:ext>
+            </a:extLst>
+          </p:cNvPr>
+          <p:cNvGraphicFramePr>
+            <a:graphicFrameLocks noGrp="1"/>
+          </p:cNvGraphicFramePr>
+          <p:nvPr/>
+        </p:nvGraphicFramePr>
+        <p:xfrm>
+          <a:off x="10502997" y="4363009"/>
+          <a:ext cx="1430255" cy="2168522"/>
+        </p:xfrm>
+        <a:graphic>
+          <a:graphicData uri="http://schemas.openxmlformats.org/drawingml/2006/table">
+            <a:tbl>
+              <a:tblPr firstRow="1" bandRow="1">
+                <a:tableStyleId>{5C22544A-7EE6-4342-B048-85BDC9FD1C3A}</a:tableStyleId>
+              </a:tblPr>
+              <a:tblGrid>
+                <a:gridCol w="1430255">
+                  <a:extLst>
+                    <a:ext uri="{9D8B030D-6E8A-4147-A177-3AD203B41FA5}">
+                      <a16:colId xmlns:a16="http://schemas.microsoft.com/office/drawing/2014/main" val="78911286"/>
+                    </a:ext>
+                  </a:extLst>
+                </a:gridCol>
+              </a:tblGrid>
+              <a:tr h="777043">
+                <a:tc>
+                  <a:txBody>
+                    <a:bodyPr/>
+                    <a:lstStyle/>
+                    <a:p>
+                      <a:pPr algn="just"/>
+                      <a:r>
+                        <a:rPr lang="en-US" sz="2200" b="0" dirty="0">
+                          <a:solidFill>
+                            <a:schemeClr val="tx1"/>
+                          </a:solidFill>
+                        </a:rPr>
+                        <a:t>Quality Assurance</a:t>
+                      </a:r>
+                    </a:p>
+                  </a:txBody>
+                  <a:tcPr>
+                    <a:lnL w="12700" cap="flat" cmpd="sng" algn="ctr">
+                      <a:solidFill>
+                        <a:schemeClr val="tx1"/>
+                      </a:solidFill>
+                      <a:prstDash val="solid"/>
+                      <a:round/>
+                      <a:headEnd type="none" w="med" len="med"/>
+                      <a:tailEnd type="none" w="med" len="med"/>
+                    </a:lnL>
+                    <a:lnR w="12700" cap="flat" cmpd="sng" algn="ctr">
+                      <a:solidFill>
+                        <a:schemeClr val="tx1"/>
+                      </a:solidFill>
+                      <a:prstDash val="solid"/>
+                      <a:round/>
+                      <a:headEnd type="none" w="med" len="med"/>
+                      <a:tailEnd type="none" w="med" len="med"/>
+                    </a:lnR>
+                    <a:lnT w="12700" cap="flat" cmpd="sng" algn="ctr">
+                      <a:solidFill>
+                        <a:schemeClr val="tx1"/>
+                      </a:solidFill>
+                      <a:prstDash val="solid"/>
+                      <a:round/>
+                      <a:headEnd type="none" w="med" len="med"/>
+                      <a:tailEnd type="none" w="med" len="med"/>
+                    </a:lnT>
+                    <a:lnB w="12700" cap="flat" cmpd="sng" algn="ctr">
+                      <a:solidFill>
+                        <a:schemeClr val="tx1"/>
+                      </a:solidFill>
+                      <a:prstDash val="solid"/>
+                      <a:round/>
+                      <a:headEnd type="none" w="med" len="med"/>
+                      <a:tailEnd type="none" w="med" len="med"/>
+                    </a:lnB>
+                    <a:solidFill>
+                      <a:schemeClr val="accent3">
+                        <a:lumMod val="20000"/>
+                        <a:lumOff val="80000"/>
+                      </a:schemeClr>
+                    </a:solidFill>
+                  </a:tcPr>
+                </a:tc>
+                <a:extLst>
+                  <a:ext uri="{0D108BD9-81ED-4DB2-BD59-A6C34878D82A}">
+                    <a16:rowId xmlns:a16="http://schemas.microsoft.com/office/drawing/2014/main" val="3551986008"/>
+                  </a:ext>
+                </a:extLst>
+              </a:tr>
+              <a:tr h="1391479">
+                <a:tc>
+                  <a:txBody>
+                    <a:bodyPr/>
+                    <a:lstStyle/>
+                    <a:p>
+                      <a:pPr marL="285750" indent="-285750" algn="l">
+                        <a:buFontTx/>
+                        <a:buChar char="-"/>
+                      </a:pPr>
+                      <a:r>
+                        <a:rPr lang="en-US" sz="1400" dirty="0"/>
+                        <a:t>Few </a:t>
+                      </a:r>
+                      <a:r>
+                        <a:rPr lang="en-US" sz="1400" b="1" dirty="0">
+                          <a:solidFill>
+                            <a:srgbClr val="FF0000"/>
+                          </a:solidFill>
+                        </a:rPr>
+                        <a:t>human labels</a:t>
+                      </a:r>
+                      <a:endParaRPr lang="en-US" sz="1400" b="1" kern="1200" dirty="0">
+                        <a:solidFill>
+                          <a:srgbClr val="FF0000"/>
+                        </a:solidFill>
+                        <a:latin typeface="+mn-lt"/>
+                        <a:ea typeface="+mn-ea"/>
+                        <a:cs typeface="+mn-cs"/>
+                      </a:endParaRPr>
+                    </a:p>
+                    <a:p>
+                      <a:pPr marL="0" algn="ctr" defTabSz="914400" rtl="0" eaLnBrk="1" latinLnBrk="0" hangingPunct="1"/>
+                      <a:endParaRPr lang="en-US" sz="1400" b="0" kern="1200" dirty="0">
+                        <a:solidFill>
+                          <a:schemeClr val="tx1"/>
+                        </a:solidFill>
+                        <a:latin typeface="+mn-lt"/>
+                        <a:ea typeface="+mn-ea"/>
+                        <a:cs typeface="+mn-cs"/>
+                      </a:endParaRPr>
+                    </a:p>
+                  </a:txBody>
+                  <a:tcPr>
+                    <a:lnL w="12700" cap="flat" cmpd="sng" algn="ctr">
+                      <a:solidFill>
+                        <a:schemeClr val="tx1"/>
+                      </a:solidFill>
+                      <a:prstDash val="solid"/>
+                      <a:round/>
+                      <a:headEnd type="none" w="med" len="med"/>
+                      <a:tailEnd type="none" w="med" len="med"/>
+                    </a:lnL>
+                    <a:lnR w="12700" cap="flat" cmpd="sng" algn="ctr">
+                      <a:solidFill>
+                        <a:schemeClr val="tx1"/>
+                      </a:solidFill>
+                      <a:prstDash val="solid"/>
+                      <a:round/>
+                      <a:headEnd type="none" w="med" len="med"/>
+                      <a:tailEnd type="none" w="med" len="med"/>
+                    </a:lnR>
+                    <a:lnT w="12700" cap="flat" cmpd="sng" algn="ctr">
+                      <a:solidFill>
+                        <a:schemeClr val="tx1"/>
+                      </a:solidFill>
+                      <a:prstDash val="solid"/>
+                      <a:round/>
+                      <a:headEnd type="none" w="med" len="med"/>
+                      <a:tailEnd type="none" w="med" len="med"/>
+                    </a:lnT>
+                    <a:lnB w="12700" cap="flat" cmpd="sng" algn="ctr">
+                      <a:solidFill>
+                        <a:schemeClr val="tx1"/>
+                      </a:solidFill>
+                      <a:prstDash val="solid"/>
+                      <a:round/>
+                      <a:headEnd type="none" w="med" len="med"/>
+                      <a:tailEnd type="none" w="med" len="med"/>
+                    </a:lnB>
+                    <a:noFill/>
+                  </a:tcPr>
+                </a:tc>
+                <a:extLst>
+                  <a:ext uri="{0D108BD9-81ED-4DB2-BD59-A6C34878D82A}">
+                    <a16:rowId xmlns:a16="http://schemas.microsoft.com/office/drawing/2014/main" val="101790919"/>
+                  </a:ext>
+                </a:extLst>
+              </a:tr>
+            </a:tbl>
+          </a:graphicData>
+        </a:graphic>
+      </p:graphicFrame>
+      <p:sp>
+        <p:nvSpPr>
+          <p:cNvPr id="62" name="TextBox 61">
+            <a:extLst>
+              <a:ext uri="{FF2B5EF4-FFF2-40B4-BE49-F238E27FC236}">
+                <a16:creationId xmlns:a16="http://schemas.microsoft.com/office/drawing/2014/main" id="{64E39542-8347-9207-19E0-809A2A49ACF5}"/>
+              </a:ext>
+            </a:extLst>
+          </p:cNvPr>
+          <p:cNvSpPr txBox="1"/>
+          <p:nvPr/>
+        </p:nvSpPr>
+        <p:spPr>
+          <a:xfrm>
+            <a:off x="382939" y="1896669"/>
+            <a:ext cx="1114885" cy="492443"/>
+          </a:xfrm>
+          <a:prstGeom prst="rect">
+            <a:avLst/>
+          </a:prstGeom>
+          <a:noFill/>
+        </p:spPr>
+        <p:txBody>
+          <a:bodyPr wrap="square" rtlCol="0">
+            <a:spAutoFit/>
+          </a:bodyPr>
+          <a:lstStyle/>
+          <a:p>
+            <a:r>
+              <a:rPr lang="en-US" sz="2600" b="1" dirty="0"/>
+              <a:t>Stance</a:t>
+            </a:r>
+          </a:p>
+        </p:txBody>
+      </p:sp>
+      <p:sp>
+        <p:nvSpPr>
+          <p:cNvPr id="65" name="TextBox 64">
+            <a:extLst>
+              <a:ext uri="{FF2B5EF4-FFF2-40B4-BE49-F238E27FC236}">
+                <a16:creationId xmlns:a16="http://schemas.microsoft.com/office/drawing/2014/main" id="{5CAB10B3-F9FD-980A-358C-40676E44D5FD}"/>
+              </a:ext>
+            </a:extLst>
+          </p:cNvPr>
+          <p:cNvSpPr txBox="1"/>
+          <p:nvPr/>
+        </p:nvSpPr>
+        <p:spPr>
+          <a:xfrm>
+            <a:off x="5312042" y="1893387"/>
+            <a:ext cx="1114885" cy="492443"/>
+          </a:xfrm>
+          <a:prstGeom prst="rect">
+            <a:avLst/>
+          </a:prstGeom>
+          <a:noFill/>
+        </p:spPr>
+        <p:txBody>
+          <a:bodyPr wrap="square" rtlCol="0">
+            <a:spAutoFit/>
+          </a:bodyPr>
+          <a:lstStyle/>
+          <a:p>
+            <a:r>
+              <a:rPr lang="en-US" sz="2600" b="1" dirty="0"/>
+              <a:t>Also…</a:t>
+            </a:r>
+          </a:p>
+        </p:txBody>
+      </p:sp>
+      <p:sp>
+        <p:nvSpPr>
+          <p:cNvPr id="66" name="TextBox 65">
+            <a:extLst>
+              <a:ext uri="{FF2B5EF4-FFF2-40B4-BE49-F238E27FC236}">
+                <a16:creationId xmlns:a16="http://schemas.microsoft.com/office/drawing/2014/main" id="{3FBD587C-0181-0AE3-BA9A-EB9F406A0C06}"/>
+              </a:ext>
+            </a:extLst>
+          </p:cNvPr>
+          <p:cNvSpPr txBox="1"/>
+          <p:nvPr/>
+        </p:nvSpPr>
+        <p:spPr>
+          <a:xfrm>
+            <a:off x="6071535" y="2474009"/>
+            <a:ext cx="5659666" cy="461665"/>
+          </a:xfrm>
+          <a:prstGeom prst="rect">
+            <a:avLst/>
+          </a:prstGeom>
+          <a:noFill/>
+        </p:spPr>
+        <p:txBody>
+          <a:bodyPr wrap="square" rtlCol="0">
+            <a:spAutoFit/>
+          </a:bodyPr>
+          <a:lstStyle/>
+          <a:p>
+            <a:pPr algn="ctr"/>
+            <a:r>
+              <a:rPr lang="en-US" altLang="zh-TW" sz="2400" dirty="0"/>
+              <a:t>Sentiment, Political Leaning, Relevance etc.</a:t>
+            </a:r>
+            <a:endParaRPr lang="en-US" sz="2400" dirty="0"/>
+          </a:p>
+        </p:txBody>
+      </p:sp>
+    </p:spTree>
+    <p:extLst>
+      <p:ext uri="{BB962C8B-B14F-4D97-AF65-F5344CB8AC3E}">
+        <p14:creationId xmlns:p14="http://schemas.microsoft.com/office/powerpoint/2010/main" val="1937420198"/>
+      </p:ext>
+    </p:extLst>
+  </p:cSld>
+  <p:clrMapOvr>
+    <a:masterClrMapping/>
+  </p:clrMapOvr>
+</p:sld>
+</file>
+
+<file path=ppt/slides/slide6.xml><?xml version="1.0" encoding="utf-8"?>
+<p:sld xmlns:a="http://schemas.openxmlformats.org/drawingml/2006/main" xmlns:r="http://schemas.openxmlformats.org/officeDocument/2006/relationships" xmlns:p="http://schemas.openxmlformats.org/presentationml/2006/main">
+  <p:cSld>
+    <p:spTree>
+      <p:nvGrpSpPr>
+        <p:cNvPr id="1" name=""/>
+        <p:cNvGrpSpPr/>
+        <p:nvPr/>
+      </p:nvGrpSpPr>
+      <p:grpSpPr>
+        <a:xfrm>
+          <a:off x="0" y="0"/>
+          <a:ext cx="0" cy="0"/>
+          <a:chOff x="0" y="0"/>
+          <a:chExt cx="0" cy="0"/>
+        </a:xfrm>
+      </p:grpSpPr>
+      <p:sp>
+        <p:nvSpPr>
           <p:cNvPr id="5" name="Rectangle 4">
             <a:extLst>
               <a:ext uri="{FF2B5EF4-FFF2-40B4-BE49-F238E27FC236}">
@@ -9695,7 +17019,145 @@
 </p:sld>
 </file>
 
-<file path=ppt/slides/slide5.xml><?xml version="1.0" encoding="utf-8"?>
+<file path=ppt/slides/slide7.xml><?xml version="1.0" encoding="utf-8"?>
+<p:sld xmlns:a="http://schemas.openxmlformats.org/drawingml/2006/main" xmlns:r="http://schemas.openxmlformats.org/officeDocument/2006/relationships" xmlns:p="http://schemas.openxmlformats.org/presentationml/2006/main">
+  <p:cSld>
+    <p:spTree>
+      <p:nvGrpSpPr>
+        <p:cNvPr id="1" name=""/>
+        <p:cNvGrpSpPr/>
+        <p:nvPr/>
+      </p:nvGrpSpPr>
+      <p:grpSpPr>
+        <a:xfrm>
+          <a:off x="0" y="0"/>
+          <a:ext cx="0" cy="0"/>
+          <a:chOff x="0" y="0"/>
+          <a:chExt cx="0" cy="0"/>
+        </a:xfrm>
+      </p:grpSpPr>
+      <p:sp>
+        <p:nvSpPr>
+          <p:cNvPr id="5" name="Rectangle 4">
+            <a:extLst>
+              <a:ext uri="{FF2B5EF4-FFF2-40B4-BE49-F238E27FC236}">
+                <a16:creationId xmlns:a16="http://schemas.microsoft.com/office/drawing/2014/main" id="{49642694-7DA0-D555-7B90-D356B30772BC}"/>
+              </a:ext>
+            </a:extLst>
+          </p:cNvPr>
+          <p:cNvSpPr/>
+          <p:nvPr/>
+        </p:nvSpPr>
+        <p:spPr>
+          <a:xfrm>
+            <a:off x="2618425" y="3089926"/>
+            <a:ext cx="7868238" cy="751173"/>
+          </a:xfrm>
+          <a:prstGeom prst="rect">
+            <a:avLst/>
+          </a:prstGeom>
+          <a:solidFill>
+            <a:schemeClr val="bg1"/>
+          </a:solidFill>
+          <a:ln w="38100">
+            <a:solidFill>
+              <a:schemeClr val="tx1"/>
+            </a:solidFill>
+          </a:ln>
+        </p:spPr>
+        <p:style>
+          <a:lnRef idx="2">
+            <a:schemeClr val="accent1">
+              <a:shade val="50000"/>
+            </a:schemeClr>
+          </a:lnRef>
+          <a:fillRef idx="1">
+            <a:schemeClr val="accent1"/>
+          </a:fillRef>
+          <a:effectRef idx="0">
+            <a:schemeClr val="accent1"/>
+          </a:effectRef>
+          <a:fontRef idx="minor">
+            <a:schemeClr val="lt1"/>
+          </a:fontRef>
+        </p:style>
+        <p:txBody>
+          <a:bodyPr rtlCol="0" anchor="ctr"/>
+          <a:lstStyle/>
+          <a:p>
+            <a:r>
+              <a:rPr lang="en-US" sz="2400" dirty="0">
+                <a:solidFill>
+                  <a:schemeClr val="tx1"/>
+                </a:solidFill>
+              </a:rPr>
+              <a:t>“The </a:t>
+            </a:r>
+            <a:r>
+              <a:rPr lang="en-US" sz="2400" u="sng" dirty="0">
+                <a:solidFill>
+                  <a:schemeClr val="accent6"/>
+                </a:solidFill>
+              </a:rPr>
+              <a:t>animal</a:t>
+            </a:r>
+            <a:r>
+              <a:rPr lang="en-US" sz="2400" dirty="0">
+                <a:solidFill>
+                  <a:schemeClr val="tx1"/>
+                </a:solidFill>
+              </a:rPr>
+              <a:t> didn't cross the </a:t>
+            </a:r>
+            <a:r>
+              <a:rPr lang="en-US" sz="2400" u="sng" dirty="0">
+                <a:solidFill>
+                  <a:srgbClr val="0070C0"/>
+                </a:solidFill>
+              </a:rPr>
+              <a:t>street</a:t>
+            </a:r>
+            <a:r>
+              <a:rPr lang="en-US" sz="2400" dirty="0">
+                <a:solidFill>
+                  <a:schemeClr val="tx1"/>
+                </a:solidFill>
+              </a:rPr>
+              <a:t> because </a:t>
+            </a:r>
+            <a:r>
+              <a:rPr lang="en-US" sz="2800" b="1" u="sng" dirty="0">
+                <a:solidFill>
+                  <a:srgbClr val="FF0000"/>
+                </a:solidFill>
+              </a:rPr>
+              <a:t>it</a:t>
+            </a:r>
+            <a:r>
+              <a:rPr lang="en-US" sz="2400" dirty="0">
+                <a:solidFill>
+                  <a:schemeClr val="tx1"/>
+                </a:solidFill>
+              </a:rPr>
+              <a:t> was too tired.”</a:t>
+            </a:r>
+          </a:p>
+        </p:txBody>
+      </p:sp>
+    </p:spTree>
+    <p:extLst>
+      <p:ext uri="{BB962C8B-B14F-4D97-AF65-F5344CB8AC3E}">
+        <p14:creationId xmlns:p14="http://schemas.microsoft.com/office/powerpoint/2010/main" val="1395209589"/>
+      </p:ext>
+    </p:extLst>
+  </p:cSld>
+  <p:clrMapOvr>
+    <a:masterClrMapping/>
+  </p:clrMapOvr>
+</p:sld>
+</file>
+
+<file path=ppt/slides/slide8.xml><?xml version="1.0" encoding="utf-8"?>
 <p:sld xmlns:a="http://schemas.openxmlformats.org/drawingml/2006/main" xmlns:r="http://schemas.openxmlformats.org/officeDocument/2006/relationships" xmlns:p="http://schemas.openxmlformats.org/presentationml/2006/main">
   <p:cSld>
     <p:spTree>
@@ -9871,7 +17333,7 @@
 </p:sld>
 </file>
 
-<file path=ppt/slides/slide6.xml><?xml version="1.0" encoding="utf-8"?>
+<file path=ppt/slides/slide9.xml><?xml version="1.0" encoding="utf-8"?>
 <p:sld xmlns:a="http://schemas.openxmlformats.org/drawingml/2006/main" xmlns:r="http://schemas.openxmlformats.org/officeDocument/2006/relationships" xmlns:p="http://schemas.openxmlformats.org/presentationml/2006/main">
   <p:cSld>
     <p:spTree>
@@ -10186,1098 +17648,6 @@
     <p:extLst>
       <p:ext uri="{BB962C8B-B14F-4D97-AF65-F5344CB8AC3E}">
         <p14:creationId xmlns:p14="http://schemas.microsoft.com/office/powerpoint/2010/main" val="2983454470"/>
-      </p:ext>
-    </p:extLst>
-  </p:cSld>
-  <p:clrMapOvr>
-    <a:masterClrMapping/>
-  </p:clrMapOvr>
-</p:sld>
-</file>
-
-<file path=ppt/slides/slide7.xml><?xml version="1.0" encoding="utf-8"?>
-<p:sld xmlns:a="http://schemas.openxmlformats.org/drawingml/2006/main" xmlns:r="http://schemas.openxmlformats.org/officeDocument/2006/relationships" xmlns:p="http://schemas.openxmlformats.org/presentationml/2006/main">
-  <p:cSld>
-    <p:spTree>
-      <p:nvGrpSpPr>
-        <p:cNvPr id="1" name="Shape 60"/>
-        <p:cNvGrpSpPr/>
-        <p:nvPr/>
-      </p:nvGrpSpPr>
-      <p:grpSpPr>
-        <a:xfrm>
-          <a:off x="0" y="0"/>
-          <a:ext cx="0" cy="0"/>
-          <a:chOff x="0" y="0"/>
-          <a:chExt cx="0" cy="0"/>
-        </a:xfrm>
-      </p:grpSpPr>
-      <p:grpSp>
-        <p:nvGrpSpPr>
-          <p:cNvPr id="21" name="Group 20">
-            <a:extLst>
-              <a:ext uri="{FF2B5EF4-FFF2-40B4-BE49-F238E27FC236}">
-                <a16:creationId xmlns:a16="http://schemas.microsoft.com/office/drawing/2014/main" id="{13304A19-330E-B3A8-F422-75E67F59B5F2}"/>
-              </a:ext>
-            </a:extLst>
-          </p:cNvPr>
-          <p:cNvGrpSpPr/>
-          <p:nvPr/>
-        </p:nvGrpSpPr>
-        <p:grpSpPr>
-          <a:xfrm>
-            <a:off x="1154293" y="858644"/>
-            <a:ext cx="10048173" cy="4304371"/>
-            <a:chOff x="1154293" y="858644"/>
-            <a:chExt cx="10048173" cy="4304371"/>
-          </a:xfrm>
-        </p:grpSpPr>
-        <p:grpSp>
-          <p:nvGrpSpPr>
-            <p:cNvPr id="16" name="Group 15">
-              <a:extLst>
-                <a:ext uri="{FF2B5EF4-FFF2-40B4-BE49-F238E27FC236}">
-                  <a16:creationId xmlns:a16="http://schemas.microsoft.com/office/drawing/2014/main" id="{A6F8E390-86C2-E272-8F79-1FF736A5F1D2}"/>
-                </a:ext>
-              </a:extLst>
-            </p:cNvPr>
-            <p:cNvGrpSpPr/>
-            <p:nvPr/>
-          </p:nvGrpSpPr>
-          <p:grpSpPr>
-            <a:xfrm>
-              <a:off x="1154293" y="858644"/>
-              <a:ext cx="10048173" cy="4304371"/>
-              <a:chOff x="1154293" y="858644"/>
-              <a:chExt cx="10048173" cy="4304371"/>
-            </a:xfrm>
-          </p:grpSpPr>
-          <p:sp>
-            <p:nvSpPr>
-              <p:cNvPr id="15" name="Rectangle 14">
-                <a:extLst>
-                  <a:ext uri="{FF2B5EF4-FFF2-40B4-BE49-F238E27FC236}">
-                    <a16:creationId xmlns:a16="http://schemas.microsoft.com/office/drawing/2014/main" id="{79D7C581-5371-EAFA-BE53-2BD5C8B65402}"/>
-                  </a:ext>
-                </a:extLst>
-              </p:cNvPr>
-              <p:cNvSpPr/>
-              <p:nvPr/>
-            </p:nvSpPr>
-            <p:spPr>
-              <a:xfrm>
-                <a:off x="1154293" y="858644"/>
-                <a:ext cx="10048173" cy="4304371"/>
-              </a:xfrm>
-              <a:prstGeom prst="rect">
-                <a:avLst/>
-              </a:prstGeom>
-              <a:solidFill>
-                <a:schemeClr val="bg1"/>
-              </a:solidFill>
-              <a:ln>
-                <a:noFill/>
-              </a:ln>
-            </p:spPr>
-            <p:style>
-              <a:lnRef idx="2">
-                <a:schemeClr val="accent1">
-                  <a:shade val="50000"/>
-                </a:schemeClr>
-              </a:lnRef>
-              <a:fillRef idx="1">
-                <a:schemeClr val="accent1"/>
-              </a:fillRef>
-              <a:effectRef idx="0">
-                <a:schemeClr val="accent1"/>
-              </a:effectRef>
-              <a:fontRef idx="minor">
-                <a:schemeClr val="lt1"/>
-              </a:fontRef>
-            </p:style>
-            <p:txBody>
-              <a:bodyPr rtlCol="0" anchor="ctr"/>
-              <a:lstStyle/>
-              <a:p>
-                <a:pPr algn="ctr"/>
-                <a:endParaRPr lang="en-TW"/>
-              </a:p>
-            </p:txBody>
-          </p:sp>
-          <p:grpSp>
-            <p:nvGrpSpPr>
-              <p:cNvPr id="14" name="Group 13">
-                <a:extLst>
-                  <a:ext uri="{FF2B5EF4-FFF2-40B4-BE49-F238E27FC236}">
-                    <a16:creationId xmlns:a16="http://schemas.microsoft.com/office/drawing/2014/main" id="{8C5DC928-19FE-9833-1E8D-12B0AE78B5B4}"/>
-                  </a:ext>
-                </a:extLst>
-              </p:cNvPr>
-              <p:cNvGrpSpPr/>
-              <p:nvPr/>
-            </p:nvGrpSpPr>
-            <p:grpSpPr>
-              <a:xfrm>
-                <a:off x="1154293" y="1025912"/>
-                <a:ext cx="10048173" cy="4059043"/>
-                <a:chOff x="1154293" y="1025912"/>
-                <a:chExt cx="10048173" cy="4059043"/>
-              </a:xfrm>
-            </p:grpSpPr>
-            <p:pic>
-              <p:nvPicPr>
-                <p:cNvPr id="8" name="Picture 7" descr="Shape, rectangle&#10;&#10;Description automatically generated with medium confidence">
-                  <a:extLst>
-                    <a:ext uri="{FF2B5EF4-FFF2-40B4-BE49-F238E27FC236}">
-                      <a16:creationId xmlns:a16="http://schemas.microsoft.com/office/drawing/2014/main" id="{0B3E31AF-8863-D639-6273-8209838B5438}"/>
-                    </a:ext>
-                  </a:extLst>
-                </p:cNvPr>
-                <p:cNvPicPr>
-                  <a:picLocks noChangeAspect="1"/>
-                </p:cNvPicPr>
-                <p:nvPr/>
-              </p:nvPicPr>
-              <p:blipFill>
-                <a:blip r:embed="rId3"/>
-                <a:stretch>
-                  <a:fillRect/>
-                </a:stretch>
-              </p:blipFill>
-              <p:spPr>
-                <a:xfrm>
-                  <a:off x="1154293" y="1784194"/>
-                  <a:ext cx="10048173" cy="3300761"/>
-                </a:xfrm>
-                <a:prstGeom prst="rect">
-                  <a:avLst/>
-                </a:prstGeom>
-              </p:spPr>
-            </p:pic>
-            <p:sp>
-              <p:nvSpPr>
-                <p:cNvPr id="9" name="Rectangle 8">
-                  <a:extLst>
-                    <a:ext uri="{FF2B5EF4-FFF2-40B4-BE49-F238E27FC236}">
-                      <a16:creationId xmlns:a16="http://schemas.microsoft.com/office/drawing/2014/main" id="{6058B1BB-6771-A414-052E-0D4E6C6E51B6}"/>
-                    </a:ext>
-                  </a:extLst>
-                </p:cNvPr>
-                <p:cNvSpPr/>
-                <p:nvPr/>
-              </p:nvSpPr>
-              <p:spPr>
-                <a:xfrm>
-                  <a:off x="1235110" y="1025912"/>
-                  <a:ext cx="4362803" cy="588498"/>
-                </a:xfrm>
-                <a:prstGeom prst="rect">
-                  <a:avLst/>
-                </a:prstGeom>
-                <a:solidFill>
-                  <a:schemeClr val="bg1">
-                    <a:lumMod val="85000"/>
-                  </a:schemeClr>
-                </a:solidFill>
-                <a:ln w="38100">
-                  <a:noFill/>
-                </a:ln>
-              </p:spPr>
-              <p:style>
-                <a:lnRef idx="2">
-                  <a:schemeClr val="accent1">
-                    <a:shade val="50000"/>
-                  </a:schemeClr>
-                </a:lnRef>
-                <a:fillRef idx="1">
-                  <a:schemeClr val="accent1"/>
-                </a:fillRef>
-                <a:effectRef idx="0">
-                  <a:schemeClr val="accent1"/>
-                </a:effectRef>
-                <a:fontRef idx="minor">
-                  <a:schemeClr val="lt1"/>
-                </a:fontRef>
-              </p:style>
-              <p:txBody>
-                <a:bodyPr rtlCol="0" anchor="ctr"/>
-                <a:lstStyle/>
-                <a:p>
-                  <a:pPr algn="ctr"/>
-                  <a:r>
-                    <a:rPr lang="en-US" sz="2400" b="1" dirty="0">
-                      <a:solidFill>
-                        <a:schemeClr val="tx1"/>
-                      </a:solidFill>
-                      <a:latin typeface="-apple-system"/>
-                    </a:rPr>
-                    <a:t>Encoder</a:t>
-                  </a:r>
-                  <a:endParaRPr lang="en-TW" sz="2400" b="1" dirty="0">
-                    <a:solidFill>
-                      <a:schemeClr val="tx1"/>
-                    </a:solidFill>
-                    <a:latin typeface="-apple-system"/>
-                  </a:endParaRPr>
-                </a:p>
-              </p:txBody>
-            </p:sp>
-            <p:sp>
-              <p:nvSpPr>
-                <p:cNvPr id="12" name="Rectangle 11">
-                  <a:extLst>
-                    <a:ext uri="{FF2B5EF4-FFF2-40B4-BE49-F238E27FC236}">
-                      <a16:creationId xmlns:a16="http://schemas.microsoft.com/office/drawing/2014/main" id="{6050A37B-1853-53D0-9F87-EF8D0BAB9910}"/>
-                    </a:ext>
-                  </a:extLst>
-                </p:cNvPr>
-                <p:cNvSpPr/>
-                <p:nvPr/>
-              </p:nvSpPr>
-              <p:spPr>
-                <a:xfrm>
-                  <a:off x="6706641" y="1025912"/>
-                  <a:ext cx="4362803" cy="588498"/>
-                </a:xfrm>
-                <a:prstGeom prst="rect">
-                  <a:avLst/>
-                </a:prstGeom>
-                <a:solidFill>
-                  <a:schemeClr val="bg1">
-                    <a:lumMod val="85000"/>
-                  </a:schemeClr>
-                </a:solidFill>
-                <a:ln w="38100">
-                  <a:noFill/>
-                </a:ln>
-              </p:spPr>
-              <p:style>
-                <a:lnRef idx="2">
-                  <a:schemeClr val="accent1">
-                    <a:shade val="50000"/>
-                  </a:schemeClr>
-                </a:lnRef>
-                <a:fillRef idx="1">
-                  <a:schemeClr val="accent1"/>
-                </a:fillRef>
-                <a:effectRef idx="0">
-                  <a:schemeClr val="accent1"/>
-                </a:effectRef>
-                <a:fontRef idx="minor">
-                  <a:schemeClr val="lt1"/>
-                </a:fontRef>
-              </p:style>
-              <p:txBody>
-                <a:bodyPr rtlCol="0" anchor="ctr"/>
-                <a:lstStyle/>
-                <a:p>
-                  <a:pPr algn="ctr"/>
-                  <a:r>
-                    <a:rPr lang="en-US" sz="2400" b="1" dirty="0">
-                      <a:solidFill>
-                        <a:schemeClr val="tx1"/>
-                      </a:solidFill>
-                      <a:latin typeface="-apple-system"/>
-                    </a:rPr>
-                    <a:t>Decoder</a:t>
-                  </a:r>
-                  <a:endParaRPr lang="en-TW" sz="2400" b="1" dirty="0">
-                    <a:solidFill>
-                      <a:schemeClr val="tx1"/>
-                    </a:solidFill>
-                    <a:latin typeface="-apple-system"/>
-                  </a:endParaRPr>
-                </a:p>
-              </p:txBody>
-            </p:sp>
-          </p:grpSp>
-        </p:grpSp>
-        <p:sp>
-          <p:nvSpPr>
-            <p:cNvPr id="17" name="Rectangle 16">
-              <a:extLst>
-                <a:ext uri="{FF2B5EF4-FFF2-40B4-BE49-F238E27FC236}">
-                  <a16:creationId xmlns:a16="http://schemas.microsoft.com/office/drawing/2014/main" id="{22015579-4CDB-7563-6F99-F4DA6B5FD2BF}"/>
-                </a:ext>
-              </a:extLst>
-            </p:cNvPr>
-            <p:cNvSpPr/>
-            <p:nvPr/>
-          </p:nvSpPr>
-          <p:spPr>
-            <a:xfrm>
-              <a:off x="1371600" y="4337824"/>
-              <a:ext cx="4159405" cy="613317"/>
-            </a:xfrm>
-            <a:prstGeom prst="rect">
-              <a:avLst/>
-            </a:prstGeom>
-            <a:noFill/>
-            <a:ln>
-              <a:noFill/>
-            </a:ln>
-          </p:spPr>
-          <p:style>
-            <a:lnRef idx="2">
-              <a:schemeClr val="accent1">
-                <a:shade val="50000"/>
-              </a:schemeClr>
-            </a:lnRef>
-            <a:fillRef idx="1">
-              <a:schemeClr val="accent1"/>
-            </a:fillRef>
-            <a:effectRef idx="0">
-              <a:schemeClr val="accent1"/>
-            </a:effectRef>
-            <a:fontRef idx="minor">
-              <a:schemeClr val="lt1"/>
-            </a:fontRef>
-          </p:style>
-          <p:txBody>
-            <a:bodyPr rtlCol="0" anchor="ctr"/>
-            <a:lstStyle/>
-            <a:p>
-              <a:pPr algn="ctr"/>
-              <a:r>
-                <a:rPr lang="en-TW" sz="2800" dirty="0">
-                  <a:solidFill>
-                    <a:schemeClr val="tx1"/>
-                  </a:solidFill>
-                </a:rPr>
-                <a:t>Tweet</a:t>
-              </a:r>
-            </a:p>
-          </p:txBody>
-        </p:sp>
-        <p:sp>
-          <p:nvSpPr>
-            <p:cNvPr id="18" name="Rectangle 17">
-              <a:extLst>
-                <a:ext uri="{FF2B5EF4-FFF2-40B4-BE49-F238E27FC236}">
-                  <a16:creationId xmlns:a16="http://schemas.microsoft.com/office/drawing/2014/main" id="{37F4AA12-517D-F62A-CDF7-257EB4222018}"/>
-                </a:ext>
-              </a:extLst>
-            </p:cNvPr>
-            <p:cNvSpPr/>
-            <p:nvPr/>
-          </p:nvSpPr>
-          <p:spPr>
-            <a:xfrm>
-              <a:off x="6913756" y="4337824"/>
-              <a:ext cx="2631688" cy="613317"/>
-            </a:xfrm>
-            <a:prstGeom prst="rect">
-              <a:avLst/>
-            </a:prstGeom>
-            <a:noFill/>
-            <a:ln>
-              <a:noFill/>
-            </a:ln>
-          </p:spPr>
-          <p:style>
-            <a:lnRef idx="2">
-              <a:schemeClr val="accent1">
-                <a:shade val="50000"/>
-              </a:schemeClr>
-            </a:lnRef>
-            <a:fillRef idx="1">
-              <a:schemeClr val="accent1"/>
-            </a:fillRef>
-            <a:effectRef idx="0">
-              <a:schemeClr val="accent1"/>
-            </a:effectRef>
-            <a:fontRef idx="minor">
-              <a:schemeClr val="lt1"/>
-            </a:fontRef>
-          </p:style>
-          <p:txBody>
-            <a:bodyPr rtlCol="0" anchor="ctr"/>
-            <a:lstStyle/>
-            <a:p>
-              <a:pPr algn="ctr"/>
-              <a:r>
-                <a:rPr lang="en-TW" sz="2400" dirty="0">
-                  <a:solidFill>
-                    <a:schemeClr val="tx1"/>
-                  </a:solidFill>
-                </a:rPr>
-                <a:t>Tweet Embedded in the Prompt</a:t>
-              </a:r>
-            </a:p>
-          </p:txBody>
-        </p:sp>
-        <p:sp>
-          <p:nvSpPr>
-            <p:cNvPr id="20" name="Rectangle 19">
-              <a:extLst>
-                <a:ext uri="{FF2B5EF4-FFF2-40B4-BE49-F238E27FC236}">
-                  <a16:creationId xmlns:a16="http://schemas.microsoft.com/office/drawing/2014/main" id="{696D1A38-9CC9-CA98-C763-21B7B6885352}"/>
-                </a:ext>
-              </a:extLst>
-            </p:cNvPr>
-            <p:cNvSpPr/>
-            <p:nvPr/>
-          </p:nvSpPr>
-          <p:spPr>
-            <a:xfrm>
-              <a:off x="9545444" y="4337824"/>
-              <a:ext cx="1524000" cy="613317"/>
-            </a:xfrm>
-            <a:prstGeom prst="rect">
-              <a:avLst/>
-            </a:prstGeom>
-            <a:noFill/>
-            <a:ln>
-              <a:noFill/>
-            </a:ln>
-          </p:spPr>
-          <p:style>
-            <a:lnRef idx="2">
-              <a:schemeClr val="accent1">
-                <a:shade val="50000"/>
-              </a:schemeClr>
-            </a:lnRef>
-            <a:fillRef idx="1">
-              <a:schemeClr val="accent1"/>
-            </a:fillRef>
-            <a:effectRef idx="0">
-              <a:schemeClr val="accent1"/>
-            </a:effectRef>
-            <a:fontRef idx="minor">
-              <a:schemeClr val="lt1"/>
-            </a:fontRef>
-          </p:style>
-          <p:txBody>
-            <a:bodyPr rtlCol="0" anchor="ctr"/>
-            <a:lstStyle/>
-            <a:p>
-              <a:pPr algn="ctr"/>
-              <a:r>
-                <a:rPr lang="en-TW" sz="2400" dirty="0">
-                  <a:solidFill>
-                    <a:schemeClr val="tx1"/>
-                  </a:solidFill>
-                </a:rPr>
-                <a:t>Generated Words</a:t>
-              </a:r>
-            </a:p>
-          </p:txBody>
-        </p:sp>
-      </p:grpSp>
-    </p:spTree>
-    <p:extLst>
-      <p:ext uri="{BB962C8B-B14F-4D97-AF65-F5344CB8AC3E}">
-        <p14:creationId xmlns:p14="http://schemas.microsoft.com/office/powerpoint/2010/main" val="2137920595"/>
-      </p:ext>
-    </p:extLst>
-  </p:cSld>
-  <p:clrMapOvr>
-    <a:masterClrMapping/>
-  </p:clrMapOvr>
-</p:sld>
-</file>
-
-<file path=ppt/slides/slide8.xml><?xml version="1.0" encoding="utf-8"?>
-<p:sld xmlns:a="http://schemas.openxmlformats.org/drawingml/2006/main" xmlns:r="http://schemas.openxmlformats.org/officeDocument/2006/relationships" xmlns:p="http://schemas.openxmlformats.org/presentationml/2006/main">
-  <p:cSld>
-    <p:spTree>
-      <p:nvGrpSpPr>
-        <p:cNvPr id="1" name="Shape 60"/>
-        <p:cNvGrpSpPr/>
-        <p:nvPr/>
-      </p:nvGrpSpPr>
-      <p:grpSpPr>
-        <a:xfrm>
-          <a:off x="0" y="0"/>
-          <a:ext cx="0" cy="0"/>
-          <a:chOff x="0" y="0"/>
-          <a:chExt cx="0" cy="0"/>
-        </a:xfrm>
-      </p:grpSpPr>
-      <p:pic>
-        <p:nvPicPr>
-          <p:cNvPr id="3" name="Picture 2" descr="Table&#10;&#10;Description automatically generated">
-            <a:extLst>
-              <a:ext uri="{FF2B5EF4-FFF2-40B4-BE49-F238E27FC236}">
-                <a16:creationId xmlns:a16="http://schemas.microsoft.com/office/drawing/2014/main" id="{D2707BE3-781B-8014-A403-A9112EC16C36}"/>
-              </a:ext>
-            </a:extLst>
-          </p:cNvPr>
-          <p:cNvPicPr>
-            <a:picLocks noChangeAspect="1"/>
-          </p:cNvPicPr>
-          <p:nvPr/>
-        </p:nvPicPr>
-        <p:blipFill>
-          <a:blip r:embed="rId3"/>
-          <a:stretch>
-            <a:fillRect/>
-          </a:stretch>
-        </p:blipFill>
-        <p:spPr>
-          <a:xfrm>
-            <a:off x="2209800" y="2241550"/>
-            <a:ext cx="7772400" cy="2242231"/>
-          </a:xfrm>
-          <a:prstGeom prst="rect">
-            <a:avLst/>
-          </a:prstGeom>
-        </p:spPr>
-      </p:pic>
-    </p:spTree>
-    <p:extLst>
-      <p:ext uri="{BB962C8B-B14F-4D97-AF65-F5344CB8AC3E}">
-        <p14:creationId xmlns:p14="http://schemas.microsoft.com/office/powerpoint/2010/main" val="3791466431"/>
-      </p:ext>
-    </p:extLst>
-  </p:cSld>
-  <p:clrMapOvr>
-    <a:masterClrMapping/>
-  </p:clrMapOvr>
-</p:sld>
-</file>
-
-<file path=ppt/slides/slide9.xml><?xml version="1.0" encoding="utf-8"?>
-<p:sld xmlns:a="http://schemas.openxmlformats.org/drawingml/2006/main" xmlns:r="http://schemas.openxmlformats.org/officeDocument/2006/relationships" xmlns:p="http://schemas.openxmlformats.org/presentationml/2006/main">
-  <p:cSld>
-    <p:spTree>
-      <p:nvGrpSpPr>
-        <p:cNvPr id="1" name="Shape 60"/>
-        <p:cNvGrpSpPr/>
-        <p:nvPr/>
-      </p:nvGrpSpPr>
-      <p:grpSpPr>
-        <a:xfrm>
-          <a:off x="0" y="0"/>
-          <a:ext cx="0" cy="0"/>
-          <a:chOff x="0" y="0"/>
-          <a:chExt cx="0" cy="0"/>
-        </a:xfrm>
-      </p:grpSpPr>
-      <p:grpSp>
-        <p:nvGrpSpPr>
-          <p:cNvPr id="25" name="Group 24">
-            <a:extLst>
-              <a:ext uri="{FF2B5EF4-FFF2-40B4-BE49-F238E27FC236}">
-                <a16:creationId xmlns:a16="http://schemas.microsoft.com/office/drawing/2014/main" id="{15C9C504-4468-D707-6374-241A78A91243}"/>
-              </a:ext>
-            </a:extLst>
-          </p:cNvPr>
-          <p:cNvGrpSpPr/>
-          <p:nvPr/>
-        </p:nvGrpSpPr>
-        <p:grpSpPr>
-          <a:xfrm>
-            <a:off x="482662" y="1536192"/>
-            <a:ext cx="10014650" cy="3529584"/>
-            <a:chOff x="482662" y="1536192"/>
-            <a:chExt cx="10014650" cy="3529584"/>
-          </a:xfrm>
-        </p:grpSpPr>
-        <p:sp>
-          <p:nvSpPr>
-            <p:cNvPr id="24" name="Rectangle 23">
-              <a:extLst>
-                <a:ext uri="{FF2B5EF4-FFF2-40B4-BE49-F238E27FC236}">
-                  <a16:creationId xmlns:a16="http://schemas.microsoft.com/office/drawing/2014/main" id="{43DC5BDF-FDF8-5094-5B78-E19C246E75CA}"/>
-                </a:ext>
-              </a:extLst>
-            </p:cNvPr>
-            <p:cNvSpPr/>
-            <p:nvPr/>
-          </p:nvSpPr>
-          <p:spPr>
-            <a:xfrm>
-              <a:off x="713232" y="1536192"/>
-              <a:ext cx="9784080" cy="3529584"/>
-            </a:xfrm>
-            <a:prstGeom prst="rect">
-              <a:avLst/>
-            </a:prstGeom>
-            <a:solidFill>
-              <a:schemeClr val="bg1"/>
-            </a:solidFill>
-            <a:ln>
-              <a:noFill/>
-            </a:ln>
-          </p:spPr>
-          <p:style>
-            <a:lnRef idx="2">
-              <a:schemeClr val="accent1">
-                <a:shade val="50000"/>
-              </a:schemeClr>
-            </a:lnRef>
-            <a:fillRef idx="1">
-              <a:schemeClr val="accent1"/>
-            </a:fillRef>
-            <a:effectRef idx="0">
-              <a:schemeClr val="accent1"/>
-            </a:effectRef>
-            <a:fontRef idx="minor">
-              <a:schemeClr val="lt1"/>
-            </a:fontRef>
-          </p:style>
-          <p:txBody>
-            <a:bodyPr rtlCol="0" anchor="ctr"/>
-            <a:lstStyle/>
-            <a:p>
-              <a:pPr algn="ctr"/>
-              <a:endParaRPr lang="en-TW"/>
-            </a:p>
-          </p:txBody>
-        </p:sp>
-        <p:sp>
-          <p:nvSpPr>
-            <p:cNvPr id="2" name="Rectangle 1">
-              <a:extLst>
-                <a:ext uri="{FF2B5EF4-FFF2-40B4-BE49-F238E27FC236}">
-                  <a16:creationId xmlns:a16="http://schemas.microsoft.com/office/drawing/2014/main" id="{074BF893-61FD-03FF-AEE1-1F7BE0843268}"/>
-                </a:ext>
-              </a:extLst>
-            </p:cNvPr>
-            <p:cNvSpPr/>
-            <p:nvPr/>
-          </p:nvSpPr>
-          <p:spPr>
-            <a:xfrm>
-              <a:off x="2500438" y="2286001"/>
-              <a:ext cx="7759130" cy="1892808"/>
-            </a:xfrm>
-            <a:prstGeom prst="rect">
-              <a:avLst/>
-            </a:prstGeom>
-            <a:noFill/>
-            <a:ln w="19050">
-              <a:solidFill>
-                <a:schemeClr val="tx1"/>
-              </a:solidFill>
-            </a:ln>
-          </p:spPr>
-          <p:style>
-            <a:lnRef idx="2">
-              <a:schemeClr val="accent1">
-                <a:shade val="50000"/>
-              </a:schemeClr>
-            </a:lnRef>
-            <a:fillRef idx="1">
-              <a:schemeClr val="accent1"/>
-            </a:fillRef>
-            <a:effectRef idx="0">
-              <a:schemeClr val="accent1"/>
-            </a:effectRef>
-            <a:fontRef idx="minor">
-              <a:schemeClr val="lt1"/>
-            </a:fontRef>
-          </p:style>
-          <p:txBody>
-            <a:bodyPr rtlCol="0" anchor="ctr"/>
-            <a:lstStyle/>
-            <a:p>
-              <a:pPr algn="just"/>
-              <a:r>
-                <a:rPr lang="en-US" sz="2000" u="sng" dirty="0">
-                  <a:solidFill>
-                    <a:schemeClr val="accent6">
-                      <a:lumMod val="75000"/>
-                    </a:schemeClr>
-                  </a:solidFill>
-                  <a:latin typeface="Calibri" panose="020F0502020204030204"/>
-                </a:rPr>
-                <a:t>What is the stance of the tweet below with respect to 'Legalization of Abortion'?</a:t>
-              </a:r>
-              <a:r>
-                <a:rPr lang="en-US" sz="2000" dirty="0">
-                  <a:solidFill>
-                    <a:prstClr val="black"/>
-                  </a:solidFill>
-                  <a:latin typeface="Calibri" panose="020F0502020204030204"/>
-                </a:rPr>
-                <a:t> </a:t>
-              </a:r>
-              <a:r>
-                <a:rPr lang="en-US" sz="1600" dirty="0">
-                  <a:solidFill>
-                    <a:prstClr val="black"/>
-                  </a:solidFill>
-                  <a:latin typeface="Calibri" panose="020F0502020204030204"/>
-                </a:rPr>
-                <a:t>Please use exactly one word from the following 3 categories to label it: </a:t>
-              </a:r>
-              <a:r>
-                <a:rPr lang="en-US" sz="2000" u="sng" dirty="0">
-                  <a:solidFill>
-                    <a:srgbClr val="C00000"/>
-                  </a:solidFill>
-                  <a:latin typeface="Calibri" panose="020F0502020204030204"/>
-                </a:rPr>
-                <a:t>'in-favor', 'against', 'neutral-or-unclear'.</a:t>
-              </a:r>
-              <a:r>
-                <a:rPr lang="en-US" sz="2000" dirty="0">
-                  <a:solidFill>
-                    <a:prstClr val="black"/>
-                  </a:solidFill>
-                  <a:latin typeface="Calibri" panose="020F0502020204030204"/>
-                </a:rPr>
-                <a:t> </a:t>
-              </a:r>
-              <a:r>
-                <a:rPr lang="en-US" sz="1600" dirty="0">
-                  <a:solidFill>
-                    <a:prstClr val="black"/>
-                  </a:solidFill>
-                  <a:latin typeface="Calibri" panose="020F0502020204030204"/>
-                </a:rPr>
-                <a:t>Here is the tweet: </a:t>
-              </a:r>
-              <a:r>
-                <a:rPr lang="en-US" sz="2000" dirty="0">
-                  <a:solidFill>
-                    <a:schemeClr val="accent5">
-                      <a:lumMod val="75000"/>
-                    </a:schemeClr>
-                  </a:solidFill>
-                  <a:latin typeface="Calibri" panose="020F0502020204030204"/>
-                </a:rPr>
-                <a:t>“It's so brilliant that #</a:t>
-              </a:r>
-              <a:r>
-                <a:rPr lang="en-US" sz="2000" dirty="0" err="1">
-                  <a:solidFill>
-                    <a:schemeClr val="accent5">
-                      <a:lumMod val="75000"/>
-                    </a:schemeClr>
-                  </a:solidFill>
-                  <a:latin typeface="Calibri" panose="020F0502020204030204"/>
-                </a:rPr>
-                <a:t>lovewins</a:t>
-              </a:r>
-              <a:r>
-                <a:rPr lang="en-US" sz="2000" dirty="0">
-                  <a:solidFill>
-                    <a:schemeClr val="accent5">
-                      <a:lumMod val="75000"/>
-                    </a:schemeClr>
-                  </a:solidFill>
-                  <a:latin typeface="Calibri" panose="020F0502020204030204"/>
-                </a:rPr>
-                <a:t> - now extend the equality to women's rights #</a:t>
-              </a:r>
-              <a:r>
-                <a:rPr lang="en-US" sz="2000" dirty="0" err="1">
-                  <a:solidFill>
-                    <a:schemeClr val="accent5">
-                      <a:lumMod val="75000"/>
-                    </a:schemeClr>
-                  </a:solidFill>
-                  <a:latin typeface="Calibri" panose="020F0502020204030204"/>
-                </a:rPr>
-                <a:t>abortionrights</a:t>
-              </a:r>
-              <a:r>
-                <a:rPr lang="en-US" sz="2000" dirty="0">
-                  <a:solidFill>
-                    <a:schemeClr val="accent5">
-                      <a:lumMod val="75000"/>
-                    </a:schemeClr>
-                  </a:solidFill>
-                  <a:latin typeface="Calibri" panose="020F0502020204030204"/>
-                </a:rPr>
-                <a:t>.”</a:t>
-              </a:r>
-              <a:r>
-                <a:rPr lang="en-US" sz="2000" dirty="0">
-                  <a:solidFill>
-                    <a:prstClr val="black"/>
-                  </a:solidFill>
-                  <a:latin typeface="Calibri" panose="020F0502020204030204"/>
-                </a:rPr>
-                <a:t> </a:t>
-              </a:r>
-              <a:r>
-                <a:rPr lang="en-US" sz="1600" dirty="0">
-                  <a:solidFill>
-                    <a:prstClr val="black"/>
-                  </a:solidFill>
-                  <a:latin typeface="Calibri" panose="020F0502020204030204"/>
-                </a:rPr>
-                <a:t>The stance of the tweet is: </a:t>
-              </a:r>
-            </a:p>
-          </p:txBody>
-        </p:sp>
-        <p:sp>
-          <p:nvSpPr>
-            <p:cNvPr id="8" name="TextBox 7">
-              <a:extLst>
-                <a:ext uri="{FF2B5EF4-FFF2-40B4-BE49-F238E27FC236}">
-                  <a16:creationId xmlns:a16="http://schemas.microsoft.com/office/drawing/2014/main" id="{8CFAF8A9-36DF-56D8-7A8C-95D2A67A0DAD}"/>
-                </a:ext>
-              </a:extLst>
-            </p:cNvPr>
-            <p:cNvSpPr txBox="1"/>
-            <p:nvPr/>
-          </p:nvSpPr>
-          <p:spPr>
-            <a:xfrm>
-              <a:off x="2509043" y="1653860"/>
-              <a:ext cx="2254981" cy="400110"/>
-            </a:xfrm>
-            <a:prstGeom prst="rect">
-              <a:avLst/>
-            </a:prstGeom>
-            <a:noFill/>
-          </p:spPr>
-          <p:txBody>
-            <a:bodyPr wrap="square" rtlCol="0">
-              <a:spAutoFit/>
-            </a:bodyPr>
-            <a:lstStyle/>
-            <a:p>
-              <a:pPr algn="ctr"/>
-              <a:r>
-                <a:rPr lang="en-TW" sz="2000" dirty="0">
-                  <a:solidFill>
-                    <a:schemeClr val="accent6">
-                      <a:lumMod val="75000"/>
-                    </a:schemeClr>
-                  </a:solidFill>
-                  <a:latin typeface="Calibri" panose="020F0502020204030204"/>
-                </a:rPr>
-                <a:t>Task Description</a:t>
-              </a:r>
-            </a:p>
-          </p:txBody>
-        </p:sp>
-        <p:cxnSp>
-          <p:nvCxnSpPr>
-            <p:cNvPr id="10" name="Straight Arrow Connector 9">
-              <a:extLst>
-                <a:ext uri="{FF2B5EF4-FFF2-40B4-BE49-F238E27FC236}">
-                  <a16:creationId xmlns:a16="http://schemas.microsoft.com/office/drawing/2014/main" id="{EE134B28-38C3-FEBC-76D0-E2D82096689D}"/>
-                </a:ext>
-              </a:extLst>
-            </p:cNvPr>
-            <p:cNvCxnSpPr>
-              <a:cxnSpLocks/>
-              <a:stCxn id="8" idx="2"/>
-            </p:cNvCxnSpPr>
-            <p:nvPr/>
-          </p:nvCxnSpPr>
-          <p:spPr>
-            <a:xfrm>
-              <a:off x="3636534" y="2053970"/>
-              <a:ext cx="11922" cy="460630"/>
-            </a:xfrm>
-            <a:prstGeom prst="straightConnector1">
-              <a:avLst/>
-            </a:prstGeom>
-            <a:ln w="28575">
-              <a:solidFill>
-                <a:schemeClr val="accent6">
-                  <a:lumMod val="75000"/>
-                </a:schemeClr>
-              </a:solidFill>
-              <a:tailEnd type="triangle"/>
-            </a:ln>
-          </p:spPr>
-          <p:style>
-            <a:lnRef idx="1">
-              <a:schemeClr val="accent1"/>
-            </a:lnRef>
-            <a:fillRef idx="0">
-              <a:schemeClr val="accent1"/>
-            </a:fillRef>
-            <a:effectRef idx="0">
-              <a:schemeClr val="accent1"/>
-            </a:effectRef>
-            <a:fontRef idx="minor">
-              <a:schemeClr val="tx1"/>
-            </a:fontRef>
-          </p:style>
-        </p:cxnSp>
-        <p:sp>
-          <p:nvSpPr>
-            <p:cNvPr id="12" name="TextBox 11">
-              <a:extLst>
-                <a:ext uri="{FF2B5EF4-FFF2-40B4-BE49-F238E27FC236}">
-                  <a16:creationId xmlns:a16="http://schemas.microsoft.com/office/drawing/2014/main" id="{E087CB6D-9D82-F95C-9972-DA4C06707291}"/>
-                </a:ext>
-              </a:extLst>
-            </p:cNvPr>
-            <p:cNvSpPr txBox="1"/>
-            <p:nvPr/>
-          </p:nvSpPr>
-          <p:spPr>
-            <a:xfrm>
-              <a:off x="482662" y="2709709"/>
-              <a:ext cx="2254981" cy="400110"/>
-            </a:xfrm>
-            <a:prstGeom prst="rect">
-              <a:avLst/>
-            </a:prstGeom>
-            <a:noFill/>
-          </p:spPr>
-          <p:txBody>
-            <a:bodyPr wrap="square" rtlCol="0">
-              <a:spAutoFit/>
-            </a:bodyPr>
-            <a:lstStyle/>
-            <a:p>
-              <a:pPr algn="ctr"/>
-              <a:r>
-                <a:rPr lang="en-TW" sz="2000" dirty="0">
-                  <a:solidFill>
-                    <a:srgbClr val="C00000"/>
-                  </a:solidFill>
-                  <a:latin typeface="Calibri" panose="020F0502020204030204"/>
-                </a:rPr>
-                <a:t>Possible Labels</a:t>
-              </a:r>
-            </a:p>
-          </p:txBody>
-        </p:sp>
-        <p:cxnSp>
-          <p:nvCxnSpPr>
-            <p:cNvPr id="13" name="Straight Arrow Connector 12">
-              <a:extLst>
-                <a:ext uri="{FF2B5EF4-FFF2-40B4-BE49-F238E27FC236}">
-                  <a16:creationId xmlns:a16="http://schemas.microsoft.com/office/drawing/2014/main" id="{9E9A7B65-F9B2-B727-F48E-F0D0FED1DD35}"/>
-                </a:ext>
-              </a:extLst>
-            </p:cNvPr>
-            <p:cNvCxnSpPr>
-              <a:cxnSpLocks/>
-              <a:stCxn id="12" idx="2"/>
-              <a:endCxn id="2" idx="1"/>
-            </p:cNvCxnSpPr>
-            <p:nvPr/>
-          </p:nvCxnSpPr>
-          <p:spPr>
-            <a:xfrm>
-              <a:off x="1610153" y="3109819"/>
-              <a:ext cx="890285" cy="122586"/>
-            </a:xfrm>
-            <a:prstGeom prst="straightConnector1">
-              <a:avLst/>
-            </a:prstGeom>
-            <a:ln w="28575">
-              <a:solidFill>
-                <a:srgbClr val="C00000"/>
-              </a:solidFill>
-              <a:tailEnd type="triangle"/>
-            </a:ln>
-          </p:spPr>
-          <p:style>
-            <a:lnRef idx="1">
-              <a:schemeClr val="accent1"/>
-            </a:lnRef>
-            <a:fillRef idx="0">
-              <a:schemeClr val="accent1"/>
-            </a:fillRef>
-            <a:effectRef idx="0">
-              <a:schemeClr val="accent1"/>
-            </a:effectRef>
-            <a:fontRef idx="minor">
-              <a:schemeClr val="tx1"/>
-            </a:fontRef>
-          </p:style>
-        </p:cxnSp>
-        <p:sp>
-          <p:nvSpPr>
-            <p:cNvPr id="17" name="TextBox 16">
-              <a:extLst>
-                <a:ext uri="{FF2B5EF4-FFF2-40B4-BE49-F238E27FC236}">
-                  <a16:creationId xmlns:a16="http://schemas.microsoft.com/office/drawing/2014/main" id="{7203F0DB-5576-9F4E-AFF9-CB1428296E75}"/>
-                </a:ext>
-              </a:extLst>
-            </p:cNvPr>
-            <p:cNvSpPr txBox="1"/>
-            <p:nvPr/>
-          </p:nvSpPr>
-          <p:spPr>
-            <a:xfrm>
-              <a:off x="6008147" y="4410840"/>
-              <a:ext cx="2254981" cy="400110"/>
-            </a:xfrm>
-            <a:prstGeom prst="rect">
-              <a:avLst/>
-            </a:prstGeom>
-            <a:noFill/>
-          </p:spPr>
-          <p:txBody>
-            <a:bodyPr wrap="square" rtlCol="0">
-              <a:spAutoFit/>
-            </a:bodyPr>
-            <a:lstStyle/>
-            <a:p>
-              <a:pPr algn="ctr"/>
-              <a:r>
-                <a:rPr lang="en-TW" sz="2000" dirty="0">
-                  <a:solidFill>
-                    <a:schemeClr val="accent5">
-                      <a:lumMod val="75000"/>
-                    </a:schemeClr>
-                  </a:solidFill>
-                  <a:latin typeface="Calibri" panose="020F0502020204030204"/>
-                </a:rPr>
-                <a:t>Tweet of Interest</a:t>
-              </a:r>
-            </a:p>
-          </p:txBody>
-        </p:sp>
-        <p:cxnSp>
-          <p:nvCxnSpPr>
-            <p:cNvPr id="18" name="Straight Arrow Connector 17">
-              <a:extLst>
-                <a:ext uri="{FF2B5EF4-FFF2-40B4-BE49-F238E27FC236}">
-                  <a16:creationId xmlns:a16="http://schemas.microsoft.com/office/drawing/2014/main" id="{7C3ECF62-DF12-4B49-6EA5-F8A7FDB0AEFE}"/>
-                </a:ext>
-              </a:extLst>
-            </p:cNvPr>
-            <p:cNvCxnSpPr>
-              <a:cxnSpLocks/>
-              <a:stCxn id="17" idx="0"/>
-            </p:cNvCxnSpPr>
-            <p:nvPr/>
-          </p:nvCxnSpPr>
-          <p:spPr>
-            <a:xfrm flipH="1" flipV="1">
-              <a:off x="7135637" y="3721608"/>
-              <a:ext cx="1" cy="689232"/>
-            </a:xfrm>
-            <a:prstGeom prst="straightConnector1">
-              <a:avLst/>
-            </a:prstGeom>
-            <a:ln w="28575">
-              <a:solidFill>
-                <a:schemeClr val="accent5">
-                  <a:lumMod val="75000"/>
-                </a:schemeClr>
-              </a:solidFill>
-              <a:tailEnd type="triangle"/>
-            </a:ln>
-          </p:spPr>
-          <p:style>
-            <a:lnRef idx="1">
-              <a:schemeClr val="accent1"/>
-            </a:lnRef>
-            <a:fillRef idx="0">
-              <a:schemeClr val="accent1"/>
-            </a:fillRef>
-            <a:effectRef idx="0">
-              <a:schemeClr val="accent1"/>
-            </a:effectRef>
-            <a:fontRef idx="minor">
-              <a:schemeClr val="tx1"/>
-            </a:fontRef>
-          </p:style>
-        </p:cxnSp>
-      </p:grpSp>
-    </p:spTree>
-    <p:extLst>
-      <p:ext uri="{BB962C8B-B14F-4D97-AF65-F5344CB8AC3E}">
-        <p14:creationId xmlns:p14="http://schemas.microsoft.com/office/powerpoint/2010/main" val="1029871097"/>
       </p:ext>
     </p:extLst>
   </p:cSld>
